--- a/CodeDojo-UnitTesting.pptx
+++ b/CodeDojo-UnitTesting.pptx
@@ -5,10 +5,10 @@
     <p:sldMasterId id="2147483648" r:id="rId1"/>
   </p:sldMasterIdLst>
   <p:notesMasterIdLst>
-    <p:notesMasterId r:id="rId16"/>
+    <p:notesMasterId r:id="rId15"/>
   </p:notesMasterIdLst>
   <p:handoutMasterIdLst>
-    <p:handoutMasterId r:id="rId17"/>
+    <p:handoutMasterId r:id="rId16"/>
   </p:handoutMasterIdLst>
   <p:sldIdLst>
     <p:sldId id="409" r:id="rId2"/>
@@ -21,10 +21,9 @@
     <p:sldId id="414" r:id="rId9"/>
     <p:sldId id="413" r:id="rId10"/>
     <p:sldId id="416" r:id="rId11"/>
-    <p:sldId id="419" r:id="rId12"/>
-    <p:sldId id="418" r:id="rId13"/>
-    <p:sldId id="415" r:id="rId14"/>
-    <p:sldId id="411" r:id="rId15"/>
+    <p:sldId id="418" r:id="rId12"/>
+    <p:sldId id="415" r:id="rId13"/>
+    <p:sldId id="411" r:id="rId14"/>
   </p:sldIdLst>
   <p:sldSz cx="9144000" cy="5715000" type="screen16x10"/>
   <p:notesSz cx="6858000" cy="9144000"/>
@@ -1188,7 +1187,7 @@
             <a:fld id="{AABF9108-921F-4578-B50F-196EC54E7AE6}" type="slidenum">
               <a:rPr lang="en-ZA" smtClean="0"/>
               <a:pPr/>
-              <a:t>13</a:t>
+              <a:t>12</a:t>
             </a:fld>
             <a:endParaRPr lang="en-ZA"/>
           </a:p>
@@ -1273,7 +1272,7 @@
             <a:fld id="{AABF9108-921F-4578-B50F-196EC54E7AE6}" type="slidenum">
               <a:rPr lang="en-ZA" smtClean="0"/>
               <a:pPr/>
-              <a:t>14</a:t>
+              <a:t>13</a:t>
             </a:fld>
             <a:endParaRPr lang="en-ZA"/>
           </a:p>
@@ -4950,6 +4949,14 @@
           <a:lstStyle/>
           <a:p>
             <a:r>
+              <a:rPr lang="en-ZA" dirty="0"/>
+              <a:t>Exercise </a:t>
+            </a:r>
+            <a:r>
+              <a:rPr lang="en-ZA" dirty="0" smtClean="0"/>
+              <a:t>1 - </a:t>
+            </a:r>
+            <a:r>
               <a:rPr lang="en-ZA" dirty="0" err="1" smtClean="0"/>
               <a:t>NUnit</a:t>
             </a:r>
@@ -5029,12 +5036,14 @@
         </p:nvSpPr>
         <p:spPr/>
         <p:txBody>
-          <a:bodyPr/>
+          <a:bodyPr>
+            <a:normAutofit/>
+          </a:bodyPr>
           <a:lstStyle/>
           <a:p>
             <a:r>
               <a:rPr lang="en-ZA" dirty="0" smtClean="0"/>
-              <a:t>Exercise 1</a:t>
+              <a:t>Exercise 2 – Game Of Life</a:t>
             </a:r>
             <a:endParaRPr lang="en-ZA" dirty="0"/>
           </a:p>
@@ -5052,9 +5061,84 @@
         </p:nvSpPr>
         <p:spPr/>
         <p:txBody>
-          <a:bodyPr/>
-          <a:lstStyle/>
-          <a:p>
+          <a:bodyPr>
+            <a:normAutofit fontScale="92500" lnSpcReduction="10000"/>
+          </a:bodyPr>
+          <a:lstStyle/>
+          <a:p>
+            <a:r>
+              <a:rPr lang="en-ZA" dirty="0" smtClean="0"/>
+              <a:t>Use Unit Tests to design a solution for Conway’s Game </a:t>
+            </a:r>
+            <a:r>
+              <a:rPr lang="en-ZA" dirty="0"/>
+              <a:t>Of Life</a:t>
+            </a:r>
+            <a:r>
+              <a:rPr lang="en-ZA" dirty="0" smtClean="0"/>
+              <a:t>:</a:t>
+            </a:r>
+            <a:br>
+              <a:rPr lang="en-ZA" dirty="0" smtClean="0"/>
+            </a:br>
+            <a:r>
+              <a:rPr lang="en-ZA" dirty="0" smtClean="0">
+                <a:hlinkClick r:id="rId2"/>
+              </a:rPr>
+              <a:t>http</a:t>
+            </a:r>
+            <a:r>
+              <a:rPr lang="en-ZA" dirty="0">
+                <a:hlinkClick r:id="rId2"/>
+              </a:rPr>
+              <a:t>://</a:t>
+            </a:r>
+            <a:r>
+              <a:rPr lang="en-ZA" dirty="0" smtClean="0">
+                <a:hlinkClick r:id="rId2"/>
+              </a:rPr>
+              <a:t>en.wikipedia.org/wiki/Conway%27s_Game_of_Life</a:t>
+            </a:r>
+            <a:endParaRPr lang="en-ZA" dirty="0" smtClean="0"/>
+          </a:p>
+          <a:p>
+            <a:pPr marL="0" indent="0">
+              <a:buNone/>
+            </a:pPr>
+            <a:endParaRPr lang="en-ZA" dirty="0" smtClean="0"/>
+          </a:p>
+          <a:p>
+            <a:pPr lvl="1"/>
+            <a:r>
+              <a:rPr lang="en-ZA" dirty="0"/>
+              <a:t>Any live cell with fewer than two live neighbours dies, as if caused by under-population.</a:t>
+            </a:r>
+          </a:p>
+          <a:p>
+            <a:pPr lvl="1"/>
+            <a:r>
+              <a:rPr lang="en-ZA" dirty="0"/>
+              <a:t>Any live cell with two or three live neighbours lives on to the next generation.</a:t>
+            </a:r>
+          </a:p>
+          <a:p>
+            <a:pPr lvl="1"/>
+            <a:r>
+              <a:rPr lang="en-ZA" dirty="0"/>
+              <a:t>Any live cell with more than three live neighbours dies, as if by overcrowding.</a:t>
+            </a:r>
+          </a:p>
+          <a:p>
+            <a:pPr lvl="1"/>
+            <a:r>
+              <a:rPr lang="en-ZA" dirty="0"/>
+              <a:t>Any dead cell with exactly three live neighbours becomes a live cell, as if by reproduction.</a:t>
+            </a:r>
+          </a:p>
+          <a:p>
+            <a:pPr marL="0" indent="0">
+              <a:buNone/>
+            </a:pPr>
             <a:endParaRPr lang="en-ZA" dirty="0"/>
           </a:p>
         </p:txBody>
@@ -5062,7 +5146,7 @@
     </p:spTree>
     <p:extLst>
       <p:ext uri="{BB962C8B-B14F-4D97-AF65-F5344CB8AC3E}">
-        <p14:creationId xmlns:p14="http://schemas.microsoft.com/office/powerpoint/2010/main" val="1465013712"/>
+        <p14:creationId xmlns:p14="http://schemas.microsoft.com/office/powerpoint/2010/main" val="1043891441"/>
       </p:ext>
     </p:extLst>
   </p:cSld>
@@ -5108,155 +5192,6 @@
           <a:p>
             <a:r>
               <a:rPr lang="en-ZA" dirty="0" smtClean="0"/>
-              <a:t>Exercise 2 – Game Of Life</a:t>
-            </a:r>
-            <a:endParaRPr lang="en-ZA" dirty="0"/>
-          </a:p>
-        </p:txBody>
-      </p:sp>
-      <p:sp>
-        <p:nvSpPr>
-          <p:cNvPr id="3" name="Content Placeholder 2"/>
-          <p:cNvSpPr>
-            <a:spLocks noGrp="1"/>
-          </p:cNvSpPr>
-          <p:nvPr>
-            <p:ph idx="1"/>
-          </p:nvPr>
-        </p:nvSpPr>
-        <p:spPr/>
-        <p:txBody>
-          <a:bodyPr>
-            <a:normAutofit fontScale="92500" lnSpcReduction="10000"/>
-          </a:bodyPr>
-          <a:lstStyle/>
-          <a:p>
-            <a:r>
-              <a:rPr lang="en-ZA" dirty="0" smtClean="0"/>
-              <a:t>Use Unit Tests to design a solution for Conway’s Game </a:t>
-            </a:r>
-            <a:r>
-              <a:rPr lang="en-ZA" dirty="0"/>
-              <a:t>Of Life</a:t>
-            </a:r>
-            <a:r>
-              <a:rPr lang="en-ZA" dirty="0" smtClean="0"/>
-              <a:t>:</a:t>
-            </a:r>
-            <a:br>
-              <a:rPr lang="en-ZA" dirty="0" smtClean="0"/>
-            </a:br>
-            <a:r>
-              <a:rPr lang="en-ZA" dirty="0" smtClean="0">
-                <a:hlinkClick r:id="rId2"/>
-              </a:rPr>
-              <a:t>http</a:t>
-            </a:r>
-            <a:r>
-              <a:rPr lang="en-ZA" dirty="0">
-                <a:hlinkClick r:id="rId2"/>
-              </a:rPr>
-              <a:t>://</a:t>
-            </a:r>
-            <a:r>
-              <a:rPr lang="en-ZA" dirty="0" smtClean="0">
-                <a:hlinkClick r:id="rId2"/>
-              </a:rPr>
-              <a:t>en.wikipedia.org/wiki/Conway%27s_Game_of_Life</a:t>
-            </a:r>
-            <a:endParaRPr lang="en-ZA" dirty="0" smtClean="0"/>
-          </a:p>
-          <a:p>
-            <a:pPr marL="0" indent="0">
-              <a:buNone/>
-            </a:pPr>
-            <a:endParaRPr lang="en-ZA" dirty="0" smtClean="0"/>
-          </a:p>
-          <a:p>
-            <a:pPr lvl="1"/>
-            <a:r>
-              <a:rPr lang="en-ZA" dirty="0"/>
-              <a:t>Any live cell with fewer than two live neighbours dies, as if caused by under-population.</a:t>
-            </a:r>
-          </a:p>
-          <a:p>
-            <a:pPr lvl="1"/>
-            <a:r>
-              <a:rPr lang="en-ZA" dirty="0"/>
-              <a:t>Any live cell with two or three live neighbours lives on to the next generation.</a:t>
-            </a:r>
-          </a:p>
-          <a:p>
-            <a:pPr lvl="1"/>
-            <a:r>
-              <a:rPr lang="en-ZA" dirty="0"/>
-              <a:t>Any live cell with more than three live neighbours dies, as if by overcrowding.</a:t>
-            </a:r>
-          </a:p>
-          <a:p>
-            <a:pPr lvl="1"/>
-            <a:r>
-              <a:rPr lang="en-ZA" dirty="0"/>
-              <a:t>Any dead cell with exactly three live neighbours becomes a live cell, as if by reproduction.</a:t>
-            </a:r>
-          </a:p>
-          <a:p>
-            <a:pPr marL="0" indent="0">
-              <a:buNone/>
-            </a:pPr>
-            <a:endParaRPr lang="en-ZA" dirty="0"/>
-          </a:p>
-        </p:txBody>
-      </p:sp>
-    </p:spTree>
-    <p:extLst>
-      <p:ext uri="{BB962C8B-B14F-4D97-AF65-F5344CB8AC3E}">
-        <p14:creationId xmlns:p14="http://schemas.microsoft.com/office/powerpoint/2010/main" val="1043891441"/>
-      </p:ext>
-    </p:extLst>
-  </p:cSld>
-  <p:clrMapOvr>
-    <a:masterClrMapping/>
-  </p:clrMapOvr>
-</p:sld>
-</file>
-
-<file path=ppt/slides/slide13.xml><?xml version="1.0" encoding="utf-8"?>
-<p:sld xmlns:a="http://schemas.openxmlformats.org/drawingml/2006/main" xmlns:r="http://schemas.openxmlformats.org/officeDocument/2006/relationships" xmlns:p="http://schemas.openxmlformats.org/presentationml/2006/main">
-  <p:cSld>
-    <p:spTree>
-      <p:nvGrpSpPr>
-        <p:cNvPr id="1" name=""/>
-        <p:cNvGrpSpPr/>
-        <p:nvPr/>
-      </p:nvGrpSpPr>
-      <p:grpSpPr>
-        <a:xfrm>
-          <a:off x="0" y="0"/>
-          <a:ext cx="0" cy="0"/>
-          <a:chOff x="0" y="0"/>
-          <a:chExt cx="0" cy="0"/>
-        </a:xfrm>
-      </p:grpSpPr>
-      <p:sp>
-        <p:nvSpPr>
-          <p:cNvPr id="2" name="Title 1"/>
-          <p:cNvSpPr>
-            <a:spLocks noGrp="1"/>
-          </p:cNvSpPr>
-          <p:nvPr>
-            <p:ph type="title"/>
-          </p:nvPr>
-        </p:nvSpPr>
-        <p:spPr/>
-        <p:txBody>
-          <a:bodyPr>
-            <a:normAutofit/>
-          </a:bodyPr>
-          <a:lstStyle/>
-          <a:p>
-            <a:r>
-              <a:rPr lang="en-ZA" dirty="0" smtClean="0"/>
               <a:t>References</a:t>
             </a:r>
             <a:endParaRPr lang="en-ZA" dirty="0"/>
@@ -5346,7 +5281,7 @@
 </p:sld>
 </file>
 
-<file path=ppt/slides/slide14.xml><?xml version="1.0" encoding="utf-8"?>
+<file path=ppt/slides/slide13.xml><?xml version="1.0" encoding="utf-8"?>
 <p:sld xmlns:a="http://schemas.openxmlformats.org/drawingml/2006/main" xmlns:r="http://schemas.openxmlformats.org/officeDocument/2006/relationships" xmlns:p="http://schemas.openxmlformats.org/presentationml/2006/main">
   <p:cSld>
     <p:spTree>
@@ -5673,8 +5608,13 @@
           <a:p>
             <a:r>
               <a:rPr lang="en-ZA" dirty="0" smtClean="0"/>
-              <a:t>Fail safely </a:t>
-            </a:r>
+              <a:t>Fail </a:t>
+            </a:r>
+            <a:r>
+              <a:rPr lang="en-ZA" dirty="0" smtClean="0"/>
+              <a:t>within a safe environment</a:t>
+            </a:r>
+            <a:endParaRPr lang="en-ZA" dirty="0" smtClean="0"/>
           </a:p>
           <a:p>
             <a:r>
@@ -5844,7 +5784,7 @@
           <a:p>
             <a:r>
               <a:rPr lang="en-ZA" dirty="0" smtClean="0"/>
-              <a:t>Testing</a:t>
+              <a:t>Software</a:t>
             </a:r>
             <a:endParaRPr lang="en-ZA" dirty="0"/>
           </a:p>
@@ -6403,7 +6343,6 @@
               <a:rPr lang="en-ZA" dirty="0"/>
               <a:t>Unit VS Integration Testing</a:t>
             </a:r>
-            <a:endParaRPr lang="en-ZA" dirty="0"/>
           </a:p>
         </p:txBody>
       </p:sp>

--- a/CodeDojo-UnitTesting.pptx
+++ b/CodeDojo-UnitTesting.pptx
@@ -5,25 +5,28 @@
     <p:sldMasterId id="2147483648" r:id="rId1"/>
   </p:sldMasterIdLst>
   <p:notesMasterIdLst>
-    <p:notesMasterId r:id="rId15"/>
+    <p:notesMasterId r:id="rId18"/>
   </p:notesMasterIdLst>
   <p:handoutMasterIdLst>
-    <p:handoutMasterId r:id="rId16"/>
+    <p:handoutMasterId r:id="rId19"/>
   </p:handoutMasterIdLst>
   <p:sldIdLst>
     <p:sldId id="409" r:id="rId2"/>
     <p:sldId id="280" r:id="rId3"/>
-    <p:sldId id="406" r:id="rId4"/>
-    <p:sldId id="420" r:id="rId5"/>
-    <p:sldId id="417" r:id="rId6"/>
-    <p:sldId id="412" r:id="rId7"/>
-    <p:sldId id="410" r:id="rId8"/>
-    <p:sldId id="414" r:id="rId9"/>
-    <p:sldId id="413" r:id="rId10"/>
-    <p:sldId id="416" r:id="rId11"/>
-    <p:sldId id="418" r:id="rId12"/>
-    <p:sldId id="415" r:id="rId13"/>
-    <p:sldId id="411" r:id="rId14"/>
+    <p:sldId id="417" r:id="rId4"/>
+    <p:sldId id="412" r:id="rId5"/>
+    <p:sldId id="410" r:id="rId6"/>
+    <p:sldId id="414" r:id="rId7"/>
+    <p:sldId id="413" r:id="rId8"/>
+    <p:sldId id="419" r:id="rId9"/>
+    <p:sldId id="420" r:id="rId10"/>
+    <p:sldId id="421" r:id="rId11"/>
+    <p:sldId id="422" r:id="rId12"/>
+    <p:sldId id="423" r:id="rId13"/>
+    <p:sldId id="416" r:id="rId14"/>
+    <p:sldId id="418" r:id="rId15"/>
+    <p:sldId id="415" r:id="rId16"/>
+    <p:sldId id="411" r:id="rId17"/>
   </p:sldIdLst>
   <p:sldSz cx="9144000" cy="5715000" type="screen16x10"/>
   <p:notesSz cx="6858000" cy="9144000"/>
@@ -238,7 +241,7 @@
             <a:fld id="{2280EABA-BA46-4977-A468-5BA52A04D625}" type="datetimeFigureOut">
               <a:rPr lang="en-US" smtClean="0"/>
               <a:pPr/>
-              <a:t>3/2/2015</a:t>
+              <a:t>3/5/2015</a:t>
             </a:fld>
             <a:endParaRPr lang="en-US"/>
           </a:p>
@@ -405,7 +408,7 @@
             <a:fld id="{D9A4A4D6-0EB0-423B-8417-AC0C87E5E672}" type="datetimeFigureOut">
               <a:rPr lang="en-ZA" smtClean="0"/>
               <a:pPr/>
-              <a:t>2015-03-02</a:t>
+              <a:t>2015-03-05</a:t>
             </a:fld>
             <a:endParaRPr lang="en-ZA"/>
           </a:p>
@@ -759,6 +762,91 @@
 </p:notes>
 </file>
 
+<file path=ppt/notesSlides/notesSlide10.xml><?xml version="1.0" encoding="utf-8"?>
+<p:notes xmlns:a="http://schemas.openxmlformats.org/drawingml/2006/main" xmlns:r="http://schemas.openxmlformats.org/officeDocument/2006/relationships" xmlns:p="http://schemas.openxmlformats.org/presentationml/2006/main">
+  <p:cSld>
+    <p:spTree>
+      <p:nvGrpSpPr>
+        <p:cNvPr id="1" name=""/>
+        <p:cNvGrpSpPr/>
+        <p:nvPr/>
+      </p:nvGrpSpPr>
+      <p:grpSpPr>
+        <a:xfrm>
+          <a:off x="0" y="0"/>
+          <a:ext cx="0" cy="0"/>
+          <a:chOff x="0" y="0"/>
+          <a:chExt cx="0" cy="0"/>
+        </a:xfrm>
+      </p:grpSpPr>
+      <p:sp>
+        <p:nvSpPr>
+          <p:cNvPr id="2" name="Slide Image Placeholder 1"/>
+          <p:cNvSpPr>
+            <a:spLocks noGrp="1" noRot="1" noChangeAspect="1"/>
+          </p:cNvSpPr>
+          <p:nvPr>
+            <p:ph type="sldImg"/>
+          </p:nvPr>
+        </p:nvSpPr>
+        <p:spPr/>
+      </p:sp>
+      <p:sp>
+        <p:nvSpPr>
+          <p:cNvPr id="3" name="Notes Placeholder 2"/>
+          <p:cNvSpPr>
+            <a:spLocks noGrp="1"/>
+          </p:cNvSpPr>
+          <p:nvPr>
+            <p:ph type="body" idx="1"/>
+          </p:nvPr>
+        </p:nvSpPr>
+        <p:spPr/>
+        <p:txBody>
+          <a:bodyPr/>
+          <a:lstStyle/>
+          <a:p>
+            <a:endParaRPr lang="en-ZA" dirty="0"/>
+          </a:p>
+        </p:txBody>
+      </p:sp>
+      <p:sp>
+        <p:nvSpPr>
+          <p:cNvPr id="4" name="Slide Number Placeholder 3"/>
+          <p:cNvSpPr>
+            <a:spLocks noGrp="1"/>
+          </p:cNvSpPr>
+          <p:nvPr>
+            <p:ph type="sldNum" sz="quarter" idx="10"/>
+          </p:nvPr>
+        </p:nvSpPr>
+        <p:spPr/>
+        <p:txBody>
+          <a:bodyPr/>
+          <a:lstStyle/>
+          <a:p>
+            <a:fld id="{AABF9108-921F-4578-B50F-196EC54E7AE6}" type="slidenum">
+              <a:rPr lang="en-ZA" smtClean="0"/>
+              <a:pPr/>
+              <a:t>16</a:t>
+            </a:fld>
+            <a:endParaRPr lang="en-ZA"/>
+          </a:p>
+        </p:txBody>
+      </p:sp>
+    </p:spTree>
+    <p:extLst>
+      <p:ext uri="{BB962C8B-B14F-4D97-AF65-F5344CB8AC3E}">
+        <p14:creationId xmlns:p14="http://schemas.microsoft.com/office/powerpoint/2010/main" val="2668631266"/>
+      </p:ext>
+    </p:extLst>
+  </p:cSld>
+  <p:clrMapOvr>
+    <a:masterClrMapping/>
+  </p:clrMapOvr>
+</p:notes>
+</file>
+
 <file path=ppt/notesSlides/notesSlide2.xml><?xml version="1.0" encoding="utf-8"?>
 <p:notes xmlns:a="http://schemas.openxmlformats.org/drawingml/2006/main" xmlns:r="http://schemas.openxmlformats.org/officeDocument/2006/relationships" xmlns:p="http://schemas.openxmlformats.org/presentationml/2006/main">
   <p:cSld>
@@ -888,28 +976,6 @@
           <a:bodyPr/>
           <a:lstStyle/>
           <a:p>
-            <a:r>
-              <a:rPr lang="en-ZA" dirty="0" smtClean="0"/>
-              <a:t>Injection types</a:t>
-            </a:r>
-          </a:p>
-          <a:p>
-            <a:pPr marL="171450" indent="-171450">
-              <a:buFont typeface="Arial" panose="020B0604020202020204" pitchFamily="34" charset="0"/>
-              <a:buChar char="•"/>
-            </a:pPr>
-            <a:r>
-              <a:rPr lang="en-ZA" dirty="0" smtClean="0"/>
-              <a:t>Constructor</a:t>
-            </a:r>
-            <a:r>
-              <a:rPr lang="en-ZA" baseline="0" dirty="0" smtClean="0"/>
-              <a:t> </a:t>
-            </a:r>
-            <a:r>
-              <a:rPr lang="en-ZA" baseline="0" dirty="0" err="1" smtClean="0"/>
-              <a:t>paramaters</a:t>
-            </a:r>
             <a:endParaRPr lang="en-ZA" dirty="0"/>
           </a:p>
         </p:txBody>
@@ -941,7 +1007,7 @@
     </p:spTree>
     <p:extLst>
       <p:ext uri="{BB962C8B-B14F-4D97-AF65-F5344CB8AC3E}">
-        <p14:creationId xmlns:p14="http://schemas.microsoft.com/office/powerpoint/2010/main" val="1575524792"/>
+        <p14:creationId xmlns:p14="http://schemas.microsoft.com/office/powerpoint/2010/main" val="3904819827"/>
       </p:ext>
     </p:extLst>
   </p:cSld>
@@ -1026,7 +1092,7 @@
     </p:spTree>
     <p:extLst>
       <p:ext uri="{BB962C8B-B14F-4D97-AF65-F5344CB8AC3E}">
-        <p14:creationId xmlns:p14="http://schemas.microsoft.com/office/powerpoint/2010/main" val="3904819827"/>
+        <p14:creationId xmlns:p14="http://schemas.microsoft.com/office/powerpoint/2010/main" val="192967037"/>
       </p:ext>
     </p:extLst>
   </p:cSld>
@@ -1102,7 +1168,7 @@
             <a:fld id="{AABF9108-921F-4578-B50F-196EC54E7AE6}" type="slidenum">
               <a:rPr lang="en-ZA" smtClean="0"/>
               <a:pPr/>
-              <a:t>7</a:t>
+              <a:t>9</a:t>
             </a:fld>
             <a:endParaRPr lang="en-ZA"/>
           </a:p>
@@ -1111,7 +1177,7 @@
     </p:spTree>
     <p:extLst>
       <p:ext uri="{BB962C8B-B14F-4D97-AF65-F5344CB8AC3E}">
-        <p14:creationId xmlns:p14="http://schemas.microsoft.com/office/powerpoint/2010/main" val="192967037"/>
+        <p14:creationId xmlns:p14="http://schemas.microsoft.com/office/powerpoint/2010/main" val="4109479180"/>
       </p:ext>
     </p:extLst>
   </p:cSld>
@@ -1187,7 +1253,7 @@
             <a:fld id="{AABF9108-921F-4578-B50F-196EC54E7AE6}" type="slidenum">
               <a:rPr lang="en-ZA" smtClean="0"/>
               <a:pPr/>
-              <a:t>12</a:t>
+              <a:t>10</a:t>
             </a:fld>
             <a:endParaRPr lang="en-ZA"/>
           </a:p>
@@ -1196,7 +1262,7 @@
     </p:spTree>
     <p:extLst>
       <p:ext uri="{BB962C8B-B14F-4D97-AF65-F5344CB8AC3E}">
-        <p14:creationId xmlns:p14="http://schemas.microsoft.com/office/powerpoint/2010/main" val="3327003375"/>
+        <p14:creationId xmlns:p14="http://schemas.microsoft.com/office/powerpoint/2010/main" val="865522721"/>
       </p:ext>
     </p:extLst>
   </p:cSld>
@@ -1272,7 +1338,7 @@
             <a:fld id="{AABF9108-921F-4578-B50F-196EC54E7AE6}" type="slidenum">
               <a:rPr lang="en-ZA" smtClean="0"/>
               <a:pPr/>
-              <a:t>13</a:t>
+              <a:t>11</a:t>
             </a:fld>
             <a:endParaRPr lang="en-ZA"/>
           </a:p>
@@ -1281,7 +1347,211 @@
     </p:spTree>
     <p:extLst>
       <p:ext uri="{BB962C8B-B14F-4D97-AF65-F5344CB8AC3E}">
-        <p14:creationId xmlns:p14="http://schemas.microsoft.com/office/powerpoint/2010/main" val="2668631266"/>
+        <p14:creationId xmlns:p14="http://schemas.microsoft.com/office/powerpoint/2010/main" val="1227757204"/>
+      </p:ext>
+    </p:extLst>
+  </p:cSld>
+  <p:clrMapOvr>
+    <a:masterClrMapping/>
+  </p:clrMapOvr>
+</p:notes>
+</file>
+
+<file path=ppt/notesSlides/notesSlide8.xml><?xml version="1.0" encoding="utf-8"?>
+<p:notes xmlns:a="http://schemas.openxmlformats.org/drawingml/2006/main" xmlns:r="http://schemas.openxmlformats.org/officeDocument/2006/relationships" xmlns:p="http://schemas.openxmlformats.org/presentationml/2006/main">
+  <p:cSld>
+    <p:spTree>
+      <p:nvGrpSpPr>
+        <p:cNvPr id="1" name=""/>
+        <p:cNvGrpSpPr/>
+        <p:nvPr/>
+      </p:nvGrpSpPr>
+      <p:grpSpPr>
+        <a:xfrm>
+          <a:off x="0" y="0"/>
+          <a:ext cx="0" cy="0"/>
+          <a:chOff x="0" y="0"/>
+          <a:chExt cx="0" cy="0"/>
+        </a:xfrm>
+      </p:grpSpPr>
+      <p:sp>
+        <p:nvSpPr>
+          <p:cNvPr id="2" name="Slide Image Placeholder 1"/>
+          <p:cNvSpPr>
+            <a:spLocks noGrp="1" noRot="1" noChangeAspect="1"/>
+          </p:cNvSpPr>
+          <p:nvPr>
+            <p:ph type="sldImg"/>
+          </p:nvPr>
+        </p:nvSpPr>
+        <p:spPr/>
+      </p:sp>
+      <p:sp>
+        <p:nvSpPr>
+          <p:cNvPr id="3" name="Notes Placeholder 2"/>
+          <p:cNvSpPr>
+            <a:spLocks noGrp="1"/>
+          </p:cNvSpPr>
+          <p:nvPr>
+            <p:ph type="body" idx="1"/>
+          </p:nvPr>
+        </p:nvSpPr>
+        <p:spPr/>
+        <p:txBody>
+          <a:bodyPr/>
+          <a:lstStyle/>
+          <a:p>
+            <a:r>
+              <a:rPr lang="en-ZA" dirty="0" smtClean="0"/>
+              <a:t>The distinction here is the call to verify. Without it, then the test double is just a stub (even though we using a Mocking framework to create it)</a:t>
+            </a:r>
+          </a:p>
+          <a:p>
+            <a:endParaRPr lang="en-ZA" dirty="0" smtClean="0"/>
+          </a:p>
+          <a:p>
+            <a:r>
+              <a:rPr lang="en-ZA" dirty="0" smtClean="0"/>
+              <a:t>Stubs assert state (what is</a:t>
+            </a:r>
+            <a:r>
+              <a:rPr lang="en-ZA" baseline="0" dirty="0" smtClean="0"/>
+              <a:t> the result)</a:t>
+            </a:r>
+            <a:r>
+              <a:rPr lang="en-ZA" dirty="0" smtClean="0"/>
+              <a:t>, mocks</a:t>
+            </a:r>
+            <a:r>
+              <a:rPr lang="en-ZA" baseline="0" dirty="0" smtClean="0"/>
+              <a:t> assert behaviour (set up expectations, how was the result achieved)</a:t>
+            </a:r>
+          </a:p>
+          <a:p>
+            <a:endParaRPr lang="en-ZA" baseline="0" dirty="0" smtClean="0"/>
+          </a:p>
+          <a:p>
+            <a:r>
+              <a:rPr lang="en-ZA" baseline="0" dirty="0" smtClean="0"/>
+              <a:t>Some say the difference is that mocks can fail a test, but stubs cannot i.e. mocks run asserts, stubs do not</a:t>
+            </a:r>
+            <a:endParaRPr lang="en-ZA" dirty="0"/>
+          </a:p>
+        </p:txBody>
+      </p:sp>
+      <p:sp>
+        <p:nvSpPr>
+          <p:cNvPr id="4" name="Slide Number Placeholder 3"/>
+          <p:cNvSpPr>
+            <a:spLocks noGrp="1"/>
+          </p:cNvSpPr>
+          <p:nvPr>
+            <p:ph type="sldNum" sz="quarter" idx="10"/>
+          </p:nvPr>
+        </p:nvSpPr>
+        <p:spPr/>
+        <p:txBody>
+          <a:bodyPr/>
+          <a:lstStyle/>
+          <a:p>
+            <a:fld id="{AABF9108-921F-4578-B50F-196EC54E7AE6}" type="slidenum">
+              <a:rPr lang="en-ZA" smtClean="0"/>
+              <a:pPr/>
+              <a:t>12</a:t>
+            </a:fld>
+            <a:endParaRPr lang="en-ZA"/>
+          </a:p>
+        </p:txBody>
+      </p:sp>
+    </p:spTree>
+    <p:extLst>
+      <p:ext uri="{BB962C8B-B14F-4D97-AF65-F5344CB8AC3E}">
+        <p14:creationId xmlns:p14="http://schemas.microsoft.com/office/powerpoint/2010/main" val="3546075112"/>
+      </p:ext>
+    </p:extLst>
+  </p:cSld>
+  <p:clrMapOvr>
+    <a:masterClrMapping/>
+  </p:clrMapOvr>
+</p:notes>
+</file>
+
+<file path=ppt/notesSlides/notesSlide9.xml><?xml version="1.0" encoding="utf-8"?>
+<p:notes xmlns:a="http://schemas.openxmlformats.org/drawingml/2006/main" xmlns:r="http://schemas.openxmlformats.org/officeDocument/2006/relationships" xmlns:p="http://schemas.openxmlformats.org/presentationml/2006/main">
+  <p:cSld>
+    <p:spTree>
+      <p:nvGrpSpPr>
+        <p:cNvPr id="1" name=""/>
+        <p:cNvGrpSpPr/>
+        <p:nvPr/>
+      </p:nvGrpSpPr>
+      <p:grpSpPr>
+        <a:xfrm>
+          <a:off x="0" y="0"/>
+          <a:ext cx="0" cy="0"/>
+          <a:chOff x="0" y="0"/>
+          <a:chExt cx="0" cy="0"/>
+        </a:xfrm>
+      </p:grpSpPr>
+      <p:sp>
+        <p:nvSpPr>
+          <p:cNvPr id="2" name="Slide Image Placeholder 1"/>
+          <p:cNvSpPr>
+            <a:spLocks noGrp="1" noRot="1" noChangeAspect="1"/>
+          </p:cNvSpPr>
+          <p:nvPr>
+            <p:ph type="sldImg"/>
+          </p:nvPr>
+        </p:nvSpPr>
+        <p:spPr/>
+      </p:sp>
+      <p:sp>
+        <p:nvSpPr>
+          <p:cNvPr id="3" name="Notes Placeholder 2"/>
+          <p:cNvSpPr>
+            <a:spLocks noGrp="1"/>
+          </p:cNvSpPr>
+          <p:nvPr>
+            <p:ph type="body" idx="1"/>
+          </p:nvPr>
+        </p:nvSpPr>
+        <p:spPr/>
+        <p:txBody>
+          <a:bodyPr/>
+          <a:lstStyle/>
+          <a:p>
+            <a:endParaRPr lang="en-ZA" dirty="0"/>
+          </a:p>
+        </p:txBody>
+      </p:sp>
+      <p:sp>
+        <p:nvSpPr>
+          <p:cNvPr id="4" name="Slide Number Placeholder 3"/>
+          <p:cNvSpPr>
+            <a:spLocks noGrp="1"/>
+          </p:cNvSpPr>
+          <p:nvPr>
+            <p:ph type="sldNum" sz="quarter" idx="10"/>
+          </p:nvPr>
+        </p:nvSpPr>
+        <p:spPr/>
+        <p:txBody>
+          <a:bodyPr/>
+          <a:lstStyle/>
+          <a:p>
+            <a:fld id="{AABF9108-921F-4578-B50F-196EC54E7AE6}" type="slidenum">
+              <a:rPr lang="en-ZA" smtClean="0"/>
+              <a:pPr/>
+              <a:t>15</a:t>
+            </a:fld>
+            <a:endParaRPr lang="en-ZA"/>
+          </a:p>
+        </p:txBody>
+      </p:sp>
+    </p:spTree>
+    <p:extLst>
+      <p:ext uri="{BB962C8B-B14F-4D97-AF65-F5344CB8AC3E}">
+        <p14:creationId xmlns:p14="http://schemas.microsoft.com/office/powerpoint/2010/main" val="3327003375"/>
       </p:ext>
     </p:extLst>
   </p:cSld>
@@ -1481,7 +1751,7 @@
             <a:fld id="{986C9EB5-A2B4-494A-8466-BDB12800E3A8}" type="datetimeFigureOut">
               <a:rPr lang="en-ZA" smtClean="0"/>
               <a:pPr/>
-              <a:t>2015-03-02</a:t>
+              <a:t>2015-03-05</a:t>
             </a:fld>
             <a:endParaRPr lang="en-ZA"/>
           </a:p>
@@ -1677,7 +1947,7 @@
             <a:fld id="{986C9EB5-A2B4-494A-8466-BDB12800E3A8}" type="datetimeFigureOut">
               <a:rPr lang="en-ZA" smtClean="0"/>
               <a:pPr/>
-              <a:t>2015-03-02</a:t>
+              <a:t>2015-03-05</a:t>
             </a:fld>
             <a:endParaRPr lang="en-ZA"/>
           </a:p>
@@ -1890,7 +2160,7 @@
             <a:fld id="{986C9EB5-A2B4-494A-8466-BDB12800E3A8}" type="datetimeFigureOut">
               <a:rPr lang="en-ZA" smtClean="0"/>
               <a:pPr/>
-              <a:t>2015-03-02</a:t>
+              <a:t>2015-03-05</a:t>
             </a:fld>
             <a:endParaRPr lang="en-ZA"/>
           </a:p>
@@ -2339,7 +2609,7 @@
             <a:fld id="{986C9EB5-A2B4-494A-8466-BDB12800E3A8}" type="datetimeFigureOut">
               <a:rPr lang="en-ZA" smtClean="0"/>
               <a:pPr/>
-              <a:t>2015-03-02</a:t>
+              <a:t>2015-03-05</a:t>
             </a:fld>
             <a:endParaRPr lang="en-ZA" dirty="0"/>
           </a:p>
@@ -2632,7 +2902,7 @@
             <a:fld id="{986C9EB5-A2B4-494A-8466-BDB12800E3A8}" type="datetimeFigureOut">
               <a:rPr lang="en-ZA" smtClean="0"/>
               <a:pPr/>
-              <a:t>2015-03-02</a:t>
+              <a:t>2015-03-05</a:t>
             </a:fld>
             <a:endParaRPr lang="en-ZA"/>
           </a:p>
@@ -2946,7 +3216,7 @@
             <a:fld id="{986C9EB5-A2B4-494A-8466-BDB12800E3A8}" type="datetimeFigureOut">
               <a:rPr lang="en-ZA" smtClean="0"/>
               <a:pPr/>
-              <a:t>2015-03-02</a:t>
+              <a:t>2015-03-05</a:t>
             </a:fld>
             <a:endParaRPr lang="en-ZA"/>
           </a:p>
@@ -3394,7 +3664,7 @@
             <a:fld id="{986C9EB5-A2B4-494A-8466-BDB12800E3A8}" type="datetimeFigureOut">
               <a:rPr lang="en-ZA" smtClean="0"/>
               <a:pPr/>
-              <a:t>2015-03-02</a:t>
+              <a:t>2015-03-05</a:t>
             </a:fld>
             <a:endParaRPr lang="en-ZA"/>
           </a:p>
@@ -3538,7 +3808,7 @@
             <a:fld id="{986C9EB5-A2B4-494A-8466-BDB12800E3A8}" type="datetimeFigureOut">
               <a:rPr lang="en-ZA" smtClean="0"/>
               <a:pPr/>
-              <a:t>2015-03-02</a:t>
+              <a:t>2015-03-05</a:t>
             </a:fld>
             <a:endParaRPr lang="en-ZA"/>
           </a:p>
@@ -3666,7 +3936,7 @@
             <a:fld id="{986C9EB5-A2B4-494A-8466-BDB12800E3A8}" type="datetimeFigureOut">
               <a:rPr lang="en-ZA" smtClean="0"/>
               <a:pPr/>
-              <a:t>2015-03-02</a:t>
+              <a:t>2015-03-05</a:t>
             </a:fld>
             <a:endParaRPr lang="en-ZA"/>
           </a:p>
@@ -3976,7 +4246,7 @@
             <a:fld id="{986C9EB5-A2B4-494A-8466-BDB12800E3A8}" type="datetimeFigureOut">
               <a:rPr lang="en-ZA" smtClean="0"/>
               <a:pPr/>
-              <a:t>2015-03-02</a:t>
+              <a:t>2015-03-05</a:t>
             </a:fld>
             <a:endParaRPr lang="en-ZA"/>
           </a:p>
@@ -4262,7 +4532,7 @@
             <a:fld id="{986C9EB5-A2B4-494A-8466-BDB12800E3A8}" type="datetimeFigureOut">
               <a:rPr lang="en-ZA" smtClean="0"/>
               <a:pPr/>
-              <a:t>2015-03-02</a:t>
+              <a:t>2015-03-05</a:t>
             </a:fld>
             <a:endParaRPr lang="en-ZA"/>
           </a:p>
@@ -4941,7 +5211,12 @@
             <p:ph type="title"/>
           </p:nvPr>
         </p:nvSpPr>
-        <p:spPr/>
+        <p:spPr>
+          <a:xfrm>
+            <a:off x="457200" y="228864"/>
+            <a:ext cx="6347048" cy="588409"/>
+          </a:xfrm>
+        </p:spPr>
         <p:txBody>
           <a:bodyPr>
             <a:normAutofit/>
@@ -4949,16 +5224,8 @@
           <a:lstStyle/>
           <a:p>
             <a:r>
-              <a:rPr lang="en-ZA" dirty="0"/>
-              <a:t>Exercise </a:t>
-            </a:r>
-            <a:r>
               <a:rPr lang="en-ZA" dirty="0" smtClean="0"/>
-              <a:t>1 - </a:t>
-            </a:r>
-            <a:r>
-              <a:rPr lang="en-ZA" dirty="0" err="1" smtClean="0"/>
-              <a:t>NUnit</a:t>
+              <a:t>Stubs</a:t>
             </a:r>
             <a:endParaRPr lang="en-ZA" dirty="0"/>
           </a:p>
@@ -4976,38 +5243,5175 @@
         </p:nvSpPr>
         <p:spPr/>
         <p:txBody>
-          <a:bodyPr anchor="ctr"/>
+          <a:bodyPr>
+            <a:normAutofit/>
+          </a:bodyPr>
           <a:lstStyle/>
           <a:p>
-            <a:pPr marL="0" indent="0" algn="ctr">
-              <a:buNone/>
-            </a:pPr>
-            <a:r>
-              <a:rPr lang="en-ZA" dirty="0" err="1" smtClean="0"/>
-              <a:t>NUnit</a:t>
-            </a:r>
             <a:r>
               <a:rPr lang="en-ZA" dirty="0" smtClean="0"/>
-              <a:t> cheat sheet demo</a:t>
+              <a:t>Implementation of interface, but with canned responses</a:t>
             </a:r>
             <a:endParaRPr lang="en-ZA" dirty="0"/>
+          </a:p>
+        </p:txBody>
+      </p:sp>
+      <p:sp>
+        <p:nvSpPr>
+          <p:cNvPr id="6" name="Rectangle 5"/>
+          <p:cNvSpPr/>
+          <p:nvPr/>
+        </p:nvSpPr>
+        <p:spPr>
+          <a:xfrm>
+            <a:off x="2123728" y="1417340"/>
+            <a:ext cx="4572000" cy="3600986"/>
+          </a:xfrm>
+          <a:prstGeom prst="rect">
+            <a:avLst/>
+          </a:prstGeom>
+          <a:solidFill>
+            <a:schemeClr val="bg1"/>
+          </a:solidFill>
+        </p:spPr>
+        <p:txBody>
+          <a:bodyPr>
+            <a:spAutoFit/>
+          </a:bodyPr>
+          <a:lstStyle/>
+          <a:p>
+            <a:r>
+              <a:rPr lang="en-US" sz="1200" dirty="0">
+                <a:solidFill>
+                  <a:srgbClr val="0000FF"/>
+                </a:solidFill>
+                <a:highlight>
+                  <a:srgbClr val="FFFFFF"/>
+                </a:highlight>
+                <a:latin typeface="Consolas" panose="020B0609020204030204" pitchFamily="49" charset="0"/>
+              </a:rPr>
+              <a:t>class</a:t>
+            </a:r>
+            <a:r>
+              <a:rPr lang="en-US" sz="1200" dirty="0">
+                <a:solidFill>
+                  <a:srgbClr val="000000"/>
+                </a:solidFill>
+                <a:highlight>
+                  <a:srgbClr val="FFFFFF"/>
+                </a:highlight>
+                <a:latin typeface="Consolas" panose="020B0609020204030204" pitchFamily="49" charset="0"/>
+              </a:rPr>
+              <a:t> </a:t>
+            </a:r>
+            <a:r>
+              <a:rPr lang="en-US" sz="1200" dirty="0" err="1">
+                <a:solidFill>
+                  <a:srgbClr val="00008B"/>
+                </a:solidFill>
+                <a:highlight>
+                  <a:srgbClr val="FFFFFF"/>
+                </a:highlight>
+                <a:latin typeface="Consolas" panose="020B0609020204030204" pitchFamily="49" charset="0"/>
+              </a:rPr>
+              <a:t>FooStub</a:t>
+            </a:r>
+            <a:r>
+              <a:rPr lang="en-US" sz="1200" dirty="0">
+                <a:solidFill>
+                  <a:srgbClr val="000000"/>
+                </a:solidFill>
+                <a:highlight>
+                  <a:srgbClr val="FFFFFF"/>
+                </a:highlight>
+                <a:latin typeface="Consolas" panose="020B0609020204030204" pitchFamily="49" charset="0"/>
+              </a:rPr>
+              <a:t> : </a:t>
+            </a:r>
+            <a:r>
+              <a:rPr lang="en-US" sz="1200" dirty="0">
+                <a:solidFill>
+                  <a:srgbClr val="00008B"/>
+                </a:solidFill>
+                <a:highlight>
+                  <a:srgbClr val="FFFFFF"/>
+                </a:highlight>
+                <a:latin typeface="Consolas" panose="020B0609020204030204" pitchFamily="49" charset="0"/>
+              </a:rPr>
+              <a:t>Foo</a:t>
+            </a:r>
+            <a:endParaRPr lang="en-US" sz="1200" dirty="0">
+              <a:solidFill>
+                <a:srgbClr val="000000"/>
+              </a:solidFill>
+              <a:highlight>
+                <a:srgbClr val="FFFFFF"/>
+              </a:highlight>
+              <a:latin typeface="Consolas" panose="020B0609020204030204" pitchFamily="49" charset="0"/>
+            </a:endParaRPr>
+          </a:p>
+          <a:p>
+            <a:r>
+              <a:rPr lang="en-US" sz="1200" dirty="0">
+                <a:solidFill>
+                  <a:srgbClr val="000000"/>
+                </a:solidFill>
+                <a:highlight>
+                  <a:srgbClr val="FFFFFF"/>
+                </a:highlight>
+                <a:latin typeface="Consolas" panose="020B0609020204030204" pitchFamily="49" charset="0"/>
+              </a:rPr>
+              <a:t>{</a:t>
+            </a:r>
+          </a:p>
+          <a:p>
+            <a:r>
+              <a:rPr lang="en-US" sz="1200" dirty="0">
+                <a:solidFill>
+                  <a:srgbClr val="000000"/>
+                </a:solidFill>
+                <a:highlight>
+                  <a:srgbClr val="FFFFFF"/>
+                </a:highlight>
+                <a:latin typeface="Consolas" panose="020B0609020204030204" pitchFamily="49" charset="0"/>
+              </a:rPr>
+              <a:t>    </a:t>
+            </a:r>
+            <a:r>
+              <a:rPr lang="en-US" sz="1200" dirty="0">
+                <a:solidFill>
+                  <a:srgbClr val="0000FF"/>
+                </a:solidFill>
+                <a:highlight>
+                  <a:srgbClr val="FFFFFF"/>
+                </a:highlight>
+                <a:latin typeface="Consolas" panose="020B0609020204030204" pitchFamily="49" charset="0"/>
+              </a:rPr>
+              <a:t>public</a:t>
+            </a:r>
+            <a:r>
+              <a:rPr lang="en-US" sz="1200" dirty="0">
+                <a:solidFill>
+                  <a:srgbClr val="000000"/>
+                </a:solidFill>
+                <a:highlight>
+                  <a:srgbClr val="FFFFFF"/>
+                </a:highlight>
+                <a:latin typeface="Consolas" panose="020B0609020204030204" pitchFamily="49" charset="0"/>
+              </a:rPr>
+              <a:t> </a:t>
+            </a:r>
+            <a:r>
+              <a:rPr lang="en-US" sz="1200" dirty="0">
+                <a:solidFill>
+                  <a:srgbClr val="00008B"/>
+                </a:solidFill>
+                <a:highlight>
+                  <a:srgbClr val="FFFFFF"/>
+                </a:highlight>
+                <a:latin typeface="Consolas" panose="020B0609020204030204" pitchFamily="49" charset="0"/>
+              </a:rPr>
+              <a:t>String</a:t>
+            </a:r>
+            <a:r>
+              <a:rPr lang="en-US" sz="1200" dirty="0">
+                <a:solidFill>
+                  <a:srgbClr val="000000"/>
+                </a:solidFill>
+                <a:highlight>
+                  <a:srgbClr val="FFFFFF"/>
+                </a:highlight>
+                <a:latin typeface="Consolas" panose="020B0609020204030204" pitchFamily="49" charset="0"/>
+              </a:rPr>
+              <a:t> </a:t>
+            </a:r>
+            <a:r>
+              <a:rPr lang="en-US" sz="1200" dirty="0">
+                <a:solidFill>
+                  <a:srgbClr val="008B8B"/>
+                </a:solidFill>
+                <a:highlight>
+                  <a:srgbClr val="FFFFFF"/>
+                </a:highlight>
+                <a:latin typeface="Consolas" panose="020B0609020204030204" pitchFamily="49" charset="0"/>
+              </a:rPr>
+              <a:t>Bar</a:t>
+            </a:r>
+            <a:r>
+              <a:rPr lang="en-US" sz="1200" dirty="0">
+                <a:solidFill>
+                  <a:srgbClr val="000000"/>
+                </a:solidFill>
+                <a:highlight>
+                  <a:srgbClr val="FFFFFF"/>
+                </a:highlight>
+                <a:latin typeface="Consolas" panose="020B0609020204030204" pitchFamily="49" charset="0"/>
+              </a:rPr>
+              <a:t>()</a:t>
+            </a:r>
+          </a:p>
+          <a:p>
+            <a:r>
+              <a:rPr lang="en-US" sz="1200" dirty="0">
+                <a:solidFill>
+                  <a:srgbClr val="000000"/>
+                </a:solidFill>
+                <a:highlight>
+                  <a:srgbClr val="FFFFFF"/>
+                </a:highlight>
+                <a:latin typeface="Consolas" panose="020B0609020204030204" pitchFamily="49" charset="0"/>
+              </a:rPr>
+              <a:t>    {</a:t>
+            </a:r>
+          </a:p>
+          <a:p>
+            <a:r>
+              <a:rPr lang="en-US" sz="1200" dirty="0">
+                <a:solidFill>
+                  <a:srgbClr val="000000"/>
+                </a:solidFill>
+                <a:highlight>
+                  <a:srgbClr val="FFFFFF"/>
+                </a:highlight>
+                <a:latin typeface="Consolas" panose="020B0609020204030204" pitchFamily="49" charset="0"/>
+              </a:rPr>
+              <a:t>        </a:t>
+            </a:r>
+            <a:r>
+              <a:rPr lang="en-US" sz="1200" dirty="0">
+                <a:solidFill>
+                  <a:srgbClr val="0000FF"/>
+                </a:solidFill>
+                <a:highlight>
+                  <a:srgbClr val="FFFFFF"/>
+                </a:highlight>
+                <a:latin typeface="Consolas" panose="020B0609020204030204" pitchFamily="49" charset="0"/>
+              </a:rPr>
+              <a:t>return</a:t>
+            </a:r>
+            <a:r>
+              <a:rPr lang="en-US" sz="1200" dirty="0">
+                <a:solidFill>
+                  <a:srgbClr val="000000"/>
+                </a:solidFill>
+                <a:highlight>
+                  <a:srgbClr val="FFFFFF"/>
+                </a:highlight>
+                <a:latin typeface="Consolas" panose="020B0609020204030204" pitchFamily="49" charset="0"/>
+              </a:rPr>
+              <a:t> </a:t>
+            </a:r>
+            <a:r>
+              <a:rPr lang="en-US" sz="1200" dirty="0">
+                <a:solidFill>
+                  <a:srgbClr val="A31515"/>
+                </a:solidFill>
+                <a:highlight>
+                  <a:srgbClr val="FFFFFF"/>
+                </a:highlight>
+                <a:latin typeface="Consolas" panose="020B0609020204030204" pitchFamily="49" charset="0"/>
+              </a:rPr>
+              <a:t>"</a:t>
+            </a:r>
+            <a:r>
+              <a:rPr lang="en-US" sz="1200" dirty="0" err="1">
+                <a:solidFill>
+                  <a:srgbClr val="A31515"/>
+                </a:solidFill>
+                <a:highlight>
+                  <a:srgbClr val="FFFFFF"/>
+                </a:highlight>
+                <a:latin typeface="Consolas" panose="020B0609020204030204" pitchFamily="49" charset="0"/>
+              </a:rPr>
+              <a:t>baz</a:t>
+            </a:r>
+            <a:r>
+              <a:rPr lang="en-US" sz="1200" dirty="0">
+                <a:solidFill>
+                  <a:srgbClr val="A31515"/>
+                </a:solidFill>
+                <a:highlight>
+                  <a:srgbClr val="FFFFFF"/>
+                </a:highlight>
+                <a:latin typeface="Consolas" panose="020B0609020204030204" pitchFamily="49" charset="0"/>
+              </a:rPr>
+              <a:t>"</a:t>
+            </a:r>
+            <a:r>
+              <a:rPr lang="en-US" sz="1200" dirty="0">
+                <a:solidFill>
+                  <a:srgbClr val="000000"/>
+                </a:solidFill>
+                <a:highlight>
+                  <a:srgbClr val="FFFFFF"/>
+                </a:highlight>
+                <a:latin typeface="Consolas" panose="020B0609020204030204" pitchFamily="49" charset="0"/>
+              </a:rPr>
+              <a:t>;</a:t>
+            </a:r>
+          </a:p>
+          <a:p>
+            <a:r>
+              <a:rPr lang="en-US" sz="1200" dirty="0">
+                <a:solidFill>
+                  <a:srgbClr val="000000"/>
+                </a:solidFill>
+                <a:highlight>
+                  <a:srgbClr val="FFFFFF"/>
+                </a:highlight>
+                <a:latin typeface="Consolas" panose="020B0609020204030204" pitchFamily="49" charset="0"/>
+              </a:rPr>
+              <a:t>    }</a:t>
+            </a:r>
+          </a:p>
+          <a:p>
+            <a:r>
+              <a:rPr lang="en-US" sz="1200" dirty="0">
+                <a:solidFill>
+                  <a:srgbClr val="000000"/>
+                </a:solidFill>
+                <a:highlight>
+                  <a:srgbClr val="FFFFFF"/>
+                </a:highlight>
+                <a:latin typeface="Consolas" panose="020B0609020204030204" pitchFamily="49" charset="0"/>
+              </a:rPr>
+              <a:t>}</a:t>
+            </a:r>
+          </a:p>
+          <a:p>
+            <a:endParaRPr lang="en-US" sz="1200" dirty="0">
+              <a:solidFill>
+                <a:srgbClr val="000000"/>
+              </a:solidFill>
+              <a:highlight>
+                <a:srgbClr val="FFFFFF"/>
+              </a:highlight>
+              <a:latin typeface="Consolas" panose="020B0609020204030204" pitchFamily="49" charset="0"/>
+            </a:endParaRPr>
+          </a:p>
+          <a:p>
+            <a:r>
+              <a:rPr lang="en-US" sz="1200" dirty="0">
+                <a:solidFill>
+                  <a:srgbClr val="0000FF"/>
+                </a:solidFill>
+                <a:highlight>
+                  <a:srgbClr val="FFFFFF"/>
+                </a:highlight>
+                <a:latin typeface="Consolas" panose="020B0609020204030204" pitchFamily="49" charset="0"/>
+              </a:rPr>
+              <a:t>public</a:t>
+            </a:r>
+            <a:r>
+              <a:rPr lang="en-US" sz="1200" dirty="0">
+                <a:solidFill>
+                  <a:srgbClr val="000000"/>
+                </a:solidFill>
+                <a:highlight>
+                  <a:srgbClr val="FFFFFF"/>
+                </a:highlight>
+                <a:latin typeface="Consolas" panose="020B0609020204030204" pitchFamily="49" charset="0"/>
+              </a:rPr>
+              <a:t> </a:t>
+            </a:r>
+            <a:r>
+              <a:rPr lang="en-US" sz="1200" dirty="0">
+                <a:solidFill>
+                  <a:srgbClr val="0000FF"/>
+                </a:solidFill>
+                <a:highlight>
+                  <a:srgbClr val="FFFFFF"/>
+                </a:highlight>
+                <a:latin typeface="Consolas" panose="020B0609020204030204" pitchFamily="49" charset="0"/>
+              </a:rPr>
+              <a:t>class</a:t>
+            </a:r>
+            <a:r>
+              <a:rPr lang="en-US" sz="1200" dirty="0">
+                <a:solidFill>
+                  <a:srgbClr val="000000"/>
+                </a:solidFill>
+                <a:highlight>
+                  <a:srgbClr val="FFFFFF"/>
+                </a:highlight>
+                <a:latin typeface="Consolas" panose="020B0609020204030204" pitchFamily="49" charset="0"/>
+              </a:rPr>
+              <a:t> </a:t>
+            </a:r>
+            <a:r>
+              <a:rPr lang="en-US" sz="1200" dirty="0" err="1">
+                <a:solidFill>
+                  <a:srgbClr val="00008B"/>
+                </a:solidFill>
+                <a:highlight>
+                  <a:srgbClr val="FFFFFF"/>
+                </a:highlight>
+                <a:latin typeface="Consolas" panose="020B0609020204030204" pitchFamily="49" charset="0"/>
+              </a:rPr>
+              <a:t>FooCollectionTest</a:t>
+            </a:r>
+            <a:endParaRPr lang="en-US" sz="1200" dirty="0">
+              <a:solidFill>
+                <a:srgbClr val="000000"/>
+              </a:solidFill>
+              <a:highlight>
+                <a:srgbClr val="FFFFFF"/>
+              </a:highlight>
+              <a:latin typeface="Consolas" panose="020B0609020204030204" pitchFamily="49" charset="0"/>
+            </a:endParaRPr>
+          </a:p>
+          <a:p>
+            <a:r>
+              <a:rPr lang="en-US" sz="1200" dirty="0">
+                <a:solidFill>
+                  <a:srgbClr val="000000"/>
+                </a:solidFill>
+                <a:highlight>
+                  <a:srgbClr val="FFFFFF"/>
+                </a:highlight>
+                <a:latin typeface="Consolas" panose="020B0609020204030204" pitchFamily="49" charset="0"/>
+              </a:rPr>
+              <a:t>{</a:t>
+            </a:r>
+          </a:p>
+          <a:p>
+            <a:r>
+              <a:rPr lang="en-US" sz="1200" dirty="0">
+                <a:solidFill>
+                  <a:srgbClr val="000000"/>
+                </a:solidFill>
+                <a:highlight>
+                  <a:srgbClr val="FFFFFF"/>
+                </a:highlight>
+                <a:latin typeface="Consolas" panose="020B0609020204030204" pitchFamily="49" charset="0"/>
+              </a:rPr>
+              <a:t>    [</a:t>
+            </a:r>
+            <a:r>
+              <a:rPr lang="en-US" sz="1200" dirty="0">
+                <a:solidFill>
+                  <a:srgbClr val="00008B"/>
+                </a:solidFill>
+                <a:highlight>
+                  <a:srgbClr val="FFFFFF"/>
+                </a:highlight>
+                <a:latin typeface="Consolas" panose="020B0609020204030204" pitchFamily="49" charset="0"/>
+              </a:rPr>
+              <a:t>Test</a:t>
+            </a:r>
+            <a:r>
+              <a:rPr lang="en-US" sz="1200" dirty="0">
+                <a:solidFill>
+                  <a:srgbClr val="000000"/>
+                </a:solidFill>
+                <a:highlight>
+                  <a:srgbClr val="FFFFFF"/>
+                </a:highlight>
+                <a:latin typeface="Consolas" panose="020B0609020204030204" pitchFamily="49" charset="0"/>
+              </a:rPr>
+              <a:t>]</a:t>
+            </a:r>
+          </a:p>
+          <a:p>
+            <a:r>
+              <a:rPr lang="en-US" sz="1200" dirty="0">
+                <a:solidFill>
+                  <a:srgbClr val="000000"/>
+                </a:solidFill>
+                <a:highlight>
+                  <a:srgbClr val="FFFFFF"/>
+                </a:highlight>
+                <a:latin typeface="Consolas" panose="020B0609020204030204" pitchFamily="49" charset="0"/>
+              </a:rPr>
+              <a:t>    </a:t>
+            </a:r>
+            <a:r>
+              <a:rPr lang="en-US" sz="1200" dirty="0">
+                <a:solidFill>
+                  <a:srgbClr val="0000FF"/>
+                </a:solidFill>
+                <a:highlight>
+                  <a:srgbClr val="FFFFFF"/>
+                </a:highlight>
+                <a:latin typeface="Consolas" panose="020B0609020204030204" pitchFamily="49" charset="0"/>
+              </a:rPr>
+              <a:t>public</a:t>
+            </a:r>
+            <a:r>
+              <a:rPr lang="en-US" sz="1200" dirty="0">
+                <a:solidFill>
+                  <a:srgbClr val="000000"/>
+                </a:solidFill>
+                <a:highlight>
+                  <a:srgbClr val="FFFFFF"/>
+                </a:highlight>
+                <a:latin typeface="Consolas" panose="020B0609020204030204" pitchFamily="49" charset="0"/>
+              </a:rPr>
+              <a:t> </a:t>
+            </a:r>
+            <a:r>
+              <a:rPr lang="en-US" sz="1200" dirty="0">
+                <a:solidFill>
+                  <a:srgbClr val="0000FF"/>
+                </a:solidFill>
+                <a:highlight>
+                  <a:srgbClr val="FFFFFF"/>
+                </a:highlight>
+                <a:latin typeface="Consolas" panose="020B0609020204030204" pitchFamily="49" charset="0"/>
+              </a:rPr>
+              <a:t>void</a:t>
+            </a:r>
+            <a:r>
+              <a:rPr lang="en-US" sz="1200" dirty="0">
+                <a:solidFill>
+                  <a:srgbClr val="000000"/>
+                </a:solidFill>
+                <a:highlight>
+                  <a:srgbClr val="FFFFFF"/>
+                </a:highlight>
+                <a:latin typeface="Consolas" panose="020B0609020204030204" pitchFamily="49" charset="0"/>
+              </a:rPr>
+              <a:t> </a:t>
+            </a:r>
+            <a:r>
+              <a:rPr lang="en-US" sz="1200" dirty="0" err="1">
+                <a:solidFill>
+                  <a:srgbClr val="008B8B"/>
+                </a:solidFill>
+                <a:highlight>
+                  <a:srgbClr val="FFFFFF"/>
+                </a:highlight>
+                <a:latin typeface="Consolas" panose="020B0609020204030204" pitchFamily="49" charset="0"/>
+              </a:rPr>
+              <a:t>it_should_return_joined_bars</a:t>
+            </a:r>
+            <a:r>
+              <a:rPr lang="en-US" sz="1200" dirty="0">
+                <a:solidFill>
+                  <a:srgbClr val="000000"/>
+                </a:solidFill>
+                <a:highlight>
+                  <a:srgbClr val="FFFFFF"/>
+                </a:highlight>
+                <a:latin typeface="Consolas" panose="020B0609020204030204" pitchFamily="49" charset="0"/>
+              </a:rPr>
+              <a:t>()</a:t>
+            </a:r>
+          </a:p>
+          <a:p>
+            <a:r>
+              <a:rPr lang="en-US" sz="1200" dirty="0">
+                <a:solidFill>
+                  <a:srgbClr val="000000"/>
+                </a:solidFill>
+                <a:highlight>
+                  <a:srgbClr val="FFFFFF"/>
+                </a:highlight>
+                <a:latin typeface="Consolas" panose="020B0609020204030204" pitchFamily="49" charset="0"/>
+              </a:rPr>
+              <a:t>    {</a:t>
+            </a:r>
+          </a:p>
+          <a:p>
+            <a:r>
+              <a:rPr lang="en-US" sz="1200" dirty="0">
+                <a:solidFill>
+                  <a:srgbClr val="000000"/>
+                </a:solidFill>
+                <a:highlight>
+                  <a:srgbClr val="FFFFFF"/>
+                </a:highlight>
+                <a:latin typeface="Consolas" panose="020B0609020204030204" pitchFamily="49" charset="0"/>
+              </a:rPr>
+              <a:t>        </a:t>
+            </a:r>
+            <a:r>
+              <a:rPr lang="en-US" sz="1200" dirty="0" err="1">
+                <a:solidFill>
+                  <a:srgbClr val="00008B"/>
+                </a:solidFill>
+                <a:highlight>
+                  <a:srgbClr val="FFFFFF"/>
+                </a:highlight>
+                <a:latin typeface="Consolas" panose="020B0609020204030204" pitchFamily="49" charset="0"/>
+              </a:rPr>
+              <a:t>FooCollection</a:t>
+            </a:r>
+            <a:r>
+              <a:rPr lang="en-US" sz="1200" dirty="0">
+                <a:solidFill>
+                  <a:srgbClr val="000000"/>
+                </a:solidFill>
+                <a:highlight>
+                  <a:srgbClr val="FFFFFF"/>
+                </a:highlight>
+                <a:latin typeface="Consolas" panose="020B0609020204030204" pitchFamily="49" charset="0"/>
+              </a:rPr>
+              <a:t> </a:t>
+            </a:r>
+            <a:r>
+              <a:rPr lang="en-US" sz="1200" dirty="0" err="1">
+                <a:solidFill>
+                  <a:srgbClr val="000000"/>
+                </a:solidFill>
+                <a:highlight>
+                  <a:srgbClr val="FFFFFF"/>
+                </a:highlight>
+                <a:latin typeface="Consolas" panose="020B0609020204030204" pitchFamily="49" charset="0"/>
+              </a:rPr>
+              <a:t>sut</a:t>
+            </a:r>
+            <a:r>
+              <a:rPr lang="en-US" sz="1200" dirty="0">
+                <a:solidFill>
+                  <a:srgbClr val="000000"/>
+                </a:solidFill>
+                <a:highlight>
+                  <a:srgbClr val="FFFFFF"/>
+                </a:highlight>
+                <a:latin typeface="Consolas" panose="020B0609020204030204" pitchFamily="49" charset="0"/>
+              </a:rPr>
+              <a:t> = </a:t>
+            </a:r>
+            <a:r>
+              <a:rPr lang="en-US" sz="1200" dirty="0">
+                <a:solidFill>
+                  <a:srgbClr val="0000FF"/>
+                </a:solidFill>
+                <a:highlight>
+                  <a:srgbClr val="FFFFFF"/>
+                </a:highlight>
+                <a:latin typeface="Consolas" panose="020B0609020204030204" pitchFamily="49" charset="0"/>
+              </a:rPr>
+              <a:t>new</a:t>
+            </a:r>
+            <a:r>
+              <a:rPr lang="en-US" sz="1200" dirty="0">
+                <a:solidFill>
+                  <a:srgbClr val="000000"/>
+                </a:solidFill>
+                <a:highlight>
+                  <a:srgbClr val="FFFFFF"/>
+                </a:highlight>
+                <a:latin typeface="Consolas" panose="020B0609020204030204" pitchFamily="49" charset="0"/>
+              </a:rPr>
+              <a:t> </a:t>
+            </a:r>
+            <a:r>
+              <a:rPr lang="en-US" sz="1200" dirty="0" err="1">
+                <a:solidFill>
+                  <a:srgbClr val="00008B"/>
+                </a:solidFill>
+                <a:highlight>
+                  <a:srgbClr val="FFFFFF"/>
+                </a:highlight>
+                <a:latin typeface="Consolas" panose="020B0609020204030204" pitchFamily="49" charset="0"/>
+              </a:rPr>
+              <a:t>FooCollection</a:t>
+            </a:r>
+            <a:r>
+              <a:rPr lang="en-US" sz="1200" dirty="0">
+                <a:solidFill>
+                  <a:srgbClr val="000000"/>
+                </a:solidFill>
+                <a:highlight>
+                  <a:srgbClr val="FFFFFF"/>
+                </a:highlight>
+                <a:latin typeface="Consolas" panose="020B0609020204030204" pitchFamily="49" charset="0"/>
+              </a:rPr>
+              <a:t>();</a:t>
+            </a:r>
+          </a:p>
+          <a:p>
+            <a:r>
+              <a:rPr lang="en-US" sz="1200" dirty="0">
+                <a:solidFill>
+                  <a:srgbClr val="000000"/>
+                </a:solidFill>
+                <a:highlight>
+                  <a:srgbClr val="FFFFFF"/>
+                </a:highlight>
+                <a:latin typeface="Consolas" panose="020B0609020204030204" pitchFamily="49" charset="0"/>
+              </a:rPr>
+              <a:t>        </a:t>
+            </a:r>
+            <a:r>
+              <a:rPr lang="en-US" sz="1200" dirty="0" err="1">
+                <a:solidFill>
+                  <a:srgbClr val="000000"/>
+                </a:solidFill>
+                <a:highlight>
+                  <a:srgbClr val="FFFFFF"/>
+                </a:highlight>
+                <a:latin typeface="Consolas" panose="020B0609020204030204" pitchFamily="49" charset="0"/>
+              </a:rPr>
+              <a:t>sut.</a:t>
+            </a:r>
+            <a:r>
+              <a:rPr lang="en-US" sz="1200" dirty="0" err="1">
+                <a:solidFill>
+                  <a:srgbClr val="008B8B"/>
+                </a:solidFill>
+                <a:highlight>
+                  <a:srgbClr val="FFFFFF"/>
+                </a:highlight>
+                <a:latin typeface="Consolas" panose="020B0609020204030204" pitchFamily="49" charset="0"/>
+              </a:rPr>
+              <a:t>Add</a:t>
+            </a:r>
+            <a:r>
+              <a:rPr lang="en-US" sz="1200" dirty="0">
+                <a:solidFill>
+                  <a:srgbClr val="000000"/>
+                </a:solidFill>
+                <a:highlight>
+                  <a:srgbClr val="FFFFFF"/>
+                </a:highlight>
+                <a:latin typeface="Consolas" panose="020B0609020204030204" pitchFamily="49" charset="0"/>
+              </a:rPr>
+              <a:t>(</a:t>
+            </a:r>
+            <a:r>
+              <a:rPr lang="en-US" sz="1200" dirty="0">
+                <a:solidFill>
+                  <a:srgbClr val="0000FF"/>
+                </a:solidFill>
+                <a:highlight>
+                  <a:srgbClr val="FFFFFF"/>
+                </a:highlight>
+                <a:latin typeface="Consolas" panose="020B0609020204030204" pitchFamily="49" charset="0"/>
+              </a:rPr>
+              <a:t>new</a:t>
+            </a:r>
+            <a:r>
+              <a:rPr lang="en-US" sz="1200" dirty="0">
+                <a:solidFill>
+                  <a:srgbClr val="000000"/>
+                </a:solidFill>
+                <a:highlight>
+                  <a:srgbClr val="FFFFFF"/>
+                </a:highlight>
+                <a:latin typeface="Consolas" panose="020B0609020204030204" pitchFamily="49" charset="0"/>
+              </a:rPr>
+              <a:t> </a:t>
+            </a:r>
+            <a:r>
+              <a:rPr lang="en-US" sz="1200" dirty="0" err="1">
+                <a:solidFill>
+                  <a:srgbClr val="00008B"/>
+                </a:solidFill>
+                <a:highlight>
+                  <a:srgbClr val="FFFFFF"/>
+                </a:highlight>
+                <a:latin typeface="Consolas" panose="020B0609020204030204" pitchFamily="49" charset="0"/>
+              </a:rPr>
+              <a:t>FooStub</a:t>
+            </a:r>
+            <a:r>
+              <a:rPr lang="en-US" sz="1200" dirty="0">
+                <a:solidFill>
+                  <a:srgbClr val="000000"/>
+                </a:solidFill>
+                <a:highlight>
+                  <a:srgbClr val="FFFFFF"/>
+                </a:highlight>
+                <a:latin typeface="Consolas" panose="020B0609020204030204" pitchFamily="49" charset="0"/>
+              </a:rPr>
+              <a:t>());</a:t>
+            </a:r>
+          </a:p>
+          <a:p>
+            <a:r>
+              <a:rPr lang="en-US" sz="1200" dirty="0">
+                <a:solidFill>
+                  <a:srgbClr val="000000"/>
+                </a:solidFill>
+                <a:highlight>
+                  <a:srgbClr val="FFFFFF"/>
+                </a:highlight>
+                <a:latin typeface="Consolas" panose="020B0609020204030204" pitchFamily="49" charset="0"/>
+              </a:rPr>
+              <a:t>        </a:t>
+            </a:r>
+            <a:r>
+              <a:rPr lang="en-US" sz="1200" dirty="0" err="1">
+                <a:solidFill>
+                  <a:srgbClr val="000000"/>
+                </a:solidFill>
+                <a:highlight>
+                  <a:srgbClr val="FFFFFF"/>
+                </a:highlight>
+                <a:latin typeface="Consolas" panose="020B0609020204030204" pitchFamily="49" charset="0"/>
+              </a:rPr>
+              <a:t>sut.</a:t>
+            </a:r>
+            <a:r>
+              <a:rPr lang="en-US" sz="1200" dirty="0" err="1">
+                <a:solidFill>
+                  <a:srgbClr val="008B8B"/>
+                </a:solidFill>
+                <a:highlight>
+                  <a:srgbClr val="FFFFFF"/>
+                </a:highlight>
+                <a:latin typeface="Consolas" panose="020B0609020204030204" pitchFamily="49" charset="0"/>
+              </a:rPr>
+              <a:t>Add</a:t>
+            </a:r>
+            <a:r>
+              <a:rPr lang="en-US" sz="1200" dirty="0">
+                <a:solidFill>
+                  <a:srgbClr val="000000"/>
+                </a:solidFill>
+                <a:highlight>
+                  <a:srgbClr val="FFFFFF"/>
+                </a:highlight>
+                <a:latin typeface="Consolas" panose="020B0609020204030204" pitchFamily="49" charset="0"/>
+              </a:rPr>
+              <a:t>(</a:t>
+            </a:r>
+            <a:r>
+              <a:rPr lang="en-US" sz="1200" dirty="0">
+                <a:solidFill>
+                  <a:srgbClr val="0000FF"/>
+                </a:solidFill>
+                <a:highlight>
+                  <a:srgbClr val="FFFFFF"/>
+                </a:highlight>
+                <a:latin typeface="Consolas" panose="020B0609020204030204" pitchFamily="49" charset="0"/>
+              </a:rPr>
+              <a:t>new</a:t>
+            </a:r>
+            <a:r>
+              <a:rPr lang="en-US" sz="1200" dirty="0">
+                <a:solidFill>
+                  <a:srgbClr val="000000"/>
+                </a:solidFill>
+                <a:highlight>
+                  <a:srgbClr val="FFFFFF"/>
+                </a:highlight>
+                <a:latin typeface="Consolas" panose="020B0609020204030204" pitchFamily="49" charset="0"/>
+              </a:rPr>
+              <a:t> </a:t>
+            </a:r>
+            <a:r>
+              <a:rPr lang="en-US" sz="1200" dirty="0" err="1">
+                <a:solidFill>
+                  <a:srgbClr val="00008B"/>
+                </a:solidFill>
+                <a:highlight>
+                  <a:srgbClr val="FFFFFF"/>
+                </a:highlight>
+                <a:latin typeface="Consolas" panose="020B0609020204030204" pitchFamily="49" charset="0"/>
+              </a:rPr>
+              <a:t>FooStub</a:t>
+            </a:r>
+            <a:r>
+              <a:rPr lang="en-US" sz="1200" dirty="0">
+                <a:solidFill>
+                  <a:srgbClr val="000000"/>
+                </a:solidFill>
+                <a:highlight>
+                  <a:srgbClr val="FFFFFF"/>
+                </a:highlight>
+                <a:latin typeface="Consolas" panose="020B0609020204030204" pitchFamily="49" charset="0"/>
+              </a:rPr>
+              <a:t>());</a:t>
+            </a:r>
+          </a:p>
+          <a:p>
+            <a:r>
+              <a:rPr lang="en-US" sz="1200" dirty="0">
+                <a:solidFill>
+                  <a:srgbClr val="000000"/>
+                </a:solidFill>
+                <a:highlight>
+                  <a:srgbClr val="FFFFFF"/>
+                </a:highlight>
+                <a:latin typeface="Consolas" panose="020B0609020204030204" pitchFamily="49" charset="0"/>
+              </a:rPr>
+              <a:t>        </a:t>
+            </a:r>
+            <a:r>
+              <a:rPr lang="en-US" sz="1200" dirty="0" err="1">
+                <a:solidFill>
+                  <a:srgbClr val="00008B"/>
+                </a:solidFill>
+                <a:highlight>
+                  <a:srgbClr val="FFFFFF"/>
+                </a:highlight>
+                <a:latin typeface="Consolas" panose="020B0609020204030204" pitchFamily="49" charset="0"/>
+              </a:rPr>
+              <a:t>Assert</a:t>
+            </a:r>
+            <a:r>
+              <a:rPr lang="en-US" sz="1200" dirty="0" err="1">
+                <a:solidFill>
+                  <a:srgbClr val="000000"/>
+                </a:solidFill>
+                <a:highlight>
+                  <a:srgbClr val="FFFFFF"/>
+                </a:highlight>
+                <a:latin typeface="Consolas" panose="020B0609020204030204" pitchFamily="49" charset="0"/>
+              </a:rPr>
+              <a:t>.</a:t>
+            </a:r>
+            <a:r>
+              <a:rPr lang="en-US" sz="1200" dirty="0" err="1">
+                <a:solidFill>
+                  <a:srgbClr val="008B8B"/>
+                </a:solidFill>
+                <a:highlight>
+                  <a:srgbClr val="FFFFFF"/>
+                </a:highlight>
+                <a:latin typeface="Consolas" panose="020B0609020204030204" pitchFamily="49" charset="0"/>
+              </a:rPr>
+              <a:t>AreEqual</a:t>
+            </a:r>
+            <a:r>
+              <a:rPr lang="en-US" sz="1200" dirty="0">
+                <a:solidFill>
+                  <a:srgbClr val="000000"/>
+                </a:solidFill>
+                <a:highlight>
+                  <a:srgbClr val="FFFFFF"/>
+                </a:highlight>
+                <a:latin typeface="Consolas" panose="020B0609020204030204" pitchFamily="49" charset="0"/>
+              </a:rPr>
+              <a:t>(</a:t>
+            </a:r>
+            <a:r>
+              <a:rPr lang="en-US" sz="1200" dirty="0">
+                <a:solidFill>
+                  <a:srgbClr val="A31515"/>
+                </a:solidFill>
+                <a:highlight>
+                  <a:srgbClr val="FFFFFF"/>
+                </a:highlight>
+                <a:latin typeface="Consolas" panose="020B0609020204030204" pitchFamily="49" charset="0"/>
+              </a:rPr>
+              <a:t>"</a:t>
+            </a:r>
+            <a:r>
+              <a:rPr lang="en-US" sz="1200" dirty="0" err="1">
+                <a:solidFill>
+                  <a:srgbClr val="A31515"/>
+                </a:solidFill>
+                <a:highlight>
+                  <a:srgbClr val="FFFFFF"/>
+                </a:highlight>
+                <a:latin typeface="Consolas" panose="020B0609020204030204" pitchFamily="49" charset="0"/>
+              </a:rPr>
+              <a:t>bazbaz</a:t>
+            </a:r>
+            <a:r>
+              <a:rPr lang="en-US" sz="1200" dirty="0">
+                <a:solidFill>
+                  <a:srgbClr val="A31515"/>
+                </a:solidFill>
+                <a:highlight>
+                  <a:srgbClr val="FFFFFF"/>
+                </a:highlight>
+                <a:latin typeface="Consolas" panose="020B0609020204030204" pitchFamily="49" charset="0"/>
+              </a:rPr>
+              <a:t>"</a:t>
+            </a:r>
+            <a:r>
+              <a:rPr lang="en-US" sz="1200" dirty="0">
+                <a:solidFill>
+                  <a:srgbClr val="000000"/>
+                </a:solidFill>
+                <a:highlight>
+                  <a:srgbClr val="FFFFFF"/>
+                </a:highlight>
+                <a:latin typeface="Consolas" panose="020B0609020204030204" pitchFamily="49" charset="0"/>
+              </a:rPr>
+              <a:t>, </a:t>
+            </a:r>
+            <a:r>
+              <a:rPr lang="en-US" sz="1200" dirty="0" err="1">
+                <a:solidFill>
+                  <a:srgbClr val="000000"/>
+                </a:solidFill>
+                <a:highlight>
+                  <a:srgbClr val="FFFFFF"/>
+                </a:highlight>
+                <a:latin typeface="Consolas" panose="020B0609020204030204" pitchFamily="49" charset="0"/>
+              </a:rPr>
+              <a:t>sut.</a:t>
+            </a:r>
+            <a:r>
+              <a:rPr lang="en-US" sz="1200" dirty="0" err="1">
+                <a:solidFill>
+                  <a:srgbClr val="008B8B"/>
+                </a:solidFill>
+                <a:highlight>
+                  <a:srgbClr val="FFFFFF"/>
+                </a:highlight>
+                <a:latin typeface="Consolas" panose="020B0609020204030204" pitchFamily="49" charset="0"/>
+              </a:rPr>
+              <a:t>Joined</a:t>
+            </a:r>
+            <a:r>
+              <a:rPr lang="en-US" sz="1200" dirty="0">
+                <a:solidFill>
+                  <a:srgbClr val="000000"/>
+                </a:solidFill>
+                <a:highlight>
+                  <a:srgbClr val="FFFFFF"/>
+                </a:highlight>
+                <a:latin typeface="Consolas" panose="020B0609020204030204" pitchFamily="49" charset="0"/>
+              </a:rPr>
+              <a:t>());</a:t>
+            </a:r>
+          </a:p>
+          <a:p>
+            <a:r>
+              <a:rPr lang="en-US" sz="1200" dirty="0">
+                <a:solidFill>
+                  <a:srgbClr val="000000"/>
+                </a:solidFill>
+                <a:highlight>
+                  <a:srgbClr val="FFFFFF"/>
+                </a:highlight>
+                <a:latin typeface="Consolas" panose="020B0609020204030204" pitchFamily="49" charset="0"/>
+              </a:rPr>
+              <a:t>    }</a:t>
+            </a:r>
+          </a:p>
+          <a:p>
+            <a:r>
+              <a:rPr lang="en-US" sz="1200" dirty="0">
+                <a:solidFill>
+                  <a:srgbClr val="000000"/>
+                </a:solidFill>
+                <a:highlight>
+                  <a:srgbClr val="FFFFFF"/>
+                </a:highlight>
+                <a:latin typeface="Consolas" panose="020B0609020204030204" pitchFamily="49" charset="0"/>
+              </a:rPr>
+              <a:t>}</a:t>
+            </a:r>
+            <a:endParaRPr lang="en-ZA" sz="1200" dirty="0"/>
           </a:p>
         </p:txBody>
       </p:sp>
     </p:spTree>
     <p:extLst>
       <p:ext uri="{BB962C8B-B14F-4D97-AF65-F5344CB8AC3E}">
-        <p14:creationId xmlns:p14="http://schemas.microsoft.com/office/powerpoint/2010/main" val="2082712510"/>
+        <p14:creationId xmlns:p14="http://schemas.microsoft.com/office/powerpoint/2010/main" val="530558504"/>
       </p:ext>
     </p:extLst>
   </p:cSld>
   <p:clrMapOvr>
     <a:masterClrMapping/>
   </p:clrMapOvr>
+  <p:timing>
+    <p:tnLst>
+      <p:par>
+        <p:cTn id="1" dur="indefinite" restart="never" nodeType="tmRoot"/>
+      </p:par>
+    </p:tnLst>
+  </p:timing>
 </p:sld>
 </file>
 
 <file path=ppt/slides/slide11.xml><?xml version="1.0" encoding="utf-8"?>
+<p:sld xmlns:a="http://schemas.openxmlformats.org/drawingml/2006/main" xmlns:r="http://schemas.openxmlformats.org/officeDocument/2006/relationships" xmlns:p="http://schemas.openxmlformats.org/presentationml/2006/main">
+  <p:cSld>
+    <p:spTree>
+      <p:nvGrpSpPr>
+        <p:cNvPr id="1" name=""/>
+        <p:cNvGrpSpPr/>
+        <p:nvPr/>
+      </p:nvGrpSpPr>
+      <p:grpSpPr>
+        <a:xfrm>
+          <a:off x="0" y="0"/>
+          <a:ext cx="0" cy="0"/>
+          <a:chOff x="0" y="0"/>
+          <a:chExt cx="0" cy="0"/>
+        </a:xfrm>
+      </p:grpSpPr>
+      <p:sp>
+        <p:nvSpPr>
+          <p:cNvPr id="2" name="Title 1"/>
+          <p:cNvSpPr>
+            <a:spLocks noGrp="1"/>
+          </p:cNvSpPr>
+          <p:nvPr>
+            <p:ph type="title"/>
+          </p:nvPr>
+        </p:nvSpPr>
+        <p:spPr>
+          <a:xfrm>
+            <a:off x="457200" y="228864"/>
+            <a:ext cx="6347048" cy="588409"/>
+          </a:xfrm>
+        </p:spPr>
+        <p:txBody>
+          <a:bodyPr>
+            <a:normAutofit/>
+          </a:bodyPr>
+          <a:lstStyle/>
+          <a:p>
+            <a:r>
+              <a:rPr lang="en-ZA" dirty="0" smtClean="0"/>
+              <a:t>Fakes</a:t>
+            </a:r>
+            <a:endParaRPr lang="en-ZA" dirty="0"/>
+          </a:p>
+        </p:txBody>
+      </p:sp>
+      <p:sp>
+        <p:nvSpPr>
+          <p:cNvPr id="3" name="Content Placeholder 2"/>
+          <p:cNvSpPr>
+            <a:spLocks noGrp="1"/>
+          </p:cNvSpPr>
+          <p:nvPr>
+            <p:ph idx="1"/>
+          </p:nvPr>
+        </p:nvSpPr>
+        <p:spPr/>
+        <p:txBody>
+          <a:bodyPr>
+            <a:normAutofit/>
+          </a:bodyPr>
+          <a:lstStyle/>
+          <a:p>
+            <a:r>
+              <a:rPr lang="en-ZA" dirty="0" smtClean="0"/>
+              <a:t>Actual working implementation, but have some shortcut which means they unsuitable for production</a:t>
+            </a:r>
+            <a:endParaRPr lang="en-ZA" dirty="0"/>
+          </a:p>
+        </p:txBody>
+      </p:sp>
+      <p:sp>
+        <p:nvSpPr>
+          <p:cNvPr id="8" name="Rectangle 7"/>
+          <p:cNvSpPr/>
+          <p:nvPr/>
+        </p:nvSpPr>
+        <p:spPr>
+          <a:xfrm>
+            <a:off x="2123728" y="1921396"/>
+            <a:ext cx="5184576" cy="2677656"/>
+          </a:xfrm>
+          <a:prstGeom prst="rect">
+            <a:avLst/>
+          </a:prstGeom>
+          <a:solidFill>
+            <a:schemeClr val="bg1"/>
+          </a:solidFill>
+        </p:spPr>
+        <p:txBody>
+          <a:bodyPr wrap="square">
+            <a:spAutoFit/>
+          </a:bodyPr>
+          <a:lstStyle/>
+          <a:p>
+            <a:r>
+              <a:rPr lang="en-US" sz="1200" dirty="0">
+                <a:solidFill>
+                  <a:srgbClr val="0000FF"/>
+                </a:solidFill>
+                <a:highlight>
+                  <a:srgbClr val="FFFFFF"/>
+                </a:highlight>
+                <a:latin typeface="Consolas" panose="020B0609020204030204" pitchFamily="49" charset="0"/>
+              </a:rPr>
+              <a:t>class</a:t>
+            </a:r>
+            <a:r>
+              <a:rPr lang="en-US" sz="1200" dirty="0">
+                <a:solidFill>
+                  <a:srgbClr val="000000"/>
+                </a:solidFill>
+                <a:highlight>
+                  <a:srgbClr val="FFFFFF"/>
+                </a:highlight>
+                <a:latin typeface="Consolas" panose="020B0609020204030204" pitchFamily="49" charset="0"/>
+              </a:rPr>
+              <a:t> </a:t>
+            </a:r>
+            <a:r>
+              <a:rPr lang="en-US" sz="1200" dirty="0" err="1">
+                <a:solidFill>
+                  <a:srgbClr val="00008B"/>
+                </a:solidFill>
+                <a:highlight>
+                  <a:srgbClr val="FFFFFF"/>
+                </a:highlight>
+                <a:latin typeface="Consolas" panose="020B0609020204030204" pitchFamily="49" charset="0"/>
+              </a:rPr>
+              <a:t>InMemoryUserRepository</a:t>
+            </a:r>
+            <a:r>
+              <a:rPr lang="en-US" sz="1200" dirty="0">
+                <a:solidFill>
+                  <a:srgbClr val="000000"/>
+                </a:solidFill>
+                <a:highlight>
+                  <a:srgbClr val="FFFFFF"/>
+                </a:highlight>
+                <a:latin typeface="Consolas" panose="020B0609020204030204" pitchFamily="49" charset="0"/>
+              </a:rPr>
+              <a:t> : </a:t>
+            </a:r>
+            <a:r>
+              <a:rPr lang="en-US" sz="1200" dirty="0" err="1">
+                <a:solidFill>
+                  <a:srgbClr val="00008B"/>
+                </a:solidFill>
+                <a:highlight>
+                  <a:srgbClr val="FFFFFF"/>
+                </a:highlight>
+                <a:latin typeface="Consolas" panose="020B0609020204030204" pitchFamily="49" charset="0"/>
+              </a:rPr>
+              <a:t>UserRepository</a:t>
+            </a:r>
+            <a:endParaRPr lang="en-US" sz="1200" dirty="0">
+              <a:solidFill>
+                <a:srgbClr val="000000"/>
+              </a:solidFill>
+              <a:highlight>
+                <a:srgbClr val="FFFFFF"/>
+              </a:highlight>
+              <a:latin typeface="Consolas" panose="020B0609020204030204" pitchFamily="49" charset="0"/>
+            </a:endParaRPr>
+          </a:p>
+          <a:p>
+            <a:r>
+              <a:rPr lang="en-US" sz="1200" dirty="0">
+                <a:solidFill>
+                  <a:srgbClr val="000000"/>
+                </a:solidFill>
+                <a:highlight>
+                  <a:srgbClr val="FFFFFF"/>
+                </a:highlight>
+                <a:latin typeface="Consolas" panose="020B0609020204030204" pitchFamily="49" charset="0"/>
+              </a:rPr>
+              <a:t>{</a:t>
+            </a:r>
+          </a:p>
+          <a:p>
+            <a:r>
+              <a:rPr lang="en-US" sz="1200" dirty="0">
+                <a:solidFill>
+                  <a:srgbClr val="000000"/>
+                </a:solidFill>
+                <a:highlight>
+                  <a:srgbClr val="FFFFFF"/>
+                </a:highlight>
+                <a:latin typeface="Consolas" panose="020B0609020204030204" pitchFamily="49" charset="0"/>
+              </a:rPr>
+              <a:t>    </a:t>
+            </a:r>
+            <a:r>
+              <a:rPr lang="en-US" sz="1200" dirty="0">
+                <a:solidFill>
+                  <a:srgbClr val="0000FF"/>
+                </a:solidFill>
+                <a:highlight>
+                  <a:srgbClr val="FFFFFF"/>
+                </a:highlight>
+                <a:latin typeface="Consolas" panose="020B0609020204030204" pitchFamily="49" charset="0"/>
+              </a:rPr>
+              <a:t>private</a:t>
+            </a:r>
+            <a:r>
+              <a:rPr lang="en-US" sz="1200" dirty="0">
+                <a:solidFill>
+                  <a:srgbClr val="000000"/>
+                </a:solidFill>
+                <a:highlight>
+                  <a:srgbClr val="FFFFFF"/>
+                </a:highlight>
+                <a:latin typeface="Consolas" panose="020B0609020204030204" pitchFamily="49" charset="0"/>
+              </a:rPr>
+              <a:t> </a:t>
+            </a:r>
+            <a:r>
+              <a:rPr lang="en-US" sz="1200" dirty="0" err="1">
+                <a:solidFill>
+                  <a:srgbClr val="00008B"/>
+                </a:solidFill>
+                <a:highlight>
+                  <a:srgbClr val="FFFFFF"/>
+                </a:highlight>
+                <a:latin typeface="Consolas" panose="020B0609020204030204" pitchFamily="49" charset="0"/>
+              </a:rPr>
+              <a:t>UserCollection</a:t>
+            </a:r>
+            <a:r>
+              <a:rPr lang="en-US" sz="1200" dirty="0">
+                <a:solidFill>
+                  <a:srgbClr val="000000"/>
+                </a:solidFill>
+                <a:highlight>
+                  <a:srgbClr val="FFFFFF"/>
+                </a:highlight>
+                <a:latin typeface="Consolas" panose="020B0609020204030204" pitchFamily="49" charset="0"/>
+              </a:rPr>
+              <a:t> </a:t>
+            </a:r>
+            <a:r>
+              <a:rPr lang="en-US" sz="1200" dirty="0">
+                <a:solidFill>
+                  <a:srgbClr val="800080"/>
+                </a:solidFill>
+                <a:highlight>
+                  <a:srgbClr val="FFFFFF"/>
+                </a:highlight>
+                <a:latin typeface="Consolas" panose="020B0609020204030204" pitchFamily="49" charset="0"/>
+              </a:rPr>
+              <a:t>users</a:t>
+            </a:r>
+            <a:r>
+              <a:rPr lang="en-US" sz="1200" dirty="0">
+                <a:solidFill>
+                  <a:srgbClr val="000000"/>
+                </a:solidFill>
+                <a:highlight>
+                  <a:srgbClr val="FFFFFF"/>
+                </a:highlight>
+                <a:latin typeface="Consolas" panose="020B0609020204030204" pitchFamily="49" charset="0"/>
+              </a:rPr>
+              <a:t> = </a:t>
+            </a:r>
+            <a:r>
+              <a:rPr lang="en-US" sz="1200" dirty="0">
+                <a:solidFill>
+                  <a:srgbClr val="0000FF"/>
+                </a:solidFill>
+                <a:highlight>
+                  <a:srgbClr val="FFFFFF"/>
+                </a:highlight>
+                <a:latin typeface="Consolas" panose="020B0609020204030204" pitchFamily="49" charset="0"/>
+              </a:rPr>
+              <a:t>new</a:t>
+            </a:r>
+            <a:r>
+              <a:rPr lang="en-US" sz="1200" dirty="0">
+                <a:solidFill>
+                  <a:srgbClr val="000000"/>
+                </a:solidFill>
+                <a:highlight>
+                  <a:srgbClr val="FFFFFF"/>
+                </a:highlight>
+                <a:latin typeface="Consolas" panose="020B0609020204030204" pitchFamily="49" charset="0"/>
+              </a:rPr>
+              <a:t> </a:t>
+            </a:r>
+            <a:r>
+              <a:rPr lang="en-US" sz="1200" dirty="0" err="1">
+                <a:solidFill>
+                  <a:srgbClr val="00008B"/>
+                </a:solidFill>
+                <a:highlight>
+                  <a:srgbClr val="FFFFFF"/>
+                </a:highlight>
+                <a:latin typeface="Consolas" panose="020B0609020204030204" pitchFamily="49" charset="0"/>
+              </a:rPr>
+              <a:t>UserCollection</a:t>
+            </a:r>
+            <a:r>
+              <a:rPr lang="en-US" sz="1200" dirty="0">
+                <a:solidFill>
+                  <a:srgbClr val="000000"/>
+                </a:solidFill>
+                <a:highlight>
+                  <a:srgbClr val="FFFFFF"/>
+                </a:highlight>
+                <a:latin typeface="Consolas" panose="020B0609020204030204" pitchFamily="49" charset="0"/>
+              </a:rPr>
+              <a:t>();</a:t>
+            </a:r>
+          </a:p>
+          <a:p>
+            <a:endParaRPr lang="en-US" sz="1200" dirty="0">
+              <a:solidFill>
+                <a:srgbClr val="000000"/>
+              </a:solidFill>
+              <a:highlight>
+                <a:srgbClr val="FFFFFF"/>
+              </a:highlight>
+              <a:latin typeface="Consolas" panose="020B0609020204030204" pitchFamily="49" charset="0"/>
+            </a:endParaRPr>
+          </a:p>
+          <a:p>
+            <a:r>
+              <a:rPr lang="en-US" sz="1200" dirty="0">
+                <a:solidFill>
+                  <a:srgbClr val="000000"/>
+                </a:solidFill>
+                <a:highlight>
+                  <a:srgbClr val="FFFFFF"/>
+                </a:highlight>
+                <a:latin typeface="Consolas" panose="020B0609020204030204" pitchFamily="49" charset="0"/>
+              </a:rPr>
+              <a:t>    </a:t>
+            </a:r>
+            <a:r>
+              <a:rPr lang="en-US" sz="1200" dirty="0">
+                <a:solidFill>
+                  <a:srgbClr val="0000FF"/>
+                </a:solidFill>
+                <a:highlight>
+                  <a:srgbClr val="FFFFFF"/>
+                </a:highlight>
+                <a:latin typeface="Consolas" panose="020B0609020204030204" pitchFamily="49" charset="0"/>
+              </a:rPr>
+              <a:t>public</a:t>
+            </a:r>
+            <a:r>
+              <a:rPr lang="en-US" sz="1200" dirty="0">
+                <a:solidFill>
+                  <a:srgbClr val="000000"/>
+                </a:solidFill>
+                <a:highlight>
+                  <a:srgbClr val="FFFFFF"/>
+                </a:highlight>
+                <a:latin typeface="Consolas" panose="020B0609020204030204" pitchFamily="49" charset="0"/>
+              </a:rPr>
+              <a:t> </a:t>
+            </a:r>
+            <a:r>
+              <a:rPr lang="en-US" sz="1200" dirty="0" err="1">
+                <a:solidFill>
+                  <a:srgbClr val="0000FF"/>
+                </a:solidFill>
+                <a:highlight>
+                  <a:srgbClr val="FFFFFF"/>
+                </a:highlight>
+                <a:latin typeface="Consolas" panose="020B0609020204030204" pitchFamily="49" charset="0"/>
+              </a:rPr>
+              <a:t>bool</a:t>
+            </a:r>
+            <a:r>
+              <a:rPr lang="en-US" sz="1200" dirty="0">
+                <a:solidFill>
+                  <a:srgbClr val="000000"/>
+                </a:solidFill>
+                <a:highlight>
+                  <a:srgbClr val="FFFFFF"/>
+                </a:highlight>
+                <a:latin typeface="Consolas" panose="020B0609020204030204" pitchFamily="49" charset="0"/>
+              </a:rPr>
+              <a:t> </a:t>
+            </a:r>
+            <a:r>
+              <a:rPr lang="en-US" sz="1200" dirty="0">
+                <a:solidFill>
+                  <a:srgbClr val="008B8B"/>
+                </a:solidFill>
+                <a:highlight>
+                  <a:srgbClr val="FFFFFF"/>
+                </a:highlight>
+                <a:latin typeface="Consolas" panose="020B0609020204030204" pitchFamily="49" charset="0"/>
+              </a:rPr>
+              <a:t>Add</a:t>
+            </a:r>
+            <a:r>
+              <a:rPr lang="en-US" sz="1200" dirty="0">
+                <a:solidFill>
+                  <a:srgbClr val="000000"/>
+                </a:solidFill>
+                <a:highlight>
+                  <a:srgbClr val="FFFFFF"/>
+                </a:highlight>
+                <a:latin typeface="Consolas" panose="020B0609020204030204" pitchFamily="49" charset="0"/>
+              </a:rPr>
+              <a:t>(</a:t>
+            </a:r>
+            <a:r>
+              <a:rPr lang="en-US" sz="1200" dirty="0">
+                <a:solidFill>
+                  <a:srgbClr val="00008B"/>
+                </a:solidFill>
+                <a:highlight>
+                  <a:srgbClr val="FFFFFF"/>
+                </a:highlight>
+                <a:latin typeface="Consolas" panose="020B0609020204030204" pitchFamily="49" charset="0"/>
+              </a:rPr>
+              <a:t>User</a:t>
+            </a:r>
+            <a:r>
+              <a:rPr lang="en-US" sz="1200" dirty="0">
+                <a:solidFill>
+                  <a:srgbClr val="000000"/>
+                </a:solidFill>
+                <a:highlight>
+                  <a:srgbClr val="FFFFFF"/>
+                </a:highlight>
+                <a:latin typeface="Consolas" panose="020B0609020204030204" pitchFamily="49" charset="0"/>
+              </a:rPr>
+              <a:t> user)</a:t>
+            </a:r>
+          </a:p>
+          <a:p>
+            <a:r>
+              <a:rPr lang="en-US" sz="1200" dirty="0">
+                <a:solidFill>
+                  <a:srgbClr val="000000"/>
+                </a:solidFill>
+                <a:highlight>
+                  <a:srgbClr val="FFFFFF"/>
+                </a:highlight>
+                <a:latin typeface="Consolas" panose="020B0609020204030204" pitchFamily="49" charset="0"/>
+              </a:rPr>
+              <a:t>    {</a:t>
+            </a:r>
+          </a:p>
+          <a:p>
+            <a:r>
+              <a:rPr lang="en-US" sz="1200" dirty="0">
+                <a:solidFill>
+                  <a:srgbClr val="000000"/>
+                </a:solidFill>
+                <a:highlight>
+                  <a:srgbClr val="FFFFFF"/>
+                </a:highlight>
+                <a:latin typeface="Consolas" panose="020B0609020204030204" pitchFamily="49" charset="0"/>
+              </a:rPr>
+              <a:t>        </a:t>
+            </a:r>
+            <a:r>
+              <a:rPr lang="en-US" sz="1200" dirty="0">
+                <a:solidFill>
+                  <a:srgbClr val="0000FF"/>
+                </a:solidFill>
+                <a:highlight>
+                  <a:srgbClr val="FFFFFF"/>
+                </a:highlight>
+                <a:latin typeface="Consolas" panose="020B0609020204030204" pitchFamily="49" charset="0"/>
+              </a:rPr>
+              <a:t>return</a:t>
+            </a:r>
+            <a:r>
+              <a:rPr lang="en-US" sz="1200" dirty="0">
+                <a:solidFill>
+                  <a:srgbClr val="000000"/>
+                </a:solidFill>
+                <a:highlight>
+                  <a:srgbClr val="FFFFFF"/>
+                </a:highlight>
+                <a:latin typeface="Consolas" panose="020B0609020204030204" pitchFamily="49" charset="0"/>
+              </a:rPr>
+              <a:t> </a:t>
+            </a:r>
+            <a:r>
+              <a:rPr lang="en-US" sz="1200" dirty="0" err="1">
+                <a:solidFill>
+                  <a:srgbClr val="0000FF"/>
+                </a:solidFill>
+                <a:highlight>
+                  <a:srgbClr val="FFFFFF"/>
+                </a:highlight>
+                <a:latin typeface="Consolas" panose="020B0609020204030204" pitchFamily="49" charset="0"/>
+              </a:rPr>
+              <a:t>this</a:t>
+            </a:r>
+            <a:r>
+              <a:rPr lang="en-US" sz="1200" dirty="0" err="1">
+                <a:solidFill>
+                  <a:srgbClr val="000000"/>
+                </a:solidFill>
+                <a:highlight>
+                  <a:srgbClr val="FFFFFF"/>
+                </a:highlight>
+                <a:latin typeface="Consolas" panose="020B0609020204030204" pitchFamily="49" charset="0"/>
+              </a:rPr>
+              <a:t>.</a:t>
+            </a:r>
+            <a:r>
+              <a:rPr lang="en-US" sz="1200" dirty="0" err="1">
+                <a:solidFill>
+                  <a:srgbClr val="800080"/>
+                </a:solidFill>
+                <a:highlight>
+                  <a:srgbClr val="FFFFFF"/>
+                </a:highlight>
+                <a:latin typeface="Consolas" panose="020B0609020204030204" pitchFamily="49" charset="0"/>
+              </a:rPr>
+              <a:t>users</a:t>
+            </a:r>
+            <a:r>
+              <a:rPr lang="en-US" sz="1200" dirty="0" err="1">
+                <a:solidFill>
+                  <a:srgbClr val="000000"/>
+                </a:solidFill>
+                <a:highlight>
+                  <a:srgbClr val="FFFFFF"/>
+                </a:highlight>
+                <a:latin typeface="Consolas" panose="020B0609020204030204" pitchFamily="49" charset="0"/>
+              </a:rPr>
+              <a:t>.</a:t>
+            </a:r>
+            <a:r>
+              <a:rPr lang="en-US" sz="1200" dirty="0" err="1">
+                <a:solidFill>
+                  <a:srgbClr val="008B8B"/>
+                </a:solidFill>
+                <a:highlight>
+                  <a:srgbClr val="FFFFFF"/>
+                </a:highlight>
+                <a:latin typeface="Consolas" panose="020B0609020204030204" pitchFamily="49" charset="0"/>
+              </a:rPr>
+              <a:t>Add</a:t>
+            </a:r>
+            <a:r>
+              <a:rPr lang="en-US" sz="1200" dirty="0">
+                <a:solidFill>
+                  <a:srgbClr val="000000"/>
+                </a:solidFill>
+                <a:highlight>
+                  <a:srgbClr val="FFFFFF"/>
+                </a:highlight>
+                <a:latin typeface="Consolas" panose="020B0609020204030204" pitchFamily="49" charset="0"/>
+              </a:rPr>
+              <a:t>(user);</a:t>
+            </a:r>
+          </a:p>
+          <a:p>
+            <a:r>
+              <a:rPr lang="en-US" sz="1200" dirty="0">
+                <a:solidFill>
+                  <a:srgbClr val="000000"/>
+                </a:solidFill>
+                <a:highlight>
+                  <a:srgbClr val="FFFFFF"/>
+                </a:highlight>
+                <a:latin typeface="Consolas" panose="020B0609020204030204" pitchFamily="49" charset="0"/>
+              </a:rPr>
+              <a:t>    }</a:t>
+            </a:r>
+          </a:p>
+          <a:p>
+            <a:endParaRPr lang="en-US" sz="1200" dirty="0">
+              <a:solidFill>
+                <a:srgbClr val="000000"/>
+              </a:solidFill>
+              <a:highlight>
+                <a:srgbClr val="FFFFFF"/>
+              </a:highlight>
+              <a:latin typeface="Consolas" panose="020B0609020204030204" pitchFamily="49" charset="0"/>
+            </a:endParaRPr>
+          </a:p>
+          <a:p>
+            <a:r>
+              <a:rPr lang="en-US" sz="1200" dirty="0">
+                <a:solidFill>
+                  <a:srgbClr val="000000"/>
+                </a:solidFill>
+                <a:highlight>
+                  <a:srgbClr val="FFFFFF"/>
+                </a:highlight>
+                <a:latin typeface="Consolas" panose="020B0609020204030204" pitchFamily="49" charset="0"/>
+              </a:rPr>
+              <a:t>    </a:t>
+            </a:r>
+            <a:r>
+              <a:rPr lang="en-US" sz="1200" dirty="0">
+                <a:solidFill>
+                  <a:srgbClr val="0000FF"/>
+                </a:solidFill>
+                <a:highlight>
+                  <a:srgbClr val="FFFFFF"/>
+                </a:highlight>
+                <a:latin typeface="Consolas" panose="020B0609020204030204" pitchFamily="49" charset="0"/>
+              </a:rPr>
+              <a:t>public</a:t>
+            </a:r>
+            <a:r>
+              <a:rPr lang="en-US" sz="1200" dirty="0">
+                <a:solidFill>
+                  <a:srgbClr val="000000"/>
+                </a:solidFill>
+                <a:highlight>
+                  <a:srgbClr val="FFFFFF"/>
+                </a:highlight>
+                <a:latin typeface="Consolas" panose="020B0609020204030204" pitchFamily="49" charset="0"/>
+              </a:rPr>
+              <a:t> </a:t>
+            </a:r>
+            <a:r>
+              <a:rPr lang="en-US" sz="1200" dirty="0" err="1">
+                <a:solidFill>
+                  <a:srgbClr val="0000FF"/>
+                </a:solidFill>
+                <a:highlight>
+                  <a:srgbClr val="FFFFFF"/>
+                </a:highlight>
+                <a:latin typeface="Consolas" panose="020B0609020204030204" pitchFamily="49" charset="0"/>
+              </a:rPr>
+              <a:t>bool</a:t>
+            </a:r>
+            <a:r>
+              <a:rPr lang="en-US" sz="1200" dirty="0">
+                <a:solidFill>
+                  <a:srgbClr val="000000"/>
+                </a:solidFill>
+                <a:highlight>
+                  <a:srgbClr val="FFFFFF"/>
+                </a:highlight>
+                <a:latin typeface="Consolas" panose="020B0609020204030204" pitchFamily="49" charset="0"/>
+              </a:rPr>
+              <a:t> </a:t>
+            </a:r>
+            <a:r>
+              <a:rPr lang="en-US" sz="1200" dirty="0">
+                <a:solidFill>
+                  <a:srgbClr val="008B8B"/>
+                </a:solidFill>
+                <a:highlight>
+                  <a:srgbClr val="FFFFFF"/>
+                </a:highlight>
+                <a:latin typeface="Consolas" panose="020B0609020204030204" pitchFamily="49" charset="0"/>
+              </a:rPr>
+              <a:t>Delete</a:t>
+            </a:r>
+            <a:r>
+              <a:rPr lang="en-US" sz="1200" dirty="0">
+                <a:solidFill>
+                  <a:srgbClr val="000000"/>
+                </a:solidFill>
+                <a:highlight>
+                  <a:srgbClr val="FFFFFF"/>
+                </a:highlight>
+                <a:latin typeface="Consolas" panose="020B0609020204030204" pitchFamily="49" charset="0"/>
+              </a:rPr>
+              <a:t>(</a:t>
+            </a:r>
+            <a:r>
+              <a:rPr lang="en-US" sz="1200" dirty="0">
+                <a:solidFill>
+                  <a:srgbClr val="00008B"/>
+                </a:solidFill>
+                <a:highlight>
+                  <a:srgbClr val="FFFFFF"/>
+                </a:highlight>
+                <a:latin typeface="Consolas" panose="020B0609020204030204" pitchFamily="49" charset="0"/>
+              </a:rPr>
+              <a:t>User</a:t>
+            </a:r>
+            <a:r>
+              <a:rPr lang="en-US" sz="1200" dirty="0">
+                <a:solidFill>
+                  <a:srgbClr val="000000"/>
+                </a:solidFill>
+                <a:highlight>
+                  <a:srgbClr val="FFFFFF"/>
+                </a:highlight>
+                <a:latin typeface="Consolas" panose="020B0609020204030204" pitchFamily="49" charset="0"/>
+              </a:rPr>
+              <a:t> user)</a:t>
+            </a:r>
+          </a:p>
+          <a:p>
+            <a:r>
+              <a:rPr lang="en-US" sz="1200" dirty="0">
+                <a:solidFill>
+                  <a:srgbClr val="000000"/>
+                </a:solidFill>
+                <a:highlight>
+                  <a:srgbClr val="FFFFFF"/>
+                </a:highlight>
+                <a:latin typeface="Consolas" panose="020B0609020204030204" pitchFamily="49" charset="0"/>
+              </a:rPr>
+              <a:t>    {</a:t>
+            </a:r>
+          </a:p>
+          <a:p>
+            <a:r>
+              <a:rPr lang="en-US" sz="1200" dirty="0">
+                <a:solidFill>
+                  <a:srgbClr val="000000"/>
+                </a:solidFill>
+                <a:highlight>
+                  <a:srgbClr val="FFFFFF"/>
+                </a:highlight>
+                <a:latin typeface="Consolas" panose="020B0609020204030204" pitchFamily="49" charset="0"/>
+              </a:rPr>
+              <a:t>        </a:t>
+            </a:r>
+            <a:r>
+              <a:rPr lang="en-US" sz="1200" dirty="0">
+                <a:solidFill>
+                  <a:srgbClr val="0000FF"/>
+                </a:solidFill>
+                <a:highlight>
+                  <a:srgbClr val="FFFFFF"/>
+                </a:highlight>
+                <a:latin typeface="Consolas" panose="020B0609020204030204" pitchFamily="49" charset="0"/>
+              </a:rPr>
+              <a:t>return</a:t>
+            </a:r>
+            <a:r>
+              <a:rPr lang="en-US" sz="1200" dirty="0">
+                <a:solidFill>
+                  <a:srgbClr val="000000"/>
+                </a:solidFill>
+                <a:highlight>
+                  <a:srgbClr val="FFFFFF"/>
+                </a:highlight>
+                <a:latin typeface="Consolas" panose="020B0609020204030204" pitchFamily="49" charset="0"/>
+              </a:rPr>
+              <a:t> </a:t>
+            </a:r>
+            <a:r>
+              <a:rPr lang="en-US" sz="1200" dirty="0" err="1">
+                <a:solidFill>
+                  <a:srgbClr val="0000FF"/>
+                </a:solidFill>
+                <a:highlight>
+                  <a:srgbClr val="FFFFFF"/>
+                </a:highlight>
+                <a:latin typeface="Consolas" panose="020B0609020204030204" pitchFamily="49" charset="0"/>
+              </a:rPr>
+              <a:t>this</a:t>
+            </a:r>
+            <a:r>
+              <a:rPr lang="en-US" sz="1200" dirty="0" err="1">
+                <a:solidFill>
+                  <a:srgbClr val="000000"/>
+                </a:solidFill>
+                <a:highlight>
+                  <a:srgbClr val="FFFFFF"/>
+                </a:highlight>
+                <a:latin typeface="Consolas" panose="020B0609020204030204" pitchFamily="49" charset="0"/>
+              </a:rPr>
+              <a:t>.</a:t>
+            </a:r>
+            <a:r>
+              <a:rPr lang="en-US" sz="1200" dirty="0" err="1">
+                <a:solidFill>
+                  <a:srgbClr val="008B8B"/>
+                </a:solidFill>
+                <a:highlight>
+                  <a:srgbClr val="FFFFFF"/>
+                </a:highlight>
+                <a:latin typeface="Consolas" panose="020B0609020204030204" pitchFamily="49" charset="0"/>
+              </a:rPr>
+              <a:t>Delete</a:t>
+            </a:r>
+            <a:r>
+              <a:rPr lang="en-US" sz="1200" dirty="0">
+                <a:solidFill>
+                  <a:srgbClr val="000000"/>
+                </a:solidFill>
+                <a:highlight>
+                  <a:srgbClr val="FFFFFF"/>
+                </a:highlight>
+                <a:latin typeface="Consolas" panose="020B0609020204030204" pitchFamily="49" charset="0"/>
+              </a:rPr>
+              <a:t>(</a:t>
+            </a:r>
+            <a:r>
+              <a:rPr lang="en-US" sz="1200" dirty="0" err="1">
+                <a:solidFill>
+                  <a:srgbClr val="000000"/>
+                </a:solidFill>
+                <a:highlight>
+                  <a:srgbClr val="FFFFFF"/>
+                </a:highlight>
+                <a:latin typeface="Consolas" panose="020B0609020204030204" pitchFamily="49" charset="0"/>
+              </a:rPr>
+              <a:t>user.</a:t>
+            </a:r>
+            <a:r>
+              <a:rPr lang="en-US" sz="1200" dirty="0" err="1">
+                <a:solidFill>
+                  <a:srgbClr val="008B8B"/>
+                </a:solidFill>
+                <a:highlight>
+                  <a:srgbClr val="FFFFFF"/>
+                </a:highlight>
+                <a:latin typeface="Consolas" panose="020B0609020204030204" pitchFamily="49" charset="0"/>
+              </a:rPr>
+              <a:t>GetIdentifier</a:t>
+            </a:r>
+            <a:r>
+              <a:rPr lang="en-US" sz="1200" dirty="0">
+                <a:solidFill>
+                  <a:srgbClr val="000000"/>
+                </a:solidFill>
+                <a:highlight>
+                  <a:srgbClr val="FFFFFF"/>
+                </a:highlight>
+                <a:latin typeface="Consolas" panose="020B0609020204030204" pitchFamily="49" charset="0"/>
+              </a:rPr>
+              <a:t>());</a:t>
+            </a:r>
+          </a:p>
+          <a:p>
+            <a:r>
+              <a:rPr lang="en-US" sz="1200" dirty="0">
+                <a:solidFill>
+                  <a:srgbClr val="000000"/>
+                </a:solidFill>
+                <a:highlight>
+                  <a:srgbClr val="FFFFFF"/>
+                </a:highlight>
+                <a:latin typeface="Consolas" panose="020B0609020204030204" pitchFamily="49" charset="0"/>
+              </a:rPr>
+              <a:t>    }    </a:t>
+            </a:r>
+          </a:p>
+          <a:p>
+            <a:r>
+              <a:rPr lang="en-US" sz="1200" dirty="0">
+                <a:solidFill>
+                  <a:srgbClr val="000000"/>
+                </a:solidFill>
+                <a:highlight>
+                  <a:srgbClr val="FFFFFF"/>
+                </a:highlight>
+                <a:latin typeface="Consolas" panose="020B0609020204030204" pitchFamily="49" charset="0"/>
+              </a:rPr>
+              <a:t>}</a:t>
+            </a:r>
+            <a:endParaRPr lang="en-ZA" sz="1200" dirty="0"/>
+          </a:p>
+        </p:txBody>
+      </p:sp>
+    </p:spTree>
+    <p:extLst>
+      <p:ext uri="{BB962C8B-B14F-4D97-AF65-F5344CB8AC3E}">
+        <p14:creationId xmlns:p14="http://schemas.microsoft.com/office/powerpoint/2010/main" val="2492267469"/>
+      </p:ext>
+    </p:extLst>
+  </p:cSld>
+  <p:clrMapOvr>
+    <a:masterClrMapping/>
+  </p:clrMapOvr>
+  <p:timing>
+    <p:tnLst>
+      <p:par>
+        <p:cTn id="1" dur="indefinite" restart="never" nodeType="tmRoot"/>
+      </p:par>
+    </p:tnLst>
+  </p:timing>
+</p:sld>
+</file>
+
+<file path=ppt/slides/slide12.xml><?xml version="1.0" encoding="utf-8"?>
+<p:sld xmlns:a="http://schemas.openxmlformats.org/drawingml/2006/main" xmlns:r="http://schemas.openxmlformats.org/officeDocument/2006/relationships" xmlns:p="http://schemas.openxmlformats.org/presentationml/2006/main">
+  <p:cSld>
+    <p:spTree>
+      <p:nvGrpSpPr>
+        <p:cNvPr id="1" name=""/>
+        <p:cNvGrpSpPr/>
+        <p:nvPr/>
+      </p:nvGrpSpPr>
+      <p:grpSpPr>
+        <a:xfrm>
+          <a:off x="0" y="0"/>
+          <a:ext cx="0" cy="0"/>
+          <a:chOff x="0" y="0"/>
+          <a:chExt cx="0" cy="0"/>
+        </a:xfrm>
+      </p:grpSpPr>
+      <p:sp>
+        <p:nvSpPr>
+          <p:cNvPr id="6" name="Rectangle 5"/>
+          <p:cNvSpPr/>
+          <p:nvPr/>
+        </p:nvSpPr>
+        <p:spPr>
+          <a:xfrm>
+            <a:off x="1547664" y="1201316"/>
+            <a:ext cx="6696744" cy="4708981"/>
+          </a:xfrm>
+          <a:prstGeom prst="rect">
+            <a:avLst/>
+          </a:prstGeom>
+          <a:solidFill>
+            <a:schemeClr val="bg1"/>
+          </a:solidFill>
+        </p:spPr>
+        <p:txBody>
+          <a:bodyPr wrap="square">
+            <a:spAutoFit/>
+          </a:bodyPr>
+          <a:lstStyle/>
+          <a:p>
+            <a:r>
+              <a:rPr lang="en-US" sz="1200" dirty="0">
+                <a:solidFill>
+                  <a:srgbClr val="0000FF"/>
+                </a:solidFill>
+                <a:highlight>
+                  <a:srgbClr val="FFFFFF"/>
+                </a:highlight>
+                <a:latin typeface="Consolas" panose="020B0609020204030204" pitchFamily="49" charset="0"/>
+              </a:rPr>
+              <a:t>public</a:t>
+            </a:r>
+            <a:r>
+              <a:rPr lang="en-US" sz="1200" dirty="0">
+                <a:solidFill>
+                  <a:srgbClr val="000000"/>
+                </a:solidFill>
+                <a:highlight>
+                  <a:srgbClr val="FFFFFF"/>
+                </a:highlight>
+                <a:latin typeface="Consolas" panose="020B0609020204030204" pitchFamily="49" charset="0"/>
+              </a:rPr>
+              <a:t> </a:t>
+            </a:r>
+            <a:r>
+              <a:rPr lang="en-US" sz="1200" dirty="0">
+                <a:solidFill>
+                  <a:srgbClr val="0000FF"/>
+                </a:solidFill>
+                <a:highlight>
+                  <a:srgbClr val="FFFFFF"/>
+                </a:highlight>
+                <a:latin typeface="Consolas" panose="020B0609020204030204" pitchFamily="49" charset="0"/>
+              </a:rPr>
+              <a:t>class</a:t>
+            </a:r>
+            <a:r>
+              <a:rPr lang="en-US" sz="1200" dirty="0">
+                <a:solidFill>
+                  <a:srgbClr val="000000"/>
+                </a:solidFill>
+                <a:highlight>
+                  <a:srgbClr val="FFFFFF"/>
+                </a:highlight>
+                <a:latin typeface="Consolas" panose="020B0609020204030204" pitchFamily="49" charset="0"/>
+              </a:rPr>
+              <a:t> </a:t>
+            </a:r>
+            <a:r>
+              <a:rPr lang="en-US" sz="1200" dirty="0" err="1">
+                <a:solidFill>
+                  <a:srgbClr val="00008B"/>
+                </a:solidFill>
+                <a:highlight>
+                  <a:srgbClr val="FFFFFF"/>
+                </a:highlight>
+                <a:latin typeface="Consolas" panose="020B0609020204030204" pitchFamily="49" charset="0"/>
+              </a:rPr>
+              <a:t>OrderInteractionTester</a:t>
+            </a:r>
+            <a:r>
+              <a:rPr lang="en-US" sz="1200" dirty="0">
+                <a:solidFill>
+                  <a:srgbClr val="000000"/>
+                </a:solidFill>
+                <a:highlight>
+                  <a:srgbClr val="FFFFFF"/>
+                </a:highlight>
+                <a:latin typeface="Consolas" panose="020B0609020204030204" pitchFamily="49" charset="0"/>
+              </a:rPr>
+              <a:t> : </a:t>
+            </a:r>
+            <a:r>
+              <a:rPr lang="en-US" sz="1200" dirty="0" err="1">
+                <a:solidFill>
+                  <a:srgbClr val="00008B"/>
+                </a:solidFill>
+                <a:highlight>
+                  <a:srgbClr val="FFFFFF"/>
+                </a:highlight>
+                <a:latin typeface="Consolas" panose="020B0609020204030204" pitchFamily="49" charset="0"/>
+              </a:rPr>
+              <a:t>MockObjectTestCase</a:t>
+            </a:r>
+            <a:endParaRPr lang="en-US" sz="1200" dirty="0">
+              <a:solidFill>
+                <a:srgbClr val="000000"/>
+              </a:solidFill>
+              <a:highlight>
+                <a:srgbClr val="FFFFFF"/>
+              </a:highlight>
+              <a:latin typeface="Consolas" panose="020B0609020204030204" pitchFamily="49" charset="0"/>
+            </a:endParaRPr>
+          </a:p>
+          <a:p>
+            <a:r>
+              <a:rPr lang="en-US" sz="1200" dirty="0">
+                <a:solidFill>
+                  <a:srgbClr val="000000"/>
+                </a:solidFill>
+                <a:highlight>
+                  <a:srgbClr val="FFFFFF"/>
+                </a:highlight>
+                <a:latin typeface="Consolas" panose="020B0609020204030204" pitchFamily="49" charset="0"/>
+              </a:rPr>
+              <a:t>{</a:t>
+            </a:r>
+          </a:p>
+          <a:p>
+            <a:r>
+              <a:rPr lang="en-US" sz="1200" dirty="0">
+                <a:solidFill>
+                  <a:srgbClr val="000000"/>
+                </a:solidFill>
+                <a:highlight>
+                  <a:srgbClr val="FFFFFF"/>
+                </a:highlight>
+                <a:latin typeface="Consolas" panose="020B0609020204030204" pitchFamily="49" charset="0"/>
+              </a:rPr>
+              <a:t>    </a:t>
+            </a:r>
+            <a:r>
+              <a:rPr lang="en-US" sz="1200" dirty="0">
+                <a:solidFill>
+                  <a:srgbClr val="0000FF"/>
+                </a:solidFill>
+                <a:highlight>
+                  <a:srgbClr val="FFFFFF"/>
+                </a:highlight>
+                <a:latin typeface="Consolas" panose="020B0609020204030204" pitchFamily="49" charset="0"/>
+              </a:rPr>
+              <a:t>public</a:t>
+            </a:r>
+            <a:r>
+              <a:rPr lang="en-US" sz="1200" dirty="0">
+                <a:solidFill>
+                  <a:srgbClr val="000000"/>
+                </a:solidFill>
+                <a:highlight>
+                  <a:srgbClr val="FFFFFF"/>
+                </a:highlight>
+                <a:latin typeface="Consolas" panose="020B0609020204030204" pitchFamily="49" charset="0"/>
+              </a:rPr>
+              <a:t> </a:t>
+            </a:r>
+            <a:r>
+              <a:rPr lang="en-US" sz="1200" dirty="0">
+                <a:solidFill>
+                  <a:srgbClr val="0000FF"/>
+                </a:solidFill>
+                <a:highlight>
+                  <a:srgbClr val="FFFFFF"/>
+                </a:highlight>
+                <a:latin typeface="Consolas" panose="020B0609020204030204" pitchFamily="49" charset="0"/>
+              </a:rPr>
+              <a:t>void</a:t>
+            </a:r>
+            <a:r>
+              <a:rPr lang="en-US" sz="1200" dirty="0">
+                <a:solidFill>
+                  <a:srgbClr val="000000"/>
+                </a:solidFill>
+                <a:highlight>
+                  <a:srgbClr val="FFFFFF"/>
+                </a:highlight>
+                <a:latin typeface="Consolas" panose="020B0609020204030204" pitchFamily="49" charset="0"/>
+              </a:rPr>
+              <a:t> </a:t>
+            </a:r>
+            <a:r>
+              <a:rPr lang="en-US" sz="1200" dirty="0" err="1">
+                <a:solidFill>
+                  <a:srgbClr val="008B8B"/>
+                </a:solidFill>
+                <a:highlight>
+                  <a:srgbClr val="FFFFFF"/>
+                </a:highlight>
+                <a:latin typeface="Consolas" panose="020B0609020204030204" pitchFamily="49" charset="0"/>
+              </a:rPr>
+              <a:t>testFillingRemovesInventoryIfInStock</a:t>
+            </a:r>
+            <a:r>
+              <a:rPr lang="en-US" sz="1200" dirty="0">
+                <a:solidFill>
+                  <a:srgbClr val="000000"/>
+                </a:solidFill>
+                <a:highlight>
+                  <a:srgbClr val="FFFFFF"/>
+                </a:highlight>
+                <a:latin typeface="Consolas" panose="020B0609020204030204" pitchFamily="49" charset="0"/>
+              </a:rPr>
+              <a:t>() </a:t>
+            </a:r>
+          </a:p>
+          <a:p>
+            <a:r>
+              <a:rPr lang="en-US" sz="1200" dirty="0">
+                <a:solidFill>
+                  <a:srgbClr val="000000"/>
+                </a:solidFill>
+                <a:highlight>
+                  <a:srgbClr val="FFFFFF"/>
+                </a:highlight>
+                <a:latin typeface="Consolas" panose="020B0609020204030204" pitchFamily="49" charset="0"/>
+              </a:rPr>
+              <a:t>    {</a:t>
+            </a:r>
+          </a:p>
+          <a:p>
+            <a:r>
+              <a:rPr lang="en-US" sz="1200" dirty="0">
+                <a:solidFill>
+                  <a:srgbClr val="000000"/>
+                </a:solidFill>
+                <a:highlight>
+                  <a:srgbClr val="FFFFFF"/>
+                </a:highlight>
+                <a:latin typeface="Consolas" panose="020B0609020204030204" pitchFamily="49" charset="0"/>
+              </a:rPr>
+              <a:t>        </a:t>
+            </a:r>
+            <a:r>
+              <a:rPr lang="en-US" sz="1200" dirty="0">
+                <a:solidFill>
+                  <a:srgbClr val="008000"/>
+                </a:solidFill>
+                <a:highlight>
+                  <a:srgbClr val="FFFFFF"/>
+                </a:highlight>
+                <a:latin typeface="Consolas" panose="020B0609020204030204" pitchFamily="49" charset="0"/>
+              </a:rPr>
+              <a:t>//setup - data</a:t>
+            </a:r>
+            <a:endParaRPr lang="en-US" sz="1200" dirty="0">
+              <a:solidFill>
+                <a:srgbClr val="000000"/>
+              </a:solidFill>
+              <a:highlight>
+                <a:srgbClr val="FFFFFF"/>
+              </a:highlight>
+              <a:latin typeface="Consolas" panose="020B0609020204030204" pitchFamily="49" charset="0"/>
+            </a:endParaRPr>
+          </a:p>
+          <a:p>
+            <a:r>
+              <a:rPr lang="en-US" sz="1200" dirty="0">
+                <a:solidFill>
+                  <a:srgbClr val="000000"/>
+                </a:solidFill>
+                <a:highlight>
+                  <a:srgbClr val="FFFFFF"/>
+                </a:highlight>
+                <a:latin typeface="Consolas" panose="020B0609020204030204" pitchFamily="49" charset="0"/>
+              </a:rPr>
+              <a:t>        </a:t>
+            </a:r>
+            <a:r>
+              <a:rPr lang="en-US" sz="1200" dirty="0">
+                <a:solidFill>
+                  <a:srgbClr val="00008B"/>
+                </a:solidFill>
+                <a:highlight>
+                  <a:srgbClr val="FFFFFF"/>
+                </a:highlight>
+                <a:latin typeface="Consolas" panose="020B0609020204030204" pitchFamily="49" charset="0"/>
+              </a:rPr>
+              <a:t>Order</a:t>
+            </a:r>
+            <a:r>
+              <a:rPr lang="en-US" sz="1200" dirty="0">
+                <a:solidFill>
+                  <a:srgbClr val="000000"/>
+                </a:solidFill>
+                <a:highlight>
+                  <a:srgbClr val="FFFFFF"/>
+                </a:highlight>
+                <a:latin typeface="Consolas" panose="020B0609020204030204" pitchFamily="49" charset="0"/>
+              </a:rPr>
+              <a:t> </a:t>
+            </a:r>
+            <a:r>
+              <a:rPr lang="en-US" sz="1200" dirty="0" err="1">
+                <a:solidFill>
+                  <a:srgbClr val="000000"/>
+                </a:solidFill>
+                <a:highlight>
+                  <a:srgbClr val="FFFFFF"/>
+                </a:highlight>
+                <a:latin typeface="Consolas" panose="020B0609020204030204" pitchFamily="49" charset="0"/>
+              </a:rPr>
+              <a:t>order</a:t>
+            </a:r>
+            <a:r>
+              <a:rPr lang="en-US" sz="1200" dirty="0">
+                <a:solidFill>
+                  <a:srgbClr val="000000"/>
+                </a:solidFill>
+                <a:highlight>
+                  <a:srgbClr val="FFFFFF"/>
+                </a:highlight>
+                <a:latin typeface="Consolas" panose="020B0609020204030204" pitchFamily="49" charset="0"/>
+              </a:rPr>
+              <a:t> = </a:t>
+            </a:r>
+            <a:r>
+              <a:rPr lang="en-US" sz="1200" dirty="0">
+                <a:solidFill>
+                  <a:srgbClr val="0000FF"/>
+                </a:solidFill>
+                <a:highlight>
+                  <a:srgbClr val="FFFFFF"/>
+                </a:highlight>
+                <a:latin typeface="Consolas" panose="020B0609020204030204" pitchFamily="49" charset="0"/>
+              </a:rPr>
+              <a:t>new</a:t>
+            </a:r>
+            <a:r>
+              <a:rPr lang="en-US" sz="1200" dirty="0">
+                <a:solidFill>
+                  <a:srgbClr val="000000"/>
+                </a:solidFill>
+                <a:highlight>
+                  <a:srgbClr val="FFFFFF"/>
+                </a:highlight>
+                <a:latin typeface="Consolas" panose="020B0609020204030204" pitchFamily="49" charset="0"/>
+              </a:rPr>
+              <a:t> </a:t>
+            </a:r>
+            <a:r>
+              <a:rPr lang="en-US" sz="1200" dirty="0">
+                <a:solidFill>
+                  <a:srgbClr val="00008B"/>
+                </a:solidFill>
+                <a:highlight>
+                  <a:srgbClr val="FFFFFF"/>
+                </a:highlight>
+                <a:latin typeface="Consolas" panose="020B0609020204030204" pitchFamily="49" charset="0"/>
+              </a:rPr>
+              <a:t>Order</a:t>
+            </a:r>
+            <a:r>
+              <a:rPr lang="en-US" sz="1200" dirty="0">
+                <a:solidFill>
+                  <a:srgbClr val="000000"/>
+                </a:solidFill>
+                <a:highlight>
+                  <a:srgbClr val="FFFFFF"/>
+                </a:highlight>
+                <a:latin typeface="Consolas" panose="020B0609020204030204" pitchFamily="49" charset="0"/>
+              </a:rPr>
+              <a:t>(</a:t>
+            </a:r>
+            <a:r>
+              <a:rPr lang="en-US" sz="1200" dirty="0">
+                <a:solidFill>
+                  <a:srgbClr val="A31515"/>
+                </a:solidFill>
+                <a:highlight>
+                  <a:srgbClr val="FFFFFF"/>
+                </a:highlight>
+                <a:latin typeface="Consolas" panose="020B0609020204030204" pitchFamily="49" charset="0"/>
+              </a:rPr>
+              <a:t>"TALISKER"</a:t>
+            </a:r>
+            <a:r>
+              <a:rPr lang="en-US" sz="1200" dirty="0">
+                <a:solidFill>
+                  <a:srgbClr val="000000"/>
+                </a:solidFill>
+                <a:highlight>
+                  <a:srgbClr val="FFFFFF"/>
+                </a:highlight>
+                <a:latin typeface="Consolas" panose="020B0609020204030204" pitchFamily="49" charset="0"/>
+              </a:rPr>
+              <a:t>, 50);</a:t>
+            </a:r>
+          </a:p>
+          <a:p>
+            <a:r>
+              <a:rPr lang="en-US" sz="1200" dirty="0">
+                <a:solidFill>
+                  <a:srgbClr val="000000"/>
+                </a:solidFill>
+                <a:highlight>
+                  <a:srgbClr val="FFFFFF"/>
+                </a:highlight>
+                <a:latin typeface="Consolas" panose="020B0609020204030204" pitchFamily="49" charset="0"/>
+              </a:rPr>
+              <a:t>        </a:t>
+            </a:r>
+            <a:r>
+              <a:rPr lang="en-US" sz="1200" dirty="0" err="1">
+                <a:solidFill>
+                  <a:srgbClr val="0000FF"/>
+                </a:solidFill>
+                <a:highlight>
+                  <a:srgbClr val="FFFFFF"/>
+                </a:highlight>
+                <a:latin typeface="Consolas" panose="020B0609020204030204" pitchFamily="49" charset="0"/>
+              </a:rPr>
+              <a:t>var</a:t>
+            </a:r>
+            <a:r>
+              <a:rPr lang="en-US" sz="1200" dirty="0">
+                <a:solidFill>
+                  <a:srgbClr val="000000"/>
+                </a:solidFill>
+                <a:highlight>
+                  <a:srgbClr val="FFFFFF"/>
+                </a:highlight>
+                <a:latin typeface="Consolas" panose="020B0609020204030204" pitchFamily="49" charset="0"/>
+              </a:rPr>
+              <a:t> </a:t>
+            </a:r>
+            <a:r>
+              <a:rPr lang="en-US" sz="1200" dirty="0" err="1">
+                <a:solidFill>
+                  <a:srgbClr val="000000"/>
+                </a:solidFill>
+                <a:highlight>
+                  <a:srgbClr val="FFFFFF"/>
+                </a:highlight>
+                <a:latin typeface="Consolas" panose="020B0609020204030204" pitchFamily="49" charset="0"/>
+              </a:rPr>
+              <a:t>warehouseMock</a:t>
+            </a:r>
+            <a:r>
+              <a:rPr lang="en-US" sz="1200" dirty="0">
+                <a:solidFill>
+                  <a:srgbClr val="000000"/>
+                </a:solidFill>
+                <a:highlight>
+                  <a:srgbClr val="FFFFFF"/>
+                </a:highlight>
+                <a:latin typeface="Consolas" panose="020B0609020204030204" pitchFamily="49" charset="0"/>
+              </a:rPr>
+              <a:t> = </a:t>
+            </a:r>
+            <a:r>
+              <a:rPr lang="en-US" sz="1200" dirty="0">
+                <a:solidFill>
+                  <a:srgbClr val="0000FF"/>
+                </a:solidFill>
+                <a:highlight>
+                  <a:srgbClr val="FFFFFF"/>
+                </a:highlight>
+                <a:latin typeface="Consolas" panose="020B0609020204030204" pitchFamily="49" charset="0"/>
+              </a:rPr>
+              <a:t>new</a:t>
+            </a:r>
+            <a:r>
+              <a:rPr lang="en-US" sz="1200" dirty="0">
+                <a:solidFill>
+                  <a:srgbClr val="000000"/>
+                </a:solidFill>
+                <a:highlight>
+                  <a:srgbClr val="FFFFFF"/>
+                </a:highlight>
+                <a:latin typeface="Consolas" panose="020B0609020204030204" pitchFamily="49" charset="0"/>
+              </a:rPr>
+              <a:t> </a:t>
+            </a:r>
+            <a:r>
+              <a:rPr lang="en-US" sz="1200" dirty="0">
+                <a:solidFill>
+                  <a:srgbClr val="00008B"/>
+                </a:solidFill>
+                <a:highlight>
+                  <a:srgbClr val="FFFFFF"/>
+                </a:highlight>
+                <a:latin typeface="Consolas" panose="020B0609020204030204" pitchFamily="49" charset="0"/>
+              </a:rPr>
+              <a:t>Mock</a:t>
+            </a:r>
+            <a:r>
+              <a:rPr lang="en-US" sz="1200" dirty="0">
+                <a:solidFill>
+                  <a:srgbClr val="000000"/>
+                </a:solidFill>
+                <a:highlight>
+                  <a:srgbClr val="FFFFFF"/>
+                </a:highlight>
+                <a:latin typeface="Consolas" panose="020B0609020204030204" pitchFamily="49" charset="0"/>
+              </a:rPr>
+              <a:t>&lt;</a:t>
+            </a:r>
+            <a:r>
+              <a:rPr lang="en-US" sz="1200" dirty="0">
+                <a:solidFill>
+                  <a:srgbClr val="00008B"/>
+                </a:solidFill>
+                <a:highlight>
+                  <a:srgbClr val="FFFFFF"/>
+                </a:highlight>
+                <a:latin typeface="Consolas" panose="020B0609020204030204" pitchFamily="49" charset="0"/>
+              </a:rPr>
+              <a:t>Warehouse</a:t>
+            </a:r>
+            <a:r>
+              <a:rPr lang="en-US" sz="1200" dirty="0">
+                <a:solidFill>
+                  <a:srgbClr val="000000"/>
+                </a:solidFill>
+                <a:highlight>
+                  <a:srgbClr val="FFFFFF"/>
+                </a:highlight>
+                <a:latin typeface="Consolas" panose="020B0609020204030204" pitchFamily="49" charset="0"/>
+              </a:rPr>
+              <a:t>&gt;();</a:t>
+            </a:r>
+          </a:p>
+          <a:p>
+            <a:r>
+              <a:rPr lang="en-US" sz="1200" dirty="0">
+                <a:solidFill>
+                  <a:srgbClr val="000000"/>
+                </a:solidFill>
+                <a:highlight>
+                  <a:srgbClr val="FFFFFF"/>
+                </a:highlight>
+                <a:latin typeface="Consolas" panose="020B0609020204030204" pitchFamily="49" charset="0"/>
+              </a:rPr>
+              <a:t>    </a:t>
+            </a:r>
+          </a:p>
+          <a:p>
+            <a:r>
+              <a:rPr lang="en-US" sz="1200" dirty="0">
+                <a:solidFill>
+                  <a:srgbClr val="000000"/>
+                </a:solidFill>
+                <a:highlight>
+                  <a:srgbClr val="FFFFFF"/>
+                </a:highlight>
+                <a:latin typeface="Consolas" panose="020B0609020204030204" pitchFamily="49" charset="0"/>
+              </a:rPr>
+              <a:t>        </a:t>
+            </a:r>
+            <a:r>
+              <a:rPr lang="en-US" sz="1200" dirty="0">
+                <a:solidFill>
+                  <a:srgbClr val="008000"/>
+                </a:solidFill>
+                <a:highlight>
+                  <a:srgbClr val="FFFFFF"/>
+                </a:highlight>
+                <a:latin typeface="Consolas" panose="020B0609020204030204" pitchFamily="49" charset="0"/>
+              </a:rPr>
+              <a:t>//setup - expectations</a:t>
+            </a:r>
+            <a:endParaRPr lang="en-US" sz="1200" dirty="0">
+              <a:solidFill>
+                <a:srgbClr val="000000"/>
+              </a:solidFill>
+              <a:highlight>
+                <a:srgbClr val="FFFFFF"/>
+              </a:highlight>
+              <a:latin typeface="Consolas" panose="020B0609020204030204" pitchFamily="49" charset="0"/>
+            </a:endParaRPr>
+          </a:p>
+          <a:p>
+            <a:r>
+              <a:rPr lang="en-US" sz="1200" dirty="0">
+                <a:solidFill>
+                  <a:srgbClr val="000000"/>
+                </a:solidFill>
+                <a:highlight>
+                  <a:srgbClr val="FFFFFF"/>
+                </a:highlight>
+                <a:latin typeface="Consolas" panose="020B0609020204030204" pitchFamily="49" charset="0"/>
+              </a:rPr>
+              <a:t>        </a:t>
+            </a:r>
+            <a:r>
+              <a:rPr lang="en-US" sz="1200" dirty="0" err="1">
+                <a:solidFill>
+                  <a:srgbClr val="000000"/>
+                </a:solidFill>
+                <a:highlight>
+                  <a:srgbClr val="FFFFFF"/>
+                </a:highlight>
+                <a:latin typeface="Consolas" panose="020B0609020204030204" pitchFamily="49" charset="0"/>
+              </a:rPr>
+              <a:t>warehouseMock.</a:t>
+            </a:r>
+            <a:r>
+              <a:rPr lang="en-US" sz="1200" dirty="0" err="1">
+                <a:solidFill>
+                  <a:srgbClr val="008B8B"/>
+                </a:solidFill>
+                <a:highlight>
+                  <a:srgbClr val="FFFFFF"/>
+                </a:highlight>
+                <a:latin typeface="Consolas" panose="020B0609020204030204" pitchFamily="49" charset="0"/>
+              </a:rPr>
+              <a:t>Expects</a:t>
+            </a:r>
+            <a:r>
+              <a:rPr lang="en-US" sz="1200" dirty="0">
+                <a:solidFill>
+                  <a:srgbClr val="000000"/>
+                </a:solidFill>
+                <a:highlight>
+                  <a:srgbClr val="FFFFFF"/>
+                </a:highlight>
+                <a:latin typeface="Consolas" panose="020B0609020204030204" pitchFamily="49" charset="0"/>
+              </a:rPr>
+              <a:t>(</a:t>
+            </a:r>
+            <a:r>
+              <a:rPr lang="en-US" sz="1200" dirty="0">
+                <a:solidFill>
+                  <a:srgbClr val="008B8B"/>
+                </a:solidFill>
+                <a:highlight>
+                  <a:srgbClr val="FFFFFF"/>
+                </a:highlight>
+                <a:latin typeface="Consolas" panose="020B0609020204030204" pitchFamily="49" charset="0"/>
+              </a:rPr>
+              <a:t>Once</a:t>
+            </a:r>
+            <a:r>
+              <a:rPr lang="en-US" sz="1200" dirty="0">
+                <a:solidFill>
+                  <a:srgbClr val="000000"/>
+                </a:solidFill>
+                <a:highlight>
+                  <a:srgbClr val="FFFFFF"/>
+                </a:highlight>
+                <a:latin typeface="Consolas" panose="020B0609020204030204" pitchFamily="49" charset="0"/>
+              </a:rPr>
+              <a:t>()).</a:t>
+            </a:r>
+            <a:r>
+              <a:rPr lang="en-US" sz="1200" dirty="0">
+                <a:solidFill>
+                  <a:srgbClr val="008B8B"/>
+                </a:solidFill>
+                <a:highlight>
+                  <a:srgbClr val="FFFFFF"/>
+                </a:highlight>
+                <a:latin typeface="Consolas" panose="020B0609020204030204" pitchFamily="49" charset="0"/>
+              </a:rPr>
+              <a:t>Method</a:t>
+            </a:r>
+            <a:r>
+              <a:rPr lang="en-US" sz="1200" dirty="0">
+                <a:solidFill>
+                  <a:srgbClr val="000000"/>
+                </a:solidFill>
+                <a:highlight>
+                  <a:srgbClr val="FFFFFF"/>
+                </a:highlight>
+                <a:latin typeface="Consolas" panose="020B0609020204030204" pitchFamily="49" charset="0"/>
+              </a:rPr>
+              <a:t>(</a:t>
+            </a:r>
+            <a:r>
+              <a:rPr lang="en-US" sz="1200" dirty="0">
+                <a:solidFill>
+                  <a:srgbClr val="A31515"/>
+                </a:solidFill>
+                <a:highlight>
+                  <a:srgbClr val="FFFFFF"/>
+                </a:highlight>
+                <a:latin typeface="Consolas" panose="020B0609020204030204" pitchFamily="49" charset="0"/>
+              </a:rPr>
+              <a:t>"</a:t>
+            </a:r>
+            <a:r>
+              <a:rPr lang="en-US" sz="1200" dirty="0" err="1">
+                <a:solidFill>
+                  <a:srgbClr val="A31515"/>
+                </a:solidFill>
+                <a:highlight>
+                  <a:srgbClr val="FFFFFF"/>
+                </a:highlight>
+                <a:latin typeface="Consolas" panose="020B0609020204030204" pitchFamily="49" charset="0"/>
+              </a:rPr>
+              <a:t>hasInventory</a:t>
+            </a:r>
+            <a:r>
+              <a:rPr lang="en-US" sz="1200" dirty="0">
+                <a:solidFill>
+                  <a:srgbClr val="A31515"/>
+                </a:solidFill>
+                <a:highlight>
+                  <a:srgbClr val="FFFFFF"/>
+                </a:highlight>
+                <a:latin typeface="Consolas" panose="020B0609020204030204" pitchFamily="49" charset="0"/>
+              </a:rPr>
+              <a:t>"</a:t>
+            </a:r>
+            <a:r>
+              <a:rPr lang="en-US" sz="1200" dirty="0">
+                <a:solidFill>
+                  <a:srgbClr val="000000"/>
+                </a:solidFill>
+                <a:highlight>
+                  <a:srgbClr val="FFFFFF"/>
+                </a:highlight>
+                <a:latin typeface="Consolas" panose="020B0609020204030204" pitchFamily="49" charset="0"/>
+              </a:rPr>
+              <a:t>)</a:t>
+            </a:r>
+          </a:p>
+          <a:p>
+            <a:r>
+              <a:rPr lang="en-US" sz="1200" dirty="0">
+                <a:solidFill>
+                  <a:srgbClr val="000000"/>
+                </a:solidFill>
+                <a:highlight>
+                  <a:srgbClr val="FFFFFF"/>
+                </a:highlight>
+                <a:latin typeface="Consolas" panose="020B0609020204030204" pitchFamily="49" charset="0"/>
+              </a:rPr>
+              <a:t>            .</a:t>
+            </a:r>
+            <a:r>
+              <a:rPr lang="en-US" sz="1200" dirty="0">
+                <a:solidFill>
+                  <a:srgbClr val="008B8B"/>
+                </a:solidFill>
+                <a:highlight>
+                  <a:srgbClr val="FFFFFF"/>
+                </a:highlight>
+                <a:latin typeface="Consolas" panose="020B0609020204030204" pitchFamily="49" charset="0"/>
+              </a:rPr>
+              <a:t>With</a:t>
+            </a:r>
+            <a:r>
+              <a:rPr lang="en-US" sz="1200" dirty="0">
+                <a:solidFill>
+                  <a:srgbClr val="000000"/>
+                </a:solidFill>
+                <a:highlight>
+                  <a:srgbClr val="FFFFFF"/>
+                </a:highlight>
+                <a:latin typeface="Consolas" panose="020B0609020204030204" pitchFamily="49" charset="0"/>
+              </a:rPr>
+              <a:t>(</a:t>
+            </a:r>
+            <a:r>
+              <a:rPr lang="en-US" sz="1200" dirty="0">
+                <a:solidFill>
+                  <a:srgbClr val="008B8B"/>
+                </a:solidFill>
+                <a:highlight>
+                  <a:srgbClr val="FFFFFF"/>
+                </a:highlight>
+                <a:latin typeface="Consolas" panose="020B0609020204030204" pitchFamily="49" charset="0"/>
+              </a:rPr>
+              <a:t>Equal</a:t>
+            </a:r>
+            <a:r>
+              <a:rPr lang="en-US" sz="1200" dirty="0">
+                <a:solidFill>
+                  <a:srgbClr val="000000"/>
+                </a:solidFill>
+                <a:highlight>
+                  <a:srgbClr val="FFFFFF"/>
+                </a:highlight>
+                <a:latin typeface="Consolas" panose="020B0609020204030204" pitchFamily="49" charset="0"/>
+              </a:rPr>
+              <a:t>(</a:t>
+            </a:r>
+            <a:r>
+              <a:rPr lang="en-US" sz="1200" dirty="0">
+                <a:solidFill>
+                  <a:srgbClr val="A31515"/>
+                </a:solidFill>
+                <a:highlight>
+                  <a:srgbClr val="FFFFFF"/>
+                </a:highlight>
+                <a:latin typeface="Consolas" panose="020B0609020204030204" pitchFamily="49" charset="0"/>
+              </a:rPr>
+              <a:t>"TALISKER"</a:t>
+            </a:r>
+            <a:r>
+              <a:rPr lang="en-US" sz="1200" dirty="0">
+                <a:solidFill>
+                  <a:srgbClr val="000000"/>
+                </a:solidFill>
+                <a:highlight>
+                  <a:srgbClr val="FFFFFF"/>
+                </a:highlight>
+                <a:latin typeface="Consolas" panose="020B0609020204030204" pitchFamily="49" charset="0"/>
+              </a:rPr>
+              <a:t>),</a:t>
+            </a:r>
+            <a:r>
+              <a:rPr lang="en-US" sz="1200" dirty="0">
+                <a:solidFill>
+                  <a:srgbClr val="008B8B"/>
+                </a:solidFill>
+                <a:highlight>
+                  <a:srgbClr val="FFFFFF"/>
+                </a:highlight>
+                <a:latin typeface="Consolas" panose="020B0609020204030204" pitchFamily="49" charset="0"/>
+              </a:rPr>
+              <a:t>Equal</a:t>
+            </a:r>
+            <a:r>
+              <a:rPr lang="en-US" sz="1200" dirty="0">
+                <a:solidFill>
+                  <a:srgbClr val="000000"/>
+                </a:solidFill>
+                <a:highlight>
+                  <a:srgbClr val="FFFFFF"/>
+                </a:highlight>
+                <a:latin typeface="Consolas" panose="020B0609020204030204" pitchFamily="49" charset="0"/>
+              </a:rPr>
+              <a:t>(50))</a:t>
+            </a:r>
+          </a:p>
+          <a:p>
+            <a:r>
+              <a:rPr lang="en-US" sz="1200" dirty="0">
+                <a:solidFill>
+                  <a:srgbClr val="000000"/>
+                </a:solidFill>
+                <a:highlight>
+                  <a:srgbClr val="FFFFFF"/>
+                </a:highlight>
+                <a:latin typeface="Consolas" panose="020B0609020204030204" pitchFamily="49" charset="0"/>
+              </a:rPr>
+              <a:t>            .</a:t>
+            </a:r>
+            <a:r>
+              <a:rPr lang="en-US" sz="1200" dirty="0">
+                <a:solidFill>
+                  <a:srgbClr val="008B8B"/>
+                </a:solidFill>
+                <a:highlight>
+                  <a:srgbClr val="FFFFFF"/>
+                </a:highlight>
+                <a:latin typeface="Consolas" panose="020B0609020204030204" pitchFamily="49" charset="0"/>
+              </a:rPr>
+              <a:t>Will</a:t>
+            </a:r>
+            <a:r>
+              <a:rPr lang="en-US" sz="1200" dirty="0">
+                <a:solidFill>
+                  <a:srgbClr val="000000"/>
+                </a:solidFill>
+                <a:highlight>
+                  <a:srgbClr val="FFFFFF"/>
+                </a:highlight>
+                <a:latin typeface="Consolas" panose="020B0609020204030204" pitchFamily="49" charset="0"/>
+              </a:rPr>
+              <a:t>(</a:t>
+            </a:r>
+            <a:r>
+              <a:rPr lang="en-US" sz="1200" dirty="0" err="1">
+                <a:solidFill>
+                  <a:srgbClr val="008B8B"/>
+                </a:solidFill>
+                <a:highlight>
+                  <a:srgbClr val="FFFFFF"/>
+                </a:highlight>
+                <a:latin typeface="Consolas" panose="020B0609020204030204" pitchFamily="49" charset="0"/>
+              </a:rPr>
+              <a:t>ReturnValue</a:t>
+            </a:r>
+            <a:r>
+              <a:rPr lang="en-US" sz="1200" dirty="0">
+                <a:solidFill>
+                  <a:srgbClr val="000000"/>
+                </a:solidFill>
+                <a:highlight>
+                  <a:srgbClr val="FFFFFF"/>
+                </a:highlight>
+                <a:latin typeface="Consolas" panose="020B0609020204030204" pitchFamily="49" charset="0"/>
+              </a:rPr>
+              <a:t>(</a:t>
+            </a:r>
+            <a:r>
+              <a:rPr lang="en-US" sz="1200" dirty="0">
+                <a:solidFill>
+                  <a:srgbClr val="0000FF"/>
+                </a:solidFill>
+                <a:highlight>
+                  <a:srgbClr val="FFFFFF"/>
+                </a:highlight>
+                <a:latin typeface="Consolas" panose="020B0609020204030204" pitchFamily="49" charset="0"/>
+              </a:rPr>
+              <a:t>true</a:t>
+            </a:r>
+            <a:r>
+              <a:rPr lang="en-US" sz="1200" dirty="0">
+                <a:solidFill>
+                  <a:srgbClr val="000000"/>
+                </a:solidFill>
+                <a:highlight>
+                  <a:srgbClr val="FFFFFF"/>
+                </a:highlight>
+                <a:latin typeface="Consolas" panose="020B0609020204030204" pitchFamily="49" charset="0"/>
+              </a:rPr>
+              <a:t>));</a:t>
+            </a:r>
+          </a:p>
+          <a:p>
+            <a:r>
+              <a:rPr lang="en-US" sz="1200" dirty="0">
+                <a:solidFill>
+                  <a:srgbClr val="000000"/>
+                </a:solidFill>
+                <a:highlight>
+                  <a:srgbClr val="FFFFFF"/>
+                </a:highlight>
+                <a:latin typeface="Consolas" panose="020B0609020204030204" pitchFamily="49" charset="0"/>
+              </a:rPr>
+              <a:t>        </a:t>
+            </a:r>
+            <a:r>
+              <a:rPr lang="en-US" sz="1200" dirty="0" err="1">
+                <a:solidFill>
+                  <a:srgbClr val="000000"/>
+                </a:solidFill>
+                <a:highlight>
+                  <a:srgbClr val="FFFFFF"/>
+                </a:highlight>
+                <a:latin typeface="Consolas" panose="020B0609020204030204" pitchFamily="49" charset="0"/>
+              </a:rPr>
+              <a:t>warehouseMock.</a:t>
+            </a:r>
+            <a:r>
+              <a:rPr lang="en-US" sz="1200" dirty="0" err="1">
+                <a:solidFill>
+                  <a:srgbClr val="008B8B"/>
+                </a:solidFill>
+                <a:highlight>
+                  <a:srgbClr val="FFFFFF"/>
+                </a:highlight>
+                <a:latin typeface="Consolas" panose="020B0609020204030204" pitchFamily="49" charset="0"/>
+              </a:rPr>
+              <a:t>Expects</a:t>
+            </a:r>
+            <a:r>
+              <a:rPr lang="en-US" sz="1200" dirty="0">
+                <a:solidFill>
+                  <a:srgbClr val="000000"/>
+                </a:solidFill>
+                <a:highlight>
+                  <a:srgbClr val="FFFFFF"/>
+                </a:highlight>
+                <a:latin typeface="Consolas" panose="020B0609020204030204" pitchFamily="49" charset="0"/>
+              </a:rPr>
+              <a:t>(</a:t>
+            </a:r>
+            <a:r>
+              <a:rPr lang="en-US" sz="1200" dirty="0">
+                <a:solidFill>
+                  <a:srgbClr val="008B8B"/>
+                </a:solidFill>
+                <a:highlight>
+                  <a:srgbClr val="FFFFFF"/>
+                </a:highlight>
+                <a:latin typeface="Consolas" panose="020B0609020204030204" pitchFamily="49" charset="0"/>
+              </a:rPr>
+              <a:t>Once</a:t>
+            </a:r>
+            <a:r>
+              <a:rPr lang="en-US" sz="1200" dirty="0">
+                <a:solidFill>
+                  <a:srgbClr val="000000"/>
+                </a:solidFill>
+                <a:highlight>
+                  <a:srgbClr val="FFFFFF"/>
+                </a:highlight>
+                <a:latin typeface="Consolas" panose="020B0609020204030204" pitchFamily="49" charset="0"/>
+              </a:rPr>
+              <a:t>()).</a:t>
+            </a:r>
+            <a:r>
+              <a:rPr lang="en-US" sz="1200" dirty="0">
+                <a:solidFill>
+                  <a:srgbClr val="008B8B"/>
+                </a:solidFill>
+                <a:highlight>
+                  <a:srgbClr val="FFFFFF"/>
+                </a:highlight>
+                <a:latin typeface="Consolas" panose="020B0609020204030204" pitchFamily="49" charset="0"/>
+              </a:rPr>
+              <a:t>Method</a:t>
+            </a:r>
+            <a:r>
+              <a:rPr lang="en-US" sz="1200" dirty="0">
+                <a:solidFill>
+                  <a:srgbClr val="000000"/>
+                </a:solidFill>
+                <a:highlight>
+                  <a:srgbClr val="FFFFFF"/>
+                </a:highlight>
+                <a:latin typeface="Consolas" panose="020B0609020204030204" pitchFamily="49" charset="0"/>
+              </a:rPr>
+              <a:t>(</a:t>
+            </a:r>
+            <a:r>
+              <a:rPr lang="en-US" sz="1200" dirty="0">
+                <a:solidFill>
+                  <a:srgbClr val="A31515"/>
+                </a:solidFill>
+                <a:highlight>
+                  <a:srgbClr val="FFFFFF"/>
+                </a:highlight>
+                <a:latin typeface="Consolas" panose="020B0609020204030204" pitchFamily="49" charset="0"/>
+              </a:rPr>
+              <a:t>"remove"</a:t>
+            </a:r>
+            <a:r>
+              <a:rPr lang="en-US" sz="1200" dirty="0">
+                <a:solidFill>
+                  <a:srgbClr val="000000"/>
+                </a:solidFill>
+                <a:highlight>
+                  <a:srgbClr val="FFFFFF"/>
+                </a:highlight>
+                <a:latin typeface="Consolas" panose="020B0609020204030204" pitchFamily="49" charset="0"/>
+              </a:rPr>
+              <a:t>)</a:t>
+            </a:r>
+          </a:p>
+          <a:p>
+            <a:r>
+              <a:rPr lang="en-US" sz="1200" dirty="0">
+                <a:solidFill>
+                  <a:srgbClr val="000000"/>
+                </a:solidFill>
+                <a:highlight>
+                  <a:srgbClr val="FFFFFF"/>
+                </a:highlight>
+                <a:latin typeface="Consolas" panose="020B0609020204030204" pitchFamily="49" charset="0"/>
+              </a:rPr>
+              <a:t>            .</a:t>
+            </a:r>
+            <a:r>
+              <a:rPr lang="en-US" sz="1200" dirty="0">
+                <a:solidFill>
+                  <a:srgbClr val="008B8B"/>
+                </a:solidFill>
+                <a:highlight>
+                  <a:srgbClr val="FFFFFF"/>
+                </a:highlight>
+                <a:latin typeface="Consolas" panose="020B0609020204030204" pitchFamily="49" charset="0"/>
+              </a:rPr>
+              <a:t>With</a:t>
+            </a:r>
+            <a:r>
+              <a:rPr lang="en-US" sz="1200" dirty="0">
+                <a:solidFill>
+                  <a:srgbClr val="000000"/>
+                </a:solidFill>
+                <a:highlight>
+                  <a:srgbClr val="FFFFFF"/>
+                </a:highlight>
+                <a:latin typeface="Consolas" panose="020B0609020204030204" pitchFamily="49" charset="0"/>
+              </a:rPr>
+              <a:t>(</a:t>
+            </a:r>
+            <a:r>
+              <a:rPr lang="en-US" sz="1200" dirty="0">
+                <a:solidFill>
+                  <a:srgbClr val="008B8B"/>
+                </a:solidFill>
+                <a:highlight>
+                  <a:srgbClr val="FFFFFF"/>
+                </a:highlight>
+                <a:latin typeface="Consolas" panose="020B0609020204030204" pitchFamily="49" charset="0"/>
+              </a:rPr>
+              <a:t>Equal</a:t>
+            </a:r>
+            <a:r>
+              <a:rPr lang="en-US" sz="1200" dirty="0">
+                <a:solidFill>
+                  <a:srgbClr val="000000"/>
+                </a:solidFill>
+                <a:highlight>
+                  <a:srgbClr val="FFFFFF"/>
+                </a:highlight>
+                <a:latin typeface="Consolas" panose="020B0609020204030204" pitchFamily="49" charset="0"/>
+              </a:rPr>
+              <a:t>(</a:t>
+            </a:r>
+            <a:r>
+              <a:rPr lang="en-US" sz="1200" dirty="0">
+                <a:solidFill>
+                  <a:srgbClr val="A31515"/>
+                </a:solidFill>
+                <a:highlight>
+                  <a:srgbClr val="FFFFFF"/>
+                </a:highlight>
+                <a:latin typeface="Consolas" panose="020B0609020204030204" pitchFamily="49" charset="0"/>
+              </a:rPr>
+              <a:t>"TALISKER"</a:t>
+            </a:r>
+            <a:r>
+              <a:rPr lang="en-US" sz="1200" dirty="0">
+                <a:solidFill>
+                  <a:srgbClr val="000000"/>
+                </a:solidFill>
+                <a:highlight>
+                  <a:srgbClr val="FFFFFF"/>
+                </a:highlight>
+                <a:latin typeface="Consolas" panose="020B0609020204030204" pitchFamily="49" charset="0"/>
+              </a:rPr>
+              <a:t>), </a:t>
+            </a:r>
+            <a:r>
+              <a:rPr lang="en-US" sz="1200" dirty="0">
+                <a:solidFill>
+                  <a:srgbClr val="008B8B"/>
+                </a:solidFill>
+                <a:highlight>
+                  <a:srgbClr val="FFFFFF"/>
+                </a:highlight>
+                <a:latin typeface="Consolas" panose="020B0609020204030204" pitchFamily="49" charset="0"/>
+              </a:rPr>
+              <a:t>Equal</a:t>
+            </a:r>
+            <a:r>
+              <a:rPr lang="en-US" sz="1200" dirty="0">
+                <a:solidFill>
+                  <a:srgbClr val="000000"/>
+                </a:solidFill>
+                <a:highlight>
+                  <a:srgbClr val="FFFFFF"/>
+                </a:highlight>
+                <a:latin typeface="Consolas" panose="020B0609020204030204" pitchFamily="49" charset="0"/>
+              </a:rPr>
+              <a:t>(50))</a:t>
+            </a:r>
+          </a:p>
+          <a:p>
+            <a:r>
+              <a:rPr lang="en-US" sz="1200" dirty="0">
+                <a:solidFill>
+                  <a:srgbClr val="000000"/>
+                </a:solidFill>
+                <a:highlight>
+                  <a:srgbClr val="FFFFFF"/>
+                </a:highlight>
+                <a:latin typeface="Consolas" panose="020B0609020204030204" pitchFamily="49" charset="0"/>
+              </a:rPr>
+              <a:t>            .</a:t>
+            </a:r>
+            <a:r>
+              <a:rPr lang="en-US" sz="1200" dirty="0">
+                <a:solidFill>
+                  <a:srgbClr val="008B8B"/>
+                </a:solidFill>
+                <a:highlight>
+                  <a:srgbClr val="FFFFFF"/>
+                </a:highlight>
+                <a:latin typeface="Consolas" panose="020B0609020204030204" pitchFamily="49" charset="0"/>
+              </a:rPr>
+              <a:t>Will</a:t>
+            </a:r>
+            <a:r>
+              <a:rPr lang="en-US" sz="1200" dirty="0">
+                <a:solidFill>
+                  <a:srgbClr val="000000"/>
+                </a:solidFill>
+                <a:highlight>
+                  <a:srgbClr val="FFFFFF"/>
+                </a:highlight>
+                <a:latin typeface="Consolas" panose="020B0609020204030204" pitchFamily="49" charset="0"/>
+              </a:rPr>
+              <a:t>(</a:t>
+            </a:r>
+            <a:r>
+              <a:rPr lang="en-US" sz="1200" dirty="0" err="1">
+                <a:solidFill>
+                  <a:srgbClr val="008B8B"/>
+                </a:solidFill>
+                <a:highlight>
+                  <a:srgbClr val="FFFFFF"/>
+                </a:highlight>
+                <a:latin typeface="Consolas" panose="020B0609020204030204" pitchFamily="49" charset="0"/>
+              </a:rPr>
+              <a:t>ReturnValue</a:t>
+            </a:r>
+            <a:r>
+              <a:rPr lang="en-US" sz="1200" dirty="0">
+                <a:solidFill>
+                  <a:srgbClr val="000000"/>
+                </a:solidFill>
+                <a:highlight>
+                  <a:srgbClr val="FFFFFF"/>
+                </a:highlight>
+                <a:latin typeface="Consolas" panose="020B0609020204030204" pitchFamily="49" charset="0"/>
+              </a:rPr>
+              <a:t>(</a:t>
+            </a:r>
+            <a:r>
+              <a:rPr lang="en-US" sz="1200" dirty="0">
+                <a:solidFill>
+                  <a:srgbClr val="A31515"/>
+                </a:solidFill>
+                <a:highlight>
+                  <a:srgbClr val="FFFFFF"/>
+                </a:highlight>
+                <a:latin typeface="Consolas" panose="020B0609020204030204" pitchFamily="49" charset="0"/>
+              </a:rPr>
+              <a:t>"TALISKER"</a:t>
+            </a:r>
+            <a:r>
+              <a:rPr lang="en-US" sz="1200" dirty="0">
+                <a:solidFill>
+                  <a:srgbClr val="000000"/>
+                </a:solidFill>
+                <a:highlight>
+                  <a:srgbClr val="FFFFFF"/>
+                </a:highlight>
+                <a:latin typeface="Consolas" panose="020B0609020204030204" pitchFamily="49" charset="0"/>
+              </a:rPr>
+              <a:t>), </a:t>
+            </a:r>
+            <a:r>
+              <a:rPr lang="en-US" sz="1200" dirty="0">
+                <a:solidFill>
+                  <a:srgbClr val="008B8B"/>
+                </a:solidFill>
+                <a:highlight>
+                  <a:srgbClr val="FFFFFF"/>
+                </a:highlight>
+                <a:latin typeface="Consolas" panose="020B0609020204030204" pitchFamily="49" charset="0"/>
+              </a:rPr>
+              <a:t>Equal</a:t>
+            </a:r>
+            <a:r>
+              <a:rPr lang="en-US" sz="1200" dirty="0">
+                <a:solidFill>
+                  <a:srgbClr val="000000"/>
+                </a:solidFill>
+                <a:highlight>
+                  <a:srgbClr val="FFFFFF"/>
+                </a:highlight>
+                <a:latin typeface="Consolas" panose="020B0609020204030204" pitchFamily="49" charset="0"/>
+              </a:rPr>
+              <a:t>(50))</a:t>
+            </a:r>
+          </a:p>
+          <a:p>
+            <a:r>
+              <a:rPr lang="en-US" sz="1200" dirty="0">
+                <a:solidFill>
+                  <a:srgbClr val="000000"/>
+                </a:solidFill>
+                <a:highlight>
+                  <a:srgbClr val="FFFFFF"/>
+                </a:highlight>
+                <a:latin typeface="Consolas" panose="020B0609020204030204" pitchFamily="49" charset="0"/>
+              </a:rPr>
+              <a:t>            .</a:t>
+            </a:r>
+            <a:r>
+              <a:rPr lang="en-US" sz="1200" dirty="0">
+                <a:solidFill>
+                  <a:srgbClr val="008B8B"/>
+                </a:solidFill>
+                <a:highlight>
+                  <a:srgbClr val="FFFFFF"/>
+                </a:highlight>
+                <a:latin typeface="Consolas" panose="020B0609020204030204" pitchFamily="49" charset="0"/>
+              </a:rPr>
+              <a:t>After</a:t>
+            </a:r>
+            <a:r>
+              <a:rPr lang="en-US" sz="1200" dirty="0">
+                <a:solidFill>
+                  <a:srgbClr val="000000"/>
+                </a:solidFill>
+                <a:highlight>
+                  <a:srgbClr val="FFFFFF"/>
+                </a:highlight>
+                <a:latin typeface="Consolas" panose="020B0609020204030204" pitchFamily="49" charset="0"/>
+              </a:rPr>
+              <a:t>(</a:t>
+            </a:r>
+            <a:r>
+              <a:rPr lang="en-US" sz="1200" dirty="0">
+                <a:solidFill>
+                  <a:srgbClr val="A31515"/>
+                </a:solidFill>
+                <a:highlight>
+                  <a:srgbClr val="FFFFFF"/>
+                </a:highlight>
+                <a:latin typeface="Consolas" panose="020B0609020204030204" pitchFamily="49" charset="0"/>
+              </a:rPr>
+              <a:t>"</a:t>
+            </a:r>
+            <a:r>
+              <a:rPr lang="en-US" sz="1200" dirty="0" err="1">
+                <a:solidFill>
+                  <a:srgbClr val="A31515"/>
+                </a:solidFill>
+                <a:highlight>
+                  <a:srgbClr val="FFFFFF"/>
+                </a:highlight>
+                <a:latin typeface="Consolas" panose="020B0609020204030204" pitchFamily="49" charset="0"/>
+              </a:rPr>
+              <a:t>hasInventory</a:t>
+            </a:r>
+            <a:r>
+              <a:rPr lang="en-US" sz="1200" dirty="0">
+                <a:solidFill>
+                  <a:srgbClr val="A31515"/>
+                </a:solidFill>
+                <a:highlight>
+                  <a:srgbClr val="FFFFFF"/>
+                </a:highlight>
+                <a:latin typeface="Consolas" panose="020B0609020204030204" pitchFamily="49" charset="0"/>
+              </a:rPr>
+              <a:t>"</a:t>
+            </a:r>
+            <a:r>
+              <a:rPr lang="en-US" sz="1200" dirty="0">
+                <a:solidFill>
+                  <a:srgbClr val="000000"/>
+                </a:solidFill>
+                <a:highlight>
+                  <a:srgbClr val="FFFFFF"/>
+                </a:highlight>
+                <a:latin typeface="Consolas" panose="020B0609020204030204" pitchFamily="49" charset="0"/>
+              </a:rPr>
+              <a:t>);</a:t>
+            </a:r>
+          </a:p>
+          <a:p>
+            <a:endParaRPr lang="en-US" sz="1200" dirty="0">
+              <a:solidFill>
+                <a:srgbClr val="000000"/>
+              </a:solidFill>
+              <a:highlight>
+                <a:srgbClr val="FFFFFF"/>
+              </a:highlight>
+              <a:latin typeface="Consolas" panose="020B0609020204030204" pitchFamily="49" charset="0"/>
+            </a:endParaRPr>
+          </a:p>
+          <a:p>
+            <a:r>
+              <a:rPr lang="en-US" sz="1200" dirty="0">
+                <a:solidFill>
+                  <a:srgbClr val="000000"/>
+                </a:solidFill>
+                <a:highlight>
+                  <a:srgbClr val="FFFFFF"/>
+                </a:highlight>
+                <a:latin typeface="Consolas" panose="020B0609020204030204" pitchFamily="49" charset="0"/>
+              </a:rPr>
+              <a:t>        </a:t>
+            </a:r>
+            <a:r>
+              <a:rPr lang="en-US" sz="1200" dirty="0">
+                <a:solidFill>
+                  <a:srgbClr val="008000"/>
+                </a:solidFill>
+                <a:highlight>
+                  <a:srgbClr val="FFFFFF"/>
+                </a:highlight>
+                <a:latin typeface="Consolas" panose="020B0609020204030204" pitchFamily="49" charset="0"/>
+              </a:rPr>
+              <a:t>//exercise</a:t>
+            </a:r>
+            <a:endParaRPr lang="en-US" sz="1200" dirty="0">
+              <a:solidFill>
+                <a:srgbClr val="000000"/>
+              </a:solidFill>
+              <a:highlight>
+                <a:srgbClr val="FFFFFF"/>
+              </a:highlight>
+              <a:latin typeface="Consolas" panose="020B0609020204030204" pitchFamily="49" charset="0"/>
+            </a:endParaRPr>
+          </a:p>
+          <a:p>
+            <a:r>
+              <a:rPr lang="en-US" sz="1200" dirty="0">
+                <a:solidFill>
+                  <a:srgbClr val="000000"/>
+                </a:solidFill>
+                <a:highlight>
+                  <a:srgbClr val="FFFFFF"/>
+                </a:highlight>
+                <a:latin typeface="Consolas" panose="020B0609020204030204" pitchFamily="49" charset="0"/>
+              </a:rPr>
+              <a:t>        </a:t>
+            </a:r>
+            <a:r>
+              <a:rPr lang="en-US" sz="1200" dirty="0" err="1">
+                <a:solidFill>
+                  <a:srgbClr val="000000"/>
+                </a:solidFill>
+                <a:highlight>
+                  <a:srgbClr val="FFFFFF"/>
+                </a:highlight>
+                <a:latin typeface="Consolas" panose="020B0609020204030204" pitchFamily="49" charset="0"/>
+              </a:rPr>
+              <a:t>order.</a:t>
+            </a:r>
+            <a:r>
+              <a:rPr lang="en-US" sz="1200" dirty="0" err="1">
+                <a:solidFill>
+                  <a:srgbClr val="008B8B"/>
+                </a:solidFill>
+                <a:highlight>
+                  <a:srgbClr val="FFFFFF"/>
+                </a:highlight>
+                <a:latin typeface="Consolas" panose="020B0609020204030204" pitchFamily="49" charset="0"/>
+              </a:rPr>
+              <a:t>Fill</a:t>
+            </a:r>
+            <a:r>
+              <a:rPr lang="en-US" sz="1200" dirty="0">
+                <a:solidFill>
+                  <a:srgbClr val="000000"/>
+                </a:solidFill>
+                <a:highlight>
+                  <a:srgbClr val="FFFFFF"/>
+                </a:highlight>
+                <a:latin typeface="Consolas" panose="020B0609020204030204" pitchFamily="49" charset="0"/>
+              </a:rPr>
+              <a:t>((</a:t>
+            </a:r>
+            <a:r>
+              <a:rPr lang="en-US" sz="1200" dirty="0">
+                <a:solidFill>
+                  <a:srgbClr val="00008B"/>
+                </a:solidFill>
+                <a:highlight>
+                  <a:srgbClr val="FFFFFF"/>
+                </a:highlight>
+                <a:latin typeface="Consolas" panose="020B0609020204030204" pitchFamily="49" charset="0"/>
+              </a:rPr>
+              <a:t>Warehouse</a:t>
+            </a:r>
+            <a:r>
+              <a:rPr lang="en-US" sz="1200" dirty="0">
+                <a:solidFill>
+                  <a:srgbClr val="000000"/>
+                </a:solidFill>
+                <a:highlight>
+                  <a:srgbClr val="FFFFFF"/>
+                </a:highlight>
+                <a:latin typeface="Consolas" panose="020B0609020204030204" pitchFamily="49" charset="0"/>
+              </a:rPr>
+              <a:t>) </a:t>
+            </a:r>
+            <a:r>
+              <a:rPr lang="en-US" sz="1200" dirty="0" err="1">
+                <a:solidFill>
+                  <a:srgbClr val="000000"/>
+                </a:solidFill>
+                <a:highlight>
+                  <a:srgbClr val="FFFFFF"/>
+                </a:highlight>
+                <a:latin typeface="Consolas" panose="020B0609020204030204" pitchFamily="49" charset="0"/>
+              </a:rPr>
+              <a:t>warehouseMock.</a:t>
+            </a:r>
+            <a:r>
+              <a:rPr lang="en-US" sz="1200" dirty="0" err="1">
+                <a:solidFill>
+                  <a:srgbClr val="008B8B"/>
+                </a:solidFill>
+                <a:highlight>
+                  <a:srgbClr val="FFFFFF"/>
+                </a:highlight>
+                <a:latin typeface="Consolas" panose="020B0609020204030204" pitchFamily="49" charset="0"/>
+              </a:rPr>
+              <a:t>Proxy</a:t>
+            </a:r>
+            <a:r>
+              <a:rPr lang="en-US" sz="1200" dirty="0">
+                <a:solidFill>
+                  <a:srgbClr val="000000"/>
+                </a:solidFill>
+                <a:highlight>
+                  <a:srgbClr val="FFFFFF"/>
+                </a:highlight>
+                <a:latin typeface="Consolas" panose="020B0609020204030204" pitchFamily="49" charset="0"/>
+              </a:rPr>
+              <a:t>());</a:t>
+            </a:r>
+          </a:p>
+          <a:p>
+            <a:r>
+              <a:rPr lang="en-US" sz="1200" dirty="0">
+                <a:solidFill>
+                  <a:srgbClr val="000000"/>
+                </a:solidFill>
+                <a:highlight>
+                  <a:srgbClr val="FFFFFF"/>
+                </a:highlight>
+                <a:latin typeface="Consolas" panose="020B0609020204030204" pitchFamily="49" charset="0"/>
+              </a:rPr>
+              <a:t>    </a:t>
+            </a:r>
+          </a:p>
+          <a:p>
+            <a:r>
+              <a:rPr lang="en-US" sz="1200" dirty="0">
+                <a:solidFill>
+                  <a:srgbClr val="000000"/>
+                </a:solidFill>
+                <a:highlight>
+                  <a:srgbClr val="FFFFFF"/>
+                </a:highlight>
+                <a:latin typeface="Consolas" panose="020B0609020204030204" pitchFamily="49" charset="0"/>
+              </a:rPr>
+              <a:t>        </a:t>
+            </a:r>
+            <a:r>
+              <a:rPr lang="en-US" sz="1200" dirty="0">
+                <a:solidFill>
+                  <a:srgbClr val="008000"/>
+                </a:solidFill>
+                <a:highlight>
+                  <a:srgbClr val="FFFFFF"/>
+                </a:highlight>
+                <a:latin typeface="Consolas" panose="020B0609020204030204" pitchFamily="49" charset="0"/>
+              </a:rPr>
+              <a:t>//verify</a:t>
+            </a:r>
+            <a:endParaRPr lang="en-US" sz="1200" dirty="0">
+              <a:solidFill>
+                <a:srgbClr val="000000"/>
+              </a:solidFill>
+              <a:highlight>
+                <a:srgbClr val="FFFFFF"/>
+              </a:highlight>
+              <a:latin typeface="Consolas" panose="020B0609020204030204" pitchFamily="49" charset="0"/>
+            </a:endParaRPr>
+          </a:p>
+          <a:p>
+            <a:r>
+              <a:rPr lang="en-US" sz="1200" dirty="0">
+                <a:solidFill>
+                  <a:srgbClr val="000000"/>
+                </a:solidFill>
+                <a:highlight>
+                  <a:srgbClr val="FFFFFF"/>
+                </a:highlight>
+                <a:latin typeface="Consolas" panose="020B0609020204030204" pitchFamily="49" charset="0"/>
+              </a:rPr>
+              <a:t>        </a:t>
+            </a:r>
+            <a:r>
+              <a:rPr lang="en-US" sz="1200" dirty="0" err="1">
+                <a:solidFill>
+                  <a:srgbClr val="000000"/>
+                </a:solidFill>
+                <a:highlight>
+                  <a:srgbClr val="FFFFFF"/>
+                </a:highlight>
+                <a:latin typeface="Consolas" panose="020B0609020204030204" pitchFamily="49" charset="0"/>
+              </a:rPr>
+              <a:t>warehouseMock.</a:t>
+            </a:r>
+            <a:r>
+              <a:rPr lang="en-US" sz="1200" dirty="0" err="1">
+                <a:solidFill>
+                  <a:srgbClr val="008B8B"/>
+                </a:solidFill>
+                <a:highlight>
+                  <a:srgbClr val="FFFFFF"/>
+                </a:highlight>
+                <a:latin typeface="Consolas" panose="020B0609020204030204" pitchFamily="49" charset="0"/>
+              </a:rPr>
+              <a:t>Verify</a:t>
+            </a:r>
+            <a:r>
+              <a:rPr lang="en-US" sz="1200" dirty="0">
+                <a:solidFill>
+                  <a:srgbClr val="000000"/>
+                </a:solidFill>
+                <a:highlight>
+                  <a:srgbClr val="FFFFFF"/>
+                </a:highlight>
+                <a:latin typeface="Consolas" panose="020B0609020204030204" pitchFamily="49" charset="0"/>
+              </a:rPr>
+              <a:t>();</a:t>
+            </a:r>
+          </a:p>
+          <a:p>
+            <a:r>
+              <a:rPr lang="en-US" sz="1200" dirty="0">
+                <a:solidFill>
+                  <a:srgbClr val="000000"/>
+                </a:solidFill>
+                <a:highlight>
+                  <a:srgbClr val="FFFFFF"/>
+                </a:highlight>
+                <a:latin typeface="Consolas" panose="020B0609020204030204" pitchFamily="49" charset="0"/>
+              </a:rPr>
+              <a:t>        </a:t>
+            </a:r>
+            <a:r>
+              <a:rPr lang="en-US" sz="1200" dirty="0" err="1">
+                <a:solidFill>
+                  <a:srgbClr val="00008B"/>
+                </a:solidFill>
+                <a:highlight>
+                  <a:srgbClr val="FFFFFF"/>
+                </a:highlight>
+                <a:latin typeface="Consolas" panose="020B0609020204030204" pitchFamily="49" charset="0"/>
+              </a:rPr>
+              <a:t>Assert</a:t>
+            </a:r>
+            <a:r>
+              <a:rPr lang="en-US" sz="1200" dirty="0" err="1">
+                <a:solidFill>
+                  <a:srgbClr val="000000"/>
+                </a:solidFill>
+                <a:highlight>
+                  <a:srgbClr val="FFFFFF"/>
+                </a:highlight>
+                <a:latin typeface="Consolas" panose="020B0609020204030204" pitchFamily="49" charset="0"/>
+              </a:rPr>
+              <a:t>.</a:t>
+            </a:r>
+            <a:r>
+              <a:rPr lang="en-US" sz="1200" dirty="0" err="1">
+                <a:solidFill>
+                  <a:srgbClr val="008B8B"/>
+                </a:solidFill>
+                <a:highlight>
+                  <a:srgbClr val="FFFFFF"/>
+                </a:highlight>
+                <a:latin typeface="Consolas" panose="020B0609020204030204" pitchFamily="49" charset="0"/>
+              </a:rPr>
+              <a:t>AreEqual</a:t>
+            </a:r>
+            <a:r>
+              <a:rPr lang="en-US" sz="1200" dirty="0">
+                <a:solidFill>
+                  <a:srgbClr val="000000"/>
+                </a:solidFill>
+                <a:highlight>
+                  <a:srgbClr val="FFFFFF"/>
+                </a:highlight>
+                <a:latin typeface="Consolas" panose="020B0609020204030204" pitchFamily="49" charset="0"/>
+              </a:rPr>
+              <a:t>(</a:t>
+            </a:r>
+            <a:r>
+              <a:rPr lang="en-US" sz="1200" dirty="0">
+                <a:solidFill>
+                  <a:srgbClr val="0000FF"/>
+                </a:solidFill>
+                <a:highlight>
+                  <a:srgbClr val="FFFFFF"/>
+                </a:highlight>
+                <a:latin typeface="Consolas" panose="020B0609020204030204" pitchFamily="49" charset="0"/>
+              </a:rPr>
+              <a:t>true</a:t>
+            </a:r>
+            <a:r>
+              <a:rPr lang="en-US" sz="1200" dirty="0">
+                <a:solidFill>
+                  <a:srgbClr val="000000"/>
+                </a:solidFill>
+                <a:highlight>
+                  <a:srgbClr val="FFFFFF"/>
+                </a:highlight>
+                <a:latin typeface="Consolas" panose="020B0609020204030204" pitchFamily="49" charset="0"/>
+              </a:rPr>
+              <a:t>, (</a:t>
+            </a:r>
+            <a:r>
+              <a:rPr lang="en-US" sz="1200" dirty="0" err="1">
+                <a:solidFill>
+                  <a:srgbClr val="000000"/>
+                </a:solidFill>
+                <a:highlight>
+                  <a:srgbClr val="FFFFFF"/>
+                </a:highlight>
+                <a:latin typeface="Consolas" panose="020B0609020204030204" pitchFamily="49" charset="0"/>
+              </a:rPr>
+              <a:t>order.</a:t>
+            </a:r>
+            <a:r>
+              <a:rPr lang="en-US" sz="1200" dirty="0" err="1">
+                <a:solidFill>
+                  <a:srgbClr val="008B8B"/>
+                </a:solidFill>
+                <a:highlight>
+                  <a:srgbClr val="FFFFFF"/>
+                </a:highlight>
+                <a:latin typeface="Consolas" panose="020B0609020204030204" pitchFamily="49" charset="0"/>
+              </a:rPr>
+              <a:t>IsFilled</a:t>
+            </a:r>
+            <a:r>
+              <a:rPr lang="en-US" sz="1200" dirty="0">
+                <a:solidFill>
+                  <a:srgbClr val="000000"/>
+                </a:solidFill>
+                <a:highlight>
+                  <a:srgbClr val="FFFFFF"/>
+                </a:highlight>
+                <a:latin typeface="Consolas" panose="020B0609020204030204" pitchFamily="49" charset="0"/>
+              </a:rPr>
+              <a:t>());</a:t>
+            </a:r>
+          </a:p>
+          <a:p>
+            <a:r>
+              <a:rPr lang="en-US" sz="1200" dirty="0">
+                <a:solidFill>
+                  <a:srgbClr val="000000"/>
+                </a:solidFill>
+                <a:highlight>
+                  <a:srgbClr val="FFFFFF"/>
+                </a:highlight>
+                <a:latin typeface="Consolas" panose="020B0609020204030204" pitchFamily="49" charset="0"/>
+              </a:rPr>
+              <a:t>    </a:t>
+            </a:r>
+            <a:r>
+              <a:rPr lang="en-US" sz="1200" dirty="0" smtClean="0">
+                <a:solidFill>
+                  <a:srgbClr val="000000"/>
+                </a:solidFill>
+                <a:highlight>
+                  <a:srgbClr val="FFFFFF"/>
+                </a:highlight>
+                <a:latin typeface="Consolas" panose="020B0609020204030204" pitchFamily="49" charset="0"/>
+              </a:rPr>
+              <a:t>}</a:t>
+            </a:r>
+          </a:p>
+          <a:p>
+            <a:r>
+              <a:rPr lang="en-US" sz="1200" dirty="0">
+                <a:solidFill>
+                  <a:srgbClr val="000000"/>
+                </a:solidFill>
+                <a:highlight>
+                  <a:srgbClr val="FFFFFF"/>
+                </a:highlight>
+                <a:latin typeface="Consolas" panose="020B0609020204030204" pitchFamily="49" charset="0"/>
+              </a:rPr>
+              <a:t>}</a:t>
+            </a:r>
+            <a:endParaRPr lang="en-ZA" sz="1200" dirty="0"/>
+          </a:p>
+        </p:txBody>
+      </p:sp>
+      <p:sp>
+        <p:nvSpPr>
+          <p:cNvPr id="8" name="Rectangle 7"/>
+          <p:cNvSpPr/>
+          <p:nvPr/>
+        </p:nvSpPr>
+        <p:spPr>
+          <a:xfrm>
+            <a:off x="2051720" y="1981379"/>
+            <a:ext cx="4896544" cy="2677656"/>
+          </a:xfrm>
+          <a:prstGeom prst="rect">
+            <a:avLst/>
+          </a:prstGeom>
+          <a:solidFill>
+            <a:schemeClr val="bg1"/>
+          </a:solidFill>
+        </p:spPr>
+        <p:txBody>
+          <a:bodyPr wrap="square">
+            <a:spAutoFit/>
+          </a:bodyPr>
+          <a:lstStyle/>
+          <a:p>
+            <a:r>
+              <a:rPr lang="en-US" sz="1200" dirty="0">
+                <a:solidFill>
+                  <a:srgbClr val="0000FF"/>
+                </a:solidFill>
+                <a:highlight>
+                  <a:srgbClr val="FFFFFF"/>
+                </a:highlight>
+                <a:latin typeface="Consolas" panose="020B0609020204030204" pitchFamily="49" charset="0"/>
+              </a:rPr>
+              <a:t>protected</a:t>
+            </a:r>
+            <a:r>
+              <a:rPr lang="en-US" sz="1200" dirty="0">
+                <a:solidFill>
+                  <a:srgbClr val="000000"/>
+                </a:solidFill>
+                <a:highlight>
+                  <a:srgbClr val="FFFFFF"/>
+                </a:highlight>
+                <a:latin typeface="Consolas" panose="020B0609020204030204" pitchFamily="49" charset="0"/>
+              </a:rPr>
+              <a:t> </a:t>
+            </a:r>
+            <a:r>
+              <a:rPr lang="en-US" sz="1200" dirty="0">
+                <a:solidFill>
+                  <a:srgbClr val="0000FF"/>
+                </a:solidFill>
+                <a:highlight>
+                  <a:srgbClr val="FFFFFF"/>
+                </a:highlight>
+                <a:latin typeface="Consolas" panose="020B0609020204030204" pitchFamily="49" charset="0"/>
+              </a:rPr>
+              <a:t>void</a:t>
+            </a:r>
+            <a:r>
+              <a:rPr lang="en-US" sz="1200" dirty="0">
+                <a:solidFill>
+                  <a:srgbClr val="000000"/>
+                </a:solidFill>
+                <a:highlight>
+                  <a:srgbClr val="FFFFFF"/>
+                </a:highlight>
+                <a:latin typeface="Consolas" panose="020B0609020204030204" pitchFamily="49" charset="0"/>
+              </a:rPr>
+              <a:t> </a:t>
+            </a:r>
+            <a:r>
+              <a:rPr lang="en-US" sz="1200" dirty="0" err="1">
+                <a:solidFill>
+                  <a:srgbClr val="008B8B"/>
+                </a:solidFill>
+                <a:highlight>
+                  <a:srgbClr val="FFFFFF"/>
+                </a:highlight>
+                <a:latin typeface="Consolas" panose="020B0609020204030204" pitchFamily="49" charset="0"/>
+              </a:rPr>
+              <a:t>SetUp</a:t>
+            </a:r>
+            <a:r>
+              <a:rPr lang="en-US" sz="1200" dirty="0">
+                <a:solidFill>
+                  <a:srgbClr val="000000"/>
+                </a:solidFill>
+                <a:highlight>
+                  <a:srgbClr val="FFFFFF"/>
+                </a:highlight>
+                <a:latin typeface="Consolas" panose="020B0609020204030204" pitchFamily="49" charset="0"/>
+              </a:rPr>
+              <a:t>()</a:t>
+            </a:r>
+          </a:p>
+          <a:p>
+            <a:r>
+              <a:rPr lang="en-US" sz="1200" dirty="0">
+                <a:solidFill>
+                  <a:srgbClr val="000000"/>
+                </a:solidFill>
+                <a:highlight>
+                  <a:srgbClr val="FFFFFF"/>
+                </a:highlight>
+                <a:latin typeface="Consolas" panose="020B0609020204030204" pitchFamily="49" charset="0"/>
+              </a:rPr>
+              <a:t>{</a:t>
+            </a:r>
+          </a:p>
+          <a:p>
+            <a:r>
+              <a:rPr lang="en-US" sz="1200" dirty="0">
+                <a:solidFill>
+                  <a:srgbClr val="000000"/>
+                </a:solidFill>
+                <a:highlight>
+                  <a:srgbClr val="FFFFFF"/>
+                </a:highlight>
+                <a:latin typeface="Consolas" panose="020B0609020204030204" pitchFamily="49" charset="0"/>
+              </a:rPr>
+              <a:t>    </a:t>
+            </a:r>
+            <a:r>
+              <a:rPr lang="en-US" sz="1200" dirty="0" err="1">
+                <a:solidFill>
+                  <a:srgbClr val="800080"/>
+                </a:solidFill>
+                <a:highlight>
+                  <a:srgbClr val="FFFFFF"/>
+                </a:highlight>
+                <a:latin typeface="Consolas" panose="020B0609020204030204" pitchFamily="49" charset="0"/>
+              </a:rPr>
+              <a:t>warehouse</a:t>
+            </a:r>
+            <a:r>
+              <a:rPr lang="en-US" sz="1200" dirty="0" err="1">
+                <a:solidFill>
+                  <a:srgbClr val="000000"/>
+                </a:solidFill>
+                <a:highlight>
+                  <a:srgbClr val="FFFFFF"/>
+                </a:highlight>
+                <a:latin typeface="Consolas" panose="020B0609020204030204" pitchFamily="49" charset="0"/>
+              </a:rPr>
+              <a:t>.</a:t>
+            </a:r>
+            <a:r>
+              <a:rPr lang="en-US" sz="1200" dirty="0" err="1">
+                <a:solidFill>
+                  <a:srgbClr val="008B8B"/>
+                </a:solidFill>
+                <a:highlight>
+                  <a:srgbClr val="FFFFFF"/>
+                </a:highlight>
+                <a:latin typeface="Consolas" panose="020B0609020204030204" pitchFamily="49" charset="0"/>
+              </a:rPr>
+              <a:t>Add</a:t>
+            </a:r>
+            <a:r>
+              <a:rPr lang="en-US" sz="1200" dirty="0">
+                <a:solidFill>
+                  <a:srgbClr val="000000"/>
+                </a:solidFill>
+                <a:highlight>
+                  <a:srgbClr val="FFFFFF"/>
+                </a:highlight>
+                <a:latin typeface="Consolas" panose="020B0609020204030204" pitchFamily="49" charset="0"/>
+              </a:rPr>
+              <a:t>(</a:t>
+            </a:r>
+            <a:r>
+              <a:rPr lang="en-US" sz="1200" dirty="0">
+                <a:solidFill>
+                  <a:srgbClr val="A31515"/>
+                </a:solidFill>
+                <a:highlight>
+                  <a:srgbClr val="FFFFFF"/>
+                </a:highlight>
+                <a:latin typeface="Consolas" panose="020B0609020204030204" pitchFamily="49" charset="0"/>
+              </a:rPr>
+              <a:t>"TALISKER"</a:t>
+            </a:r>
+            <a:r>
+              <a:rPr lang="en-US" sz="1200" dirty="0">
+                <a:solidFill>
+                  <a:srgbClr val="000000"/>
+                </a:solidFill>
+                <a:highlight>
+                  <a:srgbClr val="FFFFFF"/>
+                </a:highlight>
+                <a:latin typeface="Consolas" panose="020B0609020204030204" pitchFamily="49" charset="0"/>
+              </a:rPr>
+              <a:t>, 50);</a:t>
+            </a:r>
+          </a:p>
+          <a:p>
+            <a:r>
+              <a:rPr lang="en-US" sz="1200" dirty="0">
+                <a:solidFill>
+                  <a:srgbClr val="000000"/>
+                </a:solidFill>
+                <a:highlight>
+                  <a:srgbClr val="FFFFFF"/>
+                </a:highlight>
+                <a:latin typeface="Consolas" panose="020B0609020204030204" pitchFamily="49" charset="0"/>
+              </a:rPr>
+              <a:t>    </a:t>
+            </a:r>
+            <a:r>
+              <a:rPr lang="en-US" sz="1200" dirty="0" err="1">
+                <a:solidFill>
+                  <a:srgbClr val="800080"/>
+                </a:solidFill>
+                <a:highlight>
+                  <a:srgbClr val="FFFFFF"/>
+                </a:highlight>
+                <a:latin typeface="Consolas" panose="020B0609020204030204" pitchFamily="49" charset="0"/>
+              </a:rPr>
+              <a:t>warehouse</a:t>
+            </a:r>
+            <a:r>
+              <a:rPr lang="en-US" sz="1200" dirty="0" err="1">
+                <a:solidFill>
+                  <a:srgbClr val="000000"/>
+                </a:solidFill>
+                <a:highlight>
+                  <a:srgbClr val="FFFFFF"/>
+                </a:highlight>
+                <a:latin typeface="Consolas" panose="020B0609020204030204" pitchFamily="49" charset="0"/>
+              </a:rPr>
+              <a:t>.</a:t>
+            </a:r>
+            <a:r>
+              <a:rPr lang="en-US" sz="1200" dirty="0" err="1">
+                <a:solidFill>
+                  <a:srgbClr val="008B8B"/>
+                </a:solidFill>
+                <a:highlight>
+                  <a:srgbClr val="FFFFFF"/>
+                </a:highlight>
+                <a:latin typeface="Consolas" panose="020B0609020204030204" pitchFamily="49" charset="0"/>
+              </a:rPr>
+              <a:t>Add</a:t>
+            </a:r>
+            <a:r>
+              <a:rPr lang="en-US" sz="1200" dirty="0">
+                <a:solidFill>
+                  <a:srgbClr val="000000"/>
+                </a:solidFill>
+                <a:highlight>
+                  <a:srgbClr val="FFFFFF"/>
+                </a:highlight>
+                <a:latin typeface="Consolas" panose="020B0609020204030204" pitchFamily="49" charset="0"/>
+              </a:rPr>
+              <a:t>(</a:t>
+            </a:r>
+            <a:r>
+              <a:rPr lang="en-US" sz="1200" dirty="0">
+                <a:solidFill>
+                  <a:srgbClr val="A31515"/>
+                </a:solidFill>
+                <a:highlight>
+                  <a:srgbClr val="FFFFFF"/>
+                </a:highlight>
+                <a:latin typeface="Consolas" panose="020B0609020204030204" pitchFamily="49" charset="0"/>
+              </a:rPr>
+              <a:t>"HIGHLAND_PARK"</a:t>
+            </a:r>
+            <a:r>
+              <a:rPr lang="en-US" sz="1200" dirty="0">
+                <a:solidFill>
+                  <a:srgbClr val="000000"/>
+                </a:solidFill>
+                <a:highlight>
+                  <a:srgbClr val="FFFFFF"/>
+                </a:highlight>
+                <a:latin typeface="Consolas" panose="020B0609020204030204" pitchFamily="49" charset="0"/>
+              </a:rPr>
+              <a:t>, 25);</a:t>
+            </a:r>
+          </a:p>
+          <a:p>
+            <a:r>
+              <a:rPr lang="en-US" sz="1200" dirty="0">
+                <a:solidFill>
+                  <a:srgbClr val="000000"/>
+                </a:solidFill>
+                <a:highlight>
+                  <a:srgbClr val="FFFFFF"/>
+                </a:highlight>
+                <a:latin typeface="Consolas" panose="020B0609020204030204" pitchFamily="49" charset="0"/>
+              </a:rPr>
+              <a:t>}</a:t>
+            </a:r>
+          </a:p>
+          <a:p>
+            <a:endParaRPr lang="en-US" sz="1200" dirty="0">
+              <a:solidFill>
+                <a:srgbClr val="000000"/>
+              </a:solidFill>
+              <a:highlight>
+                <a:srgbClr val="FFFFFF"/>
+              </a:highlight>
+              <a:latin typeface="Consolas" panose="020B0609020204030204" pitchFamily="49" charset="0"/>
+            </a:endParaRPr>
+          </a:p>
+          <a:p>
+            <a:r>
+              <a:rPr lang="en-US" sz="1200" dirty="0">
+                <a:solidFill>
+                  <a:srgbClr val="0000FF"/>
+                </a:solidFill>
+                <a:highlight>
+                  <a:srgbClr val="FFFFFF"/>
+                </a:highlight>
+                <a:latin typeface="Consolas" panose="020B0609020204030204" pitchFamily="49" charset="0"/>
+              </a:rPr>
+              <a:t>public</a:t>
+            </a:r>
+            <a:r>
+              <a:rPr lang="en-US" sz="1200" dirty="0">
+                <a:solidFill>
+                  <a:srgbClr val="000000"/>
+                </a:solidFill>
+                <a:highlight>
+                  <a:srgbClr val="FFFFFF"/>
+                </a:highlight>
+                <a:latin typeface="Consolas" panose="020B0609020204030204" pitchFamily="49" charset="0"/>
+              </a:rPr>
+              <a:t> </a:t>
+            </a:r>
+            <a:r>
+              <a:rPr lang="en-US" sz="1200" dirty="0">
+                <a:solidFill>
+                  <a:srgbClr val="0000FF"/>
+                </a:solidFill>
+                <a:highlight>
+                  <a:srgbClr val="FFFFFF"/>
+                </a:highlight>
+                <a:latin typeface="Consolas" panose="020B0609020204030204" pitchFamily="49" charset="0"/>
+              </a:rPr>
+              <a:t>void</a:t>
+            </a:r>
+            <a:r>
+              <a:rPr lang="en-US" sz="1200" dirty="0">
+                <a:solidFill>
+                  <a:srgbClr val="000000"/>
+                </a:solidFill>
+                <a:highlight>
+                  <a:srgbClr val="FFFFFF"/>
+                </a:highlight>
+                <a:latin typeface="Consolas" panose="020B0609020204030204" pitchFamily="49" charset="0"/>
+              </a:rPr>
+              <a:t> </a:t>
+            </a:r>
+            <a:r>
+              <a:rPr lang="en-US" sz="1200" dirty="0" err="1">
+                <a:solidFill>
+                  <a:srgbClr val="008B8B"/>
+                </a:solidFill>
+                <a:highlight>
+                  <a:srgbClr val="FFFFFF"/>
+                </a:highlight>
+                <a:latin typeface="Consolas" panose="020B0609020204030204" pitchFamily="49" charset="0"/>
+              </a:rPr>
+              <a:t>testOrderIsFilledIfEnoughInWarehouse</a:t>
+            </a:r>
+            <a:r>
+              <a:rPr lang="en-US" sz="1200" dirty="0">
+                <a:solidFill>
+                  <a:srgbClr val="000000"/>
+                </a:solidFill>
+                <a:highlight>
+                  <a:srgbClr val="FFFFFF"/>
+                </a:highlight>
+                <a:latin typeface="Consolas" panose="020B0609020204030204" pitchFamily="49" charset="0"/>
+              </a:rPr>
+              <a:t>()</a:t>
+            </a:r>
+          </a:p>
+          <a:p>
+            <a:r>
+              <a:rPr lang="en-US" sz="1200" dirty="0">
+                <a:solidFill>
+                  <a:srgbClr val="000000"/>
+                </a:solidFill>
+                <a:highlight>
+                  <a:srgbClr val="FFFFFF"/>
+                </a:highlight>
+                <a:latin typeface="Consolas" panose="020B0609020204030204" pitchFamily="49" charset="0"/>
+              </a:rPr>
+              <a:t>{</a:t>
+            </a:r>
+          </a:p>
+          <a:p>
+            <a:r>
+              <a:rPr lang="en-US" sz="1200" dirty="0">
+                <a:solidFill>
+                  <a:srgbClr val="000000"/>
+                </a:solidFill>
+                <a:highlight>
+                  <a:srgbClr val="FFFFFF"/>
+                </a:highlight>
+                <a:latin typeface="Consolas" panose="020B0609020204030204" pitchFamily="49" charset="0"/>
+              </a:rPr>
+              <a:t>    </a:t>
+            </a:r>
+            <a:r>
+              <a:rPr lang="en-US" sz="1200" dirty="0">
+                <a:solidFill>
+                  <a:srgbClr val="00008B"/>
+                </a:solidFill>
+                <a:highlight>
+                  <a:srgbClr val="FFFFFF"/>
+                </a:highlight>
+                <a:latin typeface="Consolas" panose="020B0609020204030204" pitchFamily="49" charset="0"/>
+              </a:rPr>
+              <a:t>Order</a:t>
+            </a:r>
+            <a:r>
+              <a:rPr lang="en-US" sz="1200" dirty="0">
+                <a:solidFill>
+                  <a:srgbClr val="000000"/>
+                </a:solidFill>
+                <a:highlight>
+                  <a:srgbClr val="FFFFFF"/>
+                </a:highlight>
+                <a:latin typeface="Consolas" panose="020B0609020204030204" pitchFamily="49" charset="0"/>
+              </a:rPr>
+              <a:t> </a:t>
+            </a:r>
+            <a:r>
+              <a:rPr lang="en-US" sz="1200" dirty="0" err="1">
+                <a:solidFill>
+                  <a:srgbClr val="000000"/>
+                </a:solidFill>
+                <a:highlight>
+                  <a:srgbClr val="FFFFFF"/>
+                </a:highlight>
+                <a:latin typeface="Consolas" panose="020B0609020204030204" pitchFamily="49" charset="0"/>
+              </a:rPr>
+              <a:t>order</a:t>
+            </a:r>
+            <a:r>
+              <a:rPr lang="en-US" sz="1200" dirty="0">
+                <a:solidFill>
+                  <a:srgbClr val="000000"/>
+                </a:solidFill>
+                <a:highlight>
+                  <a:srgbClr val="FFFFFF"/>
+                </a:highlight>
+                <a:latin typeface="Consolas" panose="020B0609020204030204" pitchFamily="49" charset="0"/>
+              </a:rPr>
+              <a:t> = </a:t>
+            </a:r>
+            <a:r>
+              <a:rPr lang="en-US" sz="1200" dirty="0">
+                <a:solidFill>
+                  <a:srgbClr val="0000FF"/>
+                </a:solidFill>
+                <a:highlight>
+                  <a:srgbClr val="FFFFFF"/>
+                </a:highlight>
+                <a:latin typeface="Consolas" panose="020B0609020204030204" pitchFamily="49" charset="0"/>
+              </a:rPr>
+              <a:t>new</a:t>
+            </a:r>
+            <a:r>
+              <a:rPr lang="en-US" sz="1200" dirty="0">
+                <a:solidFill>
+                  <a:srgbClr val="000000"/>
+                </a:solidFill>
+                <a:highlight>
+                  <a:srgbClr val="FFFFFF"/>
+                </a:highlight>
+                <a:latin typeface="Consolas" panose="020B0609020204030204" pitchFamily="49" charset="0"/>
+              </a:rPr>
+              <a:t> </a:t>
+            </a:r>
+            <a:r>
+              <a:rPr lang="en-US" sz="1200" dirty="0">
+                <a:solidFill>
+                  <a:srgbClr val="00008B"/>
+                </a:solidFill>
+                <a:highlight>
+                  <a:srgbClr val="FFFFFF"/>
+                </a:highlight>
+                <a:latin typeface="Consolas" panose="020B0609020204030204" pitchFamily="49" charset="0"/>
+              </a:rPr>
+              <a:t>Order</a:t>
+            </a:r>
+            <a:r>
+              <a:rPr lang="en-US" sz="1200" dirty="0">
+                <a:solidFill>
+                  <a:srgbClr val="000000"/>
+                </a:solidFill>
+                <a:highlight>
+                  <a:srgbClr val="FFFFFF"/>
+                </a:highlight>
+                <a:latin typeface="Consolas" panose="020B0609020204030204" pitchFamily="49" charset="0"/>
+              </a:rPr>
+              <a:t>(</a:t>
+            </a:r>
+            <a:r>
+              <a:rPr lang="en-US" sz="1200" dirty="0">
+                <a:solidFill>
+                  <a:srgbClr val="A31515"/>
+                </a:solidFill>
+                <a:highlight>
+                  <a:srgbClr val="FFFFFF"/>
+                </a:highlight>
+                <a:latin typeface="Consolas" panose="020B0609020204030204" pitchFamily="49" charset="0"/>
+              </a:rPr>
+              <a:t>"TALISKER"</a:t>
+            </a:r>
+            <a:r>
+              <a:rPr lang="en-US" sz="1200" dirty="0">
+                <a:solidFill>
+                  <a:srgbClr val="000000"/>
+                </a:solidFill>
+                <a:highlight>
+                  <a:srgbClr val="FFFFFF"/>
+                </a:highlight>
+                <a:latin typeface="Consolas" panose="020B0609020204030204" pitchFamily="49" charset="0"/>
+              </a:rPr>
+              <a:t>, 50);</a:t>
+            </a:r>
+          </a:p>
+          <a:p>
+            <a:r>
+              <a:rPr lang="en-US" sz="1200" dirty="0">
+                <a:solidFill>
+                  <a:srgbClr val="000000"/>
+                </a:solidFill>
+                <a:highlight>
+                  <a:srgbClr val="FFFFFF"/>
+                </a:highlight>
+                <a:latin typeface="Consolas" panose="020B0609020204030204" pitchFamily="49" charset="0"/>
+              </a:rPr>
+              <a:t>    </a:t>
+            </a:r>
+            <a:r>
+              <a:rPr lang="en-US" sz="1200" dirty="0" err="1">
+                <a:solidFill>
+                  <a:srgbClr val="000000"/>
+                </a:solidFill>
+                <a:highlight>
+                  <a:srgbClr val="FFFFFF"/>
+                </a:highlight>
+                <a:latin typeface="Consolas" panose="020B0609020204030204" pitchFamily="49" charset="0"/>
+              </a:rPr>
+              <a:t>order.</a:t>
+            </a:r>
+            <a:r>
+              <a:rPr lang="en-US" sz="1200" dirty="0" err="1">
+                <a:solidFill>
+                  <a:srgbClr val="008B8B"/>
+                </a:solidFill>
+                <a:highlight>
+                  <a:srgbClr val="FFFFFF"/>
+                </a:highlight>
+                <a:latin typeface="Consolas" panose="020B0609020204030204" pitchFamily="49" charset="0"/>
+              </a:rPr>
+              <a:t>Fill</a:t>
+            </a:r>
+            <a:r>
+              <a:rPr lang="en-US" sz="1200" dirty="0">
+                <a:solidFill>
+                  <a:srgbClr val="000000"/>
+                </a:solidFill>
+                <a:highlight>
+                  <a:srgbClr val="FFFFFF"/>
+                </a:highlight>
+                <a:latin typeface="Consolas" panose="020B0609020204030204" pitchFamily="49" charset="0"/>
+              </a:rPr>
+              <a:t>(</a:t>
+            </a:r>
+            <a:r>
+              <a:rPr lang="en-US" sz="1200" dirty="0">
+                <a:solidFill>
+                  <a:srgbClr val="800080"/>
+                </a:solidFill>
+                <a:highlight>
+                  <a:srgbClr val="FFFFFF"/>
+                </a:highlight>
+                <a:latin typeface="Consolas" panose="020B0609020204030204" pitchFamily="49" charset="0"/>
+              </a:rPr>
+              <a:t>warehouse</a:t>
+            </a:r>
+            <a:r>
+              <a:rPr lang="en-US" sz="1200" dirty="0">
+                <a:solidFill>
+                  <a:srgbClr val="000000"/>
+                </a:solidFill>
+                <a:highlight>
+                  <a:srgbClr val="FFFFFF"/>
+                </a:highlight>
+                <a:latin typeface="Consolas" panose="020B0609020204030204" pitchFamily="49" charset="0"/>
+              </a:rPr>
+              <a:t>);</a:t>
+            </a:r>
+          </a:p>
+          <a:p>
+            <a:r>
+              <a:rPr lang="en-US" sz="1200" dirty="0">
+                <a:solidFill>
+                  <a:srgbClr val="000000"/>
+                </a:solidFill>
+                <a:highlight>
+                  <a:srgbClr val="FFFFFF"/>
+                </a:highlight>
+                <a:latin typeface="Consolas" panose="020B0609020204030204" pitchFamily="49" charset="0"/>
+              </a:rPr>
+              <a:t>    </a:t>
+            </a:r>
+            <a:r>
+              <a:rPr lang="en-US" sz="1200" dirty="0" err="1">
+                <a:solidFill>
+                  <a:srgbClr val="00008B"/>
+                </a:solidFill>
+                <a:highlight>
+                  <a:srgbClr val="FFFFFF"/>
+                </a:highlight>
+                <a:latin typeface="Consolas" panose="020B0609020204030204" pitchFamily="49" charset="0"/>
+              </a:rPr>
+              <a:t>Assert</a:t>
+            </a:r>
+            <a:r>
+              <a:rPr lang="en-US" sz="1200" dirty="0" err="1">
+                <a:solidFill>
+                  <a:srgbClr val="000000"/>
+                </a:solidFill>
+                <a:highlight>
+                  <a:srgbClr val="FFFFFF"/>
+                </a:highlight>
+                <a:latin typeface="Consolas" panose="020B0609020204030204" pitchFamily="49" charset="0"/>
+              </a:rPr>
+              <a:t>.</a:t>
+            </a:r>
+            <a:r>
+              <a:rPr lang="en-US" sz="1200" dirty="0" err="1">
+                <a:solidFill>
+                  <a:srgbClr val="008B8B"/>
+                </a:solidFill>
+                <a:highlight>
+                  <a:srgbClr val="FFFFFF"/>
+                </a:highlight>
+                <a:latin typeface="Consolas" panose="020B0609020204030204" pitchFamily="49" charset="0"/>
+              </a:rPr>
+              <a:t>AreEqual</a:t>
+            </a:r>
+            <a:r>
+              <a:rPr lang="en-US" sz="1200" dirty="0">
+                <a:solidFill>
+                  <a:srgbClr val="000000"/>
+                </a:solidFill>
+                <a:highlight>
+                  <a:srgbClr val="FFFFFF"/>
+                </a:highlight>
+                <a:latin typeface="Consolas" panose="020B0609020204030204" pitchFamily="49" charset="0"/>
+              </a:rPr>
+              <a:t>(</a:t>
+            </a:r>
+            <a:r>
+              <a:rPr lang="en-US" sz="1200" dirty="0">
+                <a:solidFill>
+                  <a:srgbClr val="0000FF"/>
+                </a:solidFill>
+                <a:highlight>
+                  <a:srgbClr val="FFFFFF"/>
+                </a:highlight>
+                <a:latin typeface="Consolas" panose="020B0609020204030204" pitchFamily="49" charset="0"/>
+              </a:rPr>
+              <a:t>true</a:t>
+            </a:r>
+            <a:r>
+              <a:rPr lang="en-US" sz="1200" dirty="0">
+                <a:solidFill>
+                  <a:srgbClr val="000000"/>
+                </a:solidFill>
+                <a:highlight>
+                  <a:srgbClr val="FFFFFF"/>
+                </a:highlight>
+                <a:latin typeface="Consolas" panose="020B0609020204030204" pitchFamily="49" charset="0"/>
+              </a:rPr>
+              <a:t>, </a:t>
+            </a:r>
+            <a:r>
+              <a:rPr lang="en-US" sz="1200" dirty="0" err="1">
+                <a:solidFill>
+                  <a:srgbClr val="000000"/>
+                </a:solidFill>
+                <a:highlight>
+                  <a:srgbClr val="FFFFFF"/>
+                </a:highlight>
+                <a:latin typeface="Consolas" panose="020B0609020204030204" pitchFamily="49" charset="0"/>
+              </a:rPr>
+              <a:t>order.</a:t>
+            </a:r>
+            <a:r>
+              <a:rPr lang="en-US" sz="1200" dirty="0" err="1">
+                <a:solidFill>
+                  <a:srgbClr val="008B8B"/>
+                </a:solidFill>
+                <a:highlight>
+                  <a:srgbClr val="FFFFFF"/>
+                </a:highlight>
+                <a:latin typeface="Consolas" panose="020B0609020204030204" pitchFamily="49" charset="0"/>
+              </a:rPr>
+              <a:t>IsFilled</a:t>
+            </a:r>
+            <a:r>
+              <a:rPr lang="en-US" sz="1200" dirty="0">
+                <a:solidFill>
+                  <a:srgbClr val="000000"/>
+                </a:solidFill>
+                <a:highlight>
+                  <a:srgbClr val="FFFFFF"/>
+                </a:highlight>
+                <a:latin typeface="Consolas" panose="020B0609020204030204" pitchFamily="49" charset="0"/>
+              </a:rPr>
+              <a:t>());</a:t>
+            </a:r>
+          </a:p>
+          <a:p>
+            <a:r>
+              <a:rPr lang="en-US" sz="1200" dirty="0">
+                <a:solidFill>
+                  <a:srgbClr val="000000"/>
+                </a:solidFill>
+                <a:highlight>
+                  <a:srgbClr val="FFFFFF"/>
+                </a:highlight>
+                <a:latin typeface="Consolas" panose="020B0609020204030204" pitchFamily="49" charset="0"/>
+              </a:rPr>
+              <a:t>    </a:t>
+            </a:r>
+            <a:r>
+              <a:rPr lang="en-US" sz="1200" dirty="0" err="1">
+                <a:solidFill>
+                  <a:srgbClr val="00008B"/>
+                </a:solidFill>
+                <a:highlight>
+                  <a:srgbClr val="FFFFFF"/>
+                </a:highlight>
+                <a:latin typeface="Consolas" panose="020B0609020204030204" pitchFamily="49" charset="0"/>
+              </a:rPr>
+              <a:t>Assert</a:t>
+            </a:r>
+            <a:r>
+              <a:rPr lang="en-US" sz="1200" dirty="0" err="1">
+                <a:solidFill>
+                  <a:srgbClr val="000000"/>
+                </a:solidFill>
+                <a:highlight>
+                  <a:srgbClr val="FFFFFF"/>
+                </a:highlight>
+                <a:latin typeface="Consolas" panose="020B0609020204030204" pitchFamily="49" charset="0"/>
+              </a:rPr>
+              <a:t>.</a:t>
+            </a:r>
+            <a:r>
+              <a:rPr lang="en-US" sz="1200" dirty="0" err="1">
+                <a:solidFill>
+                  <a:srgbClr val="008B8B"/>
+                </a:solidFill>
+                <a:highlight>
+                  <a:srgbClr val="FFFFFF"/>
+                </a:highlight>
+                <a:latin typeface="Consolas" panose="020B0609020204030204" pitchFamily="49" charset="0"/>
+              </a:rPr>
+              <a:t>AreEqual</a:t>
+            </a:r>
+            <a:r>
+              <a:rPr lang="en-US" sz="1200" dirty="0">
+                <a:solidFill>
+                  <a:srgbClr val="000000"/>
+                </a:solidFill>
+                <a:highlight>
+                  <a:srgbClr val="FFFFFF"/>
+                </a:highlight>
+                <a:latin typeface="Consolas" panose="020B0609020204030204" pitchFamily="49" charset="0"/>
+              </a:rPr>
+              <a:t>(0, </a:t>
+            </a:r>
+            <a:r>
+              <a:rPr lang="en-US" sz="1200" dirty="0" err="1">
+                <a:solidFill>
+                  <a:srgbClr val="800080"/>
+                </a:solidFill>
+                <a:highlight>
+                  <a:srgbClr val="FFFFFF"/>
+                </a:highlight>
+                <a:latin typeface="Consolas" panose="020B0609020204030204" pitchFamily="49" charset="0"/>
+              </a:rPr>
+              <a:t>warehouse</a:t>
+            </a:r>
+            <a:r>
+              <a:rPr lang="en-US" sz="1200" dirty="0" err="1">
+                <a:solidFill>
+                  <a:srgbClr val="000000"/>
+                </a:solidFill>
+                <a:highlight>
+                  <a:srgbClr val="FFFFFF"/>
+                </a:highlight>
+                <a:latin typeface="Consolas" panose="020B0609020204030204" pitchFamily="49" charset="0"/>
+              </a:rPr>
+              <a:t>.</a:t>
+            </a:r>
+            <a:r>
+              <a:rPr lang="en-US" sz="1200" dirty="0" err="1">
+                <a:solidFill>
+                  <a:srgbClr val="008B8B"/>
+                </a:solidFill>
+                <a:highlight>
+                  <a:srgbClr val="FFFFFF"/>
+                </a:highlight>
+                <a:latin typeface="Consolas" panose="020B0609020204030204" pitchFamily="49" charset="0"/>
+              </a:rPr>
+              <a:t>GetInventory</a:t>
+            </a:r>
+            <a:r>
+              <a:rPr lang="en-US" sz="1200" dirty="0">
+                <a:solidFill>
+                  <a:srgbClr val="000000"/>
+                </a:solidFill>
+                <a:highlight>
+                  <a:srgbClr val="FFFFFF"/>
+                </a:highlight>
+                <a:latin typeface="Consolas" panose="020B0609020204030204" pitchFamily="49" charset="0"/>
+              </a:rPr>
+              <a:t>(</a:t>
+            </a:r>
+            <a:r>
+              <a:rPr lang="en-US" sz="1200" dirty="0">
+                <a:solidFill>
+                  <a:srgbClr val="A31515"/>
+                </a:solidFill>
+                <a:highlight>
+                  <a:srgbClr val="FFFFFF"/>
+                </a:highlight>
+                <a:latin typeface="Consolas" panose="020B0609020204030204" pitchFamily="49" charset="0"/>
+              </a:rPr>
+              <a:t>"TALISKER"</a:t>
+            </a:r>
+            <a:r>
+              <a:rPr lang="en-US" sz="1200" dirty="0">
+                <a:solidFill>
+                  <a:srgbClr val="000000"/>
+                </a:solidFill>
+                <a:highlight>
+                  <a:srgbClr val="FFFFFF"/>
+                </a:highlight>
+                <a:latin typeface="Consolas" panose="020B0609020204030204" pitchFamily="49" charset="0"/>
+              </a:rPr>
+              <a:t>));</a:t>
+            </a:r>
+          </a:p>
+          <a:p>
+            <a:r>
+              <a:rPr lang="en-US" sz="1200" dirty="0">
+                <a:solidFill>
+                  <a:srgbClr val="000000"/>
+                </a:solidFill>
+                <a:highlight>
+                  <a:srgbClr val="FFFFFF"/>
+                </a:highlight>
+                <a:latin typeface="Consolas" panose="020B0609020204030204" pitchFamily="49" charset="0"/>
+              </a:rPr>
+              <a:t>}</a:t>
+            </a:r>
+            <a:endParaRPr lang="en-ZA" sz="1200" dirty="0"/>
+          </a:p>
+        </p:txBody>
+      </p:sp>
+      <p:sp>
+        <p:nvSpPr>
+          <p:cNvPr id="3" name="Content Placeholder 2"/>
+          <p:cNvSpPr>
+            <a:spLocks noGrp="1"/>
+          </p:cNvSpPr>
+          <p:nvPr>
+            <p:ph idx="1"/>
+          </p:nvPr>
+        </p:nvSpPr>
+        <p:spPr>
+          <a:xfrm>
+            <a:off x="467544" y="937288"/>
+            <a:ext cx="8136904" cy="3771636"/>
+          </a:xfrm>
+        </p:spPr>
+        <p:txBody>
+          <a:bodyPr>
+            <a:normAutofit/>
+          </a:bodyPr>
+          <a:lstStyle/>
+          <a:p>
+            <a:r>
+              <a:rPr lang="en-ZA" dirty="0" smtClean="0"/>
+              <a:t>Different to others which assert on state, mocks assert on behaviour. Mocks say “I expect you to do </a:t>
+            </a:r>
+            <a:r>
+              <a:rPr lang="en-ZA" i="1" dirty="0" smtClean="0"/>
+              <a:t>xyz</a:t>
+            </a:r>
+            <a:r>
+              <a:rPr lang="en-ZA" dirty="0" smtClean="0"/>
+              <a:t>”</a:t>
+            </a:r>
+            <a:endParaRPr lang="en-ZA" dirty="0"/>
+          </a:p>
+        </p:txBody>
+      </p:sp>
+      <p:sp>
+        <p:nvSpPr>
+          <p:cNvPr id="2" name="Title 1"/>
+          <p:cNvSpPr>
+            <a:spLocks noGrp="1"/>
+          </p:cNvSpPr>
+          <p:nvPr>
+            <p:ph type="title"/>
+          </p:nvPr>
+        </p:nvSpPr>
+        <p:spPr>
+          <a:xfrm>
+            <a:off x="457200" y="228864"/>
+            <a:ext cx="6347048" cy="588409"/>
+          </a:xfrm>
+        </p:spPr>
+        <p:txBody>
+          <a:bodyPr>
+            <a:normAutofit/>
+          </a:bodyPr>
+          <a:lstStyle/>
+          <a:p>
+            <a:r>
+              <a:rPr lang="en-ZA" dirty="0" smtClean="0"/>
+              <a:t>Mocks</a:t>
+            </a:r>
+            <a:endParaRPr lang="en-ZA" dirty="0"/>
+          </a:p>
+        </p:txBody>
+      </p:sp>
+    </p:spTree>
+    <p:extLst>
+      <p:ext uri="{BB962C8B-B14F-4D97-AF65-F5344CB8AC3E}">
+        <p14:creationId xmlns:p14="http://schemas.microsoft.com/office/powerpoint/2010/main" val="1282760923"/>
+      </p:ext>
+    </p:extLst>
+  </p:cSld>
+  <p:clrMapOvr>
+    <a:masterClrMapping/>
+  </p:clrMapOvr>
+  <p:timing>
+    <p:tnLst>
+      <p:par>
+        <p:cTn id="1" dur="indefinite" restart="never" nodeType="tmRoot">
+          <p:childTnLst>
+            <p:seq concurrent="1" nextAc="seek">
+              <p:cTn id="2" dur="indefinite" nodeType="mainSeq">
+                <p:childTnLst>
+                  <p:par>
+                    <p:cTn id="3" fill="hold">
+                      <p:stCondLst>
+                        <p:cond delay="indefinite"/>
+                        <p:cond evt="onBegin" delay="0">
+                          <p:tn val="2"/>
+                        </p:cond>
+                      </p:stCondLst>
+                      <p:childTnLst>
+                        <p:par>
+                          <p:cTn id="4" fill="hold">
+                            <p:stCondLst>
+                              <p:cond delay="0"/>
+                            </p:stCondLst>
+                            <p:childTnLst>
+                              <p:par>
+                                <p:cTn id="5" presetID="1" presetClass="entr" presetSubtype="0" fill="hold" nodeType="withEffect">
+                                  <p:stCondLst>
+                                    <p:cond delay="0"/>
+                                  </p:stCondLst>
+                                  <p:childTnLst>
+                                    <p:set>
+                                      <p:cBhvr>
+                                        <p:cTn id="6" dur="1" fill="hold">
+                                          <p:stCondLst>
+                                            <p:cond delay="0"/>
+                                          </p:stCondLst>
+                                        </p:cTn>
+                                        <p:tgtEl>
+                                          <p:spTgt spid="3">
+                                            <p:txEl>
+                                              <p:pRg st="0" end="0"/>
+                                            </p:txEl>
+                                          </p:spTgt>
+                                        </p:tgtEl>
+                                        <p:attrNameLst>
+                                          <p:attrName>style.visibility</p:attrName>
+                                        </p:attrNameLst>
+                                      </p:cBhvr>
+                                      <p:to>
+                                        <p:strVal val="visible"/>
+                                      </p:to>
+                                    </p:set>
+                                  </p:childTnLst>
+                                </p:cTn>
+                              </p:par>
+                            </p:childTnLst>
+                          </p:cTn>
+                        </p:par>
+                      </p:childTnLst>
+                    </p:cTn>
+                  </p:par>
+                  <p:par>
+                    <p:cTn id="7" fill="hold">
+                      <p:stCondLst>
+                        <p:cond delay="indefinite"/>
+                      </p:stCondLst>
+                      <p:childTnLst>
+                        <p:par>
+                          <p:cTn id="8" fill="hold">
+                            <p:stCondLst>
+                              <p:cond delay="0"/>
+                            </p:stCondLst>
+                            <p:childTnLst>
+                              <p:par>
+                                <p:cTn id="9" presetID="1" presetClass="exit" presetSubtype="0" fill="hold" nodeType="clickEffect">
+                                  <p:stCondLst>
+                                    <p:cond delay="0"/>
+                                  </p:stCondLst>
+                                  <p:childTnLst>
+                                    <p:set>
+                                      <p:cBhvr>
+                                        <p:cTn id="10" dur="1" fill="hold">
+                                          <p:stCondLst>
+                                            <p:cond delay="0"/>
+                                          </p:stCondLst>
+                                        </p:cTn>
+                                        <p:tgtEl>
+                                          <p:spTgt spid="3">
+                                            <p:txEl>
+                                              <p:pRg st="0" end="0"/>
+                                            </p:txEl>
+                                          </p:spTgt>
+                                        </p:tgtEl>
+                                        <p:attrNameLst>
+                                          <p:attrName>style.visibility</p:attrName>
+                                        </p:attrNameLst>
+                                      </p:cBhvr>
+                                      <p:to>
+                                        <p:strVal val="hidden"/>
+                                      </p:to>
+                                    </p:set>
+                                  </p:childTnLst>
+                                </p:cTn>
+                              </p:par>
+                              <p:par>
+                                <p:cTn id="11" presetID="31" presetClass="entr" presetSubtype="0" fill="hold" grpId="0" nodeType="withEffect">
+                                  <p:stCondLst>
+                                    <p:cond delay="0"/>
+                                  </p:stCondLst>
+                                  <p:childTnLst>
+                                    <p:set>
+                                      <p:cBhvr>
+                                        <p:cTn id="12" dur="1" fill="hold">
+                                          <p:stCondLst>
+                                            <p:cond delay="0"/>
+                                          </p:stCondLst>
+                                        </p:cTn>
+                                        <p:tgtEl>
+                                          <p:spTgt spid="8"/>
+                                        </p:tgtEl>
+                                        <p:attrNameLst>
+                                          <p:attrName>style.visibility</p:attrName>
+                                        </p:attrNameLst>
+                                      </p:cBhvr>
+                                      <p:to>
+                                        <p:strVal val="visible"/>
+                                      </p:to>
+                                    </p:set>
+                                    <p:anim calcmode="lin" valueType="num">
+                                      <p:cBhvr>
+                                        <p:cTn id="13" dur="1000" fill="hold"/>
+                                        <p:tgtEl>
+                                          <p:spTgt spid="8"/>
+                                        </p:tgtEl>
+                                        <p:attrNameLst>
+                                          <p:attrName>ppt_w</p:attrName>
+                                        </p:attrNameLst>
+                                      </p:cBhvr>
+                                      <p:tavLst>
+                                        <p:tav tm="0">
+                                          <p:val>
+                                            <p:fltVal val="0"/>
+                                          </p:val>
+                                        </p:tav>
+                                        <p:tav tm="100000">
+                                          <p:val>
+                                            <p:strVal val="#ppt_w"/>
+                                          </p:val>
+                                        </p:tav>
+                                      </p:tavLst>
+                                    </p:anim>
+                                    <p:anim calcmode="lin" valueType="num">
+                                      <p:cBhvr>
+                                        <p:cTn id="14" dur="1000" fill="hold"/>
+                                        <p:tgtEl>
+                                          <p:spTgt spid="8"/>
+                                        </p:tgtEl>
+                                        <p:attrNameLst>
+                                          <p:attrName>ppt_h</p:attrName>
+                                        </p:attrNameLst>
+                                      </p:cBhvr>
+                                      <p:tavLst>
+                                        <p:tav tm="0">
+                                          <p:val>
+                                            <p:fltVal val="0"/>
+                                          </p:val>
+                                        </p:tav>
+                                        <p:tav tm="100000">
+                                          <p:val>
+                                            <p:strVal val="#ppt_h"/>
+                                          </p:val>
+                                        </p:tav>
+                                      </p:tavLst>
+                                    </p:anim>
+                                    <p:anim calcmode="lin" valueType="num">
+                                      <p:cBhvr>
+                                        <p:cTn id="15" dur="1000" fill="hold"/>
+                                        <p:tgtEl>
+                                          <p:spTgt spid="8"/>
+                                        </p:tgtEl>
+                                        <p:attrNameLst>
+                                          <p:attrName>style.rotation</p:attrName>
+                                        </p:attrNameLst>
+                                      </p:cBhvr>
+                                      <p:tavLst>
+                                        <p:tav tm="0">
+                                          <p:val>
+                                            <p:fltVal val="90"/>
+                                          </p:val>
+                                        </p:tav>
+                                        <p:tav tm="100000">
+                                          <p:val>
+                                            <p:fltVal val="0"/>
+                                          </p:val>
+                                        </p:tav>
+                                      </p:tavLst>
+                                    </p:anim>
+                                    <p:animEffect transition="in" filter="fade">
+                                      <p:cBhvr>
+                                        <p:cTn id="16" dur="1000"/>
+                                        <p:tgtEl>
+                                          <p:spTgt spid="8"/>
+                                        </p:tgtEl>
+                                      </p:cBhvr>
+                                    </p:animEffect>
+                                  </p:childTnLst>
+                                </p:cTn>
+                              </p:par>
+                            </p:childTnLst>
+                          </p:cTn>
+                        </p:par>
+                      </p:childTnLst>
+                    </p:cTn>
+                  </p:par>
+                  <p:par>
+                    <p:cTn id="17" fill="hold">
+                      <p:stCondLst>
+                        <p:cond delay="indefinite"/>
+                      </p:stCondLst>
+                      <p:childTnLst>
+                        <p:par>
+                          <p:cTn id="18" fill="hold">
+                            <p:stCondLst>
+                              <p:cond delay="0"/>
+                            </p:stCondLst>
+                            <p:childTnLst>
+                              <p:par>
+                                <p:cTn id="19" presetID="31" presetClass="entr" presetSubtype="0" fill="hold" grpId="0" nodeType="clickEffect">
+                                  <p:stCondLst>
+                                    <p:cond delay="0"/>
+                                  </p:stCondLst>
+                                  <p:childTnLst>
+                                    <p:set>
+                                      <p:cBhvr>
+                                        <p:cTn id="20" dur="1" fill="hold">
+                                          <p:stCondLst>
+                                            <p:cond delay="0"/>
+                                          </p:stCondLst>
+                                        </p:cTn>
+                                        <p:tgtEl>
+                                          <p:spTgt spid="6"/>
+                                        </p:tgtEl>
+                                        <p:attrNameLst>
+                                          <p:attrName>style.visibility</p:attrName>
+                                        </p:attrNameLst>
+                                      </p:cBhvr>
+                                      <p:to>
+                                        <p:strVal val="visible"/>
+                                      </p:to>
+                                    </p:set>
+                                    <p:anim calcmode="lin" valueType="num">
+                                      <p:cBhvr>
+                                        <p:cTn id="21" dur="1000" fill="hold"/>
+                                        <p:tgtEl>
+                                          <p:spTgt spid="6"/>
+                                        </p:tgtEl>
+                                        <p:attrNameLst>
+                                          <p:attrName>ppt_w</p:attrName>
+                                        </p:attrNameLst>
+                                      </p:cBhvr>
+                                      <p:tavLst>
+                                        <p:tav tm="0">
+                                          <p:val>
+                                            <p:fltVal val="0"/>
+                                          </p:val>
+                                        </p:tav>
+                                        <p:tav tm="100000">
+                                          <p:val>
+                                            <p:strVal val="#ppt_w"/>
+                                          </p:val>
+                                        </p:tav>
+                                      </p:tavLst>
+                                    </p:anim>
+                                    <p:anim calcmode="lin" valueType="num">
+                                      <p:cBhvr>
+                                        <p:cTn id="22" dur="1000" fill="hold"/>
+                                        <p:tgtEl>
+                                          <p:spTgt spid="6"/>
+                                        </p:tgtEl>
+                                        <p:attrNameLst>
+                                          <p:attrName>ppt_h</p:attrName>
+                                        </p:attrNameLst>
+                                      </p:cBhvr>
+                                      <p:tavLst>
+                                        <p:tav tm="0">
+                                          <p:val>
+                                            <p:fltVal val="0"/>
+                                          </p:val>
+                                        </p:tav>
+                                        <p:tav tm="100000">
+                                          <p:val>
+                                            <p:strVal val="#ppt_h"/>
+                                          </p:val>
+                                        </p:tav>
+                                      </p:tavLst>
+                                    </p:anim>
+                                    <p:anim calcmode="lin" valueType="num">
+                                      <p:cBhvr>
+                                        <p:cTn id="23" dur="1000" fill="hold"/>
+                                        <p:tgtEl>
+                                          <p:spTgt spid="6"/>
+                                        </p:tgtEl>
+                                        <p:attrNameLst>
+                                          <p:attrName>style.rotation</p:attrName>
+                                        </p:attrNameLst>
+                                      </p:cBhvr>
+                                      <p:tavLst>
+                                        <p:tav tm="0">
+                                          <p:val>
+                                            <p:fltVal val="90"/>
+                                          </p:val>
+                                        </p:tav>
+                                        <p:tav tm="100000">
+                                          <p:val>
+                                            <p:fltVal val="0"/>
+                                          </p:val>
+                                        </p:tav>
+                                      </p:tavLst>
+                                    </p:anim>
+                                    <p:animEffect transition="in" filter="fade">
+                                      <p:cBhvr>
+                                        <p:cTn id="24" dur="1000"/>
+                                        <p:tgtEl>
+                                          <p:spTgt spid="6"/>
+                                        </p:tgtEl>
+                                      </p:cBhvr>
+                                    </p:animEffect>
+                                  </p:childTnLst>
+                                </p:cTn>
+                              </p:par>
+                              <p:par>
+                                <p:cTn id="25" presetID="31" presetClass="exit" presetSubtype="0" fill="hold" grpId="1" nodeType="withEffect">
+                                  <p:stCondLst>
+                                    <p:cond delay="0"/>
+                                  </p:stCondLst>
+                                  <p:childTnLst>
+                                    <p:anim calcmode="lin" valueType="num">
+                                      <p:cBhvr>
+                                        <p:cTn id="26" dur="1000"/>
+                                        <p:tgtEl>
+                                          <p:spTgt spid="8"/>
+                                        </p:tgtEl>
+                                        <p:attrNameLst>
+                                          <p:attrName>ppt_w</p:attrName>
+                                        </p:attrNameLst>
+                                      </p:cBhvr>
+                                      <p:tavLst>
+                                        <p:tav tm="0">
+                                          <p:val>
+                                            <p:strVal val="ppt_w"/>
+                                          </p:val>
+                                        </p:tav>
+                                        <p:tav tm="100000">
+                                          <p:val>
+                                            <p:fltVal val="0"/>
+                                          </p:val>
+                                        </p:tav>
+                                      </p:tavLst>
+                                    </p:anim>
+                                    <p:anim calcmode="lin" valueType="num">
+                                      <p:cBhvr>
+                                        <p:cTn id="27" dur="1000"/>
+                                        <p:tgtEl>
+                                          <p:spTgt spid="8"/>
+                                        </p:tgtEl>
+                                        <p:attrNameLst>
+                                          <p:attrName>ppt_h</p:attrName>
+                                        </p:attrNameLst>
+                                      </p:cBhvr>
+                                      <p:tavLst>
+                                        <p:tav tm="0">
+                                          <p:val>
+                                            <p:strVal val="ppt_h"/>
+                                          </p:val>
+                                        </p:tav>
+                                        <p:tav tm="100000">
+                                          <p:val>
+                                            <p:fltVal val="0"/>
+                                          </p:val>
+                                        </p:tav>
+                                      </p:tavLst>
+                                    </p:anim>
+                                    <p:anim calcmode="lin" valueType="num">
+                                      <p:cBhvr>
+                                        <p:cTn id="28" dur="1000"/>
+                                        <p:tgtEl>
+                                          <p:spTgt spid="8"/>
+                                        </p:tgtEl>
+                                        <p:attrNameLst>
+                                          <p:attrName>style.rotation</p:attrName>
+                                        </p:attrNameLst>
+                                      </p:cBhvr>
+                                      <p:tavLst>
+                                        <p:tav tm="0">
+                                          <p:val>
+                                            <p:fltVal val="0"/>
+                                          </p:val>
+                                        </p:tav>
+                                        <p:tav tm="100000">
+                                          <p:val>
+                                            <p:fltVal val="90"/>
+                                          </p:val>
+                                        </p:tav>
+                                      </p:tavLst>
+                                    </p:anim>
+                                    <p:animEffect transition="out" filter="fade">
+                                      <p:cBhvr>
+                                        <p:cTn id="29" dur="1000"/>
+                                        <p:tgtEl>
+                                          <p:spTgt spid="8"/>
+                                        </p:tgtEl>
+                                      </p:cBhvr>
+                                    </p:animEffect>
+                                    <p:set>
+                                      <p:cBhvr>
+                                        <p:cTn id="30" dur="1" fill="hold">
+                                          <p:stCondLst>
+                                            <p:cond delay="999"/>
+                                          </p:stCondLst>
+                                        </p:cTn>
+                                        <p:tgtEl>
+                                          <p:spTgt spid="8"/>
+                                        </p:tgtEl>
+                                        <p:attrNameLst>
+                                          <p:attrName>style.visibility</p:attrName>
+                                        </p:attrNameLst>
+                                      </p:cBhvr>
+                                      <p:to>
+                                        <p:strVal val="hidden"/>
+                                      </p:to>
+                                    </p:set>
+                                  </p:childTnLst>
+                                </p:cTn>
+                              </p:par>
+                            </p:childTnLst>
+                          </p:cTn>
+                        </p:par>
+                      </p:childTnLst>
+                    </p:cTn>
+                  </p:par>
+                </p:childTnLst>
+              </p:cTn>
+              <p:prevCondLst>
+                <p:cond evt="onPrev" delay="0">
+                  <p:tgtEl>
+                    <p:sldTgt/>
+                  </p:tgtEl>
+                </p:cond>
+              </p:prevCondLst>
+              <p:nextCondLst>
+                <p:cond evt="onNext" delay="0">
+                  <p:tgtEl>
+                    <p:sldTgt/>
+                  </p:tgtEl>
+                </p:cond>
+              </p:nextCondLst>
+            </p:seq>
+          </p:childTnLst>
+        </p:cTn>
+      </p:par>
+    </p:tnLst>
+    <p:bldLst>
+      <p:bldP spid="6" grpId="0" animBg="1"/>
+      <p:bldP spid="8" grpId="0" animBg="1"/>
+      <p:bldP spid="8" grpId="1" animBg="1"/>
+    </p:bldLst>
+  </p:timing>
+</p:sld>
+</file>
+
+<file path=ppt/slides/slide13.xml><?xml version="1.0" encoding="utf-8"?>
 <p:sld xmlns:a="http://schemas.openxmlformats.org/drawingml/2006/main" xmlns:r="http://schemas.openxmlformats.org/officeDocument/2006/relationships" xmlns:p="http://schemas.openxmlformats.org/presentationml/2006/main">
   <p:cSld>
     <p:spTree>
@@ -5042,8 +10446,16 @@
           <a:lstStyle/>
           <a:p>
             <a:r>
+              <a:rPr lang="en-ZA" dirty="0"/>
+              <a:t>Exercise </a:t>
+            </a:r>
+            <a:r>
               <a:rPr lang="en-ZA" dirty="0" smtClean="0"/>
-              <a:t>Exercise 2 – Game Of Life</a:t>
+              <a:t>1 - </a:t>
+            </a:r>
+            <a:r>
+              <a:rPr lang="en-ZA" dirty="0" err="1" smtClean="0"/>
+              <a:t>NUnit</a:t>
             </a:r>
             <a:endParaRPr lang="en-ZA" dirty="0"/>
           </a:p>
@@ -5061,84 +10473,20 @@
         </p:nvSpPr>
         <p:spPr/>
         <p:txBody>
-          <a:bodyPr>
-            <a:normAutofit fontScale="92500" lnSpcReduction="10000"/>
-          </a:bodyPr>
+          <a:bodyPr anchor="ctr"/>
           <a:lstStyle/>
           <a:p>
-            <a:r>
-              <a:rPr lang="en-ZA" dirty="0" smtClean="0"/>
-              <a:t>Use Unit Tests to design a solution for Conway’s Game </a:t>
-            </a:r>
-            <a:r>
-              <a:rPr lang="en-ZA" dirty="0"/>
-              <a:t>Of Life</a:t>
-            </a:r>
-            <a:r>
-              <a:rPr lang="en-ZA" dirty="0" smtClean="0"/>
-              <a:t>:</a:t>
-            </a:r>
-            <a:br>
-              <a:rPr lang="en-ZA" dirty="0" smtClean="0"/>
-            </a:br>
-            <a:r>
-              <a:rPr lang="en-ZA" dirty="0" smtClean="0">
-                <a:hlinkClick r:id="rId2"/>
-              </a:rPr>
-              <a:t>http</a:t>
-            </a:r>
-            <a:r>
-              <a:rPr lang="en-ZA" dirty="0">
-                <a:hlinkClick r:id="rId2"/>
-              </a:rPr>
-              <a:t>://</a:t>
-            </a:r>
-            <a:r>
-              <a:rPr lang="en-ZA" dirty="0" smtClean="0">
-                <a:hlinkClick r:id="rId2"/>
-              </a:rPr>
-              <a:t>en.wikipedia.org/wiki/Conway%27s_Game_of_Life</a:t>
-            </a:r>
-            <a:endParaRPr lang="en-ZA" dirty="0" smtClean="0"/>
-          </a:p>
-          <a:p>
-            <a:pPr marL="0" indent="0">
+            <a:pPr marL="0" indent="0" algn="ctr">
               <a:buNone/>
             </a:pPr>
-            <a:endParaRPr lang="en-ZA" dirty="0" smtClean="0"/>
-          </a:p>
-          <a:p>
-            <a:pPr lvl="1"/>
-            <a:r>
-              <a:rPr lang="en-ZA" dirty="0"/>
-              <a:t>Any live cell with fewer than two live neighbours dies, as if caused by under-population.</a:t>
-            </a:r>
-          </a:p>
-          <a:p>
-            <a:pPr lvl="1"/>
-            <a:r>
-              <a:rPr lang="en-ZA" dirty="0"/>
-              <a:t>Any live cell with two or three live neighbours lives on to the next generation.</a:t>
-            </a:r>
-          </a:p>
-          <a:p>
-            <a:pPr lvl="1"/>
-            <a:r>
-              <a:rPr lang="en-ZA" dirty="0"/>
-              <a:t>Any live cell with more than three live neighbours dies, as if by overcrowding.</a:t>
-            </a:r>
-          </a:p>
-          <a:p>
-            <a:pPr lvl="1"/>
-            <a:r>
-              <a:rPr lang="en-ZA" dirty="0"/>
-              <a:t>Any dead cell with exactly three live neighbours becomes a live cell, as if by reproduction.</a:t>
-            </a:r>
-          </a:p>
-          <a:p>
-            <a:pPr marL="0" indent="0">
-              <a:buNone/>
-            </a:pPr>
+            <a:r>
+              <a:rPr lang="en-ZA" dirty="0" err="1" smtClean="0"/>
+              <a:t>NUnit</a:t>
+            </a:r>
+            <a:r>
+              <a:rPr lang="en-ZA" dirty="0" smtClean="0"/>
+              <a:t> cheat sheet demo</a:t>
+            </a:r>
             <a:endParaRPr lang="en-ZA" dirty="0"/>
           </a:p>
         </p:txBody>
@@ -5146,7 +10494,7 @@
     </p:spTree>
     <p:extLst>
       <p:ext uri="{BB962C8B-B14F-4D97-AF65-F5344CB8AC3E}">
-        <p14:creationId xmlns:p14="http://schemas.microsoft.com/office/powerpoint/2010/main" val="1043891441"/>
+        <p14:creationId xmlns:p14="http://schemas.microsoft.com/office/powerpoint/2010/main" val="2082712510"/>
       </p:ext>
     </p:extLst>
   </p:cSld>
@@ -5156,7 +10504,7 @@
 </p:sld>
 </file>
 
-<file path=ppt/slides/slide12.xml><?xml version="1.0" encoding="utf-8"?>
+<file path=ppt/slides/slide14.xml><?xml version="1.0" encoding="utf-8"?>
 <p:sld xmlns:a="http://schemas.openxmlformats.org/drawingml/2006/main" xmlns:r="http://schemas.openxmlformats.org/officeDocument/2006/relationships" xmlns:p="http://schemas.openxmlformats.org/presentationml/2006/main">
   <p:cSld>
     <p:spTree>
@@ -5192,7 +10540,11 @@
           <a:p>
             <a:r>
               <a:rPr lang="en-ZA" dirty="0" smtClean="0"/>
-              <a:t>References</a:t>
+              <a:t>Exercise 2 – </a:t>
+            </a:r>
+            <a:r>
+              <a:rPr lang="en-ZA" dirty="0" err="1" smtClean="0"/>
+              <a:t>ZLand</a:t>
             </a:r>
             <a:endParaRPr lang="en-ZA" dirty="0"/>
           </a:p>
@@ -5211,10 +10563,89 @@
         <p:spPr/>
         <p:txBody>
           <a:bodyPr>
-            <a:normAutofit fontScale="85000" lnSpcReduction="10000"/>
+            <a:normAutofit/>
           </a:bodyPr>
           <a:lstStyle/>
           <a:p>
+            <a:pPr marL="0" indent="0">
+              <a:buNone/>
+            </a:pPr>
+            <a:endParaRPr lang="en-ZA" dirty="0"/>
+          </a:p>
+        </p:txBody>
+      </p:sp>
+    </p:spTree>
+    <p:extLst>
+      <p:ext uri="{BB962C8B-B14F-4D97-AF65-F5344CB8AC3E}">
+        <p14:creationId xmlns:p14="http://schemas.microsoft.com/office/powerpoint/2010/main" val="1043891441"/>
+      </p:ext>
+    </p:extLst>
+  </p:cSld>
+  <p:clrMapOvr>
+    <a:masterClrMapping/>
+  </p:clrMapOvr>
+</p:sld>
+</file>
+
+<file path=ppt/slides/slide15.xml><?xml version="1.0" encoding="utf-8"?>
+<p:sld xmlns:a="http://schemas.openxmlformats.org/drawingml/2006/main" xmlns:r="http://schemas.openxmlformats.org/officeDocument/2006/relationships" xmlns:p="http://schemas.openxmlformats.org/presentationml/2006/main">
+  <p:cSld>
+    <p:spTree>
+      <p:nvGrpSpPr>
+        <p:cNvPr id="1" name=""/>
+        <p:cNvGrpSpPr/>
+        <p:nvPr/>
+      </p:nvGrpSpPr>
+      <p:grpSpPr>
+        <a:xfrm>
+          <a:off x="0" y="0"/>
+          <a:ext cx="0" cy="0"/>
+          <a:chOff x="0" y="0"/>
+          <a:chExt cx="0" cy="0"/>
+        </a:xfrm>
+      </p:grpSpPr>
+      <p:sp>
+        <p:nvSpPr>
+          <p:cNvPr id="2" name="Title 1"/>
+          <p:cNvSpPr>
+            <a:spLocks noGrp="1"/>
+          </p:cNvSpPr>
+          <p:nvPr>
+            <p:ph type="title"/>
+          </p:nvPr>
+        </p:nvSpPr>
+        <p:spPr/>
+        <p:txBody>
+          <a:bodyPr>
+            <a:normAutofit/>
+          </a:bodyPr>
+          <a:lstStyle/>
+          <a:p>
+            <a:r>
+              <a:rPr lang="en-ZA" dirty="0" smtClean="0"/>
+              <a:t>References</a:t>
+            </a:r>
+            <a:endParaRPr lang="en-ZA" dirty="0"/>
+          </a:p>
+        </p:txBody>
+      </p:sp>
+      <p:sp>
+        <p:nvSpPr>
+          <p:cNvPr id="3" name="Content Placeholder 2"/>
+          <p:cNvSpPr>
+            <a:spLocks noGrp="1"/>
+          </p:cNvSpPr>
+          <p:nvPr>
+            <p:ph idx="1"/>
+          </p:nvPr>
+        </p:nvSpPr>
+        <p:spPr/>
+        <p:txBody>
+          <a:bodyPr>
+            <a:normAutofit fontScale="92500" lnSpcReduction="20000"/>
+          </a:bodyPr>
+          <a:lstStyle/>
+          <a:p>
             <a:r>
               <a:rPr lang="en-ZA" dirty="0"/>
               <a:t>http://blog.stevensanderson.com/2009/08/24/writing-great-unit-tests-best-and-worst-practises/</a:t>
@@ -5234,14 +10665,12 @@
           </a:p>
           <a:p>
             <a:r>
+              <a:rPr lang="en-ZA" dirty="0" smtClean="0"/>
+              <a:t>http</a:t>
+            </a:r>
+            <a:r>
               <a:rPr lang="en-ZA" dirty="0"/>
-              <a:t>https://github.com/dennisdoomen/fluentassertions/wiki</a:t>
-            </a:r>
-          </a:p>
-          <a:p>
-            <a:r>
-              <a:rPr lang="en-ZA" dirty="0"/>
-              <a:t>http://martinfowler.com/bliki/UnitTest.html</a:t>
+              <a:t>://martinfowler.com/bliki/UnitTest.html</a:t>
             </a:r>
           </a:p>
           <a:p>
@@ -5281,7 +10710,7 @@
 </p:sld>
 </file>
 
-<file path=ppt/slides/slide13.xml><?xml version="1.0" encoding="utf-8"?>
+<file path=ppt/slides/slide16.xml><?xml version="1.0" encoding="utf-8"?>
 <p:sld xmlns:a="http://schemas.openxmlformats.org/drawingml/2006/main" xmlns:r="http://schemas.openxmlformats.org/officeDocument/2006/relationships" xmlns:p="http://schemas.openxmlformats.org/presentationml/2006/main">
   <p:cSld>
     <p:spTree>
@@ -5362,6 +10791,13 @@
                 <a:hlinkClick r:id="rId4"/>
               </a:rPr>
               <a:t>www.amazon.com/The-Art-Unit-Testing-Examples/dp/1933988274</a:t>
+            </a:r>
+            <a:endParaRPr lang="en-ZA" dirty="0" smtClean="0"/>
+          </a:p>
+          <a:p>
+            <a:r>
+              <a:rPr lang="en-ZA" dirty="0"/>
+              <a:t>https://github.com/dennisdoomen/fluentassertions/wiki</a:t>
             </a:r>
             <a:endParaRPr lang="en-ZA" dirty="0" smtClean="0"/>
           </a:p>
@@ -5567,7 +11003,7 @@
           <a:p>
             <a:r>
               <a:rPr lang="en-ZA" dirty="0" smtClean="0"/>
-              <a:t>What is a Code Dojo</a:t>
+              <a:t>Software</a:t>
             </a:r>
             <a:endParaRPr lang="en-ZA" dirty="0"/>
           </a:p>
@@ -5588,223 +11024,6 @@
           <a:bodyPr/>
           <a:lstStyle/>
           <a:p>
-            <a:r>
-              <a:rPr lang="en-ZA" dirty="0" smtClean="0"/>
-              <a:t>A place to learn from other people</a:t>
-            </a:r>
-          </a:p>
-          <a:p>
-            <a:r>
-              <a:rPr lang="en-ZA" dirty="0" smtClean="0"/>
-              <a:t>Practical, Lean by doing</a:t>
-            </a:r>
-          </a:p>
-          <a:p>
-            <a:r>
-              <a:rPr lang="en-ZA" dirty="0" smtClean="0"/>
-              <a:t>Deliberate practice</a:t>
-            </a:r>
-          </a:p>
-          <a:p>
-            <a:r>
-              <a:rPr lang="en-ZA" dirty="0" smtClean="0"/>
-              <a:t>Fail </a:t>
-            </a:r>
-            <a:r>
-              <a:rPr lang="en-ZA" dirty="0" smtClean="0"/>
-              <a:t>within a safe environment</a:t>
-            </a:r>
-            <a:endParaRPr lang="en-ZA" dirty="0" smtClean="0"/>
-          </a:p>
-          <a:p>
-            <a:r>
-              <a:rPr lang="en-ZA" dirty="0" smtClean="0"/>
-              <a:t>Building a community</a:t>
-            </a:r>
-          </a:p>
-          <a:p>
-            <a:r>
-              <a:rPr lang="en-ZA" dirty="0" smtClean="0"/>
-              <a:t>Show what you have done and get feedback</a:t>
-            </a:r>
-          </a:p>
-        </p:txBody>
-      </p:sp>
-    </p:spTree>
-    <p:extLst>
-      <p:ext uri="{BB962C8B-B14F-4D97-AF65-F5344CB8AC3E}">
-        <p14:creationId xmlns:p14="http://schemas.microsoft.com/office/powerpoint/2010/main" val="724387018"/>
-      </p:ext>
-    </p:extLst>
-  </p:cSld>
-  <p:clrMapOvr>
-    <a:masterClrMapping/>
-  </p:clrMapOvr>
-  <p:timing>
-    <p:tnLst>
-      <p:par>
-        <p:cTn id="1" dur="indefinite" restart="never" nodeType="tmRoot"/>
-      </p:par>
-    </p:tnLst>
-  </p:timing>
-</p:sld>
-</file>
-
-<file path=ppt/slides/slide4.xml><?xml version="1.0" encoding="utf-8"?>
-<p:sld xmlns:a="http://schemas.openxmlformats.org/drawingml/2006/main" xmlns:r="http://schemas.openxmlformats.org/officeDocument/2006/relationships" xmlns:p="http://schemas.openxmlformats.org/presentationml/2006/main">
-  <p:cSld>
-    <p:spTree>
-      <p:nvGrpSpPr>
-        <p:cNvPr id="1" name=""/>
-        <p:cNvGrpSpPr/>
-        <p:nvPr/>
-      </p:nvGrpSpPr>
-      <p:grpSpPr>
-        <a:xfrm>
-          <a:off x="0" y="0"/>
-          <a:ext cx="0" cy="0"/>
-          <a:chOff x="0" y="0"/>
-          <a:chExt cx="0" cy="0"/>
-        </a:xfrm>
-      </p:grpSpPr>
-      <p:sp>
-        <p:nvSpPr>
-          <p:cNvPr id="2" name="Title 1"/>
-          <p:cNvSpPr>
-            <a:spLocks noGrp="1"/>
-          </p:cNvSpPr>
-          <p:nvPr>
-            <p:ph type="title"/>
-          </p:nvPr>
-        </p:nvSpPr>
-        <p:spPr/>
-        <p:txBody>
-          <a:bodyPr/>
-          <a:lstStyle/>
-          <a:p>
-            <a:r>
-              <a:rPr lang="en-ZA" dirty="0" smtClean="0"/>
-              <a:t>Format</a:t>
-            </a:r>
-            <a:endParaRPr lang="en-ZA" dirty="0"/>
-          </a:p>
-        </p:txBody>
-      </p:sp>
-      <p:sp>
-        <p:nvSpPr>
-          <p:cNvPr id="3" name="Content Placeholder 2"/>
-          <p:cNvSpPr>
-            <a:spLocks noGrp="1"/>
-          </p:cNvSpPr>
-          <p:nvPr>
-            <p:ph idx="1"/>
-          </p:nvPr>
-        </p:nvSpPr>
-        <p:spPr/>
-        <p:txBody>
-          <a:bodyPr/>
-          <a:lstStyle/>
-          <a:p>
-            <a:r>
-              <a:rPr lang="en-ZA" dirty="0" smtClean="0"/>
-              <a:t>Pre-reading &amp; installation of prerequisites</a:t>
-            </a:r>
-            <a:endParaRPr lang="en-ZA" dirty="0"/>
-          </a:p>
-          <a:p>
-            <a:r>
-              <a:rPr lang="en-ZA" dirty="0" smtClean="0"/>
-              <a:t>Quick presentation</a:t>
-            </a:r>
-          </a:p>
-          <a:p>
-            <a:r>
-              <a:rPr lang="en-ZA" dirty="0" smtClean="0"/>
-              <a:t>Divide into groups of 2 (pair programing)</a:t>
-            </a:r>
-          </a:p>
-          <a:p>
-            <a:r>
-              <a:rPr lang="en-ZA" dirty="0" smtClean="0"/>
-              <a:t>Swap pilot and co-pilot every 10-15min</a:t>
-            </a:r>
-          </a:p>
-          <a:p>
-            <a:r>
-              <a:rPr lang="en-ZA" dirty="0" smtClean="0"/>
-              <a:t>Show &amp; Tell</a:t>
-            </a:r>
-          </a:p>
-        </p:txBody>
-      </p:sp>
-    </p:spTree>
-    <p:extLst>
-      <p:ext uri="{BB962C8B-B14F-4D97-AF65-F5344CB8AC3E}">
-        <p14:creationId xmlns:p14="http://schemas.microsoft.com/office/powerpoint/2010/main" val="3324515932"/>
-      </p:ext>
-    </p:extLst>
-  </p:cSld>
-  <p:clrMapOvr>
-    <a:masterClrMapping/>
-  </p:clrMapOvr>
-</p:sld>
-</file>
-
-<file path=ppt/slides/slide5.xml><?xml version="1.0" encoding="utf-8"?>
-<p:sld xmlns:a="http://schemas.openxmlformats.org/drawingml/2006/main" xmlns:r="http://schemas.openxmlformats.org/officeDocument/2006/relationships" xmlns:p="http://schemas.openxmlformats.org/presentationml/2006/main">
-  <p:cSld>
-    <p:spTree>
-      <p:nvGrpSpPr>
-        <p:cNvPr id="1" name=""/>
-        <p:cNvGrpSpPr/>
-        <p:nvPr/>
-      </p:nvGrpSpPr>
-      <p:grpSpPr>
-        <a:xfrm>
-          <a:off x="0" y="0"/>
-          <a:ext cx="0" cy="0"/>
-          <a:chOff x="0" y="0"/>
-          <a:chExt cx="0" cy="0"/>
-        </a:xfrm>
-      </p:grpSpPr>
-      <p:sp>
-        <p:nvSpPr>
-          <p:cNvPr id="2" name="Title 1"/>
-          <p:cNvSpPr>
-            <a:spLocks noGrp="1"/>
-          </p:cNvSpPr>
-          <p:nvPr>
-            <p:ph type="title"/>
-          </p:nvPr>
-        </p:nvSpPr>
-        <p:spPr/>
-        <p:txBody>
-          <a:bodyPr/>
-          <a:lstStyle/>
-          <a:p>
-            <a:r>
-              <a:rPr lang="en-ZA" dirty="0" smtClean="0"/>
-              <a:t>Software</a:t>
-            </a:r>
-            <a:endParaRPr lang="en-ZA" dirty="0"/>
-          </a:p>
-        </p:txBody>
-      </p:sp>
-      <p:sp>
-        <p:nvSpPr>
-          <p:cNvPr id="3" name="Content Placeholder 2"/>
-          <p:cNvSpPr>
-            <a:spLocks noGrp="1"/>
-          </p:cNvSpPr>
-          <p:nvPr>
-            <p:ph idx="1"/>
-          </p:nvPr>
-        </p:nvSpPr>
-        <p:spPr/>
-        <p:txBody>
-          <a:bodyPr/>
-          <a:lstStyle/>
-          <a:p>
             <a:pPr marL="0" indent="0">
               <a:buNone/>
             </a:pPr>
@@ -5823,7 +11042,14 @@
           <a:p>
             <a:r>
               <a:rPr lang="en-ZA" dirty="0" err="1" smtClean="0"/>
-              <a:t>NUnit</a:t>
+              <a:t>Nunit</a:t>
+            </a:r>
+            <a:endParaRPr lang="en-ZA" dirty="0" smtClean="0"/>
+          </a:p>
+          <a:p>
+            <a:r>
+              <a:rPr lang="en-ZA" dirty="0" smtClean="0"/>
+              <a:t>Git</a:t>
             </a:r>
             <a:endParaRPr lang="en-ZA" dirty="0" smtClean="0"/>
           </a:p>
@@ -5843,7 +11069,17 @@
             </a:r>
             <a:r>
               <a:rPr lang="en-ZA" dirty="0" smtClean="0"/>
-              <a:t> - Latest version compatible with your version of Visual Studio, 30 day trial is fine for now.</a:t>
+              <a:t> - Latest version compatible with your version of Visual Studio, 30 day trial is fine for now</a:t>
+            </a:r>
+            <a:r>
+              <a:rPr lang="en-ZA" dirty="0" smtClean="0"/>
+              <a:t>.</a:t>
+            </a:r>
+          </a:p>
+          <a:p>
+            <a:r>
+              <a:rPr lang="en-ZA" dirty="0" smtClean="0"/>
+              <a:t>Git Extensions</a:t>
             </a:r>
             <a:endParaRPr lang="en-ZA" dirty="0"/>
           </a:p>
@@ -5862,7 +11098,7 @@
 </p:sld>
 </file>
 
-<file path=ppt/slides/slide6.xml><?xml version="1.0" encoding="utf-8"?>
+<file path=ppt/slides/slide4.xml><?xml version="1.0" encoding="utf-8"?>
 <p:sld xmlns:a="http://schemas.openxmlformats.org/drawingml/2006/main" xmlns:r="http://schemas.openxmlformats.org/officeDocument/2006/relationships" xmlns:p="http://schemas.openxmlformats.org/presentationml/2006/main">
   <p:cSld>
     <p:spTree>
@@ -5951,7 +11187,7 @@
 </p:sld>
 </file>
 
-<file path=ppt/slides/slide7.xml><?xml version="1.0" encoding="utf-8"?>
+<file path=ppt/slides/slide5.xml><?xml version="1.0" encoding="utf-8"?>
 <p:sld xmlns:a="http://schemas.openxmlformats.org/drawingml/2006/main" xmlns:r="http://schemas.openxmlformats.org/officeDocument/2006/relationships" xmlns:p="http://schemas.openxmlformats.org/presentationml/2006/main">
   <p:cSld>
     <p:spTree>
@@ -6073,7 +11309,7 @@
 </p:sld>
 </file>
 
-<file path=ppt/slides/slide8.xml><?xml version="1.0" encoding="utf-8"?>
+<file path=ppt/slides/slide6.xml><?xml version="1.0" encoding="utf-8"?>
 <p:sld xmlns:a="http://schemas.openxmlformats.org/drawingml/2006/main" xmlns:r="http://schemas.openxmlformats.org/officeDocument/2006/relationships" xmlns:p="http://schemas.openxmlformats.org/presentationml/2006/main">
   <p:cSld>
     <p:spTree>
@@ -6307,7 +11543,7 @@
 </p:sld>
 </file>
 
-<file path=ppt/slides/slide9.xml><?xml version="1.0" encoding="utf-8"?>
+<file path=ppt/slides/slide7.xml><?xml version="1.0" encoding="utf-8"?>
 <p:sld xmlns:a="http://schemas.openxmlformats.org/drawingml/2006/main" xmlns:r="http://schemas.openxmlformats.org/officeDocument/2006/relationships" xmlns:p="http://schemas.openxmlformats.org/presentationml/2006/main">
   <p:cSld>
     <p:spTree>
@@ -6379,6 +11615,1258 @@
     <p:extLst>
       <p:ext uri="{BB962C8B-B14F-4D97-AF65-F5344CB8AC3E}">
         <p14:creationId xmlns:p14="http://schemas.microsoft.com/office/powerpoint/2010/main" val="1558000505"/>
+      </p:ext>
+    </p:extLst>
+  </p:cSld>
+  <p:clrMapOvr>
+    <a:masterClrMapping/>
+  </p:clrMapOvr>
+  <p:timing>
+    <p:tnLst>
+      <p:par>
+        <p:cTn id="1" dur="indefinite" restart="never" nodeType="tmRoot"/>
+      </p:par>
+    </p:tnLst>
+  </p:timing>
+</p:sld>
+</file>
+
+<file path=ppt/slides/slide8.xml><?xml version="1.0" encoding="utf-8"?>
+<p:sld xmlns:a="http://schemas.openxmlformats.org/drawingml/2006/main" xmlns:r="http://schemas.openxmlformats.org/officeDocument/2006/relationships" xmlns:p="http://schemas.openxmlformats.org/presentationml/2006/main">
+  <p:cSld>
+    <p:spTree>
+      <p:nvGrpSpPr>
+        <p:cNvPr id="1" name=""/>
+        <p:cNvGrpSpPr/>
+        <p:nvPr/>
+      </p:nvGrpSpPr>
+      <p:grpSpPr>
+        <a:xfrm>
+          <a:off x="0" y="0"/>
+          <a:ext cx="0" cy="0"/>
+          <a:chOff x="0" y="0"/>
+          <a:chExt cx="0" cy="0"/>
+        </a:xfrm>
+      </p:grpSpPr>
+      <p:sp>
+        <p:nvSpPr>
+          <p:cNvPr id="6" name="Title 1"/>
+          <p:cNvSpPr>
+            <a:spLocks noGrp="1"/>
+          </p:cNvSpPr>
+          <p:nvPr>
+            <p:ph type="title"/>
+          </p:nvPr>
+        </p:nvSpPr>
+        <p:spPr>
+          <a:xfrm>
+            <a:off x="457200" y="228864"/>
+            <a:ext cx="8229600" cy="588409"/>
+          </a:xfrm>
+        </p:spPr>
+        <p:txBody>
+          <a:bodyPr/>
+          <a:lstStyle/>
+          <a:p>
+            <a:r>
+              <a:rPr lang="en-ZA" dirty="0" smtClean="0"/>
+              <a:t>Guidelines</a:t>
+            </a:r>
+            <a:endParaRPr lang="en-ZA" dirty="0"/>
+          </a:p>
+        </p:txBody>
+      </p:sp>
+      <p:sp>
+        <p:nvSpPr>
+          <p:cNvPr id="7" name="Content Placeholder 2"/>
+          <p:cNvSpPr>
+            <a:spLocks noGrp="1"/>
+          </p:cNvSpPr>
+          <p:nvPr>
+            <p:ph idx="1"/>
+          </p:nvPr>
+        </p:nvSpPr>
+        <p:spPr>
+          <a:xfrm>
+            <a:off x="467544" y="937288"/>
+            <a:ext cx="8229600" cy="4080452"/>
+          </a:xfrm>
+        </p:spPr>
+        <p:txBody>
+          <a:bodyPr>
+            <a:normAutofit fontScale="55000" lnSpcReduction="20000"/>
+          </a:bodyPr>
+          <a:lstStyle/>
+          <a:p>
+            <a:r>
+              <a:rPr lang="en-ZA" dirty="0" smtClean="0"/>
+              <a:t>A good test…</a:t>
+            </a:r>
+          </a:p>
+          <a:p>
+            <a:pPr lvl="1"/>
+            <a:r>
+              <a:rPr lang="en-ZA" dirty="0" smtClean="0"/>
+              <a:t>Establish initial context; Interact with system; Check the results</a:t>
+            </a:r>
+          </a:p>
+          <a:p>
+            <a:pPr lvl="2"/>
+            <a:r>
+              <a:rPr lang="en-ZA" dirty="0" smtClean="0"/>
+              <a:t>Arrange…Act…Assert…</a:t>
+            </a:r>
+          </a:p>
+          <a:p>
+            <a:pPr lvl="2"/>
+            <a:r>
+              <a:rPr lang="en-ZA" dirty="0" smtClean="0"/>
+              <a:t>Given…When…Then…</a:t>
+            </a:r>
+          </a:p>
+          <a:p>
+            <a:pPr lvl="2"/>
+            <a:r>
+              <a:rPr lang="en-ZA" dirty="0" err="1" smtClean="0"/>
+              <a:t>SetContext</a:t>
+            </a:r>
+            <a:r>
+              <a:rPr lang="en-ZA" dirty="0" smtClean="0"/>
+              <a:t>…</a:t>
+            </a:r>
+            <a:r>
+              <a:rPr lang="en-ZA" dirty="0" err="1" smtClean="0"/>
+              <a:t>BecauseOf</a:t>
+            </a:r>
+            <a:r>
+              <a:rPr lang="en-ZA" dirty="0" smtClean="0"/>
+              <a:t>…</a:t>
+            </a:r>
+            <a:r>
+              <a:rPr lang="en-ZA" dirty="0" err="1" smtClean="0"/>
+              <a:t>ItShould</a:t>
+            </a:r>
+            <a:r>
+              <a:rPr lang="en-ZA" dirty="0" smtClean="0"/>
+              <a:t>…</a:t>
+            </a:r>
+          </a:p>
+          <a:p>
+            <a:pPr lvl="1"/>
+            <a:r>
+              <a:rPr lang="en-ZA" dirty="0" smtClean="0"/>
+              <a:t>KISS</a:t>
+            </a:r>
+          </a:p>
+          <a:p>
+            <a:pPr lvl="1"/>
+            <a:r>
+              <a:rPr lang="en-ZA" dirty="0" smtClean="0"/>
+              <a:t>Easy to implement</a:t>
+            </a:r>
+          </a:p>
+          <a:p>
+            <a:pPr lvl="1"/>
+            <a:r>
+              <a:rPr lang="en-ZA" dirty="0" smtClean="0"/>
+              <a:t>Easily runnable, by anyone, anytime</a:t>
+            </a:r>
+          </a:p>
+          <a:p>
+            <a:pPr lvl="1"/>
+            <a:r>
+              <a:rPr lang="en-ZA" dirty="0" smtClean="0"/>
+              <a:t>Runs quickly</a:t>
+            </a:r>
+          </a:p>
+          <a:p>
+            <a:pPr lvl="1"/>
+            <a:r>
+              <a:rPr lang="en-ZA" dirty="0" smtClean="0"/>
+              <a:t>Not depend on other tests</a:t>
+            </a:r>
+          </a:p>
+          <a:p>
+            <a:pPr lvl="1"/>
+            <a:r>
+              <a:rPr lang="en-ZA" dirty="0" smtClean="0"/>
+              <a:t>Initialize/setup for itself</a:t>
+            </a:r>
+          </a:p>
+          <a:p>
+            <a:pPr lvl="1"/>
+            <a:r>
+              <a:rPr lang="en-ZA" dirty="0" smtClean="0"/>
+              <a:t>Leave environment as it was when it started, </a:t>
+            </a:r>
+            <a:r>
+              <a:rPr lang="en-ZA" dirty="0" err="1" smtClean="0"/>
+              <a:t>cleanup</a:t>
+            </a:r>
+            <a:r>
+              <a:rPr lang="en-ZA" dirty="0" smtClean="0"/>
+              <a:t>!</a:t>
+            </a:r>
+          </a:p>
+          <a:p>
+            <a:r>
+              <a:rPr lang="en-ZA" dirty="0" smtClean="0"/>
+              <a:t>Measure code coverage</a:t>
+            </a:r>
+          </a:p>
+          <a:p>
+            <a:r>
+              <a:rPr lang="en-ZA" dirty="0" smtClean="0"/>
+              <a:t>Write tests to recreate bugs</a:t>
+            </a:r>
+          </a:p>
+          <a:p>
+            <a:r>
+              <a:rPr lang="en-ZA" dirty="0" smtClean="0"/>
+              <a:t>Test edge cases, and not only positives, negatives as well</a:t>
+            </a:r>
+          </a:p>
+          <a:p>
+            <a:r>
+              <a:rPr lang="en-ZA" dirty="0" smtClean="0"/>
+              <a:t>Treat tests as production code</a:t>
+            </a:r>
+          </a:p>
+          <a:p>
+            <a:r>
+              <a:rPr lang="en-ZA" dirty="0" smtClean="0"/>
+              <a:t>Distinguish between different levels/types</a:t>
+            </a:r>
+          </a:p>
+          <a:p>
+            <a:r>
+              <a:rPr lang="en-ZA" dirty="0" smtClean="0"/>
+              <a:t>Integrate in to SDLC, build &amp; deployment processes, CI etc.</a:t>
+            </a:r>
+          </a:p>
+          <a:p>
+            <a:r>
+              <a:rPr lang="en-ZA" dirty="0" smtClean="0"/>
+              <a:t>Be careful changing code to fit tests; code must be testable, but not change code to accommodate a test for that sole purpose</a:t>
+            </a:r>
+          </a:p>
+        </p:txBody>
+      </p:sp>
+    </p:spTree>
+    <p:extLst>
+      <p:ext uri="{BB962C8B-B14F-4D97-AF65-F5344CB8AC3E}">
+        <p14:creationId xmlns:p14="http://schemas.microsoft.com/office/powerpoint/2010/main" val="2541969680"/>
+      </p:ext>
+    </p:extLst>
+  </p:cSld>
+  <p:clrMapOvr>
+    <a:masterClrMapping/>
+  </p:clrMapOvr>
+</p:sld>
+</file>
+
+<file path=ppt/slides/slide9.xml><?xml version="1.0" encoding="utf-8"?>
+<p:sld xmlns:a="http://schemas.openxmlformats.org/drawingml/2006/main" xmlns:r="http://schemas.openxmlformats.org/officeDocument/2006/relationships" xmlns:p="http://schemas.openxmlformats.org/presentationml/2006/main">
+  <p:cSld>
+    <p:spTree>
+      <p:nvGrpSpPr>
+        <p:cNvPr id="1" name=""/>
+        <p:cNvGrpSpPr/>
+        <p:nvPr/>
+      </p:nvGrpSpPr>
+      <p:grpSpPr>
+        <a:xfrm>
+          <a:off x="0" y="0"/>
+          <a:ext cx="0" cy="0"/>
+          <a:chOff x="0" y="0"/>
+          <a:chExt cx="0" cy="0"/>
+        </a:xfrm>
+      </p:grpSpPr>
+      <p:sp>
+        <p:nvSpPr>
+          <p:cNvPr id="2" name="Title 1"/>
+          <p:cNvSpPr>
+            <a:spLocks noGrp="1"/>
+          </p:cNvSpPr>
+          <p:nvPr>
+            <p:ph type="title"/>
+          </p:nvPr>
+        </p:nvSpPr>
+        <p:spPr>
+          <a:xfrm>
+            <a:off x="457200" y="228864"/>
+            <a:ext cx="6347048" cy="588409"/>
+          </a:xfrm>
+        </p:spPr>
+        <p:txBody>
+          <a:bodyPr>
+            <a:normAutofit/>
+          </a:bodyPr>
+          <a:lstStyle/>
+          <a:p>
+            <a:r>
+              <a:rPr lang="en-ZA" dirty="0"/>
+              <a:t>Dummies</a:t>
+            </a:r>
+          </a:p>
+        </p:txBody>
+      </p:sp>
+      <p:sp>
+        <p:nvSpPr>
+          <p:cNvPr id="3" name="Content Placeholder 2"/>
+          <p:cNvSpPr>
+            <a:spLocks noGrp="1"/>
+          </p:cNvSpPr>
+          <p:nvPr>
+            <p:ph idx="1"/>
+          </p:nvPr>
+        </p:nvSpPr>
+        <p:spPr/>
+        <p:txBody>
+          <a:bodyPr>
+            <a:normAutofit/>
+          </a:bodyPr>
+          <a:lstStyle/>
+          <a:p>
+            <a:r>
+              <a:rPr lang="en-ZA" dirty="0" smtClean="0"/>
+              <a:t>Objects passed around but never actually used (used to fill parameter lists), “empty” implementation</a:t>
+            </a:r>
+          </a:p>
+          <a:p>
+            <a:endParaRPr lang="en-ZA" dirty="0"/>
+          </a:p>
+        </p:txBody>
+      </p:sp>
+      <p:sp>
+        <p:nvSpPr>
+          <p:cNvPr id="10" name="Rectangle 9"/>
+          <p:cNvSpPr/>
+          <p:nvPr/>
+        </p:nvSpPr>
+        <p:spPr>
+          <a:xfrm>
+            <a:off x="2123728" y="1921396"/>
+            <a:ext cx="4572000" cy="3046988"/>
+          </a:xfrm>
+          <a:prstGeom prst="rect">
+            <a:avLst/>
+          </a:prstGeom>
+          <a:solidFill>
+            <a:schemeClr val="bg1"/>
+          </a:solidFill>
+        </p:spPr>
+        <p:txBody>
+          <a:bodyPr>
+            <a:spAutoFit/>
+          </a:bodyPr>
+          <a:lstStyle/>
+          <a:p>
+            <a:r>
+              <a:rPr lang="en-US" sz="1200" dirty="0" smtClean="0">
+                <a:solidFill>
+                  <a:srgbClr val="0000FF"/>
+                </a:solidFill>
+                <a:highlight>
+                  <a:srgbClr val="FFFFFF"/>
+                </a:highlight>
+                <a:latin typeface="Consolas" panose="020B0609020204030204" pitchFamily="49" charset="0"/>
+              </a:rPr>
+              <a:t>public class</a:t>
+            </a:r>
+            <a:r>
+              <a:rPr lang="en-US" sz="1200" dirty="0" smtClean="0">
+                <a:solidFill>
+                  <a:srgbClr val="000000"/>
+                </a:solidFill>
+                <a:highlight>
+                  <a:srgbClr val="FFFFFF"/>
+                </a:highlight>
+                <a:latin typeface="Consolas" panose="020B0609020204030204" pitchFamily="49" charset="0"/>
+              </a:rPr>
+              <a:t> </a:t>
+            </a:r>
+            <a:r>
+              <a:rPr lang="en-US" sz="1200" dirty="0" err="1">
+                <a:solidFill>
+                  <a:srgbClr val="00008B"/>
+                </a:solidFill>
+                <a:highlight>
+                  <a:srgbClr val="FFFFFF"/>
+                </a:highlight>
+                <a:latin typeface="Consolas" panose="020B0609020204030204" pitchFamily="49" charset="0"/>
+              </a:rPr>
+              <a:t>FooDummy</a:t>
+            </a:r>
+            <a:r>
+              <a:rPr lang="en-US" sz="1200" dirty="0">
+                <a:solidFill>
+                  <a:srgbClr val="000000"/>
+                </a:solidFill>
+                <a:highlight>
+                  <a:srgbClr val="FFFFFF"/>
+                </a:highlight>
+                <a:latin typeface="Consolas" panose="020B0609020204030204" pitchFamily="49" charset="0"/>
+              </a:rPr>
+              <a:t> : </a:t>
+            </a:r>
+            <a:r>
+              <a:rPr lang="en-US" sz="1200" dirty="0">
+                <a:solidFill>
+                  <a:srgbClr val="00008B"/>
+                </a:solidFill>
+                <a:highlight>
+                  <a:srgbClr val="FFFFFF"/>
+                </a:highlight>
+                <a:latin typeface="Consolas" panose="020B0609020204030204" pitchFamily="49" charset="0"/>
+              </a:rPr>
+              <a:t>Foo</a:t>
+            </a:r>
+            <a:endParaRPr lang="en-US" sz="1200" dirty="0">
+              <a:solidFill>
+                <a:srgbClr val="000000"/>
+              </a:solidFill>
+              <a:highlight>
+                <a:srgbClr val="FFFFFF"/>
+              </a:highlight>
+              <a:latin typeface="Consolas" panose="020B0609020204030204" pitchFamily="49" charset="0"/>
+            </a:endParaRPr>
+          </a:p>
+          <a:p>
+            <a:r>
+              <a:rPr lang="en-US" sz="1200" dirty="0">
+                <a:solidFill>
+                  <a:srgbClr val="000000"/>
+                </a:solidFill>
+                <a:highlight>
+                  <a:srgbClr val="FFFFFF"/>
+                </a:highlight>
+                <a:latin typeface="Consolas" panose="020B0609020204030204" pitchFamily="49" charset="0"/>
+              </a:rPr>
+              <a:t>{</a:t>
+            </a:r>
+          </a:p>
+          <a:p>
+            <a:r>
+              <a:rPr lang="en-US" sz="1200" dirty="0">
+                <a:solidFill>
+                  <a:srgbClr val="000000"/>
+                </a:solidFill>
+                <a:highlight>
+                  <a:srgbClr val="FFFFFF"/>
+                </a:highlight>
+                <a:latin typeface="Consolas" panose="020B0609020204030204" pitchFamily="49" charset="0"/>
+              </a:rPr>
+              <a:t>    </a:t>
+            </a:r>
+            <a:r>
+              <a:rPr lang="en-US" sz="1200" dirty="0">
+                <a:solidFill>
+                  <a:srgbClr val="0000FF"/>
+                </a:solidFill>
+                <a:highlight>
+                  <a:srgbClr val="FFFFFF"/>
+                </a:highlight>
+                <a:latin typeface="Consolas" panose="020B0609020204030204" pitchFamily="49" charset="0"/>
+              </a:rPr>
+              <a:t>public</a:t>
+            </a:r>
+            <a:r>
+              <a:rPr lang="en-US" sz="1200" dirty="0">
+                <a:solidFill>
+                  <a:srgbClr val="000000"/>
+                </a:solidFill>
+                <a:highlight>
+                  <a:srgbClr val="FFFFFF"/>
+                </a:highlight>
+                <a:latin typeface="Consolas" panose="020B0609020204030204" pitchFamily="49" charset="0"/>
+              </a:rPr>
+              <a:t> </a:t>
+            </a:r>
+            <a:r>
+              <a:rPr lang="en-US" sz="1200" dirty="0">
+                <a:solidFill>
+                  <a:srgbClr val="00008B"/>
+                </a:solidFill>
+                <a:highlight>
+                  <a:srgbClr val="FFFFFF"/>
+                </a:highlight>
+                <a:latin typeface="Consolas" panose="020B0609020204030204" pitchFamily="49" charset="0"/>
+              </a:rPr>
+              <a:t>String</a:t>
+            </a:r>
+            <a:r>
+              <a:rPr lang="en-US" sz="1200" dirty="0">
+                <a:solidFill>
+                  <a:srgbClr val="000000"/>
+                </a:solidFill>
+                <a:highlight>
+                  <a:srgbClr val="FFFFFF"/>
+                </a:highlight>
+                <a:latin typeface="Consolas" panose="020B0609020204030204" pitchFamily="49" charset="0"/>
+              </a:rPr>
+              <a:t> </a:t>
+            </a:r>
+            <a:r>
+              <a:rPr lang="en-US" sz="1200" dirty="0">
+                <a:solidFill>
+                  <a:srgbClr val="008B8B"/>
+                </a:solidFill>
+                <a:highlight>
+                  <a:srgbClr val="FFFFFF"/>
+                </a:highlight>
+                <a:latin typeface="Consolas" panose="020B0609020204030204" pitchFamily="49" charset="0"/>
+              </a:rPr>
+              <a:t>bar</a:t>
+            </a:r>
+            <a:r>
+              <a:rPr lang="en-US" sz="1200" dirty="0">
+                <a:solidFill>
+                  <a:srgbClr val="000000"/>
+                </a:solidFill>
+                <a:highlight>
+                  <a:srgbClr val="FFFFFF"/>
+                </a:highlight>
+                <a:latin typeface="Consolas" panose="020B0609020204030204" pitchFamily="49" charset="0"/>
+              </a:rPr>
+              <a:t>() { </a:t>
+            </a:r>
+            <a:r>
+              <a:rPr lang="en-US" sz="1200" dirty="0">
+                <a:solidFill>
+                  <a:srgbClr val="0000FF"/>
+                </a:solidFill>
+                <a:highlight>
+                  <a:srgbClr val="FFFFFF"/>
+                </a:highlight>
+                <a:latin typeface="Consolas" panose="020B0609020204030204" pitchFamily="49" charset="0"/>
+              </a:rPr>
+              <a:t>return</a:t>
+            </a:r>
+            <a:r>
+              <a:rPr lang="en-US" sz="1200" dirty="0">
+                <a:solidFill>
+                  <a:srgbClr val="000000"/>
+                </a:solidFill>
+                <a:highlight>
+                  <a:srgbClr val="FFFFFF"/>
+                </a:highlight>
+                <a:latin typeface="Consolas" panose="020B0609020204030204" pitchFamily="49" charset="0"/>
+              </a:rPr>
+              <a:t> </a:t>
+            </a:r>
+            <a:r>
+              <a:rPr lang="en-US" sz="1200" dirty="0">
+                <a:solidFill>
+                  <a:srgbClr val="0000FF"/>
+                </a:solidFill>
+                <a:highlight>
+                  <a:srgbClr val="FFFFFF"/>
+                </a:highlight>
+                <a:latin typeface="Consolas" panose="020B0609020204030204" pitchFamily="49" charset="0"/>
+              </a:rPr>
+              <a:t>null</a:t>
+            </a:r>
+            <a:r>
+              <a:rPr lang="en-US" sz="1200" dirty="0">
+                <a:solidFill>
+                  <a:srgbClr val="000000"/>
+                </a:solidFill>
+                <a:highlight>
+                  <a:srgbClr val="FFFFFF"/>
+                </a:highlight>
+                <a:latin typeface="Consolas" panose="020B0609020204030204" pitchFamily="49" charset="0"/>
+              </a:rPr>
+              <a:t>; }</a:t>
+            </a:r>
+          </a:p>
+          <a:p>
+            <a:r>
+              <a:rPr lang="en-US" sz="1200" dirty="0">
+                <a:solidFill>
+                  <a:srgbClr val="000000"/>
+                </a:solidFill>
+                <a:highlight>
+                  <a:srgbClr val="FFFFFF"/>
+                </a:highlight>
+                <a:latin typeface="Consolas" panose="020B0609020204030204" pitchFamily="49" charset="0"/>
+              </a:rPr>
+              <a:t>}</a:t>
+            </a:r>
+          </a:p>
+          <a:p>
+            <a:endParaRPr lang="en-US" sz="1200" dirty="0">
+              <a:solidFill>
+                <a:srgbClr val="000000"/>
+              </a:solidFill>
+              <a:highlight>
+                <a:srgbClr val="FFFFFF"/>
+              </a:highlight>
+              <a:latin typeface="Consolas" panose="020B0609020204030204" pitchFamily="49" charset="0"/>
+            </a:endParaRPr>
+          </a:p>
+          <a:p>
+            <a:r>
+              <a:rPr lang="en-US" sz="1200" dirty="0">
+                <a:solidFill>
+                  <a:srgbClr val="0000FF"/>
+                </a:solidFill>
+                <a:highlight>
+                  <a:srgbClr val="FFFFFF"/>
+                </a:highlight>
+                <a:latin typeface="Consolas" panose="020B0609020204030204" pitchFamily="49" charset="0"/>
+              </a:rPr>
+              <a:t>public</a:t>
+            </a:r>
+            <a:r>
+              <a:rPr lang="en-US" sz="1200" dirty="0">
+                <a:solidFill>
+                  <a:srgbClr val="000000"/>
+                </a:solidFill>
+                <a:highlight>
+                  <a:srgbClr val="FFFFFF"/>
+                </a:highlight>
+                <a:latin typeface="Consolas" panose="020B0609020204030204" pitchFamily="49" charset="0"/>
+              </a:rPr>
+              <a:t> </a:t>
+            </a:r>
+            <a:r>
+              <a:rPr lang="en-US" sz="1200" dirty="0">
+                <a:solidFill>
+                  <a:srgbClr val="0000FF"/>
+                </a:solidFill>
+                <a:highlight>
+                  <a:srgbClr val="FFFFFF"/>
+                </a:highlight>
+                <a:latin typeface="Consolas" panose="020B0609020204030204" pitchFamily="49" charset="0"/>
+              </a:rPr>
+              <a:t>class</a:t>
+            </a:r>
+            <a:r>
+              <a:rPr lang="en-US" sz="1200" dirty="0">
+                <a:solidFill>
+                  <a:srgbClr val="000000"/>
+                </a:solidFill>
+                <a:highlight>
+                  <a:srgbClr val="FFFFFF"/>
+                </a:highlight>
+                <a:latin typeface="Consolas" panose="020B0609020204030204" pitchFamily="49" charset="0"/>
+              </a:rPr>
+              <a:t> </a:t>
+            </a:r>
+            <a:r>
+              <a:rPr lang="en-US" sz="1200" dirty="0" err="1">
+                <a:solidFill>
+                  <a:srgbClr val="00008B"/>
+                </a:solidFill>
+                <a:highlight>
+                  <a:srgbClr val="FFFFFF"/>
+                </a:highlight>
+                <a:latin typeface="Consolas" panose="020B0609020204030204" pitchFamily="49" charset="0"/>
+              </a:rPr>
+              <a:t>FooCollectionTest</a:t>
+            </a:r>
+            <a:endParaRPr lang="en-US" sz="1200" dirty="0">
+              <a:solidFill>
+                <a:srgbClr val="000000"/>
+              </a:solidFill>
+              <a:highlight>
+                <a:srgbClr val="FFFFFF"/>
+              </a:highlight>
+              <a:latin typeface="Consolas" panose="020B0609020204030204" pitchFamily="49" charset="0"/>
+            </a:endParaRPr>
+          </a:p>
+          <a:p>
+            <a:r>
+              <a:rPr lang="en-US" sz="1200" dirty="0">
+                <a:solidFill>
+                  <a:srgbClr val="000000"/>
+                </a:solidFill>
+                <a:highlight>
+                  <a:srgbClr val="FFFFFF"/>
+                </a:highlight>
+                <a:latin typeface="Consolas" panose="020B0609020204030204" pitchFamily="49" charset="0"/>
+              </a:rPr>
+              <a:t>{</a:t>
+            </a:r>
+          </a:p>
+          <a:p>
+            <a:r>
+              <a:rPr lang="en-US" sz="1200" dirty="0">
+                <a:solidFill>
+                  <a:srgbClr val="000000"/>
+                </a:solidFill>
+                <a:highlight>
+                  <a:srgbClr val="FFFFFF"/>
+                </a:highlight>
+                <a:latin typeface="Consolas" panose="020B0609020204030204" pitchFamily="49" charset="0"/>
+              </a:rPr>
+              <a:t>    [</a:t>
+            </a:r>
+            <a:r>
+              <a:rPr lang="en-US" sz="1200" dirty="0">
+                <a:solidFill>
+                  <a:srgbClr val="00008B"/>
+                </a:solidFill>
+                <a:highlight>
+                  <a:srgbClr val="FFFFFF"/>
+                </a:highlight>
+                <a:latin typeface="Consolas" panose="020B0609020204030204" pitchFamily="49" charset="0"/>
+              </a:rPr>
+              <a:t>Test</a:t>
+            </a:r>
+            <a:r>
+              <a:rPr lang="en-US" sz="1200" dirty="0">
+                <a:solidFill>
+                  <a:srgbClr val="000000"/>
+                </a:solidFill>
+                <a:highlight>
+                  <a:srgbClr val="FFFFFF"/>
+                </a:highlight>
+                <a:latin typeface="Consolas" panose="020B0609020204030204" pitchFamily="49" charset="0"/>
+              </a:rPr>
+              <a:t>]</a:t>
+            </a:r>
+          </a:p>
+          <a:p>
+            <a:r>
+              <a:rPr lang="en-US" sz="1200" dirty="0">
+                <a:solidFill>
+                  <a:srgbClr val="000000"/>
+                </a:solidFill>
+                <a:highlight>
+                  <a:srgbClr val="FFFFFF"/>
+                </a:highlight>
+                <a:latin typeface="Consolas" panose="020B0609020204030204" pitchFamily="49" charset="0"/>
+              </a:rPr>
+              <a:t>    </a:t>
+            </a:r>
+            <a:r>
+              <a:rPr lang="en-US" sz="1200" dirty="0">
+                <a:solidFill>
+                  <a:srgbClr val="0000FF"/>
+                </a:solidFill>
+                <a:highlight>
+                  <a:srgbClr val="FFFFFF"/>
+                </a:highlight>
+                <a:latin typeface="Consolas" panose="020B0609020204030204" pitchFamily="49" charset="0"/>
+              </a:rPr>
+              <a:t>public</a:t>
+            </a:r>
+            <a:r>
+              <a:rPr lang="en-US" sz="1200" dirty="0">
+                <a:solidFill>
+                  <a:srgbClr val="000000"/>
+                </a:solidFill>
+                <a:highlight>
+                  <a:srgbClr val="FFFFFF"/>
+                </a:highlight>
+                <a:latin typeface="Consolas" panose="020B0609020204030204" pitchFamily="49" charset="0"/>
+              </a:rPr>
+              <a:t> </a:t>
+            </a:r>
+            <a:r>
+              <a:rPr lang="en-US" sz="1200" dirty="0">
+                <a:solidFill>
+                  <a:srgbClr val="0000FF"/>
+                </a:solidFill>
+                <a:highlight>
+                  <a:srgbClr val="FFFFFF"/>
+                </a:highlight>
+                <a:latin typeface="Consolas" panose="020B0609020204030204" pitchFamily="49" charset="0"/>
+              </a:rPr>
+              <a:t>void</a:t>
+            </a:r>
+            <a:r>
+              <a:rPr lang="en-US" sz="1200" dirty="0">
+                <a:solidFill>
+                  <a:srgbClr val="000000"/>
+                </a:solidFill>
+                <a:highlight>
+                  <a:srgbClr val="FFFFFF"/>
+                </a:highlight>
+                <a:latin typeface="Consolas" panose="020B0609020204030204" pitchFamily="49" charset="0"/>
+              </a:rPr>
+              <a:t> </a:t>
+            </a:r>
+            <a:r>
+              <a:rPr lang="en-US" sz="1200" dirty="0" err="1">
+                <a:solidFill>
+                  <a:srgbClr val="008B8B"/>
+                </a:solidFill>
+                <a:highlight>
+                  <a:srgbClr val="FFFFFF"/>
+                </a:highlight>
+                <a:latin typeface="Consolas" panose="020B0609020204030204" pitchFamily="49" charset="0"/>
+              </a:rPr>
+              <a:t>it_should_maintain_a_count</a:t>
+            </a:r>
+            <a:r>
+              <a:rPr lang="en-US" sz="1200" dirty="0">
+                <a:solidFill>
+                  <a:srgbClr val="000000"/>
+                </a:solidFill>
+                <a:highlight>
+                  <a:srgbClr val="FFFFFF"/>
+                </a:highlight>
+                <a:latin typeface="Consolas" panose="020B0609020204030204" pitchFamily="49" charset="0"/>
+              </a:rPr>
+              <a:t>()</a:t>
+            </a:r>
+          </a:p>
+          <a:p>
+            <a:r>
+              <a:rPr lang="en-US" sz="1200" dirty="0">
+                <a:solidFill>
+                  <a:srgbClr val="000000"/>
+                </a:solidFill>
+                <a:highlight>
+                  <a:srgbClr val="FFFFFF"/>
+                </a:highlight>
+                <a:latin typeface="Consolas" panose="020B0609020204030204" pitchFamily="49" charset="0"/>
+              </a:rPr>
+              <a:t>    {</a:t>
+            </a:r>
+          </a:p>
+          <a:p>
+            <a:r>
+              <a:rPr lang="en-US" sz="1200" dirty="0">
+                <a:solidFill>
+                  <a:srgbClr val="000000"/>
+                </a:solidFill>
+                <a:highlight>
+                  <a:srgbClr val="FFFFFF"/>
+                </a:highlight>
+                <a:latin typeface="Consolas" panose="020B0609020204030204" pitchFamily="49" charset="0"/>
+              </a:rPr>
+              <a:t>        </a:t>
+            </a:r>
+            <a:r>
+              <a:rPr lang="en-US" sz="1200" dirty="0" err="1">
+                <a:solidFill>
+                  <a:srgbClr val="00008B"/>
+                </a:solidFill>
+                <a:highlight>
+                  <a:srgbClr val="FFFFFF"/>
+                </a:highlight>
+                <a:latin typeface="Consolas" panose="020B0609020204030204" pitchFamily="49" charset="0"/>
+              </a:rPr>
+              <a:t>FooCollection</a:t>
+            </a:r>
+            <a:r>
+              <a:rPr lang="en-US" sz="1200" dirty="0">
+                <a:solidFill>
+                  <a:srgbClr val="000000"/>
+                </a:solidFill>
+                <a:highlight>
+                  <a:srgbClr val="FFFFFF"/>
+                </a:highlight>
+                <a:latin typeface="Consolas" panose="020B0609020204030204" pitchFamily="49" charset="0"/>
+              </a:rPr>
+              <a:t> </a:t>
+            </a:r>
+            <a:r>
+              <a:rPr lang="en-US" sz="1200" dirty="0" err="1">
+                <a:solidFill>
+                  <a:srgbClr val="000000"/>
+                </a:solidFill>
+                <a:highlight>
+                  <a:srgbClr val="FFFFFF"/>
+                </a:highlight>
+                <a:latin typeface="Consolas" panose="020B0609020204030204" pitchFamily="49" charset="0"/>
+              </a:rPr>
+              <a:t>sut</a:t>
+            </a:r>
+            <a:r>
+              <a:rPr lang="en-US" sz="1200" dirty="0">
+                <a:solidFill>
+                  <a:srgbClr val="000000"/>
+                </a:solidFill>
+                <a:highlight>
+                  <a:srgbClr val="FFFFFF"/>
+                </a:highlight>
+                <a:latin typeface="Consolas" panose="020B0609020204030204" pitchFamily="49" charset="0"/>
+              </a:rPr>
+              <a:t> = </a:t>
+            </a:r>
+            <a:r>
+              <a:rPr lang="en-US" sz="1200" dirty="0">
+                <a:solidFill>
+                  <a:srgbClr val="0000FF"/>
+                </a:solidFill>
+                <a:highlight>
+                  <a:srgbClr val="FFFFFF"/>
+                </a:highlight>
+                <a:latin typeface="Consolas" panose="020B0609020204030204" pitchFamily="49" charset="0"/>
+              </a:rPr>
+              <a:t>new</a:t>
+            </a:r>
+            <a:r>
+              <a:rPr lang="en-US" sz="1200" dirty="0">
+                <a:solidFill>
+                  <a:srgbClr val="000000"/>
+                </a:solidFill>
+                <a:highlight>
+                  <a:srgbClr val="FFFFFF"/>
+                </a:highlight>
+                <a:latin typeface="Consolas" panose="020B0609020204030204" pitchFamily="49" charset="0"/>
+              </a:rPr>
+              <a:t> </a:t>
+            </a:r>
+            <a:r>
+              <a:rPr lang="en-US" sz="1200" dirty="0" err="1">
+                <a:solidFill>
+                  <a:srgbClr val="00008B"/>
+                </a:solidFill>
+                <a:highlight>
+                  <a:srgbClr val="FFFFFF"/>
+                </a:highlight>
+                <a:latin typeface="Consolas" panose="020B0609020204030204" pitchFamily="49" charset="0"/>
+              </a:rPr>
+              <a:t>FooCollection</a:t>
+            </a:r>
+            <a:r>
+              <a:rPr lang="en-US" sz="1200" dirty="0">
+                <a:solidFill>
+                  <a:srgbClr val="000000"/>
+                </a:solidFill>
+                <a:highlight>
+                  <a:srgbClr val="FFFFFF"/>
+                </a:highlight>
+                <a:latin typeface="Consolas" panose="020B0609020204030204" pitchFamily="49" charset="0"/>
+              </a:rPr>
+              <a:t>();</a:t>
+            </a:r>
+          </a:p>
+          <a:p>
+            <a:r>
+              <a:rPr lang="en-US" sz="1200" dirty="0">
+                <a:solidFill>
+                  <a:srgbClr val="000000"/>
+                </a:solidFill>
+                <a:highlight>
+                  <a:srgbClr val="FFFFFF"/>
+                </a:highlight>
+                <a:latin typeface="Consolas" panose="020B0609020204030204" pitchFamily="49" charset="0"/>
+              </a:rPr>
+              <a:t>        </a:t>
+            </a:r>
+            <a:r>
+              <a:rPr lang="en-US" sz="1200" dirty="0" err="1">
+                <a:solidFill>
+                  <a:srgbClr val="000000"/>
+                </a:solidFill>
+                <a:highlight>
+                  <a:srgbClr val="FFFFFF"/>
+                </a:highlight>
+                <a:latin typeface="Consolas" panose="020B0609020204030204" pitchFamily="49" charset="0"/>
+              </a:rPr>
+              <a:t>sut.</a:t>
+            </a:r>
+            <a:r>
+              <a:rPr lang="en-US" sz="1200" dirty="0" err="1">
+                <a:solidFill>
+                  <a:srgbClr val="008B8B"/>
+                </a:solidFill>
+                <a:highlight>
+                  <a:srgbClr val="FFFFFF"/>
+                </a:highlight>
+                <a:latin typeface="Consolas" panose="020B0609020204030204" pitchFamily="49" charset="0"/>
+              </a:rPr>
+              <a:t>Add</a:t>
+            </a:r>
+            <a:r>
+              <a:rPr lang="en-US" sz="1200" dirty="0">
+                <a:solidFill>
+                  <a:srgbClr val="000000"/>
+                </a:solidFill>
+                <a:highlight>
+                  <a:srgbClr val="FFFFFF"/>
+                </a:highlight>
+                <a:latin typeface="Consolas" panose="020B0609020204030204" pitchFamily="49" charset="0"/>
+              </a:rPr>
+              <a:t>(</a:t>
+            </a:r>
+            <a:r>
+              <a:rPr lang="en-US" sz="1200" dirty="0">
+                <a:solidFill>
+                  <a:srgbClr val="0000FF"/>
+                </a:solidFill>
+                <a:highlight>
+                  <a:srgbClr val="FFFFFF"/>
+                </a:highlight>
+                <a:latin typeface="Consolas" panose="020B0609020204030204" pitchFamily="49" charset="0"/>
+              </a:rPr>
+              <a:t>new</a:t>
+            </a:r>
+            <a:r>
+              <a:rPr lang="en-US" sz="1200" dirty="0">
+                <a:solidFill>
+                  <a:srgbClr val="000000"/>
+                </a:solidFill>
+                <a:highlight>
+                  <a:srgbClr val="FFFFFF"/>
+                </a:highlight>
+                <a:latin typeface="Consolas" panose="020B0609020204030204" pitchFamily="49" charset="0"/>
+              </a:rPr>
+              <a:t> </a:t>
+            </a:r>
+            <a:r>
+              <a:rPr lang="en-US" sz="1200" dirty="0" err="1">
+                <a:solidFill>
+                  <a:srgbClr val="00008B"/>
+                </a:solidFill>
+                <a:highlight>
+                  <a:srgbClr val="FFFFFF"/>
+                </a:highlight>
+                <a:latin typeface="Consolas" panose="020B0609020204030204" pitchFamily="49" charset="0"/>
+              </a:rPr>
+              <a:t>FooDummy</a:t>
+            </a:r>
+            <a:r>
+              <a:rPr lang="en-US" sz="1200" dirty="0">
+                <a:solidFill>
+                  <a:srgbClr val="000000"/>
+                </a:solidFill>
+                <a:highlight>
+                  <a:srgbClr val="FFFFFF"/>
+                </a:highlight>
+                <a:latin typeface="Consolas" panose="020B0609020204030204" pitchFamily="49" charset="0"/>
+              </a:rPr>
+              <a:t>());</a:t>
+            </a:r>
+          </a:p>
+          <a:p>
+            <a:r>
+              <a:rPr lang="en-US" sz="1200" dirty="0">
+                <a:solidFill>
+                  <a:srgbClr val="000000"/>
+                </a:solidFill>
+                <a:highlight>
+                  <a:srgbClr val="FFFFFF"/>
+                </a:highlight>
+                <a:latin typeface="Consolas" panose="020B0609020204030204" pitchFamily="49" charset="0"/>
+              </a:rPr>
+              <a:t>        </a:t>
+            </a:r>
+            <a:r>
+              <a:rPr lang="en-US" sz="1200" dirty="0" err="1">
+                <a:solidFill>
+                  <a:srgbClr val="000000"/>
+                </a:solidFill>
+                <a:highlight>
+                  <a:srgbClr val="FFFFFF"/>
+                </a:highlight>
+                <a:latin typeface="Consolas" panose="020B0609020204030204" pitchFamily="49" charset="0"/>
+              </a:rPr>
+              <a:t>sut.</a:t>
+            </a:r>
+            <a:r>
+              <a:rPr lang="en-US" sz="1200" dirty="0" err="1">
+                <a:solidFill>
+                  <a:srgbClr val="008B8B"/>
+                </a:solidFill>
+                <a:highlight>
+                  <a:srgbClr val="FFFFFF"/>
+                </a:highlight>
+                <a:latin typeface="Consolas" panose="020B0609020204030204" pitchFamily="49" charset="0"/>
+              </a:rPr>
+              <a:t>Add</a:t>
+            </a:r>
+            <a:r>
+              <a:rPr lang="en-US" sz="1200" dirty="0">
+                <a:solidFill>
+                  <a:srgbClr val="000000"/>
+                </a:solidFill>
+                <a:highlight>
+                  <a:srgbClr val="FFFFFF"/>
+                </a:highlight>
+                <a:latin typeface="Consolas" panose="020B0609020204030204" pitchFamily="49" charset="0"/>
+              </a:rPr>
+              <a:t>(</a:t>
+            </a:r>
+            <a:r>
+              <a:rPr lang="en-US" sz="1200" dirty="0">
+                <a:solidFill>
+                  <a:srgbClr val="0000FF"/>
+                </a:solidFill>
+                <a:highlight>
+                  <a:srgbClr val="FFFFFF"/>
+                </a:highlight>
+                <a:latin typeface="Consolas" panose="020B0609020204030204" pitchFamily="49" charset="0"/>
+              </a:rPr>
+              <a:t>new</a:t>
+            </a:r>
+            <a:r>
+              <a:rPr lang="en-US" sz="1200" dirty="0">
+                <a:solidFill>
+                  <a:srgbClr val="000000"/>
+                </a:solidFill>
+                <a:highlight>
+                  <a:srgbClr val="FFFFFF"/>
+                </a:highlight>
+                <a:latin typeface="Consolas" panose="020B0609020204030204" pitchFamily="49" charset="0"/>
+              </a:rPr>
+              <a:t> </a:t>
+            </a:r>
+            <a:r>
+              <a:rPr lang="en-US" sz="1200" dirty="0" err="1">
+                <a:solidFill>
+                  <a:srgbClr val="00008B"/>
+                </a:solidFill>
+                <a:highlight>
+                  <a:srgbClr val="FFFFFF"/>
+                </a:highlight>
+                <a:latin typeface="Consolas" panose="020B0609020204030204" pitchFamily="49" charset="0"/>
+              </a:rPr>
+              <a:t>FooDummy</a:t>
+            </a:r>
+            <a:r>
+              <a:rPr lang="en-US" sz="1200" dirty="0">
+                <a:solidFill>
+                  <a:srgbClr val="000000"/>
+                </a:solidFill>
+                <a:highlight>
+                  <a:srgbClr val="FFFFFF"/>
+                </a:highlight>
+                <a:latin typeface="Consolas" panose="020B0609020204030204" pitchFamily="49" charset="0"/>
+              </a:rPr>
+              <a:t>());</a:t>
+            </a:r>
+          </a:p>
+          <a:p>
+            <a:r>
+              <a:rPr lang="en-US" sz="1200" dirty="0">
+                <a:solidFill>
+                  <a:srgbClr val="000000"/>
+                </a:solidFill>
+                <a:highlight>
+                  <a:srgbClr val="FFFFFF"/>
+                </a:highlight>
+                <a:latin typeface="Consolas" panose="020B0609020204030204" pitchFamily="49" charset="0"/>
+              </a:rPr>
+              <a:t>        </a:t>
+            </a:r>
+            <a:r>
+              <a:rPr lang="en-US" sz="1200" dirty="0" err="1">
+                <a:solidFill>
+                  <a:srgbClr val="00008B"/>
+                </a:solidFill>
+                <a:highlight>
+                  <a:srgbClr val="FFFFFF"/>
+                </a:highlight>
+                <a:latin typeface="Consolas" panose="020B0609020204030204" pitchFamily="49" charset="0"/>
+              </a:rPr>
+              <a:t>Assert</a:t>
+            </a:r>
+            <a:r>
+              <a:rPr lang="en-US" sz="1200" dirty="0" err="1">
+                <a:solidFill>
+                  <a:srgbClr val="000000"/>
+                </a:solidFill>
+                <a:highlight>
+                  <a:srgbClr val="FFFFFF"/>
+                </a:highlight>
+                <a:latin typeface="Consolas" panose="020B0609020204030204" pitchFamily="49" charset="0"/>
+              </a:rPr>
+              <a:t>.</a:t>
+            </a:r>
+            <a:r>
+              <a:rPr lang="en-US" sz="1200" dirty="0" err="1">
+                <a:solidFill>
+                  <a:srgbClr val="008B8B"/>
+                </a:solidFill>
+                <a:highlight>
+                  <a:srgbClr val="FFFFFF"/>
+                </a:highlight>
+                <a:latin typeface="Consolas" panose="020B0609020204030204" pitchFamily="49" charset="0"/>
+              </a:rPr>
+              <a:t>AreEqual</a:t>
+            </a:r>
+            <a:r>
+              <a:rPr lang="en-US" sz="1200" dirty="0">
+                <a:solidFill>
+                  <a:srgbClr val="000000"/>
+                </a:solidFill>
+                <a:highlight>
+                  <a:srgbClr val="FFFFFF"/>
+                </a:highlight>
+                <a:latin typeface="Consolas" panose="020B0609020204030204" pitchFamily="49" charset="0"/>
+              </a:rPr>
+              <a:t>(2, </a:t>
+            </a:r>
+            <a:r>
+              <a:rPr lang="en-US" sz="1200" dirty="0" err="1">
+                <a:solidFill>
+                  <a:srgbClr val="000000"/>
+                </a:solidFill>
+                <a:highlight>
+                  <a:srgbClr val="FFFFFF"/>
+                </a:highlight>
+                <a:latin typeface="Consolas" panose="020B0609020204030204" pitchFamily="49" charset="0"/>
+              </a:rPr>
+              <a:t>sut.</a:t>
+            </a:r>
+            <a:r>
+              <a:rPr lang="en-US" sz="1200" dirty="0" err="1">
+                <a:solidFill>
+                  <a:srgbClr val="008B8B"/>
+                </a:solidFill>
+                <a:highlight>
+                  <a:srgbClr val="FFFFFF"/>
+                </a:highlight>
+                <a:latin typeface="Consolas" panose="020B0609020204030204" pitchFamily="49" charset="0"/>
+              </a:rPr>
+              <a:t>Count</a:t>
+            </a:r>
+            <a:r>
+              <a:rPr lang="en-US" sz="1200" dirty="0">
+                <a:solidFill>
+                  <a:srgbClr val="000000"/>
+                </a:solidFill>
+                <a:highlight>
+                  <a:srgbClr val="FFFFFF"/>
+                </a:highlight>
+                <a:latin typeface="Consolas" panose="020B0609020204030204" pitchFamily="49" charset="0"/>
+              </a:rPr>
+              <a:t>());</a:t>
+            </a:r>
+          </a:p>
+          <a:p>
+            <a:r>
+              <a:rPr lang="en-US" sz="1200" dirty="0">
+                <a:solidFill>
+                  <a:srgbClr val="000000"/>
+                </a:solidFill>
+                <a:highlight>
+                  <a:srgbClr val="FFFFFF"/>
+                </a:highlight>
+                <a:latin typeface="Consolas" panose="020B0609020204030204" pitchFamily="49" charset="0"/>
+              </a:rPr>
+              <a:t>    }</a:t>
+            </a:r>
+          </a:p>
+          <a:p>
+            <a:r>
+              <a:rPr lang="en-US" sz="1200" dirty="0">
+                <a:solidFill>
+                  <a:srgbClr val="000000"/>
+                </a:solidFill>
+                <a:highlight>
+                  <a:srgbClr val="FFFFFF"/>
+                </a:highlight>
+                <a:latin typeface="Consolas" panose="020B0609020204030204" pitchFamily="49" charset="0"/>
+              </a:rPr>
+              <a:t>}</a:t>
+            </a:r>
+            <a:endParaRPr lang="en-ZA" sz="1200" dirty="0"/>
+          </a:p>
+        </p:txBody>
+      </p:sp>
+    </p:spTree>
+    <p:extLst>
+      <p:ext uri="{BB962C8B-B14F-4D97-AF65-F5344CB8AC3E}">
+        <p14:creationId xmlns:p14="http://schemas.microsoft.com/office/powerpoint/2010/main" val="4091158794"/>
       </p:ext>
     </p:extLst>
   </p:cSld>

--- a/CodeDojo-UnitTesting.pptx
+++ b/CodeDojo-UnitTesting.pptx
@@ -5,10 +5,10 @@
     <p:sldMasterId id="2147483648" r:id="rId1"/>
   </p:sldMasterIdLst>
   <p:notesMasterIdLst>
-    <p:notesMasterId r:id="rId18"/>
+    <p:notesMasterId r:id="rId20"/>
   </p:notesMasterIdLst>
   <p:handoutMasterIdLst>
-    <p:handoutMasterId r:id="rId19"/>
+    <p:handoutMasterId r:id="rId21"/>
   </p:handoutMasterIdLst>
   <p:sldIdLst>
     <p:sldId id="409" r:id="rId2"/>
@@ -19,14 +19,16 @@
     <p:sldId id="414" r:id="rId7"/>
     <p:sldId id="413" r:id="rId8"/>
     <p:sldId id="419" r:id="rId9"/>
-    <p:sldId id="420" r:id="rId10"/>
-    <p:sldId id="421" r:id="rId11"/>
-    <p:sldId id="422" r:id="rId12"/>
-    <p:sldId id="423" r:id="rId13"/>
-    <p:sldId id="416" r:id="rId14"/>
-    <p:sldId id="418" r:id="rId15"/>
-    <p:sldId id="415" r:id="rId16"/>
-    <p:sldId id="411" r:id="rId17"/>
+    <p:sldId id="424" r:id="rId10"/>
+    <p:sldId id="420" r:id="rId11"/>
+    <p:sldId id="421" r:id="rId12"/>
+    <p:sldId id="422" r:id="rId13"/>
+    <p:sldId id="423" r:id="rId14"/>
+    <p:sldId id="425" r:id="rId15"/>
+    <p:sldId id="416" r:id="rId16"/>
+    <p:sldId id="418" r:id="rId17"/>
+    <p:sldId id="415" r:id="rId18"/>
+    <p:sldId id="411" r:id="rId19"/>
   </p:sldIdLst>
   <p:sldSz cx="9144000" cy="5715000" type="screen16x10"/>
   <p:notesSz cx="6858000" cy="9144000"/>
@@ -828,7 +830,7 @@
             <a:fld id="{AABF9108-921F-4578-B50F-196EC54E7AE6}" type="slidenum">
               <a:rPr lang="en-ZA" smtClean="0"/>
               <a:pPr/>
-              <a:t>16</a:t>
+              <a:t>18</a:t>
             </a:fld>
             <a:endParaRPr lang="en-ZA"/>
           </a:p>
@@ -1168,7 +1170,7 @@
             <a:fld id="{AABF9108-921F-4578-B50F-196EC54E7AE6}" type="slidenum">
               <a:rPr lang="en-ZA" smtClean="0"/>
               <a:pPr/>
-              <a:t>9</a:t>
+              <a:t>10</a:t>
             </a:fld>
             <a:endParaRPr lang="en-ZA"/>
           </a:p>
@@ -1253,7 +1255,7 @@
             <a:fld id="{AABF9108-921F-4578-B50F-196EC54E7AE6}" type="slidenum">
               <a:rPr lang="en-ZA" smtClean="0"/>
               <a:pPr/>
-              <a:t>10</a:t>
+              <a:t>11</a:t>
             </a:fld>
             <a:endParaRPr lang="en-ZA"/>
           </a:p>
@@ -1338,7 +1340,7 @@
             <a:fld id="{AABF9108-921F-4578-B50F-196EC54E7AE6}" type="slidenum">
               <a:rPr lang="en-ZA" smtClean="0"/>
               <a:pPr/>
-              <a:t>11</a:t>
+              <a:t>12</a:t>
             </a:fld>
             <a:endParaRPr lang="en-ZA"/>
           </a:p>
@@ -1457,7 +1459,7 @@
             <a:fld id="{AABF9108-921F-4578-B50F-196EC54E7AE6}" type="slidenum">
               <a:rPr lang="en-ZA" smtClean="0"/>
               <a:pPr/>
-              <a:t>12</a:t>
+              <a:t>13</a:t>
             </a:fld>
             <a:endParaRPr lang="en-ZA"/>
           </a:p>
@@ -1542,7 +1544,7 @@
             <a:fld id="{AABF9108-921F-4578-B50F-196EC54E7AE6}" type="slidenum">
               <a:rPr lang="en-ZA" smtClean="0"/>
               <a:pPr/>
-              <a:t>15</a:t>
+              <a:t>17</a:t>
             </a:fld>
             <a:endParaRPr lang="en-ZA"/>
           </a:p>
@@ -5224,10 +5226,9 @@
           <a:lstStyle/>
           <a:p>
             <a:r>
-              <a:rPr lang="en-ZA" dirty="0" smtClean="0"/>
-              <a:t>Stubs</a:t>
-            </a:r>
-            <a:endParaRPr lang="en-ZA" dirty="0"/>
+              <a:rPr lang="en-ZA" dirty="0"/>
+              <a:t>Dummies</a:t>
+            </a:r>
           </a:p>
         </p:txBody>
       </p:sp>
@@ -5250,22 +5251,24 @@
           <a:p>
             <a:r>
               <a:rPr lang="en-ZA" dirty="0" smtClean="0"/>
-              <a:t>Implementation of interface, but with canned responses</a:t>
-            </a:r>
+              <a:t>Objects passed around but never actually used (used to fill parameter lists), “empty” implementation</a:t>
+            </a:r>
+          </a:p>
+          <a:p>
             <a:endParaRPr lang="en-ZA" dirty="0"/>
           </a:p>
         </p:txBody>
       </p:sp>
       <p:sp>
         <p:nvSpPr>
-          <p:cNvPr id="6" name="Rectangle 5"/>
+          <p:cNvPr id="10" name="Rectangle 9"/>
           <p:cNvSpPr/>
           <p:nvPr/>
         </p:nvSpPr>
         <p:spPr>
           <a:xfrm>
-            <a:off x="2123728" y="1417340"/>
-            <a:ext cx="4572000" cy="3600986"/>
+            <a:off x="2123728" y="1921396"/>
+            <a:ext cx="4572000" cy="3046988"/>
           </a:xfrm>
           <a:prstGeom prst="rect">
             <a:avLst/>
@@ -5281,7 +5284,7 @@
           <a:lstStyle/>
           <a:p>
             <a:r>
-              <a:rPr lang="en-US" sz="1200" dirty="0">
+              <a:rPr lang="en-US" sz="1200" dirty="0" smtClean="0">
                 <a:solidFill>
                   <a:srgbClr val="0000FF"/>
                 </a:solidFill>
@@ -5290,10 +5293,10 @@
                 </a:highlight>
                 <a:latin typeface="Consolas" panose="020B0609020204030204" pitchFamily="49" charset="0"/>
               </a:rPr>
-              <a:t>class</a:t>
-            </a:r>
-            <a:r>
-              <a:rPr lang="en-US" sz="1200" dirty="0">
+              <a:t>public class</a:t>
+            </a:r>
+            <a:r>
+              <a:rPr lang="en-US" sz="1200" dirty="0" smtClean="0">
                 <a:solidFill>
                   <a:srgbClr val="000000"/>
                 </a:solidFill>
@@ -5314,7 +5317,7 @@
                 </a:highlight>
                 <a:latin typeface="Consolas" panose="020B0609020204030204" pitchFamily="49" charset="0"/>
               </a:rPr>
-              <a:t>FooStub</a:t>
+              <a:t>FooDummy</a:t>
             </a:r>
             <a:r>
               <a:rPr lang="en-US" sz="1200" dirty="0">
@@ -5435,47 +5438,19 @@
                 </a:highlight>
                 <a:latin typeface="Consolas" panose="020B0609020204030204" pitchFamily="49" charset="0"/>
               </a:rPr>
-              <a:t>Bar</a:t>
-            </a:r>
-            <a:r>
-              <a:rPr lang="en-US" sz="1200" dirty="0">
-                <a:solidFill>
-                  <a:srgbClr val="000000"/>
-                </a:solidFill>
-                <a:highlight>
-                  <a:srgbClr val="FFFFFF"/>
-                </a:highlight>
-                <a:latin typeface="Consolas" panose="020B0609020204030204" pitchFamily="49" charset="0"/>
-              </a:rPr>
-              <a:t>()</a:t>
-            </a:r>
-          </a:p>
-          <a:p>
-            <a:r>
-              <a:rPr lang="en-US" sz="1200" dirty="0">
-                <a:solidFill>
-                  <a:srgbClr val="000000"/>
-                </a:solidFill>
-                <a:highlight>
-                  <a:srgbClr val="FFFFFF"/>
-                </a:highlight>
-                <a:latin typeface="Consolas" panose="020B0609020204030204" pitchFamily="49" charset="0"/>
-              </a:rPr>
-              <a:t>    {</a:t>
-            </a:r>
-          </a:p>
-          <a:p>
-            <a:r>
-              <a:rPr lang="en-US" sz="1200" dirty="0">
-                <a:solidFill>
-                  <a:srgbClr val="000000"/>
-                </a:solidFill>
-                <a:highlight>
-                  <a:srgbClr val="FFFFFF"/>
-                </a:highlight>
-                <a:latin typeface="Consolas" panose="020B0609020204030204" pitchFamily="49" charset="0"/>
-              </a:rPr>
-              <a:t>        </a:t>
+              <a:t>bar</a:t>
+            </a:r>
+            <a:r>
+              <a:rPr lang="en-US" sz="1200" dirty="0">
+                <a:solidFill>
+                  <a:srgbClr val="000000"/>
+                </a:solidFill>
+                <a:highlight>
+                  <a:srgbClr val="FFFFFF"/>
+                </a:highlight>
+                <a:latin typeface="Consolas" panose="020B0609020204030204" pitchFamily="49" charset="0"/>
+              </a:rPr>
+              <a:t>() { </a:t>
             </a:r>
             <a:r>
               <a:rPr lang="en-US" sz="1200" dirty="0">
@@ -5504,64 +5479,26 @@
             <a:r>
               <a:rPr lang="en-US" sz="1200" dirty="0">
                 <a:solidFill>
-                  <a:srgbClr val="A31515"/>
-                </a:solidFill>
-                <a:highlight>
-                  <a:srgbClr val="FFFFFF"/>
-                </a:highlight>
-                <a:latin typeface="Consolas" panose="020B0609020204030204" pitchFamily="49" charset="0"/>
-              </a:rPr>
-              <a:t>"</a:t>
-            </a:r>
-            <a:r>
-              <a:rPr lang="en-US" sz="1200" dirty="0" err="1">
-                <a:solidFill>
-                  <a:srgbClr val="A31515"/>
-                </a:solidFill>
-                <a:highlight>
-                  <a:srgbClr val="FFFFFF"/>
-                </a:highlight>
-                <a:latin typeface="Consolas" panose="020B0609020204030204" pitchFamily="49" charset="0"/>
-              </a:rPr>
-              <a:t>baz</a:t>
-            </a:r>
-            <a:r>
-              <a:rPr lang="en-US" sz="1200" dirty="0">
-                <a:solidFill>
-                  <a:srgbClr val="A31515"/>
-                </a:solidFill>
-                <a:highlight>
-                  <a:srgbClr val="FFFFFF"/>
-                </a:highlight>
-                <a:latin typeface="Consolas" panose="020B0609020204030204" pitchFamily="49" charset="0"/>
-              </a:rPr>
-              <a:t>"</a:t>
-            </a:r>
-            <a:r>
-              <a:rPr lang="en-US" sz="1200" dirty="0">
-                <a:solidFill>
-                  <a:srgbClr val="000000"/>
-                </a:solidFill>
-                <a:highlight>
-                  <a:srgbClr val="FFFFFF"/>
-                </a:highlight>
-                <a:latin typeface="Consolas" panose="020B0609020204030204" pitchFamily="49" charset="0"/>
-              </a:rPr>
-              <a:t>;</a:t>
-            </a:r>
-          </a:p>
-          <a:p>
-            <a:r>
-              <a:rPr lang="en-US" sz="1200" dirty="0">
-                <a:solidFill>
-                  <a:srgbClr val="000000"/>
-                </a:solidFill>
-                <a:highlight>
-                  <a:srgbClr val="FFFFFF"/>
-                </a:highlight>
-                <a:latin typeface="Consolas" panose="020B0609020204030204" pitchFamily="49" charset="0"/>
-              </a:rPr>
-              <a:t>    }</a:t>
+                  <a:srgbClr val="0000FF"/>
+                </a:solidFill>
+                <a:highlight>
+                  <a:srgbClr val="FFFFFF"/>
+                </a:highlight>
+                <a:latin typeface="Consolas" panose="020B0609020204030204" pitchFamily="49" charset="0"/>
+              </a:rPr>
+              <a:t>null</a:t>
+            </a:r>
+            <a:r>
+              <a:rPr lang="en-US" sz="1200" dirty="0">
+                <a:solidFill>
+                  <a:srgbClr val="000000"/>
+                </a:solidFill>
+                <a:highlight>
+                  <a:srgbClr val="FFFFFF"/>
+                </a:highlight>
+                <a:latin typeface="Consolas" panose="020B0609020204030204" pitchFamily="49" charset="0"/>
+              </a:rPr>
+              <a:t>; }</a:t>
             </a:r>
           </a:p>
           <a:p>
@@ -5783,7 +5720,7 @@
                 </a:highlight>
                 <a:latin typeface="Consolas" panose="020B0609020204030204" pitchFamily="49" charset="0"/>
               </a:rPr>
-              <a:t>it_should_return_joined_bars</a:t>
+              <a:t>it_should_maintain_a_count</a:t>
             </a:r>
             <a:r>
               <a:rPr lang="en-US" sz="1200" dirty="0">
@@ -6005,7 +5942,7 @@
                 </a:highlight>
                 <a:latin typeface="Consolas" panose="020B0609020204030204" pitchFamily="49" charset="0"/>
               </a:rPr>
-              <a:t>FooStub</a:t>
+              <a:t>FooDummy</a:t>
             </a:r>
             <a:r>
               <a:rPr lang="en-US" sz="1200" dirty="0">
@@ -6103,7 +6040,7 @@
                 </a:highlight>
                 <a:latin typeface="Consolas" panose="020B0609020204030204" pitchFamily="49" charset="0"/>
               </a:rPr>
-              <a:t>FooStub</a:t>
+              <a:t>FooDummy</a:t>
             </a:r>
             <a:r>
               <a:rPr lang="en-US" sz="1200" dirty="0">
@@ -6177,71 +6114,23 @@
                 </a:highlight>
                 <a:latin typeface="Consolas" panose="020B0609020204030204" pitchFamily="49" charset="0"/>
               </a:rPr>
-              <a:t>(</a:t>
-            </a:r>
-            <a:r>
-              <a:rPr lang="en-US" sz="1200" dirty="0">
-                <a:solidFill>
-                  <a:srgbClr val="A31515"/>
-                </a:solidFill>
-                <a:highlight>
-                  <a:srgbClr val="FFFFFF"/>
-                </a:highlight>
-                <a:latin typeface="Consolas" panose="020B0609020204030204" pitchFamily="49" charset="0"/>
-              </a:rPr>
-              <a:t>"</a:t>
+              <a:t>(2, </a:t>
             </a:r>
             <a:r>
               <a:rPr lang="en-US" sz="1200" dirty="0" err="1">
                 <a:solidFill>
-                  <a:srgbClr val="A31515"/>
-                </a:solidFill>
-                <a:highlight>
-                  <a:srgbClr val="FFFFFF"/>
-                </a:highlight>
-                <a:latin typeface="Consolas" panose="020B0609020204030204" pitchFamily="49" charset="0"/>
-              </a:rPr>
-              <a:t>bazbaz</a:t>
-            </a:r>
-            <a:r>
-              <a:rPr lang="en-US" sz="1200" dirty="0">
-                <a:solidFill>
-                  <a:srgbClr val="A31515"/>
-                </a:solidFill>
-                <a:highlight>
-                  <a:srgbClr val="FFFFFF"/>
-                </a:highlight>
-                <a:latin typeface="Consolas" panose="020B0609020204030204" pitchFamily="49" charset="0"/>
-              </a:rPr>
-              <a:t>"</a:t>
-            </a:r>
-            <a:r>
-              <a:rPr lang="en-US" sz="1200" dirty="0">
-                <a:solidFill>
-                  <a:srgbClr val="000000"/>
-                </a:solidFill>
-                <a:highlight>
-                  <a:srgbClr val="FFFFFF"/>
-                </a:highlight>
-                <a:latin typeface="Consolas" panose="020B0609020204030204" pitchFamily="49" charset="0"/>
-              </a:rPr>
-              <a:t>, </a:t>
+                  <a:srgbClr val="000000"/>
+                </a:solidFill>
+                <a:highlight>
+                  <a:srgbClr val="FFFFFF"/>
+                </a:highlight>
+                <a:latin typeface="Consolas" panose="020B0609020204030204" pitchFamily="49" charset="0"/>
+              </a:rPr>
+              <a:t>sut.</a:t>
             </a:r>
             <a:r>
               <a:rPr lang="en-US" sz="1200" dirty="0" err="1">
                 <a:solidFill>
-                  <a:srgbClr val="000000"/>
-                </a:solidFill>
-                <a:highlight>
-                  <a:srgbClr val="FFFFFF"/>
-                </a:highlight>
-                <a:latin typeface="Consolas" panose="020B0609020204030204" pitchFamily="49" charset="0"/>
-              </a:rPr>
-              <a:t>sut.</a:t>
-            </a:r>
-            <a:r>
-              <a:rPr lang="en-US" sz="1200" dirty="0" err="1">
-                <a:solidFill>
                   <a:srgbClr val="008B8B"/>
                 </a:solidFill>
                 <a:highlight>
@@ -6249,7 +6138,7 @@
                 </a:highlight>
                 <a:latin typeface="Consolas" panose="020B0609020204030204" pitchFamily="49" charset="0"/>
               </a:rPr>
-              <a:t>Joined</a:t>
+              <a:t>Count</a:t>
             </a:r>
             <a:r>
               <a:rPr lang="en-US" sz="1200" dirty="0">
@@ -6298,7 +6187,7 @@
     </p:spTree>
     <p:extLst>
       <p:ext uri="{BB962C8B-B14F-4D97-AF65-F5344CB8AC3E}">
-        <p14:creationId xmlns:p14="http://schemas.microsoft.com/office/powerpoint/2010/main" val="530558504"/>
+        <p14:creationId xmlns:p14="http://schemas.microsoft.com/office/powerpoint/2010/main" val="4091158794"/>
       </p:ext>
     </p:extLst>
   </p:cSld>
@@ -6356,6 +6245,1137 @@
           <a:p>
             <a:r>
               <a:rPr lang="en-ZA" dirty="0" smtClean="0"/>
+              <a:t>Stubs</a:t>
+            </a:r>
+            <a:endParaRPr lang="en-ZA" dirty="0"/>
+          </a:p>
+        </p:txBody>
+      </p:sp>
+      <p:sp>
+        <p:nvSpPr>
+          <p:cNvPr id="3" name="Content Placeholder 2"/>
+          <p:cNvSpPr>
+            <a:spLocks noGrp="1"/>
+          </p:cNvSpPr>
+          <p:nvPr>
+            <p:ph idx="1"/>
+          </p:nvPr>
+        </p:nvSpPr>
+        <p:spPr/>
+        <p:txBody>
+          <a:bodyPr>
+            <a:normAutofit/>
+          </a:bodyPr>
+          <a:lstStyle/>
+          <a:p>
+            <a:r>
+              <a:rPr lang="en-ZA" dirty="0" smtClean="0"/>
+              <a:t>Implementation of interface, but with canned responses</a:t>
+            </a:r>
+            <a:endParaRPr lang="en-ZA" dirty="0"/>
+          </a:p>
+        </p:txBody>
+      </p:sp>
+      <p:sp>
+        <p:nvSpPr>
+          <p:cNvPr id="6" name="Rectangle 5"/>
+          <p:cNvSpPr/>
+          <p:nvPr/>
+        </p:nvSpPr>
+        <p:spPr>
+          <a:xfrm>
+            <a:off x="2123728" y="1417340"/>
+            <a:ext cx="4572000" cy="3600986"/>
+          </a:xfrm>
+          <a:prstGeom prst="rect">
+            <a:avLst/>
+          </a:prstGeom>
+          <a:solidFill>
+            <a:schemeClr val="bg1"/>
+          </a:solidFill>
+        </p:spPr>
+        <p:txBody>
+          <a:bodyPr>
+            <a:spAutoFit/>
+          </a:bodyPr>
+          <a:lstStyle/>
+          <a:p>
+            <a:r>
+              <a:rPr lang="en-US" sz="1200" dirty="0">
+                <a:solidFill>
+                  <a:srgbClr val="0000FF"/>
+                </a:solidFill>
+                <a:highlight>
+                  <a:srgbClr val="FFFFFF"/>
+                </a:highlight>
+                <a:latin typeface="Consolas" panose="020B0609020204030204" pitchFamily="49" charset="0"/>
+              </a:rPr>
+              <a:t>class</a:t>
+            </a:r>
+            <a:r>
+              <a:rPr lang="en-US" sz="1200" dirty="0">
+                <a:solidFill>
+                  <a:srgbClr val="000000"/>
+                </a:solidFill>
+                <a:highlight>
+                  <a:srgbClr val="FFFFFF"/>
+                </a:highlight>
+                <a:latin typeface="Consolas" panose="020B0609020204030204" pitchFamily="49" charset="0"/>
+              </a:rPr>
+              <a:t> </a:t>
+            </a:r>
+            <a:r>
+              <a:rPr lang="en-US" sz="1200" dirty="0" err="1">
+                <a:solidFill>
+                  <a:srgbClr val="00008B"/>
+                </a:solidFill>
+                <a:highlight>
+                  <a:srgbClr val="FFFFFF"/>
+                </a:highlight>
+                <a:latin typeface="Consolas" panose="020B0609020204030204" pitchFamily="49" charset="0"/>
+              </a:rPr>
+              <a:t>FooStub</a:t>
+            </a:r>
+            <a:r>
+              <a:rPr lang="en-US" sz="1200" dirty="0">
+                <a:solidFill>
+                  <a:srgbClr val="000000"/>
+                </a:solidFill>
+                <a:highlight>
+                  <a:srgbClr val="FFFFFF"/>
+                </a:highlight>
+                <a:latin typeface="Consolas" panose="020B0609020204030204" pitchFamily="49" charset="0"/>
+              </a:rPr>
+              <a:t> : </a:t>
+            </a:r>
+            <a:r>
+              <a:rPr lang="en-US" sz="1200" dirty="0">
+                <a:solidFill>
+                  <a:srgbClr val="00008B"/>
+                </a:solidFill>
+                <a:highlight>
+                  <a:srgbClr val="FFFFFF"/>
+                </a:highlight>
+                <a:latin typeface="Consolas" panose="020B0609020204030204" pitchFamily="49" charset="0"/>
+              </a:rPr>
+              <a:t>Foo</a:t>
+            </a:r>
+            <a:endParaRPr lang="en-US" sz="1200" dirty="0">
+              <a:solidFill>
+                <a:srgbClr val="000000"/>
+              </a:solidFill>
+              <a:highlight>
+                <a:srgbClr val="FFFFFF"/>
+              </a:highlight>
+              <a:latin typeface="Consolas" panose="020B0609020204030204" pitchFamily="49" charset="0"/>
+            </a:endParaRPr>
+          </a:p>
+          <a:p>
+            <a:r>
+              <a:rPr lang="en-US" sz="1200" dirty="0">
+                <a:solidFill>
+                  <a:srgbClr val="000000"/>
+                </a:solidFill>
+                <a:highlight>
+                  <a:srgbClr val="FFFFFF"/>
+                </a:highlight>
+                <a:latin typeface="Consolas" panose="020B0609020204030204" pitchFamily="49" charset="0"/>
+              </a:rPr>
+              <a:t>{</a:t>
+            </a:r>
+          </a:p>
+          <a:p>
+            <a:r>
+              <a:rPr lang="en-US" sz="1200" dirty="0">
+                <a:solidFill>
+                  <a:srgbClr val="000000"/>
+                </a:solidFill>
+                <a:highlight>
+                  <a:srgbClr val="FFFFFF"/>
+                </a:highlight>
+                <a:latin typeface="Consolas" panose="020B0609020204030204" pitchFamily="49" charset="0"/>
+              </a:rPr>
+              <a:t>    </a:t>
+            </a:r>
+            <a:r>
+              <a:rPr lang="en-US" sz="1200" dirty="0">
+                <a:solidFill>
+                  <a:srgbClr val="0000FF"/>
+                </a:solidFill>
+                <a:highlight>
+                  <a:srgbClr val="FFFFFF"/>
+                </a:highlight>
+                <a:latin typeface="Consolas" panose="020B0609020204030204" pitchFamily="49" charset="0"/>
+              </a:rPr>
+              <a:t>public</a:t>
+            </a:r>
+            <a:r>
+              <a:rPr lang="en-US" sz="1200" dirty="0">
+                <a:solidFill>
+                  <a:srgbClr val="000000"/>
+                </a:solidFill>
+                <a:highlight>
+                  <a:srgbClr val="FFFFFF"/>
+                </a:highlight>
+                <a:latin typeface="Consolas" panose="020B0609020204030204" pitchFamily="49" charset="0"/>
+              </a:rPr>
+              <a:t> </a:t>
+            </a:r>
+            <a:r>
+              <a:rPr lang="en-US" sz="1200" dirty="0">
+                <a:solidFill>
+                  <a:srgbClr val="00008B"/>
+                </a:solidFill>
+                <a:highlight>
+                  <a:srgbClr val="FFFFFF"/>
+                </a:highlight>
+                <a:latin typeface="Consolas" panose="020B0609020204030204" pitchFamily="49" charset="0"/>
+              </a:rPr>
+              <a:t>String</a:t>
+            </a:r>
+            <a:r>
+              <a:rPr lang="en-US" sz="1200" dirty="0">
+                <a:solidFill>
+                  <a:srgbClr val="000000"/>
+                </a:solidFill>
+                <a:highlight>
+                  <a:srgbClr val="FFFFFF"/>
+                </a:highlight>
+                <a:latin typeface="Consolas" panose="020B0609020204030204" pitchFamily="49" charset="0"/>
+              </a:rPr>
+              <a:t> </a:t>
+            </a:r>
+            <a:r>
+              <a:rPr lang="en-US" sz="1200" dirty="0">
+                <a:solidFill>
+                  <a:srgbClr val="008B8B"/>
+                </a:solidFill>
+                <a:highlight>
+                  <a:srgbClr val="FFFFFF"/>
+                </a:highlight>
+                <a:latin typeface="Consolas" panose="020B0609020204030204" pitchFamily="49" charset="0"/>
+              </a:rPr>
+              <a:t>Bar</a:t>
+            </a:r>
+            <a:r>
+              <a:rPr lang="en-US" sz="1200" dirty="0">
+                <a:solidFill>
+                  <a:srgbClr val="000000"/>
+                </a:solidFill>
+                <a:highlight>
+                  <a:srgbClr val="FFFFFF"/>
+                </a:highlight>
+                <a:latin typeface="Consolas" panose="020B0609020204030204" pitchFamily="49" charset="0"/>
+              </a:rPr>
+              <a:t>()</a:t>
+            </a:r>
+          </a:p>
+          <a:p>
+            <a:r>
+              <a:rPr lang="en-US" sz="1200" dirty="0">
+                <a:solidFill>
+                  <a:srgbClr val="000000"/>
+                </a:solidFill>
+                <a:highlight>
+                  <a:srgbClr val="FFFFFF"/>
+                </a:highlight>
+                <a:latin typeface="Consolas" panose="020B0609020204030204" pitchFamily="49" charset="0"/>
+              </a:rPr>
+              <a:t>    {</a:t>
+            </a:r>
+          </a:p>
+          <a:p>
+            <a:r>
+              <a:rPr lang="en-US" sz="1200" dirty="0">
+                <a:solidFill>
+                  <a:srgbClr val="000000"/>
+                </a:solidFill>
+                <a:highlight>
+                  <a:srgbClr val="FFFFFF"/>
+                </a:highlight>
+                <a:latin typeface="Consolas" panose="020B0609020204030204" pitchFamily="49" charset="0"/>
+              </a:rPr>
+              <a:t>        </a:t>
+            </a:r>
+            <a:r>
+              <a:rPr lang="en-US" sz="1200" dirty="0">
+                <a:solidFill>
+                  <a:srgbClr val="0000FF"/>
+                </a:solidFill>
+                <a:highlight>
+                  <a:srgbClr val="FFFFFF"/>
+                </a:highlight>
+                <a:latin typeface="Consolas" panose="020B0609020204030204" pitchFamily="49" charset="0"/>
+              </a:rPr>
+              <a:t>return</a:t>
+            </a:r>
+            <a:r>
+              <a:rPr lang="en-US" sz="1200" dirty="0">
+                <a:solidFill>
+                  <a:srgbClr val="000000"/>
+                </a:solidFill>
+                <a:highlight>
+                  <a:srgbClr val="FFFFFF"/>
+                </a:highlight>
+                <a:latin typeface="Consolas" panose="020B0609020204030204" pitchFamily="49" charset="0"/>
+              </a:rPr>
+              <a:t> </a:t>
+            </a:r>
+            <a:r>
+              <a:rPr lang="en-US" sz="1200" dirty="0">
+                <a:solidFill>
+                  <a:srgbClr val="A31515"/>
+                </a:solidFill>
+                <a:highlight>
+                  <a:srgbClr val="FFFFFF"/>
+                </a:highlight>
+                <a:latin typeface="Consolas" panose="020B0609020204030204" pitchFamily="49" charset="0"/>
+              </a:rPr>
+              <a:t>"</a:t>
+            </a:r>
+            <a:r>
+              <a:rPr lang="en-US" sz="1200" dirty="0" err="1">
+                <a:solidFill>
+                  <a:srgbClr val="A31515"/>
+                </a:solidFill>
+                <a:highlight>
+                  <a:srgbClr val="FFFFFF"/>
+                </a:highlight>
+                <a:latin typeface="Consolas" panose="020B0609020204030204" pitchFamily="49" charset="0"/>
+              </a:rPr>
+              <a:t>baz</a:t>
+            </a:r>
+            <a:r>
+              <a:rPr lang="en-US" sz="1200" dirty="0">
+                <a:solidFill>
+                  <a:srgbClr val="A31515"/>
+                </a:solidFill>
+                <a:highlight>
+                  <a:srgbClr val="FFFFFF"/>
+                </a:highlight>
+                <a:latin typeface="Consolas" panose="020B0609020204030204" pitchFamily="49" charset="0"/>
+              </a:rPr>
+              <a:t>"</a:t>
+            </a:r>
+            <a:r>
+              <a:rPr lang="en-US" sz="1200" dirty="0">
+                <a:solidFill>
+                  <a:srgbClr val="000000"/>
+                </a:solidFill>
+                <a:highlight>
+                  <a:srgbClr val="FFFFFF"/>
+                </a:highlight>
+                <a:latin typeface="Consolas" panose="020B0609020204030204" pitchFamily="49" charset="0"/>
+              </a:rPr>
+              <a:t>;</a:t>
+            </a:r>
+          </a:p>
+          <a:p>
+            <a:r>
+              <a:rPr lang="en-US" sz="1200" dirty="0">
+                <a:solidFill>
+                  <a:srgbClr val="000000"/>
+                </a:solidFill>
+                <a:highlight>
+                  <a:srgbClr val="FFFFFF"/>
+                </a:highlight>
+                <a:latin typeface="Consolas" panose="020B0609020204030204" pitchFamily="49" charset="0"/>
+              </a:rPr>
+              <a:t>    }</a:t>
+            </a:r>
+          </a:p>
+          <a:p>
+            <a:r>
+              <a:rPr lang="en-US" sz="1200" dirty="0">
+                <a:solidFill>
+                  <a:srgbClr val="000000"/>
+                </a:solidFill>
+                <a:highlight>
+                  <a:srgbClr val="FFFFFF"/>
+                </a:highlight>
+                <a:latin typeface="Consolas" panose="020B0609020204030204" pitchFamily="49" charset="0"/>
+              </a:rPr>
+              <a:t>}</a:t>
+            </a:r>
+          </a:p>
+          <a:p>
+            <a:endParaRPr lang="en-US" sz="1200" dirty="0">
+              <a:solidFill>
+                <a:srgbClr val="000000"/>
+              </a:solidFill>
+              <a:highlight>
+                <a:srgbClr val="FFFFFF"/>
+              </a:highlight>
+              <a:latin typeface="Consolas" panose="020B0609020204030204" pitchFamily="49" charset="0"/>
+            </a:endParaRPr>
+          </a:p>
+          <a:p>
+            <a:r>
+              <a:rPr lang="en-US" sz="1200" dirty="0">
+                <a:solidFill>
+                  <a:srgbClr val="0000FF"/>
+                </a:solidFill>
+                <a:highlight>
+                  <a:srgbClr val="FFFFFF"/>
+                </a:highlight>
+                <a:latin typeface="Consolas" panose="020B0609020204030204" pitchFamily="49" charset="0"/>
+              </a:rPr>
+              <a:t>public</a:t>
+            </a:r>
+            <a:r>
+              <a:rPr lang="en-US" sz="1200" dirty="0">
+                <a:solidFill>
+                  <a:srgbClr val="000000"/>
+                </a:solidFill>
+                <a:highlight>
+                  <a:srgbClr val="FFFFFF"/>
+                </a:highlight>
+                <a:latin typeface="Consolas" panose="020B0609020204030204" pitchFamily="49" charset="0"/>
+              </a:rPr>
+              <a:t> </a:t>
+            </a:r>
+            <a:r>
+              <a:rPr lang="en-US" sz="1200" dirty="0">
+                <a:solidFill>
+                  <a:srgbClr val="0000FF"/>
+                </a:solidFill>
+                <a:highlight>
+                  <a:srgbClr val="FFFFFF"/>
+                </a:highlight>
+                <a:latin typeface="Consolas" panose="020B0609020204030204" pitchFamily="49" charset="0"/>
+              </a:rPr>
+              <a:t>class</a:t>
+            </a:r>
+            <a:r>
+              <a:rPr lang="en-US" sz="1200" dirty="0">
+                <a:solidFill>
+                  <a:srgbClr val="000000"/>
+                </a:solidFill>
+                <a:highlight>
+                  <a:srgbClr val="FFFFFF"/>
+                </a:highlight>
+                <a:latin typeface="Consolas" panose="020B0609020204030204" pitchFamily="49" charset="0"/>
+              </a:rPr>
+              <a:t> </a:t>
+            </a:r>
+            <a:r>
+              <a:rPr lang="en-US" sz="1200" dirty="0" err="1">
+                <a:solidFill>
+                  <a:srgbClr val="00008B"/>
+                </a:solidFill>
+                <a:highlight>
+                  <a:srgbClr val="FFFFFF"/>
+                </a:highlight>
+                <a:latin typeface="Consolas" panose="020B0609020204030204" pitchFamily="49" charset="0"/>
+              </a:rPr>
+              <a:t>FooCollectionTest</a:t>
+            </a:r>
+            <a:endParaRPr lang="en-US" sz="1200" dirty="0">
+              <a:solidFill>
+                <a:srgbClr val="000000"/>
+              </a:solidFill>
+              <a:highlight>
+                <a:srgbClr val="FFFFFF"/>
+              </a:highlight>
+              <a:latin typeface="Consolas" panose="020B0609020204030204" pitchFamily="49" charset="0"/>
+            </a:endParaRPr>
+          </a:p>
+          <a:p>
+            <a:r>
+              <a:rPr lang="en-US" sz="1200" dirty="0">
+                <a:solidFill>
+                  <a:srgbClr val="000000"/>
+                </a:solidFill>
+                <a:highlight>
+                  <a:srgbClr val="FFFFFF"/>
+                </a:highlight>
+                <a:latin typeface="Consolas" panose="020B0609020204030204" pitchFamily="49" charset="0"/>
+              </a:rPr>
+              <a:t>{</a:t>
+            </a:r>
+          </a:p>
+          <a:p>
+            <a:r>
+              <a:rPr lang="en-US" sz="1200" dirty="0">
+                <a:solidFill>
+                  <a:srgbClr val="000000"/>
+                </a:solidFill>
+                <a:highlight>
+                  <a:srgbClr val="FFFFFF"/>
+                </a:highlight>
+                <a:latin typeface="Consolas" panose="020B0609020204030204" pitchFamily="49" charset="0"/>
+              </a:rPr>
+              <a:t>    [</a:t>
+            </a:r>
+            <a:r>
+              <a:rPr lang="en-US" sz="1200" dirty="0">
+                <a:solidFill>
+                  <a:srgbClr val="00008B"/>
+                </a:solidFill>
+                <a:highlight>
+                  <a:srgbClr val="FFFFFF"/>
+                </a:highlight>
+                <a:latin typeface="Consolas" panose="020B0609020204030204" pitchFamily="49" charset="0"/>
+              </a:rPr>
+              <a:t>Test</a:t>
+            </a:r>
+            <a:r>
+              <a:rPr lang="en-US" sz="1200" dirty="0">
+                <a:solidFill>
+                  <a:srgbClr val="000000"/>
+                </a:solidFill>
+                <a:highlight>
+                  <a:srgbClr val="FFFFFF"/>
+                </a:highlight>
+                <a:latin typeface="Consolas" panose="020B0609020204030204" pitchFamily="49" charset="0"/>
+              </a:rPr>
+              <a:t>]</a:t>
+            </a:r>
+          </a:p>
+          <a:p>
+            <a:r>
+              <a:rPr lang="en-US" sz="1200" dirty="0">
+                <a:solidFill>
+                  <a:srgbClr val="000000"/>
+                </a:solidFill>
+                <a:highlight>
+                  <a:srgbClr val="FFFFFF"/>
+                </a:highlight>
+                <a:latin typeface="Consolas" panose="020B0609020204030204" pitchFamily="49" charset="0"/>
+              </a:rPr>
+              <a:t>    </a:t>
+            </a:r>
+            <a:r>
+              <a:rPr lang="en-US" sz="1200" dirty="0">
+                <a:solidFill>
+                  <a:srgbClr val="0000FF"/>
+                </a:solidFill>
+                <a:highlight>
+                  <a:srgbClr val="FFFFFF"/>
+                </a:highlight>
+                <a:latin typeface="Consolas" panose="020B0609020204030204" pitchFamily="49" charset="0"/>
+              </a:rPr>
+              <a:t>public</a:t>
+            </a:r>
+            <a:r>
+              <a:rPr lang="en-US" sz="1200" dirty="0">
+                <a:solidFill>
+                  <a:srgbClr val="000000"/>
+                </a:solidFill>
+                <a:highlight>
+                  <a:srgbClr val="FFFFFF"/>
+                </a:highlight>
+                <a:latin typeface="Consolas" panose="020B0609020204030204" pitchFamily="49" charset="0"/>
+              </a:rPr>
+              <a:t> </a:t>
+            </a:r>
+            <a:r>
+              <a:rPr lang="en-US" sz="1200" dirty="0">
+                <a:solidFill>
+                  <a:srgbClr val="0000FF"/>
+                </a:solidFill>
+                <a:highlight>
+                  <a:srgbClr val="FFFFFF"/>
+                </a:highlight>
+                <a:latin typeface="Consolas" panose="020B0609020204030204" pitchFamily="49" charset="0"/>
+              </a:rPr>
+              <a:t>void</a:t>
+            </a:r>
+            <a:r>
+              <a:rPr lang="en-US" sz="1200" dirty="0">
+                <a:solidFill>
+                  <a:srgbClr val="000000"/>
+                </a:solidFill>
+                <a:highlight>
+                  <a:srgbClr val="FFFFFF"/>
+                </a:highlight>
+                <a:latin typeface="Consolas" panose="020B0609020204030204" pitchFamily="49" charset="0"/>
+              </a:rPr>
+              <a:t> </a:t>
+            </a:r>
+            <a:r>
+              <a:rPr lang="en-US" sz="1200" dirty="0" err="1">
+                <a:solidFill>
+                  <a:srgbClr val="008B8B"/>
+                </a:solidFill>
+                <a:highlight>
+                  <a:srgbClr val="FFFFFF"/>
+                </a:highlight>
+                <a:latin typeface="Consolas" panose="020B0609020204030204" pitchFamily="49" charset="0"/>
+              </a:rPr>
+              <a:t>it_should_return_joined_bars</a:t>
+            </a:r>
+            <a:r>
+              <a:rPr lang="en-US" sz="1200" dirty="0">
+                <a:solidFill>
+                  <a:srgbClr val="000000"/>
+                </a:solidFill>
+                <a:highlight>
+                  <a:srgbClr val="FFFFFF"/>
+                </a:highlight>
+                <a:latin typeface="Consolas" panose="020B0609020204030204" pitchFamily="49" charset="0"/>
+              </a:rPr>
+              <a:t>()</a:t>
+            </a:r>
+          </a:p>
+          <a:p>
+            <a:r>
+              <a:rPr lang="en-US" sz="1200" dirty="0">
+                <a:solidFill>
+                  <a:srgbClr val="000000"/>
+                </a:solidFill>
+                <a:highlight>
+                  <a:srgbClr val="FFFFFF"/>
+                </a:highlight>
+                <a:latin typeface="Consolas" panose="020B0609020204030204" pitchFamily="49" charset="0"/>
+              </a:rPr>
+              <a:t>    {</a:t>
+            </a:r>
+          </a:p>
+          <a:p>
+            <a:r>
+              <a:rPr lang="en-US" sz="1200" dirty="0">
+                <a:solidFill>
+                  <a:srgbClr val="000000"/>
+                </a:solidFill>
+                <a:highlight>
+                  <a:srgbClr val="FFFFFF"/>
+                </a:highlight>
+                <a:latin typeface="Consolas" panose="020B0609020204030204" pitchFamily="49" charset="0"/>
+              </a:rPr>
+              <a:t>        </a:t>
+            </a:r>
+            <a:r>
+              <a:rPr lang="en-US" sz="1200" dirty="0" err="1">
+                <a:solidFill>
+                  <a:srgbClr val="00008B"/>
+                </a:solidFill>
+                <a:highlight>
+                  <a:srgbClr val="FFFFFF"/>
+                </a:highlight>
+                <a:latin typeface="Consolas" panose="020B0609020204030204" pitchFamily="49" charset="0"/>
+              </a:rPr>
+              <a:t>FooCollection</a:t>
+            </a:r>
+            <a:r>
+              <a:rPr lang="en-US" sz="1200" dirty="0">
+                <a:solidFill>
+                  <a:srgbClr val="000000"/>
+                </a:solidFill>
+                <a:highlight>
+                  <a:srgbClr val="FFFFFF"/>
+                </a:highlight>
+                <a:latin typeface="Consolas" panose="020B0609020204030204" pitchFamily="49" charset="0"/>
+              </a:rPr>
+              <a:t> </a:t>
+            </a:r>
+            <a:r>
+              <a:rPr lang="en-US" sz="1200" dirty="0" err="1">
+                <a:solidFill>
+                  <a:srgbClr val="000000"/>
+                </a:solidFill>
+                <a:highlight>
+                  <a:srgbClr val="FFFFFF"/>
+                </a:highlight>
+                <a:latin typeface="Consolas" panose="020B0609020204030204" pitchFamily="49" charset="0"/>
+              </a:rPr>
+              <a:t>sut</a:t>
+            </a:r>
+            <a:r>
+              <a:rPr lang="en-US" sz="1200" dirty="0">
+                <a:solidFill>
+                  <a:srgbClr val="000000"/>
+                </a:solidFill>
+                <a:highlight>
+                  <a:srgbClr val="FFFFFF"/>
+                </a:highlight>
+                <a:latin typeface="Consolas" panose="020B0609020204030204" pitchFamily="49" charset="0"/>
+              </a:rPr>
+              <a:t> = </a:t>
+            </a:r>
+            <a:r>
+              <a:rPr lang="en-US" sz="1200" dirty="0">
+                <a:solidFill>
+                  <a:srgbClr val="0000FF"/>
+                </a:solidFill>
+                <a:highlight>
+                  <a:srgbClr val="FFFFFF"/>
+                </a:highlight>
+                <a:latin typeface="Consolas" panose="020B0609020204030204" pitchFamily="49" charset="0"/>
+              </a:rPr>
+              <a:t>new</a:t>
+            </a:r>
+            <a:r>
+              <a:rPr lang="en-US" sz="1200" dirty="0">
+                <a:solidFill>
+                  <a:srgbClr val="000000"/>
+                </a:solidFill>
+                <a:highlight>
+                  <a:srgbClr val="FFFFFF"/>
+                </a:highlight>
+                <a:latin typeface="Consolas" panose="020B0609020204030204" pitchFamily="49" charset="0"/>
+              </a:rPr>
+              <a:t> </a:t>
+            </a:r>
+            <a:r>
+              <a:rPr lang="en-US" sz="1200" dirty="0" err="1">
+                <a:solidFill>
+                  <a:srgbClr val="00008B"/>
+                </a:solidFill>
+                <a:highlight>
+                  <a:srgbClr val="FFFFFF"/>
+                </a:highlight>
+                <a:latin typeface="Consolas" panose="020B0609020204030204" pitchFamily="49" charset="0"/>
+              </a:rPr>
+              <a:t>FooCollection</a:t>
+            </a:r>
+            <a:r>
+              <a:rPr lang="en-US" sz="1200" dirty="0">
+                <a:solidFill>
+                  <a:srgbClr val="000000"/>
+                </a:solidFill>
+                <a:highlight>
+                  <a:srgbClr val="FFFFFF"/>
+                </a:highlight>
+                <a:latin typeface="Consolas" panose="020B0609020204030204" pitchFamily="49" charset="0"/>
+              </a:rPr>
+              <a:t>();</a:t>
+            </a:r>
+          </a:p>
+          <a:p>
+            <a:r>
+              <a:rPr lang="en-US" sz="1200" dirty="0">
+                <a:solidFill>
+                  <a:srgbClr val="000000"/>
+                </a:solidFill>
+                <a:highlight>
+                  <a:srgbClr val="FFFFFF"/>
+                </a:highlight>
+                <a:latin typeface="Consolas" panose="020B0609020204030204" pitchFamily="49" charset="0"/>
+              </a:rPr>
+              <a:t>        </a:t>
+            </a:r>
+            <a:r>
+              <a:rPr lang="en-US" sz="1200" dirty="0" err="1">
+                <a:solidFill>
+                  <a:srgbClr val="000000"/>
+                </a:solidFill>
+                <a:highlight>
+                  <a:srgbClr val="FFFFFF"/>
+                </a:highlight>
+                <a:latin typeface="Consolas" panose="020B0609020204030204" pitchFamily="49" charset="0"/>
+              </a:rPr>
+              <a:t>sut.</a:t>
+            </a:r>
+            <a:r>
+              <a:rPr lang="en-US" sz="1200" dirty="0" err="1">
+                <a:solidFill>
+                  <a:srgbClr val="008B8B"/>
+                </a:solidFill>
+                <a:highlight>
+                  <a:srgbClr val="FFFFFF"/>
+                </a:highlight>
+                <a:latin typeface="Consolas" panose="020B0609020204030204" pitchFamily="49" charset="0"/>
+              </a:rPr>
+              <a:t>Add</a:t>
+            </a:r>
+            <a:r>
+              <a:rPr lang="en-US" sz="1200" dirty="0">
+                <a:solidFill>
+                  <a:srgbClr val="000000"/>
+                </a:solidFill>
+                <a:highlight>
+                  <a:srgbClr val="FFFFFF"/>
+                </a:highlight>
+                <a:latin typeface="Consolas" panose="020B0609020204030204" pitchFamily="49" charset="0"/>
+              </a:rPr>
+              <a:t>(</a:t>
+            </a:r>
+            <a:r>
+              <a:rPr lang="en-US" sz="1200" dirty="0">
+                <a:solidFill>
+                  <a:srgbClr val="0000FF"/>
+                </a:solidFill>
+                <a:highlight>
+                  <a:srgbClr val="FFFFFF"/>
+                </a:highlight>
+                <a:latin typeface="Consolas" panose="020B0609020204030204" pitchFamily="49" charset="0"/>
+              </a:rPr>
+              <a:t>new</a:t>
+            </a:r>
+            <a:r>
+              <a:rPr lang="en-US" sz="1200" dirty="0">
+                <a:solidFill>
+                  <a:srgbClr val="000000"/>
+                </a:solidFill>
+                <a:highlight>
+                  <a:srgbClr val="FFFFFF"/>
+                </a:highlight>
+                <a:latin typeface="Consolas" panose="020B0609020204030204" pitchFamily="49" charset="0"/>
+              </a:rPr>
+              <a:t> </a:t>
+            </a:r>
+            <a:r>
+              <a:rPr lang="en-US" sz="1200" dirty="0" err="1">
+                <a:solidFill>
+                  <a:srgbClr val="00008B"/>
+                </a:solidFill>
+                <a:highlight>
+                  <a:srgbClr val="FFFFFF"/>
+                </a:highlight>
+                <a:latin typeface="Consolas" panose="020B0609020204030204" pitchFamily="49" charset="0"/>
+              </a:rPr>
+              <a:t>FooStub</a:t>
+            </a:r>
+            <a:r>
+              <a:rPr lang="en-US" sz="1200" dirty="0">
+                <a:solidFill>
+                  <a:srgbClr val="000000"/>
+                </a:solidFill>
+                <a:highlight>
+                  <a:srgbClr val="FFFFFF"/>
+                </a:highlight>
+                <a:latin typeface="Consolas" panose="020B0609020204030204" pitchFamily="49" charset="0"/>
+              </a:rPr>
+              <a:t>());</a:t>
+            </a:r>
+          </a:p>
+          <a:p>
+            <a:r>
+              <a:rPr lang="en-US" sz="1200" dirty="0">
+                <a:solidFill>
+                  <a:srgbClr val="000000"/>
+                </a:solidFill>
+                <a:highlight>
+                  <a:srgbClr val="FFFFFF"/>
+                </a:highlight>
+                <a:latin typeface="Consolas" panose="020B0609020204030204" pitchFamily="49" charset="0"/>
+              </a:rPr>
+              <a:t>        </a:t>
+            </a:r>
+            <a:r>
+              <a:rPr lang="en-US" sz="1200" dirty="0" err="1">
+                <a:solidFill>
+                  <a:srgbClr val="000000"/>
+                </a:solidFill>
+                <a:highlight>
+                  <a:srgbClr val="FFFFFF"/>
+                </a:highlight>
+                <a:latin typeface="Consolas" panose="020B0609020204030204" pitchFamily="49" charset="0"/>
+              </a:rPr>
+              <a:t>sut.</a:t>
+            </a:r>
+            <a:r>
+              <a:rPr lang="en-US" sz="1200" dirty="0" err="1">
+                <a:solidFill>
+                  <a:srgbClr val="008B8B"/>
+                </a:solidFill>
+                <a:highlight>
+                  <a:srgbClr val="FFFFFF"/>
+                </a:highlight>
+                <a:latin typeface="Consolas" panose="020B0609020204030204" pitchFamily="49" charset="0"/>
+              </a:rPr>
+              <a:t>Add</a:t>
+            </a:r>
+            <a:r>
+              <a:rPr lang="en-US" sz="1200" dirty="0">
+                <a:solidFill>
+                  <a:srgbClr val="000000"/>
+                </a:solidFill>
+                <a:highlight>
+                  <a:srgbClr val="FFFFFF"/>
+                </a:highlight>
+                <a:latin typeface="Consolas" panose="020B0609020204030204" pitchFamily="49" charset="0"/>
+              </a:rPr>
+              <a:t>(</a:t>
+            </a:r>
+            <a:r>
+              <a:rPr lang="en-US" sz="1200" dirty="0">
+                <a:solidFill>
+                  <a:srgbClr val="0000FF"/>
+                </a:solidFill>
+                <a:highlight>
+                  <a:srgbClr val="FFFFFF"/>
+                </a:highlight>
+                <a:latin typeface="Consolas" panose="020B0609020204030204" pitchFamily="49" charset="0"/>
+              </a:rPr>
+              <a:t>new</a:t>
+            </a:r>
+            <a:r>
+              <a:rPr lang="en-US" sz="1200" dirty="0">
+                <a:solidFill>
+                  <a:srgbClr val="000000"/>
+                </a:solidFill>
+                <a:highlight>
+                  <a:srgbClr val="FFFFFF"/>
+                </a:highlight>
+                <a:latin typeface="Consolas" panose="020B0609020204030204" pitchFamily="49" charset="0"/>
+              </a:rPr>
+              <a:t> </a:t>
+            </a:r>
+            <a:r>
+              <a:rPr lang="en-US" sz="1200" dirty="0" err="1">
+                <a:solidFill>
+                  <a:srgbClr val="00008B"/>
+                </a:solidFill>
+                <a:highlight>
+                  <a:srgbClr val="FFFFFF"/>
+                </a:highlight>
+                <a:latin typeface="Consolas" panose="020B0609020204030204" pitchFamily="49" charset="0"/>
+              </a:rPr>
+              <a:t>FooStub</a:t>
+            </a:r>
+            <a:r>
+              <a:rPr lang="en-US" sz="1200" dirty="0">
+                <a:solidFill>
+                  <a:srgbClr val="000000"/>
+                </a:solidFill>
+                <a:highlight>
+                  <a:srgbClr val="FFFFFF"/>
+                </a:highlight>
+                <a:latin typeface="Consolas" panose="020B0609020204030204" pitchFamily="49" charset="0"/>
+              </a:rPr>
+              <a:t>());</a:t>
+            </a:r>
+          </a:p>
+          <a:p>
+            <a:r>
+              <a:rPr lang="en-US" sz="1200" dirty="0">
+                <a:solidFill>
+                  <a:srgbClr val="000000"/>
+                </a:solidFill>
+                <a:highlight>
+                  <a:srgbClr val="FFFFFF"/>
+                </a:highlight>
+                <a:latin typeface="Consolas" panose="020B0609020204030204" pitchFamily="49" charset="0"/>
+              </a:rPr>
+              <a:t>        </a:t>
+            </a:r>
+            <a:r>
+              <a:rPr lang="en-US" sz="1200" dirty="0" err="1">
+                <a:solidFill>
+                  <a:srgbClr val="00008B"/>
+                </a:solidFill>
+                <a:highlight>
+                  <a:srgbClr val="FFFFFF"/>
+                </a:highlight>
+                <a:latin typeface="Consolas" panose="020B0609020204030204" pitchFamily="49" charset="0"/>
+              </a:rPr>
+              <a:t>Assert</a:t>
+            </a:r>
+            <a:r>
+              <a:rPr lang="en-US" sz="1200" dirty="0" err="1">
+                <a:solidFill>
+                  <a:srgbClr val="000000"/>
+                </a:solidFill>
+                <a:highlight>
+                  <a:srgbClr val="FFFFFF"/>
+                </a:highlight>
+                <a:latin typeface="Consolas" panose="020B0609020204030204" pitchFamily="49" charset="0"/>
+              </a:rPr>
+              <a:t>.</a:t>
+            </a:r>
+            <a:r>
+              <a:rPr lang="en-US" sz="1200" dirty="0" err="1">
+                <a:solidFill>
+                  <a:srgbClr val="008B8B"/>
+                </a:solidFill>
+                <a:highlight>
+                  <a:srgbClr val="FFFFFF"/>
+                </a:highlight>
+                <a:latin typeface="Consolas" panose="020B0609020204030204" pitchFamily="49" charset="0"/>
+              </a:rPr>
+              <a:t>AreEqual</a:t>
+            </a:r>
+            <a:r>
+              <a:rPr lang="en-US" sz="1200" dirty="0">
+                <a:solidFill>
+                  <a:srgbClr val="000000"/>
+                </a:solidFill>
+                <a:highlight>
+                  <a:srgbClr val="FFFFFF"/>
+                </a:highlight>
+                <a:latin typeface="Consolas" panose="020B0609020204030204" pitchFamily="49" charset="0"/>
+              </a:rPr>
+              <a:t>(</a:t>
+            </a:r>
+            <a:r>
+              <a:rPr lang="en-US" sz="1200" dirty="0">
+                <a:solidFill>
+                  <a:srgbClr val="A31515"/>
+                </a:solidFill>
+                <a:highlight>
+                  <a:srgbClr val="FFFFFF"/>
+                </a:highlight>
+                <a:latin typeface="Consolas" panose="020B0609020204030204" pitchFamily="49" charset="0"/>
+              </a:rPr>
+              <a:t>"</a:t>
+            </a:r>
+            <a:r>
+              <a:rPr lang="en-US" sz="1200" dirty="0" err="1">
+                <a:solidFill>
+                  <a:srgbClr val="A31515"/>
+                </a:solidFill>
+                <a:highlight>
+                  <a:srgbClr val="FFFFFF"/>
+                </a:highlight>
+                <a:latin typeface="Consolas" panose="020B0609020204030204" pitchFamily="49" charset="0"/>
+              </a:rPr>
+              <a:t>bazbaz</a:t>
+            </a:r>
+            <a:r>
+              <a:rPr lang="en-US" sz="1200" dirty="0">
+                <a:solidFill>
+                  <a:srgbClr val="A31515"/>
+                </a:solidFill>
+                <a:highlight>
+                  <a:srgbClr val="FFFFFF"/>
+                </a:highlight>
+                <a:latin typeface="Consolas" panose="020B0609020204030204" pitchFamily="49" charset="0"/>
+              </a:rPr>
+              <a:t>"</a:t>
+            </a:r>
+            <a:r>
+              <a:rPr lang="en-US" sz="1200" dirty="0">
+                <a:solidFill>
+                  <a:srgbClr val="000000"/>
+                </a:solidFill>
+                <a:highlight>
+                  <a:srgbClr val="FFFFFF"/>
+                </a:highlight>
+                <a:latin typeface="Consolas" panose="020B0609020204030204" pitchFamily="49" charset="0"/>
+              </a:rPr>
+              <a:t>, </a:t>
+            </a:r>
+            <a:r>
+              <a:rPr lang="en-US" sz="1200" dirty="0" err="1">
+                <a:solidFill>
+                  <a:srgbClr val="000000"/>
+                </a:solidFill>
+                <a:highlight>
+                  <a:srgbClr val="FFFFFF"/>
+                </a:highlight>
+                <a:latin typeface="Consolas" panose="020B0609020204030204" pitchFamily="49" charset="0"/>
+              </a:rPr>
+              <a:t>sut.</a:t>
+            </a:r>
+            <a:r>
+              <a:rPr lang="en-US" sz="1200" dirty="0" err="1">
+                <a:solidFill>
+                  <a:srgbClr val="008B8B"/>
+                </a:solidFill>
+                <a:highlight>
+                  <a:srgbClr val="FFFFFF"/>
+                </a:highlight>
+                <a:latin typeface="Consolas" panose="020B0609020204030204" pitchFamily="49" charset="0"/>
+              </a:rPr>
+              <a:t>Joined</a:t>
+            </a:r>
+            <a:r>
+              <a:rPr lang="en-US" sz="1200" dirty="0">
+                <a:solidFill>
+                  <a:srgbClr val="000000"/>
+                </a:solidFill>
+                <a:highlight>
+                  <a:srgbClr val="FFFFFF"/>
+                </a:highlight>
+                <a:latin typeface="Consolas" panose="020B0609020204030204" pitchFamily="49" charset="0"/>
+              </a:rPr>
+              <a:t>());</a:t>
+            </a:r>
+          </a:p>
+          <a:p>
+            <a:r>
+              <a:rPr lang="en-US" sz="1200" dirty="0">
+                <a:solidFill>
+                  <a:srgbClr val="000000"/>
+                </a:solidFill>
+                <a:highlight>
+                  <a:srgbClr val="FFFFFF"/>
+                </a:highlight>
+                <a:latin typeface="Consolas" panose="020B0609020204030204" pitchFamily="49" charset="0"/>
+              </a:rPr>
+              <a:t>    }</a:t>
+            </a:r>
+          </a:p>
+          <a:p>
+            <a:r>
+              <a:rPr lang="en-US" sz="1200" dirty="0">
+                <a:solidFill>
+                  <a:srgbClr val="000000"/>
+                </a:solidFill>
+                <a:highlight>
+                  <a:srgbClr val="FFFFFF"/>
+                </a:highlight>
+                <a:latin typeface="Consolas" panose="020B0609020204030204" pitchFamily="49" charset="0"/>
+              </a:rPr>
+              <a:t>}</a:t>
+            </a:r>
+            <a:endParaRPr lang="en-ZA" sz="1200" dirty="0"/>
+          </a:p>
+        </p:txBody>
+      </p:sp>
+    </p:spTree>
+    <p:extLst>
+      <p:ext uri="{BB962C8B-B14F-4D97-AF65-F5344CB8AC3E}">
+        <p14:creationId xmlns:p14="http://schemas.microsoft.com/office/powerpoint/2010/main" val="530558504"/>
+      </p:ext>
+    </p:extLst>
+  </p:cSld>
+  <p:clrMapOvr>
+    <a:masterClrMapping/>
+  </p:clrMapOvr>
+  <p:timing>
+    <p:tnLst>
+      <p:par>
+        <p:cTn id="1" dur="indefinite" restart="never" nodeType="tmRoot"/>
+      </p:par>
+    </p:tnLst>
+  </p:timing>
+</p:sld>
+</file>
+
+<file path=ppt/slides/slide12.xml><?xml version="1.0" encoding="utf-8"?>
+<p:sld xmlns:a="http://schemas.openxmlformats.org/drawingml/2006/main" xmlns:r="http://schemas.openxmlformats.org/officeDocument/2006/relationships" xmlns:p="http://schemas.openxmlformats.org/presentationml/2006/main">
+  <p:cSld>
+    <p:spTree>
+      <p:nvGrpSpPr>
+        <p:cNvPr id="1" name=""/>
+        <p:cNvGrpSpPr/>
+        <p:nvPr/>
+      </p:nvGrpSpPr>
+      <p:grpSpPr>
+        <a:xfrm>
+          <a:off x="0" y="0"/>
+          <a:ext cx="0" cy="0"/>
+          <a:chOff x="0" y="0"/>
+          <a:chExt cx="0" cy="0"/>
+        </a:xfrm>
+      </p:grpSpPr>
+      <p:sp>
+        <p:nvSpPr>
+          <p:cNvPr id="2" name="Title 1"/>
+          <p:cNvSpPr>
+            <a:spLocks noGrp="1"/>
+          </p:cNvSpPr>
+          <p:nvPr>
+            <p:ph type="title"/>
+          </p:nvPr>
+        </p:nvSpPr>
+        <p:spPr>
+          <a:xfrm>
+            <a:off x="457200" y="228864"/>
+            <a:ext cx="6347048" cy="588409"/>
+          </a:xfrm>
+        </p:spPr>
+        <p:txBody>
+          <a:bodyPr>
+            <a:normAutofit/>
+          </a:bodyPr>
+          <a:lstStyle/>
+          <a:p>
+            <a:r>
+              <a:rPr lang="en-ZA" dirty="0" smtClean="0"/>
               <a:t>Fakes</a:t>
             </a:r>
             <a:endParaRPr lang="en-ZA" dirty="0"/>
@@ -7196,7 +8216,7 @@
 </p:sld>
 </file>
 
-<file path=ppt/slides/slide12.xml><?xml version="1.0" encoding="utf-8"?>
+<file path=ppt/slides/slide13.xml><?xml version="1.0" encoding="utf-8"?>
 <p:sld xmlns:a="http://schemas.openxmlformats.org/drawingml/2006/main" xmlns:r="http://schemas.openxmlformats.org/officeDocument/2006/relationships" xmlns:p="http://schemas.openxmlformats.org/presentationml/2006/main">
   <p:cSld>
     <p:spTree>
@@ -10411,99 +11431,6 @@
 </p:sld>
 </file>
 
-<file path=ppt/slides/slide13.xml><?xml version="1.0" encoding="utf-8"?>
-<p:sld xmlns:a="http://schemas.openxmlformats.org/drawingml/2006/main" xmlns:r="http://schemas.openxmlformats.org/officeDocument/2006/relationships" xmlns:p="http://schemas.openxmlformats.org/presentationml/2006/main">
-  <p:cSld>
-    <p:spTree>
-      <p:nvGrpSpPr>
-        <p:cNvPr id="1" name=""/>
-        <p:cNvGrpSpPr/>
-        <p:nvPr/>
-      </p:nvGrpSpPr>
-      <p:grpSpPr>
-        <a:xfrm>
-          <a:off x="0" y="0"/>
-          <a:ext cx="0" cy="0"/>
-          <a:chOff x="0" y="0"/>
-          <a:chExt cx="0" cy="0"/>
-        </a:xfrm>
-      </p:grpSpPr>
-      <p:sp>
-        <p:nvSpPr>
-          <p:cNvPr id="2" name="Title 1"/>
-          <p:cNvSpPr>
-            <a:spLocks noGrp="1"/>
-          </p:cNvSpPr>
-          <p:nvPr>
-            <p:ph type="title"/>
-          </p:nvPr>
-        </p:nvSpPr>
-        <p:spPr/>
-        <p:txBody>
-          <a:bodyPr>
-            <a:normAutofit/>
-          </a:bodyPr>
-          <a:lstStyle/>
-          <a:p>
-            <a:r>
-              <a:rPr lang="en-ZA" dirty="0"/>
-              <a:t>Exercise </a:t>
-            </a:r>
-            <a:r>
-              <a:rPr lang="en-ZA" dirty="0" smtClean="0"/>
-              <a:t>1 - </a:t>
-            </a:r>
-            <a:r>
-              <a:rPr lang="en-ZA" dirty="0" err="1" smtClean="0"/>
-              <a:t>NUnit</a:t>
-            </a:r>
-            <a:endParaRPr lang="en-ZA" dirty="0"/>
-          </a:p>
-        </p:txBody>
-      </p:sp>
-      <p:sp>
-        <p:nvSpPr>
-          <p:cNvPr id="3" name="Content Placeholder 2"/>
-          <p:cNvSpPr>
-            <a:spLocks noGrp="1"/>
-          </p:cNvSpPr>
-          <p:nvPr>
-            <p:ph idx="1"/>
-          </p:nvPr>
-        </p:nvSpPr>
-        <p:spPr/>
-        <p:txBody>
-          <a:bodyPr anchor="ctr"/>
-          <a:lstStyle/>
-          <a:p>
-            <a:pPr marL="0" indent="0" algn="ctr">
-              <a:buNone/>
-            </a:pPr>
-            <a:r>
-              <a:rPr lang="en-ZA" dirty="0" err="1" smtClean="0"/>
-              <a:t>NUnit</a:t>
-            </a:r>
-            <a:r>
-              <a:rPr lang="en-ZA" dirty="0" smtClean="0"/>
-              <a:t> cheat sheet demo</a:t>
-            </a:r>
-            <a:endParaRPr lang="en-ZA" dirty="0"/>
-          </a:p>
-        </p:txBody>
-      </p:sp>
-    </p:spTree>
-    <p:extLst>
-      <p:ext uri="{BB962C8B-B14F-4D97-AF65-F5344CB8AC3E}">
-        <p14:creationId xmlns:p14="http://schemas.microsoft.com/office/powerpoint/2010/main" val="2082712510"/>
-      </p:ext>
-    </p:extLst>
-  </p:cSld>
-  <p:clrMapOvr>
-    <a:masterClrMapping/>
-  </p:clrMapOvr>
-</p:sld>
-</file>
-
 <file path=ppt/slides/slide14.xml><?xml version="1.0" encoding="utf-8"?>
 <p:sld xmlns:a="http://schemas.openxmlformats.org/drawingml/2006/main" xmlns:r="http://schemas.openxmlformats.org/officeDocument/2006/relationships" xmlns:p="http://schemas.openxmlformats.org/presentationml/2006/main">
   <p:cSld>
@@ -10521,69 +11448,47 @@
           <a:chExt cx="0" cy="0"/>
         </a:xfrm>
       </p:grpSpPr>
-      <p:sp>
-        <p:nvSpPr>
-          <p:cNvPr id="2" name="Title 1"/>
-          <p:cNvSpPr>
-            <a:spLocks noGrp="1"/>
-          </p:cNvSpPr>
-          <p:nvPr>
-            <p:ph type="title"/>
-          </p:nvPr>
-        </p:nvSpPr>
-        <p:spPr/>
-        <p:txBody>
-          <a:bodyPr>
-            <a:normAutofit/>
-          </a:bodyPr>
-          <a:lstStyle/>
-          <a:p>
-            <a:r>
-              <a:rPr lang="en-ZA" dirty="0" smtClean="0"/>
-              <a:t>Exercise 2 – </a:t>
-            </a:r>
-            <a:r>
-              <a:rPr lang="en-ZA" dirty="0" err="1" smtClean="0"/>
-              <a:t>ZLand</a:t>
-            </a:r>
-            <a:endParaRPr lang="en-ZA" dirty="0"/>
-          </a:p>
-        </p:txBody>
-      </p:sp>
-      <p:sp>
-        <p:nvSpPr>
-          <p:cNvPr id="3" name="Content Placeholder 2"/>
-          <p:cNvSpPr>
-            <a:spLocks noGrp="1"/>
-          </p:cNvSpPr>
-          <p:nvPr>
-            <p:ph idx="1"/>
-          </p:nvPr>
-        </p:nvSpPr>
-        <p:spPr/>
-        <p:txBody>
-          <a:bodyPr>
-            <a:normAutofit/>
-          </a:bodyPr>
-          <a:lstStyle/>
-          <a:p>
-            <a:pPr marL="0" indent="0">
-              <a:buNone/>
-            </a:pPr>
-            <a:endParaRPr lang="en-ZA" dirty="0"/>
-          </a:p>
-        </p:txBody>
-      </p:sp>
+      <p:pic>
+        <p:nvPicPr>
+          <p:cNvPr id="4" name="Picture 3"/>
+          <p:cNvPicPr>
+            <a:picLocks noChangeAspect="1"/>
+          </p:cNvPicPr>
+          <p:nvPr/>
+        </p:nvPicPr>
+        <p:blipFill>
+          <a:blip r:embed="rId2"/>
+          <a:stretch>
+            <a:fillRect/>
+          </a:stretch>
+        </p:blipFill>
+        <p:spPr>
+          <a:xfrm>
+            <a:off x="1907704" y="0"/>
+            <a:ext cx="4328535" cy="5692633"/>
+          </a:xfrm>
+          <a:prstGeom prst="rect">
+            <a:avLst/>
+          </a:prstGeom>
+        </p:spPr>
+      </p:pic>
     </p:spTree>
     <p:extLst>
       <p:ext uri="{BB962C8B-B14F-4D97-AF65-F5344CB8AC3E}">
-        <p14:creationId xmlns:p14="http://schemas.microsoft.com/office/powerpoint/2010/main" val="1043891441"/>
+        <p14:creationId xmlns:p14="http://schemas.microsoft.com/office/powerpoint/2010/main" val="149509914"/>
       </p:ext>
     </p:extLst>
   </p:cSld>
   <p:clrMapOvr>
     <a:masterClrMapping/>
   </p:clrMapOvr>
+  <p:timing>
+    <p:tnLst>
+      <p:par>
+        <p:cTn id="1" dur="indefinite" restart="never" nodeType="tmRoot"/>
+      </p:par>
+    </p:tnLst>
+  </p:timing>
 </p:sld>
 </file>
 
@@ -10622,8 +11527,16 @@
           <a:lstStyle/>
           <a:p>
             <a:r>
+              <a:rPr lang="en-ZA" dirty="0"/>
+              <a:t>Exercise </a:t>
+            </a:r>
+            <a:r>
               <a:rPr lang="en-ZA" dirty="0" smtClean="0"/>
-              <a:t>References</a:t>
+              <a:t>1 - </a:t>
+            </a:r>
+            <a:r>
+              <a:rPr lang="en-ZA" dirty="0" err="1" smtClean="0"/>
+              <a:t>NUnit</a:t>
             </a:r>
             <a:endParaRPr lang="en-ZA" dirty="0"/>
           </a:p>
@@ -10641,72 +11554,41 @@
         </p:nvSpPr>
         <p:spPr/>
         <p:txBody>
-          <a:bodyPr>
-            <a:normAutofit fontScale="92500" lnSpcReduction="20000"/>
-          </a:bodyPr>
+          <a:bodyPr anchor="ctr"/>
           <a:lstStyle/>
           <a:p>
-            <a:r>
-              <a:rPr lang="en-ZA" dirty="0"/>
-              <a:t>http://blog.stevensanderson.com/2009/08/24/writing-great-unit-tests-best-and-worst-practises/</a:t>
-            </a:r>
-          </a:p>
-          <a:p>
-            <a:r>
-              <a:rPr lang="en-ZA" dirty="0"/>
-              <a:t>http://blog.stevensanderson.com/2009/06/11/integration-testing-your-aspnet-mvc-application/</a:t>
-            </a:r>
-          </a:p>
-          <a:p>
-            <a:r>
-              <a:rPr lang="en-ZA" dirty="0"/>
-              <a:t>https://lukewickstead.wordpress.com/2013/01/16/nunit-cheat-sheet/</a:t>
-            </a:r>
-          </a:p>
-          <a:p>
+            <a:pPr marL="0" indent="0" algn="ctr">
+              <a:buNone/>
+            </a:pPr>
+            <a:r>
+              <a:rPr lang="en-ZA" dirty="0" err="1" smtClean="0"/>
+              <a:t>NUnit</a:t>
+            </a:r>
             <a:r>
               <a:rPr lang="en-ZA" dirty="0" smtClean="0"/>
-              <a:t>http</a:t>
-            </a:r>
-            <a:r>
-              <a:rPr lang="en-ZA" dirty="0"/>
-              <a:t>://martinfowler.com/bliki/UnitTest.html</a:t>
-            </a:r>
-          </a:p>
-          <a:p>
-            <a:r>
-              <a:rPr lang="en-ZA" dirty="0"/>
-              <a:t>http://artofunittesting.com/definition-of-a-unit-test/</a:t>
-            </a:r>
-          </a:p>
-          <a:p>
-            <a:r>
-              <a:rPr lang="en-ZA" dirty="0" smtClean="0"/>
-              <a:t>http</a:t>
-            </a:r>
-            <a:r>
-              <a:rPr lang="en-ZA" dirty="0"/>
-              <a:t>://stackoverflow.com/questions/4904096/whats-the-difference-between-unit-functional-acceptance-and-integration-test</a:t>
-            </a:r>
-          </a:p>
-          <a:p>
-            <a:r>
-              <a:rPr lang="en-ZA" dirty="0"/>
-              <a:t>https://github.com/lukewickstead/DOT-NET-on-Linux</a:t>
-            </a:r>
+              <a:t> cheat sheet demo</a:t>
+            </a:r>
+            <a:endParaRPr lang="en-ZA" dirty="0"/>
           </a:p>
         </p:txBody>
       </p:sp>
     </p:spTree>
     <p:extLst>
       <p:ext uri="{BB962C8B-B14F-4D97-AF65-F5344CB8AC3E}">
-        <p14:creationId xmlns:p14="http://schemas.microsoft.com/office/powerpoint/2010/main" val="902750005"/>
+        <p14:creationId xmlns:p14="http://schemas.microsoft.com/office/powerpoint/2010/main" val="2082712510"/>
       </p:ext>
     </p:extLst>
   </p:cSld>
   <p:clrMapOvr>
     <a:masterClrMapping/>
   </p:clrMapOvr>
+  <p:timing>
+    <p:tnLst>
+      <p:par>
+        <p:cTn id="1" dur="indefinite" restart="never" nodeType="tmRoot"/>
+      </p:par>
+    </p:tnLst>
+  </p:timing>
 </p:sld>
 </file>
 
@@ -10739,6 +11621,219 @@
         </p:nvSpPr>
         <p:spPr/>
         <p:txBody>
+          <a:bodyPr>
+            <a:normAutofit/>
+          </a:bodyPr>
+          <a:lstStyle/>
+          <a:p>
+            <a:r>
+              <a:rPr lang="en-ZA" dirty="0" smtClean="0"/>
+              <a:t>Exercise 2 – </a:t>
+            </a:r>
+            <a:r>
+              <a:rPr lang="en-ZA" dirty="0" err="1" smtClean="0"/>
+              <a:t>ZLand</a:t>
+            </a:r>
+            <a:endParaRPr lang="en-ZA" dirty="0"/>
+          </a:p>
+        </p:txBody>
+      </p:sp>
+      <p:sp>
+        <p:nvSpPr>
+          <p:cNvPr id="3" name="Content Placeholder 2"/>
+          <p:cNvSpPr>
+            <a:spLocks noGrp="1"/>
+          </p:cNvSpPr>
+          <p:nvPr>
+            <p:ph idx="1"/>
+          </p:nvPr>
+        </p:nvSpPr>
+        <p:spPr/>
+        <p:txBody>
+          <a:bodyPr>
+            <a:normAutofit/>
+          </a:bodyPr>
+          <a:lstStyle/>
+          <a:p>
+            <a:pPr marL="0" indent="0">
+              <a:buNone/>
+            </a:pPr>
+            <a:endParaRPr lang="en-ZA" dirty="0"/>
+          </a:p>
+        </p:txBody>
+      </p:sp>
+    </p:spTree>
+    <p:extLst>
+      <p:ext uri="{BB962C8B-B14F-4D97-AF65-F5344CB8AC3E}">
+        <p14:creationId xmlns:p14="http://schemas.microsoft.com/office/powerpoint/2010/main" val="1043891441"/>
+      </p:ext>
+    </p:extLst>
+  </p:cSld>
+  <p:clrMapOvr>
+    <a:masterClrMapping/>
+  </p:clrMapOvr>
+  <p:timing>
+    <p:tnLst>
+      <p:par>
+        <p:cTn id="1" dur="indefinite" restart="never" nodeType="tmRoot"/>
+      </p:par>
+    </p:tnLst>
+  </p:timing>
+</p:sld>
+</file>
+
+<file path=ppt/slides/slide17.xml><?xml version="1.0" encoding="utf-8"?>
+<p:sld xmlns:a="http://schemas.openxmlformats.org/drawingml/2006/main" xmlns:r="http://schemas.openxmlformats.org/officeDocument/2006/relationships" xmlns:p="http://schemas.openxmlformats.org/presentationml/2006/main">
+  <p:cSld>
+    <p:spTree>
+      <p:nvGrpSpPr>
+        <p:cNvPr id="1" name=""/>
+        <p:cNvGrpSpPr/>
+        <p:nvPr/>
+      </p:nvGrpSpPr>
+      <p:grpSpPr>
+        <a:xfrm>
+          <a:off x="0" y="0"/>
+          <a:ext cx="0" cy="0"/>
+          <a:chOff x="0" y="0"/>
+          <a:chExt cx="0" cy="0"/>
+        </a:xfrm>
+      </p:grpSpPr>
+      <p:sp>
+        <p:nvSpPr>
+          <p:cNvPr id="2" name="Title 1"/>
+          <p:cNvSpPr>
+            <a:spLocks noGrp="1"/>
+          </p:cNvSpPr>
+          <p:nvPr>
+            <p:ph type="title"/>
+          </p:nvPr>
+        </p:nvSpPr>
+        <p:spPr/>
+        <p:txBody>
+          <a:bodyPr>
+            <a:normAutofit/>
+          </a:bodyPr>
+          <a:lstStyle/>
+          <a:p>
+            <a:r>
+              <a:rPr lang="en-ZA" dirty="0" smtClean="0"/>
+              <a:t>References</a:t>
+            </a:r>
+            <a:endParaRPr lang="en-ZA" dirty="0"/>
+          </a:p>
+        </p:txBody>
+      </p:sp>
+      <p:sp>
+        <p:nvSpPr>
+          <p:cNvPr id="3" name="Content Placeholder 2"/>
+          <p:cNvSpPr>
+            <a:spLocks noGrp="1"/>
+          </p:cNvSpPr>
+          <p:nvPr>
+            <p:ph idx="1"/>
+          </p:nvPr>
+        </p:nvSpPr>
+        <p:spPr/>
+        <p:txBody>
+          <a:bodyPr>
+            <a:normAutofit fontScale="92500" lnSpcReduction="20000"/>
+          </a:bodyPr>
+          <a:lstStyle/>
+          <a:p>
+            <a:r>
+              <a:rPr lang="en-ZA" dirty="0"/>
+              <a:t>http://blog.stevensanderson.com/2009/08/24/writing-great-unit-tests-best-and-worst-practises/</a:t>
+            </a:r>
+          </a:p>
+          <a:p>
+            <a:r>
+              <a:rPr lang="en-ZA" dirty="0"/>
+              <a:t>http://blog.stevensanderson.com/2009/06/11/integration-testing-your-aspnet-mvc-application/</a:t>
+            </a:r>
+          </a:p>
+          <a:p>
+            <a:r>
+              <a:rPr lang="en-ZA" dirty="0"/>
+              <a:t>https://lukewickstead.wordpress.com/2013/01/16/nunit-cheat-sheet/</a:t>
+            </a:r>
+          </a:p>
+          <a:p>
+            <a:r>
+              <a:rPr lang="en-ZA" dirty="0" smtClean="0"/>
+              <a:t>http</a:t>
+            </a:r>
+            <a:r>
+              <a:rPr lang="en-ZA" dirty="0"/>
+              <a:t>://martinfowler.com/bliki/UnitTest.html</a:t>
+            </a:r>
+          </a:p>
+          <a:p>
+            <a:r>
+              <a:rPr lang="en-ZA" dirty="0"/>
+              <a:t>http://artofunittesting.com/definition-of-a-unit-test/</a:t>
+            </a:r>
+          </a:p>
+          <a:p>
+            <a:r>
+              <a:rPr lang="en-ZA" dirty="0" smtClean="0"/>
+              <a:t>http</a:t>
+            </a:r>
+            <a:r>
+              <a:rPr lang="en-ZA" dirty="0"/>
+              <a:t>://stackoverflow.com/questions/4904096/whats-the-difference-between-unit-functional-acceptance-and-integration-test</a:t>
+            </a:r>
+          </a:p>
+          <a:p>
+            <a:r>
+              <a:rPr lang="en-ZA" dirty="0"/>
+              <a:t>https://github.com/lukewickstead/DOT-NET-on-Linux</a:t>
+            </a:r>
+          </a:p>
+        </p:txBody>
+      </p:sp>
+    </p:spTree>
+    <p:extLst>
+      <p:ext uri="{BB962C8B-B14F-4D97-AF65-F5344CB8AC3E}">
+        <p14:creationId xmlns:p14="http://schemas.microsoft.com/office/powerpoint/2010/main" val="902750005"/>
+      </p:ext>
+    </p:extLst>
+  </p:cSld>
+  <p:clrMapOvr>
+    <a:masterClrMapping/>
+  </p:clrMapOvr>
+</p:sld>
+</file>
+
+<file path=ppt/slides/slide18.xml><?xml version="1.0" encoding="utf-8"?>
+<p:sld xmlns:a="http://schemas.openxmlformats.org/drawingml/2006/main" xmlns:r="http://schemas.openxmlformats.org/officeDocument/2006/relationships" xmlns:p="http://schemas.openxmlformats.org/presentationml/2006/main">
+  <p:cSld>
+    <p:spTree>
+      <p:nvGrpSpPr>
+        <p:cNvPr id="1" name=""/>
+        <p:cNvGrpSpPr/>
+        <p:nvPr/>
+      </p:nvGrpSpPr>
+      <p:grpSpPr>
+        <a:xfrm>
+          <a:off x="0" y="0"/>
+          <a:ext cx="0" cy="0"/>
+          <a:chOff x="0" y="0"/>
+          <a:chExt cx="0" cy="0"/>
+        </a:xfrm>
+      </p:grpSpPr>
+      <p:sp>
+        <p:nvSpPr>
+          <p:cNvPr id="2" name="Title 1"/>
+          <p:cNvSpPr>
+            <a:spLocks noGrp="1"/>
+          </p:cNvSpPr>
+          <p:nvPr>
+            <p:ph type="title"/>
+          </p:nvPr>
+        </p:nvSpPr>
+        <p:spPr/>
+        <p:txBody>
           <a:bodyPr/>
           <a:lstStyle/>
           <a:p>
@@ -10796,8 +11891,31 @@
           </a:p>
           <a:p>
             <a:r>
+              <a:rPr lang="en-ZA" dirty="0">
+                <a:hlinkClick r:id="rId5"/>
+              </a:rPr>
+              <a:t>https://</a:t>
+            </a:r>
+            <a:r>
+              <a:rPr lang="en-ZA" dirty="0" smtClean="0">
+                <a:hlinkClick r:id="rId5"/>
+              </a:rPr>
+              <a:t>github.com/dennisdoomen/fluentassertions/wiki</a:t>
+            </a:r>
+            <a:endParaRPr lang="en-ZA" dirty="0" smtClean="0"/>
+          </a:p>
+          <a:p>
+            <a:r>
               <a:rPr lang="en-ZA" dirty="0"/>
-              <a:t>https://github.com/dennisdoomen/fluentassertions/wiki</a:t>
+              <a:t>Pragmatic Unit Testing in C# with </a:t>
+            </a:r>
+            <a:r>
+              <a:rPr lang="en-ZA" dirty="0" err="1"/>
+              <a:t>NUnit</a:t>
+            </a:r>
+            <a:r>
+              <a:rPr lang="en-ZA" dirty="0"/>
+              <a:t>, 2nd Edition</a:t>
             </a:r>
             <a:endParaRPr lang="en-ZA" dirty="0" smtClean="0"/>
           </a:p>
@@ -11694,7 +12812,7 @@
         </p:spPr>
         <p:txBody>
           <a:bodyPr>
-            <a:normAutofit fontScale="55000" lnSpcReduction="20000"/>
+            <a:normAutofit fontScale="47500" lnSpcReduction="20000"/>
           </a:bodyPr>
           <a:lstStyle/>
           <a:p>
@@ -11782,15 +12900,40 @@
           <a:p>
             <a:pPr lvl="1"/>
             <a:r>
+              <a:rPr lang="en-ZA" dirty="0"/>
+              <a:t>Make each test orthogonal (i.e., independent) to all the others </a:t>
+            </a:r>
+          </a:p>
+          <a:p>
+            <a:pPr lvl="1"/>
+            <a:r>
+              <a:rPr lang="en-ZA" dirty="0"/>
+              <a:t>	- Don’t make unnecessary assertions </a:t>
+            </a:r>
+          </a:p>
+          <a:p>
+            <a:pPr lvl="1"/>
+            <a:r>
+              <a:rPr lang="en-ZA" dirty="0"/>
+              <a:t>	- Test only one code unit at a time </a:t>
+            </a:r>
+          </a:p>
+          <a:p>
+            <a:pPr lvl="1"/>
+            <a:r>
+              <a:rPr lang="en-ZA" dirty="0"/>
+              <a:t>	- Mock out all external services and state </a:t>
+            </a:r>
+          </a:p>
+          <a:p>
+            <a:pPr lvl="1"/>
+            <a:r>
+              <a:rPr lang="en-ZA" dirty="0"/>
+              <a:t>	- Avoid unnecessary preconditions Initialize/setup </a:t>
+            </a:r>
+            <a:r>
               <a:rPr lang="en-ZA" dirty="0" smtClean="0"/>
-              <a:t>Not depend on other tests</a:t>
-            </a:r>
-          </a:p>
-          <a:p>
-            <a:pPr lvl="1"/>
-            <a:r>
-              <a:rPr lang="en-ZA" dirty="0" smtClean="0"/>
-              <a:t>Initialize/setup for itself</a:t>
+              <a:t>for itself</a:t>
             </a:r>
           </a:p>
           <a:p>
@@ -11847,7 +12990,15 @@
           <a:p>
             <a:r>
               <a:rPr lang="en-ZA" dirty="0" smtClean="0"/>
-              <a:t>Be careful changing code to fit tests; code must be testable, but not change code to accommodate a test for that sole purpose</a:t>
+              <a:t>Be careful changing code to fit tests; code must be testable, but </a:t>
+            </a:r>
+            <a:r>
+              <a:rPr lang="en-ZA" dirty="0" smtClean="0"/>
+              <a:t>don’t change </a:t>
+            </a:r>
+            <a:r>
+              <a:rPr lang="en-ZA" dirty="0" smtClean="0"/>
+              <a:t>code to accommodate a test for that sole purpose</a:t>
             </a:r>
           </a:p>
         </p:txBody>
@@ -11892,22 +13043,16 @@
             <p:ph type="title"/>
           </p:nvPr>
         </p:nvSpPr>
-        <p:spPr>
-          <a:xfrm>
-            <a:off x="457200" y="228864"/>
-            <a:ext cx="6347048" cy="588409"/>
-          </a:xfrm>
-        </p:spPr>
+        <p:spPr/>
         <p:txBody>
-          <a:bodyPr>
-            <a:normAutofit/>
-          </a:bodyPr>
+          <a:bodyPr/>
           <a:lstStyle/>
           <a:p>
             <a:r>
-              <a:rPr lang="en-ZA" dirty="0"/>
-              <a:t>Dummies</a:t>
-            </a:r>
+              <a:rPr lang="en-ZA" dirty="0" smtClean="0"/>
+              <a:t>Right BICEP</a:t>
+            </a:r>
+            <a:endParaRPr lang="en-ZA" dirty="0"/>
           </a:p>
         </p:txBody>
       </p:sp>
@@ -11924,962 +13069,188 @@
         <p:spPr/>
         <p:txBody>
           <a:bodyPr>
-            <a:normAutofit/>
+            <a:normAutofit fontScale="62500" lnSpcReduction="20000"/>
           </a:bodyPr>
           <a:lstStyle/>
           <a:p>
             <a:r>
               <a:rPr lang="en-ZA" dirty="0" smtClean="0"/>
-              <a:t>Objects passed around but never actually used (used to fill parameter lists), “empty” implementation</a:t>
-            </a:r>
-          </a:p>
-          <a:p>
-            <a:endParaRPr lang="en-ZA" dirty="0"/>
-          </a:p>
-        </p:txBody>
-      </p:sp>
-      <p:sp>
-        <p:nvSpPr>
-          <p:cNvPr id="10" name="Rectangle 9"/>
-          <p:cNvSpPr/>
-          <p:nvPr/>
-        </p:nvSpPr>
-        <p:spPr>
-          <a:xfrm>
-            <a:off x="2123728" y="1921396"/>
-            <a:ext cx="4572000" cy="3046988"/>
-          </a:xfrm>
-          <a:prstGeom prst="rect">
-            <a:avLst/>
-          </a:prstGeom>
-          <a:solidFill>
-            <a:schemeClr val="bg1"/>
-          </a:solidFill>
-        </p:spPr>
-        <p:txBody>
-          <a:bodyPr>
-            <a:spAutoFit/>
-          </a:bodyPr>
-          <a:lstStyle/>
-          <a:p>
-            <a:r>
-              <a:rPr lang="en-US" sz="1200" dirty="0" smtClean="0">
-                <a:solidFill>
-                  <a:srgbClr val="0000FF"/>
-                </a:solidFill>
-                <a:highlight>
-                  <a:srgbClr val="FFFFFF"/>
-                </a:highlight>
-                <a:latin typeface="Consolas" panose="020B0609020204030204" pitchFamily="49" charset="0"/>
-              </a:rPr>
-              <a:t>public class</a:t>
-            </a:r>
-            <a:r>
-              <a:rPr lang="en-US" sz="1200" dirty="0" smtClean="0">
-                <a:solidFill>
-                  <a:srgbClr val="000000"/>
-                </a:solidFill>
-                <a:highlight>
-                  <a:srgbClr val="FFFFFF"/>
-                </a:highlight>
-                <a:latin typeface="Consolas" panose="020B0609020204030204" pitchFamily="49" charset="0"/>
-              </a:rPr>
-              <a:t> </a:t>
-            </a:r>
-            <a:r>
-              <a:rPr lang="en-US" sz="1200" dirty="0" err="1">
-                <a:solidFill>
-                  <a:srgbClr val="00008B"/>
-                </a:solidFill>
-                <a:highlight>
-                  <a:srgbClr val="FFFFFF"/>
-                </a:highlight>
-                <a:latin typeface="Consolas" panose="020B0609020204030204" pitchFamily="49" charset="0"/>
-              </a:rPr>
-              <a:t>FooDummy</a:t>
-            </a:r>
-            <a:r>
-              <a:rPr lang="en-US" sz="1200" dirty="0">
-                <a:solidFill>
-                  <a:srgbClr val="000000"/>
-                </a:solidFill>
-                <a:highlight>
-                  <a:srgbClr val="FFFFFF"/>
-                </a:highlight>
-                <a:latin typeface="Consolas" panose="020B0609020204030204" pitchFamily="49" charset="0"/>
-              </a:rPr>
-              <a:t> : </a:t>
-            </a:r>
-            <a:r>
-              <a:rPr lang="en-US" sz="1200" dirty="0">
-                <a:solidFill>
-                  <a:srgbClr val="00008B"/>
-                </a:solidFill>
-                <a:highlight>
-                  <a:srgbClr val="FFFFFF"/>
-                </a:highlight>
-                <a:latin typeface="Consolas" panose="020B0609020204030204" pitchFamily="49" charset="0"/>
-              </a:rPr>
-              <a:t>Foo</a:t>
-            </a:r>
-            <a:endParaRPr lang="en-US" sz="1200" dirty="0">
-              <a:solidFill>
-                <a:srgbClr val="000000"/>
-              </a:solidFill>
-              <a:highlight>
-                <a:srgbClr val="FFFFFF"/>
-              </a:highlight>
-              <a:latin typeface="Consolas" panose="020B0609020204030204" pitchFamily="49" charset="0"/>
-            </a:endParaRPr>
-          </a:p>
-          <a:p>
-            <a:r>
-              <a:rPr lang="en-US" sz="1200" dirty="0">
-                <a:solidFill>
-                  <a:srgbClr val="000000"/>
-                </a:solidFill>
-                <a:highlight>
-                  <a:srgbClr val="FFFFFF"/>
-                </a:highlight>
-                <a:latin typeface="Consolas" panose="020B0609020204030204" pitchFamily="49" charset="0"/>
-              </a:rPr>
-              <a:t>{</a:t>
-            </a:r>
-          </a:p>
-          <a:p>
-            <a:r>
-              <a:rPr lang="en-US" sz="1200" dirty="0">
-                <a:solidFill>
-                  <a:srgbClr val="000000"/>
-                </a:solidFill>
-                <a:highlight>
-                  <a:srgbClr val="FFFFFF"/>
-                </a:highlight>
-                <a:latin typeface="Consolas" panose="020B0609020204030204" pitchFamily="49" charset="0"/>
-              </a:rPr>
-              <a:t>    </a:t>
-            </a:r>
-            <a:r>
-              <a:rPr lang="en-US" sz="1200" dirty="0">
-                <a:solidFill>
-                  <a:srgbClr val="0000FF"/>
-                </a:solidFill>
-                <a:highlight>
-                  <a:srgbClr val="FFFFFF"/>
-                </a:highlight>
-                <a:latin typeface="Consolas" panose="020B0609020204030204" pitchFamily="49" charset="0"/>
-              </a:rPr>
-              <a:t>public</a:t>
-            </a:r>
-            <a:r>
-              <a:rPr lang="en-US" sz="1200" dirty="0">
-                <a:solidFill>
-                  <a:srgbClr val="000000"/>
-                </a:solidFill>
-                <a:highlight>
-                  <a:srgbClr val="FFFFFF"/>
-                </a:highlight>
-                <a:latin typeface="Consolas" panose="020B0609020204030204" pitchFamily="49" charset="0"/>
-              </a:rPr>
-              <a:t> </a:t>
-            </a:r>
-            <a:r>
-              <a:rPr lang="en-US" sz="1200" dirty="0">
-                <a:solidFill>
-                  <a:srgbClr val="00008B"/>
-                </a:solidFill>
-                <a:highlight>
-                  <a:srgbClr val="FFFFFF"/>
-                </a:highlight>
-                <a:latin typeface="Consolas" panose="020B0609020204030204" pitchFamily="49" charset="0"/>
-              </a:rPr>
-              <a:t>String</a:t>
-            </a:r>
-            <a:r>
-              <a:rPr lang="en-US" sz="1200" dirty="0">
-                <a:solidFill>
-                  <a:srgbClr val="000000"/>
-                </a:solidFill>
-                <a:highlight>
-                  <a:srgbClr val="FFFFFF"/>
-                </a:highlight>
-                <a:latin typeface="Consolas" panose="020B0609020204030204" pitchFamily="49" charset="0"/>
-              </a:rPr>
-              <a:t> </a:t>
-            </a:r>
-            <a:r>
-              <a:rPr lang="en-US" sz="1200" dirty="0">
-                <a:solidFill>
-                  <a:srgbClr val="008B8B"/>
-                </a:solidFill>
-                <a:highlight>
-                  <a:srgbClr val="FFFFFF"/>
-                </a:highlight>
-                <a:latin typeface="Consolas" panose="020B0609020204030204" pitchFamily="49" charset="0"/>
-              </a:rPr>
-              <a:t>bar</a:t>
-            </a:r>
-            <a:r>
-              <a:rPr lang="en-US" sz="1200" dirty="0">
-                <a:solidFill>
-                  <a:srgbClr val="000000"/>
-                </a:solidFill>
-                <a:highlight>
-                  <a:srgbClr val="FFFFFF"/>
-                </a:highlight>
-                <a:latin typeface="Consolas" panose="020B0609020204030204" pitchFamily="49" charset="0"/>
-              </a:rPr>
-              <a:t>() { </a:t>
-            </a:r>
-            <a:r>
-              <a:rPr lang="en-US" sz="1200" dirty="0">
-                <a:solidFill>
-                  <a:srgbClr val="0000FF"/>
-                </a:solidFill>
-                <a:highlight>
-                  <a:srgbClr val="FFFFFF"/>
-                </a:highlight>
-                <a:latin typeface="Consolas" panose="020B0609020204030204" pitchFamily="49" charset="0"/>
-              </a:rPr>
-              <a:t>return</a:t>
-            </a:r>
-            <a:r>
-              <a:rPr lang="en-US" sz="1200" dirty="0">
-                <a:solidFill>
-                  <a:srgbClr val="000000"/>
-                </a:solidFill>
-                <a:highlight>
-                  <a:srgbClr val="FFFFFF"/>
-                </a:highlight>
-                <a:latin typeface="Consolas" panose="020B0609020204030204" pitchFamily="49" charset="0"/>
-              </a:rPr>
-              <a:t> </a:t>
-            </a:r>
-            <a:r>
-              <a:rPr lang="en-US" sz="1200" dirty="0">
-                <a:solidFill>
-                  <a:srgbClr val="0000FF"/>
-                </a:solidFill>
-                <a:highlight>
-                  <a:srgbClr val="FFFFFF"/>
-                </a:highlight>
-                <a:latin typeface="Consolas" panose="020B0609020204030204" pitchFamily="49" charset="0"/>
-              </a:rPr>
-              <a:t>null</a:t>
-            </a:r>
-            <a:r>
-              <a:rPr lang="en-US" sz="1200" dirty="0">
-                <a:solidFill>
-                  <a:srgbClr val="000000"/>
-                </a:solidFill>
-                <a:highlight>
-                  <a:srgbClr val="FFFFFF"/>
-                </a:highlight>
-                <a:latin typeface="Consolas" panose="020B0609020204030204" pitchFamily="49" charset="0"/>
-              </a:rPr>
-              <a:t>; }</a:t>
-            </a:r>
-          </a:p>
-          <a:p>
-            <a:r>
-              <a:rPr lang="en-US" sz="1200" dirty="0">
-                <a:solidFill>
-                  <a:srgbClr val="000000"/>
-                </a:solidFill>
-                <a:highlight>
-                  <a:srgbClr val="FFFFFF"/>
-                </a:highlight>
-                <a:latin typeface="Consolas" panose="020B0609020204030204" pitchFamily="49" charset="0"/>
-              </a:rPr>
-              <a:t>}</a:t>
-            </a:r>
-          </a:p>
-          <a:p>
-            <a:endParaRPr lang="en-US" sz="1200" dirty="0">
-              <a:solidFill>
-                <a:srgbClr val="000000"/>
-              </a:solidFill>
-              <a:highlight>
-                <a:srgbClr val="FFFFFF"/>
-              </a:highlight>
-              <a:latin typeface="Consolas" panose="020B0609020204030204" pitchFamily="49" charset="0"/>
-            </a:endParaRPr>
-          </a:p>
-          <a:p>
-            <a:r>
-              <a:rPr lang="en-US" sz="1200" dirty="0">
-                <a:solidFill>
-                  <a:srgbClr val="0000FF"/>
-                </a:solidFill>
-                <a:highlight>
-                  <a:srgbClr val="FFFFFF"/>
-                </a:highlight>
-                <a:latin typeface="Consolas" panose="020B0609020204030204" pitchFamily="49" charset="0"/>
-              </a:rPr>
-              <a:t>public</a:t>
-            </a:r>
-            <a:r>
-              <a:rPr lang="en-US" sz="1200" dirty="0">
-                <a:solidFill>
-                  <a:srgbClr val="000000"/>
-                </a:solidFill>
-                <a:highlight>
-                  <a:srgbClr val="FFFFFF"/>
-                </a:highlight>
-                <a:latin typeface="Consolas" panose="020B0609020204030204" pitchFamily="49" charset="0"/>
-              </a:rPr>
-              <a:t> </a:t>
-            </a:r>
-            <a:r>
-              <a:rPr lang="en-US" sz="1200" dirty="0">
-                <a:solidFill>
-                  <a:srgbClr val="0000FF"/>
-                </a:solidFill>
-                <a:highlight>
-                  <a:srgbClr val="FFFFFF"/>
-                </a:highlight>
-                <a:latin typeface="Consolas" panose="020B0609020204030204" pitchFamily="49" charset="0"/>
-              </a:rPr>
-              <a:t>class</a:t>
-            </a:r>
-            <a:r>
-              <a:rPr lang="en-US" sz="1200" dirty="0">
-                <a:solidFill>
-                  <a:srgbClr val="000000"/>
-                </a:solidFill>
-                <a:highlight>
-                  <a:srgbClr val="FFFFFF"/>
-                </a:highlight>
-                <a:latin typeface="Consolas" panose="020B0609020204030204" pitchFamily="49" charset="0"/>
-              </a:rPr>
-              <a:t> </a:t>
-            </a:r>
-            <a:r>
-              <a:rPr lang="en-US" sz="1200" dirty="0" err="1">
-                <a:solidFill>
-                  <a:srgbClr val="00008B"/>
-                </a:solidFill>
-                <a:highlight>
-                  <a:srgbClr val="FFFFFF"/>
-                </a:highlight>
-                <a:latin typeface="Consolas" panose="020B0609020204030204" pitchFamily="49" charset="0"/>
-              </a:rPr>
-              <a:t>FooCollectionTest</a:t>
-            </a:r>
-            <a:endParaRPr lang="en-US" sz="1200" dirty="0">
-              <a:solidFill>
-                <a:srgbClr val="000000"/>
-              </a:solidFill>
-              <a:highlight>
-                <a:srgbClr val="FFFFFF"/>
-              </a:highlight>
-              <a:latin typeface="Consolas" panose="020B0609020204030204" pitchFamily="49" charset="0"/>
-            </a:endParaRPr>
-          </a:p>
-          <a:p>
-            <a:r>
-              <a:rPr lang="en-US" sz="1200" dirty="0">
-                <a:solidFill>
-                  <a:srgbClr val="000000"/>
-                </a:solidFill>
-                <a:highlight>
-                  <a:srgbClr val="FFFFFF"/>
-                </a:highlight>
-                <a:latin typeface="Consolas" panose="020B0609020204030204" pitchFamily="49" charset="0"/>
-              </a:rPr>
-              <a:t>{</a:t>
-            </a:r>
-          </a:p>
-          <a:p>
-            <a:r>
-              <a:rPr lang="en-US" sz="1200" dirty="0">
-                <a:solidFill>
-                  <a:srgbClr val="000000"/>
-                </a:solidFill>
-                <a:highlight>
-                  <a:srgbClr val="FFFFFF"/>
-                </a:highlight>
-                <a:latin typeface="Consolas" panose="020B0609020204030204" pitchFamily="49" charset="0"/>
-              </a:rPr>
-              <a:t>    [</a:t>
-            </a:r>
-            <a:r>
-              <a:rPr lang="en-US" sz="1200" dirty="0">
-                <a:solidFill>
-                  <a:srgbClr val="00008B"/>
-                </a:solidFill>
-                <a:highlight>
-                  <a:srgbClr val="FFFFFF"/>
-                </a:highlight>
-                <a:latin typeface="Consolas" panose="020B0609020204030204" pitchFamily="49" charset="0"/>
-              </a:rPr>
-              <a:t>Test</a:t>
-            </a:r>
-            <a:r>
-              <a:rPr lang="en-US" sz="1200" dirty="0">
-                <a:solidFill>
-                  <a:srgbClr val="000000"/>
-                </a:solidFill>
-                <a:highlight>
-                  <a:srgbClr val="FFFFFF"/>
-                </a:highlight>
-                <a:latin typeface="Consolas" panose="020B0609020204030204" pitchFamily="49" charset="0"/>
-              </a:rPr>
-              <a:t>]</a:t>
-            </a:r>
-          </a:p>
-          <a:p>
-            <a:r>
-              <a:rPr lang="en-US" sz="1200" dirty="0">
-                <a:solidFill>
-                  <a:srgbClr val="000000"/>
-                </a:solidFill>
-                <a:highlight>
-                  <a:srgbClr val="FFFFFF"/>
-                </a:highlight>
-                <a:latin typeface="Consolas" panose="020B0609020204030204" pitchFamily="49" charset="0"/>
-              </a:rPr>
-              <a:t>    </a:t>
-            </a:r>
-            <a:r>
-              <a:rPr lang="en-US" sz="1200" dirty="0">
-                <a:solidFill>
-                  <a:srgbClr val="0000FF"/>
-                </a:solidFill>
-                <a:highlight>
-                  <a:srgbClr val="FFFFFF"/>
-                </a:highlight>
-                <a:latin typeface="Consolas" panose="020B0609020204030204" pitchFamily="49" charset="0"/>
-              </a:rPr>
-              <a:t>public</a:t>
-            </a:r>
-            <a:r>
-              <a:rPr lang="en-US" sz="1200" dirty="0">
-                <a:solidFill>
-                  <a:srgbClr val="000000"/>
-                </a:solidFill>
-                <a:highlight>
-                  <a:srgbClr val="FFFFFF"/>
-                </a:highlight>
-                <a:latin typeface="Consolas" panose="020B0609020204030204" pitchFamily="49" charset="0"/>
-              </a:rPr>
-              <a:t> </a:t>
-            </a:r>
-            <a:r>
-              <a:rPr lang="en-US" sz="1200" dirty="0">
-                <a:solidFill>
-                  <a:srgbClr val="0000FF"/>
-                </a:solidFill>
-                <a:highlight>
-                  <a:srgbClr val="FFFFFF"/>
-                </a:highlight>
-                <a:latin typeface="Consolas" panose="020B0609020204030204" pitchFamily="49" charset="0"/>
-              </a:rPr>
-              <a:t>void</a:t>
-            </a:r>
-            <a:r>
-              <a:rPr lang="en-US" sz="1200" dirty="0">
-                <a:solidFill>
-                  <a:srgbClr val="000000"/>
-                </a:solidFill>
-                <a:highlight>
-                  <a:srgbClr val="FFFFFF"/>
-                </a:highlight>
-                <a:latin typeface="Consolas" panose="020B0609020204030204" pitchFamily="49" charset="0"/>
-              </a:rPr>
-              <a:t> </a:t>
-            </a:r>
-            <a:r>
-              <a:rPr lang="en-US" sz="1200" dirty="0" err="1">
-                <a:solidFill>
-                  <a:srgbClr val="008B8B"/>
-                </a:solidFill>
-                <a:highlight>
-                  <a:srgbClr val="FFFFFF"/>
-                </a:highlight>
-                <a:latin typeface="Consolas" panose="020B0609020204030204" pitchFamily="49" charset="0"/>
-              </a:rPr>
-              <a:t>it_should_maintain_a_count</a:t>
-            </a:r>
-            <a:r>
-              <a:rPr lang="en-US" sz="1200" dirty="0">
-                <a:solidFill>
-                  <a:srgbClr val="000000"/>
-                </a:solidFill>
-                <a:highlight>
-                  <a:srgbClr val="FFFFFF"/>
-                </a:highlight>
-                <a:latin typeface="Consolas" panose="020B0609020204030204" pitchFamily="49" charset="0"/>
-              </a:rPr>
-              <a:t>()</a:t>
-            </a:r>
-          </a:p>
-          <a:p>
-            <a:r>
-              <a:rPr lang="en-US" sz="1200" dirty="0">
-                <a:solidFill>
-                  <a:srgbClr val="000000"/>
-                </a:solidFill>
-                <a:highlight>
-                  <a:srgbClr val="FFFFFF"/>
-                </a:highlight>
-                <a:latin typeface="Consolas" panose="020B0609020204030204" pitchFamily="49" charset="0"/>
-              </a:rPr>
-              <a:t>    {</a:t>
-            </a:r>
-          </a:p>
-          <a:p>
-            <a:r>
-              <a:rPr lang="en-US" sz="1200" dirty="0">
-                <a:solidFill>
-                  <a:srgbClr val="000000"/>
-                </a:solidFill>
-                <a:highlight>
-                  <a:srgbClr val="FFFFFF"/>
-                </a:highlight>
-                <a:latin typeface="Consolas" panose="020B0609020204030204" pitchFamily="49" charset="0"/>
-              </a:rPr>
-              <a:t>        </a:t>
-            </a:r>
-            <a:r>
-              <a:rPr lang="en-US" sz="1200" dirty="0" err="1">
-                <a:solidFill>
-                  <a:srgbClr val="00008B"/>
-                </a:solidFill>
-                <a:highlight>
-                  <a:srgbClr val="FFFFFF"/>
-                </a:highlight>
-                <a:latin typeface="Consolas" panose="020B0609020204030204" pitchFamily="49" charset="0"/>
-              </a:rPr>
-              <a:t>FooCollection</a:t>
-            </a:r>
-            <a:r>
-              <a:rPr lang="en-US" sz="1200" dirty="0">
-                <a:solidFill>
-                  <a:srgbClr val="000000"/>
-                </a:solidFill>
-                <a:highlight>
-                  <a:srgbClr val="FFFFFF"/>
-                </a:highlight>
-                <a:latin typeface="Consolas" panose="020B0609020204030204" pitchFamily="49" charset="0"/>
-              </a:rPr>
-              <a:t> </a:t>
-            </a:r>
-            <a:r>
-              <a:rPr lang="en-US" sz="1200" dirty="0" err="1">
-                <a:solidFill>
-                  <a:srgbClr val="000000"/>
-                </a:solidFill>
-                <a:highlight>
-                  <a:srgbClr val="FFFFFF"/>
-                </a:highlight>
-                <a:latin typeface="Consolas" panose="020B0609020204030204" pitchFamily="49" charset="0"/>
-              </a:rPr>
-              <a:t>sut</a:t>
-            </a:r>
-            <a:r>
-              <a:rPr lang="en-US" sz="1200" dirty="0">
-                <a:solidFill>
-                  <a:srgbClr val="000000"/>
-                </a:solidFill>
-                <a:highlight>
-                  <a:srgbClr val="FFFFFF"/>
-                </a:highlight>
-                <a:latin typeface="Consolas" panose="020B0609020204030204" pitchFamily="49" charset="0"/>
-              </a:rPr>
-              <a:t> = </a:t>
-            </a:r>
-            <a:r>
-              <a:rPr lang="en-US" sz="1200" dirty="0">
-                <a:solidFill>
-                  <a:srgbClr val="0000FF"/>
-                </a:solidFill>
-                <a:highlight>
-                  <a:srgbClr val="FFFFFF"/>
-                </a:highlight>
-                <a:latin typeface="Consolas" panose="020B0609020204030204" pitchFamily="49" charset="0"/>
-              </a:rPr>
-              <a:t>new</a:t>
-            </a:r>
-            <a:r>
-              <a:rPr lang="en-US" sz="1200" dirty="0">
-                <a:solidFill>
-                  <a:srgbClr val="000000"/>
-                </a:solidFill>
-                <a:highlight>
-                  <a:srgbClr val="FFFFFF"/>
-                </a:highlight>
-                <a:latin typeface="Consolas" panose="020B0609020204030204" pitchFamily="49" charset="0"/>
-              </a:rPr>
-              <a:t> </a:t>
-            </a:r>
-            <a:r>
-              <a:rPr lang="en-US" sz="1200" dirty="0" err="1">
-                <a:solidFill>
-                  <a:srgbClr val="00008B"/>
-                </a:solidFill>
-                <a:highlight>
-                  <a:srgbClr val="FFFFFF"/>
-                </a:highlight>
-                <a:latin typeface="Consolas" panose="020B0609020204030204" pitchFamily="49" charset="0"/>
-              </a:rPr>
-              <a:t>FooCollection</a:t>
-            </a:r>
-            <a:r>
-              <a:rPr lang="en-US" sz="1200" dirty="0">
-                <a:solidFill>
-                  <a:srgbClr val="000000"/>
-                </a:solidFill>
-                <a:highlight>
-                  <a:srgbClr val="FFFFFF"/>
-                </a:highlight>
-                <a:latin typeface="Consolas" panose="020B0609020204030204" pitchFamily="49" charset="0"/>
-              </a:rPr>
-              <a:t>();</a:t>
-            </a:r>
-          </a:p>
-          <a:p>
-            <a:r>
-              <a:rPr lang="en-US" sz="1200" dirty="0">
-                <a:solidFill>
-                  <a:srgbClr val="000000"/>
-                </a:solidFill>
-                <a:highlight>
-                  <a:srgbClr val="FFFFFF"/>
-                </a:highlight>
-                <a:latin typeface="Consolas" panose="020B0609020204030204" pitchFamily="49" charset="0"/>
-              </a:rPr>
-              <a:t>        </a:t>
-            </a:r>
-            <a:r>
-              <a:rPr lang="en-US" sz="1200" dirty="0" err="1">
-                <a:solidFill>
-                  <a:srgbClr val="000000"/>
-                </a:solidFill>
-                <a:highlight>
-                  <a:srgbClr val="FFFFFF"/>
-                </a:highlight>
-                <a:latin typeface="Consolas" panose="020B0609020204030204" pitchFamily="49" charset="0"/>
-              </a:rPr>
-              <a:t>sut.</a:t>
-            </a:r>
-            <a:r>
-              <a:rPr lang="en-US" sz="1200" dirty="0" err="1">
-                <a:solidFill>
-                  <a:srgbClr val="008B8B"/>
-                </a:solidFill>
-                <a:highlight>
-                  <a:srgbClr val="FFFFFF"/>
-                </a:highlight>
-                <a:latin typeface="Consolas" panose="020B0609020204030204" pitchFamily="49" charset="0"/>
-              </a:rPr>
-              <a:t>Add</a:t>
-            </a:r>
-            <a:r>
-              <a:rPr lang="en-US" sz="1200" dirty="0">
-                <a:solidFill>
-                  <a:srgbClr val="000000"/>
-                </a:solidFill>
-                <a:highlight>
-                  <a:srgbClr val="FFFFFF"/>
-                </a:highlight>
-                <a:latin typeface="Consolas" panose="020B0609020204030204" pitchFamily="49" charset="0"/>
-              </a:rPr>
-              <a:t>(</a:t>
-            </a:r>
-            <a:r>
-              <a:rPr lang="en-US" sz="1200" dirty="0">
-                <a:solidFill>
-                  <a:srgbClr val="0000FF"/>
-                </a:solidFill>
-                <a:highlight>
-                  <a:srgbClr val="FFFFFF"/>
-                </a:highlight>
-                <a:latin typeface="Consolas" panose="020B0609020204030204" pitchFamily="49" charset="0"/>
-              </a:rPr>
-              <a:t>new</a:t>
-            </a:r>
-            <a:r>
-              <a:rPr lang="en-US" sz="1200" dirty="0">
-                <a:solidFill>
-                  <a:srgbClr val="000000"/>
-                </a:solidFill>
-                <a:highlight>
-                  <a:srgbClr val="FFFFFF"/>
-                </a:highlight>
-                <a:latin typeface="Consolas" panose="020B0609020204030204" pitchFamily="49" charset="0"/>
-              </a:rPr>
-              <a:t> </a:t>
-            </a:r>
-            <a:r>
-              <a:rPr lang="en-US" sz="1200" dirty="0" err="1">
-                <a:solidFill>
-                  <a:srgbClr val="00008B"/>
-                </a:solidFill>
-                <a:highlight>
-                  <a:srgbClr val="FFFFFF"/>
-                </a:highlight>
-                <a:latin typeface="Consolas" panose="020B0609020204030204" pitchFamily="49" charset="0"/>
-              </a:rPr>
-              <a:t>FooDummy</a:t>
-            </a:r>
-            <a:r>
-              <a:rPr lang="en-US" sz="1200" dirty="0">
-                <a:solidFill>
-                  <a:srgbClr val="000000"/>
-                </a:solidFill>
-                <a:highlight>
-                  <a:srgbClr val="FFFFFF"/>
-                </a:highlight>
-                <a:latin typeface="Consolas" panose="020B0609020204030204" pitchFamily="49" charset="0"/>
-              </a:rPr>
-              <a:t>());</a:t>
-            </a:r>
-          </a:p>
-          <a:p>
-            <a:r>
-              <a:rPr lang="en-US" sz="1200" dirty="0">
-                <a:solidFill>
-                  <a:srgbClr val="000000"/>
-                </a:solidFill>
-                <a:highlight>
-                  <a:srgbClr val="FFFFFF"/>
-                </a:highlight>
-                <a:latin typeface="Consolas" panose="020B0609020204030204" pitchFamily="49" charset="0"/>
-              </a:rPr>
-              <a:t>        </a:t>
-            </a:r>
-            <a:r>
-              <a:rPr lang="en-US" sz="1200" dirty="0" err="1">
-                <a:solidFill>
-                  <a:srgbClr val="000000"/>
-                </a:solidFill>
-                <a:highlight>
-                  <a:srgbClr val="FFFFFF"/>
-                </a:highlight>
-                <a:latin typeface="Consolas" panose="020B0609020204030204" pitchFamily="49" charset="0"/>
-              </a:rPr>
-              <a:t>sut.</a:t>
-            </a:r>
-            <a:r>
-              <a:rPr lang="en-US" sz="1200" dirty="0" err="1">
-                <a:solidFill>
-                  <a:srgbClr val="008B8B"/>
-                </a:solidFill>
-                <a:highlight>
-                  <a:srgbClr val="FFFFFF"/>
-                </a:highlight>
-                <a:latin typeface="Consolas" panose="020B0609020204030204" pitchFamily="49" charset="0"/>
-              </a:rPr>
-              <a:t>Add</a:t>
-            </a:r>
-            <a:r>
-              <a:rPr lang="en-US" sz="1200" dirty="0">
-                <a:solidFill>
-                  <a:srgbClr val="000000"/>
-                </a:solidFill>
-                <a:highlight>
-                  <a:srgbClr val="FFFFFF"/>
-                </a:highlight>
-                <a:latin typeface="Consolas" panose="020B0609020204030204" pitchFamily="49" charset="0"/>
-              </a:rPr>
-              <a:t>(</a:t>
-            </a:r>
-            <a:r>
-              <a:rPr lang="en-US" sz="1200" dirty="0">
-                <a:solidFill>
-                  <a:srgbClr val="0000FF"/>
-                </a:solidFill>
-                <a:highlight>
-                  <a:srgbClr val="FFFFFF"/>
-                </a:highlight>
-                <a:latin typeface="Consolas" panose="020B0609020204030204" pitchFamily="49" charset="0"/>
-              </a:rPr>
-              <a:t>new</a:t>
-            </a:r>
-            <a:r>
-              <a:rPr lang="en-US" sz="1200" dirty="0">
-                <a:solidFill>
-                  <a:srgbClr val="000000"/>
-                </a:solidFill>
-                <a:highlight>
-                  <a:srgbClr val="FFFFFF"/>
-                </a:highlight>
-                <a:latin typeface="Consolas" panose="020B0609020204030204" pitchFamily="49" charset="0"/>
-              </a:rPr>
-              <a:t> </a:t>
-            </a:r>
-            <a:r>
-              <a:rPr lang="en-US" sz="1200" dirty="0" err="1">
-                <a:solidFill>
-                  <a:srgbClr val="00008B"/>
-                </a:solidFill>
-                <a:highlight>
-                  <a:srgbClr val="FFFFFF"/>
-                </a:highlight>
-                <a:latin typeface="Consolas" panose="020B0609020204030204" pitchFamily="49" charset="0"/>
-              </a:rPr>
-              <a:t>FooDummy</a:t>
-            </a:r>
-            <a:r>
-              <a:rPr lang="en-US" sz="1200" dirty="0">
-                <a:solidFill>
-                  <a:srgbClr val="000000"/>
-                </a:solidFill>
-                <a:highlight>
-                  <a:srgbClr val="FFFFFF"/>
-                </a:highlight>
-                <a:latin typeface="Consolas" panose="020B0609020204030204" pitchFamily="49" charset="0"/>
-              </a:rPr>
-              <a:t>());</a:t>
-            </a:r>
-          </a:p>
-          <a:p>
-            <a:r>
-              <a:rPr lang="en-US" sz="1200" dirty="0">
-                <a:solidFill>
-                  <a:srgbClr val="000000"/>
-                </a:solidFill>
-                <a:highlight>
-                  <a:srgbClr val="FFFFFF"/>
-                </a:highlight>
-                <a:latin typeface="Consolas" panose="020B0609020204030204" pitchFamily="49" charset="0"/>
-              </a:rPr>
-              <a:t>        </a:t>
-            </a:r>
-            <a:r>
-              <a:rPr lang="en-US" sz="1200" dirty="0" err="1">
-                <a:solidFill>
-                  <a:srgbClr val="00008B"/>
-                </a:solidFill>
-                <a:highlight>
-                  <a:srgbClr val="FFFFFF"/>
-                </a:highlight>
-                <a:latin typeface="Consolas" panose="020B0609020204030204" pitchFamily="49" charset="0"/>
-              </a:rPr>
-              <a:t>Assert</a:t>
-            </a:r>
-            <a:r>
-              <a:rPr lang="en-US" sz="1200" dirty="0" err="1">
-                <a:solidFill>
-                  <a:srgbClr val="000000"/>
-                </a:solidFill>
-                <a:highlight>
-                  <a:srgbClr val="FFFFFF"/>
-                </a:highlight>
-                <a:latin typeface="Consolas" panose="020B0609020204030204" pitchFamily="49" charset="0"/>
-              </a:rPr>
-              <a:t>.</a:t>
-            </a:r>
-            <a:r>
-              <a:rPr lang="en-US" sz="1200" dirty="0" err="1">
-                <a:solidFill>
-                  <a:srgbClr val="008B8B"/>
-                </a:solidFill>
-                <a:highlight>
-                  <a:srgbClr val="FFFFFF"/>
-                </a:highlight>
-                <a:latin typeface="Consolas" panose="020B0609020204030204" pitchFamily="49" charset="0"/>
-              </a:rPr>
-              <a:t>AreEqual</a:t>
-            </a:r>
-            <a:r>
-              <a:rPr lang="en-US" sz="1200" dirty="0">
-                <a:solidFill>
-                  <a:srgbClr val="000000"/>
-                </a:solidFill>
-                <a:highlight>
-                  <a:srgbClr val="FFFFFF"/>
-                </a:highlight>
-                <a:latin typeface="Consolas" panose="020B0609020204030204" pitchFamily="49" charset="0"/>
-              </a:rPr>
-              <a:t>(2, </a:t>
-            </a:r>
-            <a:r>
-              <a:rPr lang="en-US" sz="1200" dirty="0" err="1">
-                <a:solidFill>
-                  <a:srgbClr val="000000"/>
-                </a:solidFill>
-                <a:highlight>
-                  <a:srgbClr val="FFFFFF"/>
-                </a:highlight>
-                <a:latin typeface="Consolas" panose="020B0609020204030204" pitchFamily="49" charset="0"/>
-              </a:rPr>
-              <a:t>sut.</a:t>
-            </a:r>
-            <a:r>
-              <a:rPr lang="en-US" sz="1200" dirty="0" err="1">
-                <a:solidFill>
-                  <a:srgbClr val="008B8B"/>
-                </a:solidFill>
-                <a:highlight>
-                  <a:srgbClr val="FFFFFF"/>
-                </a:highlight>
-                <a:latin typeface="Consolas" panose="020B0609020204030204" pitchFamily="49" charset="0"/>
-              </a:rPr>
-              <a:t>Count</a:t>
-            </a:r>
-            <a:r>
-              <a:rPr lang="en-US" sz="1200" dirty="0">
-                <a:solidFill>
-                  <a:srgbClr val="000000"/>
-                </a:solidFill>
-                <a:highlight>
-                  <a:srgbClr val="FFFFFF"/>
-                </a:highlight>
-                <a:latin typeface="Consolas" panose="020B0609020204030204" pitchFamily="49" charset="0"/>
-              </a:rPr>
-              <a:t>());</a:t>
-            </a:r>
-          </a:p>
-          <a:p>
-            <a:r>
-              <a:rPr lang="en-US" sz="1200" dirty="0">
-                <a:solidFill>
-                  <a:srgbClr val="000000"/>
-                </a:solidFill>
-                <a:highlight>
-                  <a:srgbClr val="FFFFFF"/>
-                </a:highlight>
-                <a:latin typeface="Consolas" panose="020B0609020204030204" pitchFamily="49" charset="0"/>
-              </a:rPr>
-              <a:t>    }</a:t>
-            </a:r>
-          </a:p>
-          <a:p>
-            <a:r>
-              <a:rPr lang="en-US" sz="1200" dirty="0">
-                <a:solidFill>
-                  <a:srgbClr val="000000"/>
-                </a:solidFill>
-                <a:highlight>
-                  <a:srgbClr val="FFFFFF"/>
-                </a:highlight>
-                <a:latin typeface="Consolas" panose="020B0609020204030204" pitchFamily="49" charset="0"/>
-              </a:rPr>
-              <a:t>}</a:t>
-            </a:r>
-            <a:endParaRPr lang="en-ZA" sz="1200" dirty="0"/>
+              <a:t>Right </a:t>
+            </a:r>
+            <a:r>
+              <a:rPr lang="en-ZA" dirty="0"/>
+              <a:t>— Are the results right?</a:t>
+            </a:r>
+          </a:p>
+          <a:p>
+            <a:r>
+              <a:rPr lang="en-ZA" dirty="0" smtClean="0"/>
+              <a:t>B </a:t>
+            </a:r>
+            <a:r>
+              <a:rPr lang="en-ZA" dirty="0"/>
+              <a:t>— Are all the boundary conditions CORRECT?</a:t>
+            </a:r>
+          </a:p>
+          <a:p>
+            <a:pPr lvl="1"/>
+            <a:r>
+              <a:rPr lang="en-ZA" dirty="0" smtClean="0"/>
+              <a:t>Conformance </a:t>
+            </a:r>
+            <a:r>
+              <a:rPr lang="en-ZA" dirty="0"/>
+              <a:t>— Does the value conform to an </a:t>
+            </a:r>
+            <a:r>
+              <a:rPr lang="en-ZA" dirty="0" smtClean="0"/>
+              <a:t>expected format</a:t>
+            </a:r>
+            <a:r>
+              <a:rPr lang="en-ZA" dirty="0"/>
+              <a:t>?</a:t>
+            </a:r>
+          </a:p>
+          <a:p>
+            <a:pPr lvl="1"/>
+            <a:r>
+              <a:rPr lang="en-ZA" dirty="0" smtClean="0"/>
+              <a:t>Ordering </a:t>
+            </a:r>
+            <a:r>
+              <a:rPr lang="en-ZA" dirty="0"/>
+              <a:t>— Is the set of values ordered or unordered as appropriate?</a:t>
+            </a:r>
+          </a:p>
+          <a:p>
+            <a:pPr lvl="1"/>
+            <a:r>
+              <a:rPr lang="en-ZA" dirty="0" smtClean="0"/>
+              <a:t>Range </a:t>
+            </a:r>
+            <a:r>
+              <a:rPr lang="en-ZA" dirty="0"/>
+              <a:t>— Is the value within reasonable minimum and maximum values?</a:t>
+            </a:r>
+          </a:p>
+          <a:p>
+            <a:pPr lvl="1"/>
+            <a:r>
+              <a:rPr lang="en-ZA" dirty="0" smtClean="0"/>
+              <a:t>Reference </a:t>
+            </a:r>
+            <a:r>
+              <a:rPr lang="en-ZA" dirty="0"/>
+              <a:t>— Does the code reference anything external that isn’t under direct control of the code itself?</a:t>
+            </a:r>
+          </a:p>
+          <a:p>
+            <a:pPr lvl="1"/>
+            <a:r>
+              <a:rPr lang="en-ZA" dirty="0" smtClean="0"/>
+              <a:t>Existence </a:t>
+            </a:r>
+            <a:r>
+              <a:rPr lang="en-ZA" dirty="0"/>
+              <a:t>— Does the value exist (e.g., is non-null, nonzero, present in a set, etc.)?</a:t>
+            </a:r>
+          </a:p>
+          <a:p>
+            <a:pPr lvl="1"/>
+            <a:r>
+              <a:rPr lang="en-ZA" dirty="0" smtClean="0"/>
+              <a:t>Cardinality </a:t>
+            </a:r>
+            <a:r>
+              <a:rPr lang="en-ZA" dirty="0"/>
+              <a:t>— Are there exactly enough values?</a:t>
+            </a:r>
+          </a:p>
+          <a:p>
+            <a:pPr lvl="1"/>
+            <a:r>
+              <a:rPr lang="en-ZA" dirty="0" smtClean="0"/>
+              <a:t>Time </a:t>
+            </a:r>
+            <a:r>
+              <a:rPr lang="en-ZA" dirty="0"/>
+              <a:t>(absolute and relative) — Is everything happening in order? At the right time? In time?</a:t>
+            </a:r>
+          </a:p>
+          <a:p>
+            <a:r>
+              <a:rPr lang="en-ZA" dirty="0" smtClean="0"/>
+              <a:t>I </a:t>
+            </a:r>
+            <a:r>
+              <a:rPr lang="en-ZA" dirty="0"/>
+              <a:t>— Can you check inverse relationships?</a:t>
+            </a:r>
+          </a:p>
+          <a:p>
+            <a:pPr lvl="1"/>
+            <a:r>
+              <a:rPr lang="en-ZA" dirty="0" smtClean="0"/>
+              <a:t>Some </a:t>
+            </a:r>
+            <a:r>
+              <a:rPr lang="en-ZA" dirty="0"/>
+              <a:t>methods can be checked by applying their logical inverse. For instance, you might check a method that calculates a square root by squaring the result</a:t>
+            </a:r>
+          </a:p>
+          <a:p>
+            <a:r>
+              <a:rPr lang="en-ZA" dirty="0" smtClean="0"/>
+              <a:t>C </a:t>
+            </a:r>
+            <a:r>
+              <a:rPr lang="en-ZA" dirty="0"/>
+              <a:t>— Can you cross-check results using other means?</a:t>
+            </a:r>
+          </a:p>
+          <a:p>
+            <a:pPr lvl="1"/>
+            <a:r>
+              <a:rPr lang="en-ZA" dirty="0" smtClean="0"/>
+              <a:t>Perhaps </a:t>
+            </a:r>
+            <a:r>
+              <a:rPr lang="en-ZA" dirty="0"/>
+              <a:t>there is an easier, but slower algorithm that you can use to verify your new faster algorithm still gets the correct answer.</a:t>
+            </a:r>
+          </a:p>
+          <a:p>
+            <a:r>
+              <a:rPr lang="en-ZA" dirty="0" smtClean="0"/>
+              <a:t>E </a:t>
+            </a:r>
+            <a:r>
+              <a:rPr lang="en-ZA" dirty="0"/>
+              <a:t>— Can you force error conditions to happen?</a:t>
+            </a:r>
+          </a:p>
+          <a:p>
+            <a:r>
+              <a:rPr lang="en-ZA" dirty="0" smtClean="0"/>
+              <a:t>P </a:t>
+            </a:r>
+            <a:r>
+              <a:rPr lang="en-ZA" dirty="0"/>
+              <a:t>— Are performance characteristics within bounds?</a:t>
+            </a:r>
           </a:p>
         </p:txBody>
       </p:sp>
     </p:spTree>
     <p:extLst>
       <p:ext uri="{BB962C8B-B14F-4D97-AF65-F5344CB8AC3E}">
-        <p14:creationId xmlns:p14="http://schemas.microsoft.com/office/powerpoint/2010/main" val="4091158794"/>
+        <p14:creationId xmlns:p14="http://schemas.microsoft.com/office/powerpoint/2010/main" val="1455693811"/>
       </p:ext>
     </p:extLst>
   </p:cSld>
   <p:clrMapOvr>
     <a:masterClrMapping/>
   </p:clrMapOvr>
-  <p:timing>
-    <p:tnLst>
-      <p:par>
-        <p:cTn id="1" dur="indefinite" restart="never" nodeType="tmRoot"/>
-      </p:par>
-    </p:tnLst>
-  </p:timing>
 </p:sld>
 </file>
 

--- a/CodeDojo-UnitTesting.pptx
+++ b/CodeDojo-UnitTesting.pptx
@@ -5,10 +5,10 @@
     <p:sldMasterId id="2147483648" r:id="rId1"/>
   </p:sldMasterIdLst>
   <p:notesMasterIdLst>
-    <p:notesMasterId r:id="rId20"/>
+    <p:notesMasterId r:id="rId21"/>
   </p:notesMasterIdLst>
   <p:handoutMasterIdLst>
-    <p:handoutMasterId r:id="rId21"/>
+    <p:handoutMasterId r:id="rId22"/>
   </p:handoutMasterIdLst>
   <p:sldIdLst>
     <p:sldId id="409" r:id="rId2"/>
@@ -20,15 +20,16 @@
     <p:sldId id="413" r:id="rId8"/>
     <p:sldId id="419" r:id="rId9"/>
     <p:sldId id="424" r:id="rId10"/>
-    <p:sldId id="420" r:id="rId11"/>
-    <p:sldId id="421" r:id="rId12"/>
+    <p:sldId id="426" r:id="rId11"/>
+    <p:sldId id="420" r:id="rId12"/>
     <p:sldId id="422" r:id="rId13"/>
-    <p:sldId id="423" r:id="rId14"/>
-    <p:sldId id="425" r:id="rId15"/>
-    <p:sldId id="416" r:id="rId16"/>
-    <p:sldId id="418" r:id="rId17"/>
-    <p:sldId id="415" r:id="rId18"/>
-    <p:sldId id="411" r:id="rId19"/>
+    <p:sldId id="421" r:id="rId14"/>
+    <p:sldId id="423" r:id="rId15"/>
+    <p:sldId id="425" r:id="rId16"/>
+    <p:sldId id="416" r:id="rId17"/>
+    <p:sldId id="418" r:id="rId18"/>
+    <p:sldId id="415" r:id="rId19"/>
+    <p:sldId id="411" r:id="rId20"/>
   </p:sldIdLst>
   <p:sldSz cx="9144000" cy="5715000" type="screen16x10"/>
   <p:notesSz cx="6858000" cy="9144000"/>
@@ -243,7 +244,7 @@
             <a:fld id="{2280EABA-BA46-4977-A468-5BA52A04D625}" type="datetimeFigureOut">
               <a:rPr lang="en-US" smtClean="0"/>
               <a:pPr/>
-              <a:t>3/5/2015</a:t>
+              <a:t>3/30/2017</a:t>
             </a:fld>
             <a:endParaRPr lang="en-US"/>
           </a:p>
@@ -410,7 +411,7 @@
             <a:fld id="{D9A4A4D6-0EB0-423B-8417-AC0C87E5E672}" type="datetimeFigureOut">
               <a:rPr lang="en-ZA" smtClean="0"/>
               <a:pPr/>
-              <a:t>2015-03-05</a:t>
+              <a:t>2017/03/30</a:t>
             </a:fld>
             <a:endParaRPr lang="en-ZA"/>
           </a:p>
@@ -474,35 +475,35 @@
           <a:p>
             <a:pPr lvl="0"/>
             <a:r>
-              <a:rPr lang="en-US" smtClean="0"/>
+              <a:rPr lang="en-US"/>
               <a:t>Click to edit Master text styles</a:t>
             </a:r>
           </a:p>
           <a:p>
             <a:pPr lvl="1"/>
             <a:r>
-              <a:rPr lang="en-US" smtClean="0"/>
+              <a:rPr lang="en-US"/>
               <a:t>Second level</a:t>
             </a:r>
           </a:p>
           <a:p>
             <a:pPr lvl="2"/>
             <a:r>
-              <a:rPr lang="en-US" smtClean="0"/>
+              <a:rPr lang="en-US"/>
               <a:t>Third level</a:t>
             </a:r>
           </a:p>
           <a:p>
             <a:pPr lvl="3"/>
             <a:r>
-              <a:rPr lang="en-US" smtClean="0"/>
+              <a:rPr lang="en-US"/>
               <a:t>Fourth level</a:t>
             </a:r>
           </a:p>
           <a:p>
             <a:pPr lvl="4"/>
             <a:r>
-              <a:rPr lang="en-US" smtClean="0"/>
+              <a:rPr lang="en-US"/>
               <a:t>Fifth level</a:t>
             </a:r>
             <a:endParaRPr lang="en-ZA"/>
@@ -839,6 +840,91 @@
     </p:spTree>
     <p:extLst>
       <p:ext uri="{BB962C8B-B14F-4D97-AF65-F5344CB8AC3E}">
+        <p14:creationId xmlns:p14="http://schemas.microsoft.com/office/powerpoint/2010/main" val="3327003375"/>
+      </p:ext>
+    </p:extLst>
+  </p:cSld>
+  <p:clrMapOvr>
+    <a:masterClrMapping/>
+  </p:clrMapOvr>
+</p:notes>
+</file>
+
+<file path=ppt/notesSlides/notesSlide11.xml><?xml version="1.0" encoding="utf-8"?>
+<p:notes xmlns:a="http://schemas.openxmlformats.org/drawingml/2006/main" xmlns:r="http://schemas.openxmlformats.org/officeDocument/2006/relationships" xmlns:p="http://schemas.openxmlformats.org/presentationml/2006/main">
+  <p:cSld>
+    <p:spTree>
+      <p:nvGrpSpPr>
+        <p:cNvPr id="1" name=""/>
+        <p:cNvGrpSpPr/>
+        <p:nvPr/>
+      </p:nvGrpSpPr>
+      <p:grpSpPr>
+        <a:xfrm>
+          <a:off x="0" y="0"/>
+          <a:ext cx="0" cy="0"/>
+          <a:chOff x="0" y="0"/>
+          <a:chExt cx="0" cy="0"/>
+        </a:xfrm>
+      </p:grpSpPr>
+      <p:sp>
+        <p:nvSpPr>
+          <p:cNvPr id="2" name="Slide Image Placeholder 1"/>
+          <p:cNvSpPr>
+            <a:spLocks noGrp="1" noRot="1" noChangeAspect="1"/>
+          </p:cNvSpPr>
+          <p:nvPr>
+            <p:ph type="sldImg"/>
+          </p:nvPr>
+        </p:nvSpPr>
+        <p:spPr/>
+      </p:sp>
+      <p:sp>
+        <p:nvSpPr>
+          <p:cNvPr id="3" name="Notes Placeholder 2"/>
+          <p:cNvSpPr>
+            <a:spLocks noGrp="1"/>
+          </p:cNvSpPr>
+          <p:nvPr>
+            <p:ph type="body" idx="1"/>
+          </p:nvPr>
+        </p:nvSpPr>
+        <p:spPr/>
+        <p:txBody>
+          <a:bodyPr/>
+          <a:lstStyle/>
+          <a:p>
+            <a:endParaRPr lang="en-ZA" dirty="0"/>
+          </a:p>
+        </p:txBody>
+      </p:sp>
+      <p:sp>
+        <p:nvSpPr>
+          <p:cNvPr id="4" name="Slide Number Placeholder 3"/>
+          <p:cNvSpPr>
+            <a:spLocks noGrp="1"/>
+          </p:cNvSpPr>
+          <p:nvPr>
+            <p:ph type="sldNum" sz="quarter" idx="10"/>
+          </p:nvPr>
+        </p:nvSpPr>
+        <p:spPr/>
+        <p:txBody>
+          <a:bodyPr/>
+          <a:lstStyle/>
+          <a:p>
+            <a:fld id="{AABF9108-921F-4578-B50F-196EC54E7AE6}" type="slidenum">
+              <a:rPr lang="en-ZA" smtClean="0"/>
+              <a:pPr/>
+              <a:t>19</a:t>
+            </a:fld>
+            <a:endParaRPr lang="en-ZA"/>
+          </a:p>
+        </p:txBody>
+      </p:sp>
+    </p:spTree>
+    <p:extLst>
+      <p:ext uri="{BB962C8B-B14F-4D97-AF65-F5344CB8AC3E}">
         <p14:creationId xmlns:p14="http://schemas.microsoft.com/office/powerpoint/2010/main" val="2668631266"/>
       </p:ext>
     </p:extLst>
@@ -893,7 +979,7 @@
           <a:bodyPr/>
           <a:lstStyle/>
           <a:p>
-            <a:endParaRPr lang="en-ZA" dirty="0" smtClean="0"/>
+            <a:endParaRPr lang="en-ZA" dirty="0"/>
           </a:p>
         </p:txBody>
       </p:sp>
@@ -1148,7 +1234,7 @@
           <a:bodyPr/>
           <a:lstStyle/>
           <a:p>
-            <a:endParaRPr lang="en-ZA" dirty="0"/>
+            <a:endParaRPr lang="en-US" dirty="0"/>
           </a:p>
         </p:txBody>
       </p:sp>
@@ -1179,7 +1265,7 @@
     </p:spTree>
     <p:extLst>
       <p:ext uri="{BB962C8B-B14F-4D97-AF65-F5344CB8AC3E}">
-        <p14:creationId xmlns:p14="http://schemas.microsoft.com/office/powerpoint/2010/main" val="4109479180"/>
+        <p14:creationId xmlns:p14="http://schemas.microsoft.com/office/powerpoint/2010/main" val="137379238"/>
       </p:ext>
     </p:extLst>
   </p:cSld>
@@ -1264,7 +1350,7 @@
     </p:spTree>
     <p:extLst>
       <p:ext uri="{BB962C8B-B14F-4D97-AF65-F5344CB8AC3E}">
-        <p14:creationId xmlns:p14="http://schemas.microsoft.com/office/powerpoint/2010/main" val="865522721"/>
+        <p14:creationId xmlns:p14="http://schemas.microsoft.com/office/powerpoint/2010/main" val="4109479180"/>
       </p:ext>
     </p:extLst>
   </p:cSld>
@@ -1403,40 +1489,6 @@
           <a:bodyPr/>
           <a:lstStyle/>
           <a:p>
-            <a:r>
-              <a:rPr lang="en-ZA" dirty="0" smtClean="0"/>
-              <a:t>The distinction here is the call to verify. Without it, then the test double is just a stub (even though we using a Mocking framework to create it)</a:t>
-            </a:r>
-          </a:p>
-          <a:p>
-            <a:endParaRPr lang="en-ZA" dirty="0" smtClean="0"/>
-          </a:p>
-          <a:p>
-            <a:r>
-              <a:rPr lang="en-ZA" dirty="0" smtClean="0"/>
-              <a:t>Stubs assert state (what is</a:t>
-            </a:r>
-            <a:r>
-              <a:rPr lang="en-ZA" baseline="0" dirty="0" smtClean="0"/>
-              <a:t> the result)</a:t>
-            </a:r>
-            <a:r>
-              <a:rPr lang="en-ZA" dirty="0" smtClean="0"/>
-              <a:t>, mocks</a:t>
-            </a:r>
-            <a:r>
-              <a:rPr lang="en-ZA" baseline="0" dirty="0" smtClean="0"/>
-              <a:t> assert behaviour (set up expectations, how was the result achieved)</a:t>
-            </a:r>
-          </a:p>
-          <a:p>
-            <a:endParaRPr lang="en-ZA" baseline="0" dirty="0" smtClean="0"/>
-          </a:p>
-          <a:p>
-            <a:r>
-              <a:rPr lang="en-ZA" baseline="0" dirty="0" smtClean="0"/>
-              <a:t>Some say the difference is that mocks can fail a test, but stubs cannot i.e. mocks run asserts, stubs do not</a:t>
-            </a:r>
             <a:endParaRPr lang="en-ZA" dirty="0"/>
           </a:p>
         </p:txBody>
@@ -1468,7 +1520,7 @@
     </p:spTree>
     <p:extLst>
       <p:ext uri="{BB962C8B-B14F-4D97-AF65-F5344CB8AC3E}">
-        <p14:creationId xmlns:p14="http://schemas.microsoft.com/office/powerpoint/2010/main" val="3546075112"/>
+        <p14:creationId xmlns:p14="http://schemas.microsoft.com/office/powerpoint/2010/main" val="865522721"/>
       </p:ext>
     </p:extLst>
   </p:cSld>
@@ -1522,6 +1574,40 @@
           <a:bodyPr/>
           <a:lstStyle/>
           <a:p>
+            <a:r>
+              <a:rPr lang="en-ZA" dirty="0"/>
+              <a:t>The distinction here is the call to verify. Without it, then the test double is just a stub (even though we using a Mocking framework to create it)</a:t>
+            </a:r>
+          </a:p>
+          <a:p>
+            <a:endParaRPr lang="en-ZA" dirty="0"/>
+          </a:p>
+          <a:p>
+            <a:r>
+              <a:rPr lang="en-ZA" dirty="0"/>
+              <a:t>Stubs assert state (what is</a:t>
+            </a:r>
+            <a:r>
+              <a:rPr lang="en-ZA" baseline="0" dirty="0"/>
+              <a:t> the result)</a:t>
+            </a:r>
+            <a:r>
+              <a:rPr lang="en-ZA" dirty="0"/>
+              <a:t>, mocks</a:t>
+            </a:r>
+            <a:r>
+              <a:rPr lang="en-ZA" baseline="0" dirty="0"/>
+              <a:t> assert behaviour (set up expectations, how was the result achieved)</a:t>
+            </a:r>
+          </a:p>
+          <a:p>
+            <a:endParaRPr lang="en-ZA" baseline="0" dirty="0"/>
+          </a:p>
+          <a:p>
+            <a:r>
+              <a:rPr lang="en-ZA" baseline="0" dirty="0"/>
+              <a:t>Some say the difference is that mocks can fail a test, but stubs cannot i.e. mocks run asserts, stubs do not</a:t>
+            </a:r>
             <a:endParaRPr lang="en-ZA" dirty="0"/>
           </a:p>
         </p:txBody>
@@ -1544,7 +1630,7 @@
             <a:fld id="{AABF9108-921F-4578-B50F-196EC54E7AE6}" type="slidenum">
               <a:rPr lang="en-ZA" smtClean="0"/>
               <a:pPr/>
-              <a:t>17</a:t>
+              <a:t>14</a:t>
             </a:fld>
             <a:endParaRPr lang="en-ZA"/>
           </a:p>
@@ -1553,7 +1639,7 @@
     </p:spTree>
     <p:extLst>
       <p:ext uri="{BB962C8B-B14F-4D97-AF65-F5344CB8AC3E}">
-        <p14:creationId xmlns:p14="http://schemas.microsoft.com/office/powerpoint/2010/main" val="3327003375"/>
+        <p14:creationId xmlns:p14="http://schemas.microsoft.com/office/powerpoint/2010/main" val="3546075112"/>
       </p:ext>
     </p:extLst>
   </p:cSld>
@@ -1601,7 +1687,7 @@
           <a:lstStyle/>
           <a:p>
             <a:r>
-              <a:rPr lang="en-US" smtClean="0"/>
+              <a:rPr lang="en-US"/>
               <a:t>Click to edit Master title style</a:t>
             </a:r>
             <a:endParaRPr lang="en-ZA"/>
@@ -1720,7 +1806,7 @@
           </a:lstStyle>
           <a:p>
             <a:r>
-              <a:rPr lang="en-US" smtClean="0"/>
+              <a:rPr lang="en-US"/>
               <a:t>Click to edit Master subtitle style</a:t>
             </a:r>
             <a:endParaRPr lang="en-ZA"/>
@@ -1753,7 +1839,7 @@
             <a:fld id="{986C9EB5-A2B4-494A-8466-BDB12800E3A8}" type="datetimeFigureOut">
               <a:rPr lang="en-ZA" smtClean="0"/>
               <a:pPr/>
-              <a:t>2015-03-05</a:t>
+              <a:t>2017/03/30</a:t>
             </a:fld>
             <a:endParaRPr lang="en-ZA"/>
           </a:p>
@@ -1864,7 +1950,7 @@
           <a:lstStyle/>
           <a:p>
             <a:r>
-              <a:rPr lang="en-US" smtClean="0"/>
+              <a:rPr lang="en-US"/>
               <a:t>Click to edit Master title style</a:t>
             </a:r>
             <a:endParaRPr lang="en-ZA"/>
@@ -1888,35 +1974,35 @@
           <a:p>
             <a:pPr lvl="0"/>
             <a:r>
-              <a:rPr lang="en-US" smtClean="0"/>
+              <a:rPr lang="en-US"/>
               <a:t>Click to edit Master text styles</a:t>
             </a:r>
           </a:p>
           <a:p>
             <a:pPr lvl="1"/>
             <a:r>
-              <a:rPr lang="en-US" smtClean="0"/>
+              <a:rPr lang="en-US"/>
               <a:t>Second level</a:t>
             </a:r>
           </a:p>
           <a:p>
             <a:pPr lvl="2"/>
             <a:r>
-              <a:rPr lang="en-US" smtClean="0"/>
+              <a:rPr lang="en-US"/>
               <a:t>Third level</a:t>
             </a:r>
           </a:p>
           <a:p>
             <a:pPr lvl="3"/>
             <a:r>
-              <a:rPr lang="en-US" smtClean="0"/>
+              <a:rPr lang="en-US"/>
               <a:t>Fourth level</a:t>
             </a:r>
           </a:p>
           <a:p>
             <a:pPr lvl="4"/>
             <a:r>
-              <a:rPr lang="en-US" smtClean="0"/>
+              <a:rPr lang="en-US"/>
               <a:t>Fifth level</a:t>
             </a:r>
             <a:endParaRPr lang="en-ZA"/>
@@ -1949,7 +2035,7 @@
             <a:fld id="{986C9EB5-A2B4-494A-8466-BDB12800E3A8}" type="datetimeFigureOut">
               <a:rPr lang="en-ZA" smtClean="0"/>
               <a:pPr/>
-              <a:t>2015-03-05</a:t>
+              <a:t>2017/03/30</a:t>
             </a:fld>
             <a:endParaRPr lang="en-ZA"/>
           </a:p>
@@ -2024,13 +2110,6 @@
   <p:clrMapOvr>
     <a:masterClrMapping/>
   </p:clrMapOvr>
-  <p:timing>
-    <p:tnLst>
-      <p:par>
-        <p:cTn id="1" dur="indefinite" restart="never" nodeType="tmRoot"/>
-      </p:par>
-    </p:tnLst>
-  </p:timing>
 </p:sldLayout>
 </file>
 
@@ -2072,7 +2151,7 @@
           <a:lstStyle/>
           <a:p>
             <a:r>
-              <a:rPr lang="en-US" smtClean="0"/>
+              <a:rPr lang="en-US"/>
               <a:t>Click to edit Master title style</a:t>
             </a:r>
             <a:endParaRPr lang="en-ZA"/>
@@ -2101,35 +2180,35 @@
           <a:p>
             <a:pPr lvl="0"/>
             <a:r>
-              <a:rPr lang="en-US" smtClean="0"/>
+              <a:rPr lang="en-US"/>
               <a:t>Click to edit Master text styles</a:t>
             </a:r>
           </a:p>
           <a:p>
             <a:pPr lvl="1"/>
             <a:r>
-              <a:rPr lang="en-US" smtClean="0"/>
+              <a:rPr lang="en-US"/>
               <a:t>Second level</a:t>
             </a:r>
           </a:p>
           <a:p>
             <a:pPr lvl="2"/>
             <a:r>
-              <a:rPr lang="en-US" smtClean="0"/>
+              <a:rPr lang="en-US"/>
               <a:t>Third level</a:t>
             </a:r>
           </a:p>
           <a:p>
             <a:pPr lvl="3"/>
             <a:r>
-              <a:rPr lang="en-US" smtClean="0"/>
+              <a:rPr lang="en-US"/>
               <a:t>Fourth level</a:t>
             </a:r>
           </a:p>
           <a:p>
             <a:pPr lvl="4"/>
             <a:r>
-              <a:rPr lang="en-US" smtClean="0"/>
+              <a:rPr lang="en-US"/>
               <a:t>Fifth level</a:t>
             </a:r>
             <a:endParaRPr lang="en-ZA"/>
@@ -2162,7 +2241,7 @@
             <a:fld id="{986C9EB5-A2B4-494A-8466-BDB12800E3A8}" type="datetimeFigureOut">
               <a:rPr lang="en-ZA" smtClean="0"/>
               <a:pPr/>
-              <a:t>2015-03-05</a:t>
+              <a:t>2017/03/30</a:t>
             </a:fld>
             <a:endParaRPr lang="en-ZA"/>
           </a:p>
@@ -2237,13 +2316,6 @@
   <p:clrMapOvr>
     <a:masterClrMapping/>
   </p:clrMapOvr>
-  <p:timing>
-    <p:tnLst>
-      <p:par>
-        <p:cTn id="1" dur="indefinite" restart="never" nodeType="tmRoot"/>
-      </p:par>
-    </p:tnLst>
-  </p:timing>
 </p:sldLayout>
 </file>
 
@@ -2373,7 +2445,7 @@
           </a:lstStyle>
           <a:p>
             <a:r>
-              <a:rPr lang="en-US" dirty="0" smtClean="0"/>
+              <a:rPr lang="en-US" dirty="0"/>
               <a:t>Title of Presentation</a:t>
             </a:r>
             <a:endParaRPr lang="en-ZA" dirty="0"/>
@@ -2454,13 +2526,6 @@
   <p:clrMapOvr>
     <a:masterClrMapping/>
   </p:clrMapOvr>
-  <p:timing>
-    <p:tnLst>
-      <p:par>
-        <p:cTn id="1" dur="indefinite" restart="never" nodeType="tmRoot"/>
-      </p:par>
-    </p:tnLst>
-  </p:timing>
 </p:sldLayout>
 </file>
 
@@ -2504,7 +2569,7 @@
           </a:lstStyle>
           <a:p>
             <a:r>
-              <a:rPr lang="en-US" dirty="0" smtClean="0"/>
+              <a:rPr lang="en-US" dirty="0"/>
               <a:t>Click to edit Master title style</a:t>
             </a:r>
             <a:endParaRPr lang="en-ZA" dirty="0"/>
@@ -2558,21 +2623,21 @@
           <a:p>
             <a:pPr lvl="0"/>
             <a:r>
-              <a:rPr lang="en-US" dirty="0" smtClean="0"/>
+              <a:rPr lang="en-US" dirty="0"/>
               <a:t>Click to edit Master text styles</a:t>
             </a:r>
           </a:p>
           <a:p>
             <a:pPr lvl="1"/>
             <a:r>
-              <a:rPr lang="en-US" dirty="0" smtClean="0"/>
+              <a:rPr lang="en-US" dirty="0"/>
               <a:t>Second level</a:t>
             </a:r>
           </a:p>
           <a:p>
             <a:pPr lvl="2"/>
             <a:r>
-              <a:rPr lang="en-US" dirty="0" smtClean="0"/>
+              <a:rPr lang="en-US" dirty="0"/>
               <a:t>Third level</a:t>
             </a:r>
           </a:p>
@@ -2611,7 +2676,7 @@
             <a:fld id="{986C9EB5-A2B4-494A-8466-BDB12800E3A8}" type="datetimeFigureOut">
               <a:rPr lang="en-ZA" smtClean="0"/>
               <a:pPr/>
-              <a:t>2015-03-05</a:t>
+              <a:t>2017/03/30</a:t>
             </a:fld>
             <a:endParaRPr lang="en-ZA" dirty="0"/>
           </a:p>
@@ -2700,13 +2765,6 @@
   <p:clrMapOvr>
     <a:masterClrMapping/>
   </p:clrMapOvr>
-  <p:timing>
-    <p:tnLst>
-      <p:par>
-        <p:cTn id="1" dur="indefinite" restart="never" nodeType="tmRoot"/>
-      </p:par>
-    </p:tnLst>
-  </p:timing>
 </p:sldLayout>
 </file>
 
@@ -2752,7 +2810,7 @@
           </a:lstStyle>
           <a:p>
             <a:r>
-              <a:rPr lang="en-US" smtClean="0"/>
+              <a:rPr lang="en-US"/>
               <a:t>Click to edit Master title style</a:t>
             </a:r>
             <a:endParaRPr lang="en-ZA"/>
@@ -2872,7 +2930,7 @@
           <a:p>
             <a:pPr lvl="0"/>
             <a:r>
-              <a:rPr lang="en-US" smtClean="0"/>
+              <a:rPr lang="en-US"/>
               <a:t>Click to edit Master text styles</a:t>
             </a:r>
           </a:p>
@@ -2904,7 +2962,7 @@
             <a:fld id="{986C9EB5-A2B4-494A-8466-BDB12800E3A8}" type="datetimeFigureOut">
               <a:rPr lang="en-ZA" smtClean="0"/>
               <a:pPr/>
-              <a:t>2015-03-05</a:t>
+              <a:t>2017/03/30</a:t>
             </a:fld>
             <a:endParaRPr lang="en-ZA"/>
           </a:p>
@@ -3015,7 +3073,7 @@
           <a:lstStyle/>
           <a:p>
             <a:r>
-              <a:rPr lang="en-US" smtClean="0"/>
+              <a:rPr lang="en-US"/>
               <a:t>Click to edit Master title style</a:t>
             </a:r>
             <a:endParaRPr lang="en-ZA"/>
@@ -3072,35 +3130,35 @@
           <a:p>
             <a:pPr lvl="0"/>
             <a:r>
-              <a:rPr lang="en-US" smtClean="0"/>
+              <a:rPr lang="en-US"/>
               <a:t>Click to edit Master text styles</a:t>
             </a:r>
           </a:p>
           <a:p>
             <a:pPr lvl="1"/>
             <a:r>
-              <a:rPr lang="en-US" smtClean="0"/>
+              <a:rPr lang="en-US"/>
               <a:t>Second level</a:t>
             </a:r>
           </a:p>
           <a:p>
             <a:pPr lvl="2"/>
             <a:r>
-              <a:rPr lang="en-US" smtClean="0"/>
+              <a:rPr lang="en-US"/>
               <a:t>Third level</a:t>
             </a:r>
           </a:p>
           <a:p>
             <a:pPr lvl="3"/>
             <a:r>
-              <a:rPr lang="en-US" smtClean="0"/>
+              <a:rPr lang="en-US"/>
               <a:t>Fourth level</a:t>
             </a:r>
           </a:p>
           <a:p>
             <a:pPr lvl="4"/>
             <a:r>
-              <a:rPr lang="en-US" smtClean="0"/>
+              <a:rPr lang="en-US"/>
               <a:t>Fifth level</a:t>
             </a:r>
             <a:endParaRPr lang="en-ZA"/>
@@ -3157,35 +3215,35 @@
           <a:p>
             <a:pPr lvl="0"/>
             <a:r>
-              <a:rPr lang="en-US" smtClean="0"/>
+              <a:rPr lang="en-US"/>
               <a:t>Click to edit Master text styles</a:t>
             </a:r>
           </a:p>
           <a:p>
             <a:pPr lvl="1"/>
             <a:r>
-              <a:rPr lang="en-US" smtClean="0"/>
+              <a:rPr lang="en-US"/>
               <a:t>Second level</a:t>
             </a:r>
           </a:p>
           <a:p>
             <a:pPr lvl="2"/>
             <a:r>
-              <a:rPr lang="en-US" smtClean="0"/>
+              <a:rPr lang="en-US"/>
               <a:t>Third level</a:t>
             </a:r>
           </a:p>
           <a:p>
             <a:pPr lvl="3"/>
             <a:r>
-              <a:rPr lang="en-US" smtClean="0"/>
+              <a:rPr lang="en-US"/>
               <a:t>Fourth level</a:t>
             </a:r>
           </a:p>
           <a:p>
             <a:pPr lvl="4"/>
             <a:r>
-              <a:rPr lang="en-US" smtClean="0"/>
+              <a:rPr lang="en-US"/>
               <a:t>Fifth level</a:t>
             </a:r>
             <a:endParaRPr lang="en-ZA"/>
@@ -3218,7 +3276,7 @@
             <a:fld id="{986C9EB5-A2B4-494A-8466-BDB12800E3A8}" type="datetimeFigureOut">
               <a:rPr lang="en-ZA" smtClean="0"/>
               <a:pPr/>
-              <a:t>2015-03-05</a:t>
+              <a:t>2017/03/30</a:t>
             </a:fld>
             <a:endParaRPr lang="en-ZA"/>
           </a:p>
@@ -3333,7 +3391,7 @@
           </a:lstStyle>
           <a:p>
             <a:r>
-              <a:rPr lang="en-US" smtClean="0"/>
+              <a:rPr lang="en-US"/>
               <a:t>Click to edit Master title style</a:t>
             </a:r>
             <a:endParaRPr lang="en-ZA"/>
@@ -3399,7 +3457,7 @@
           <a:p>
             <a:pPr lvl="0"/>
             <a:r>
-              <a:rPr lang="en-US" smtClean="0"/>
+              <a:rPr lang="en-US"/>
               <a:t>Click to edit Master text styles</a:t>
             </a:r>
           </a:p>
@@ -3455,35 +3513,35 @@
           <a:p>
             <a:pPr lvl="0"/>
             <a:r>
-              <a:rPr lang="en-US" smtClean="0"/>
+              <a:rPr lang="en-US"/>
               <a:t>Click to edit Master text styles</a:t>
             </a:r>
           </a:p>
           <a:p>
             <a:pPr lvl="1"/>
             <a:r>
-              <a:rPr lang="en-US" smtClean="0"/>
+              <a:rPr lang="en-US"/>
               <a:t>Second level</a:t>
             </a:r>
           </a:p>
           <a:p>
             <a:pPr lvl="2"/>
             <a:r>
-              <a:rPr lang="en-US" smtClean="0"/>
+              <a:rPr lang="en-US"/>
               <a:t>Third level</a:t>
             </a:r>
           </a:p>
           <a:p>
             <a:pPr lvl="3"/>
             <a:r>
-              <a:rPr lang="en-US" smtClean="0"/>
+              <a:rPr lang="en-US"/>
               <a:t>Fourth level</a:t>
             </a:r>
           </a:p>
           <a:p>
             <a:pPr lvl="4"/>
             <a:r>
-              <a:rPr lang="en-US" smtClean="0"/>
+              <a:rPr lang="en-US"/>
               <a:t>Fifth level</a:t>
             </a:r>
             <a:endParaRPr lang="en-ZA"/>
@@ -3549,7 +3607,7 @@
           <a:p>
             <a:pPr lvl="0"/>
             <a:r>
-              <a:rPr lang="en-US" smtClean="0"/>
+              <a:rPr lang="en-US"/>
               <a:t>Click to edit Master text styles</a:t>
             </a:r>
           </a:p>
@@ -3605,35 +3663,35 @@
           <a:p>
             <a:pPr lvl="0"/>
             <a:r>
-              <a:rPr lang="en-US" smtClean="0"/>
+              <a:rPr lang="en-US"/>
               <a:t>Click to edit Master text styles</a:t>
             </a:r>
           </a:p>
           <a:p>
             <a:pPr lvl="1"/>
             <a:r>
-              <a:rPr lang="en-US" smtClean="0"/>
+              <a:rPr lang="en-US"/>
               <a:t>Second level</a:t>
             </a:r>
           </a:p>
           <a:p>
             <a:pPr lvl="2"/>
             <a:r>
-              <a:rPr lang="en-US" smtClean="0"/>
+              <a:rPr lang="en-US"/>
               <a:t>Third level</a:t>
             </a:r>
           </a:p>
           <a:p>
             <a:pPr lvl="3"/>
             <a:r>
-              <a:rPr lang="en-US" smtClean="0"/>
+              <a:rPr lang="en-US"/>
               <a:t>Fourth level</a:t>
             </a:r>
           </a:p>
           <a:p>
             <a:pPr lvl="4"/>
             <a:r>
-              <a:rPr lang="en-US" smtClean="0"/>
+              <a:rPr lang="en-US"/>
               <a:t>Fifth level</a:t>
             </a:r>
             <a:endParaRPr lang="en-ZA"/>
@@ -3666,7 +3724,7 @@
             <a:fld id="{986C9EB5-A2B4-494A-8466-BDB12800E3A8}" type="datetimeFigureOut">
               <a:rPr lang="en-ZA" smtClean="0"/>
               <a:pPr/>
-              <a:t>2015-03-05</a:t>
+              <a:t>2017/03/30</a:t>
             </a:fld>
             <a:endParaRPr lang="en-ZA"/>
           </a:p>
@@ -3777,7 +3835,7 @@
           <a:lstStyle/>
           <a:p>
             <a:r>
-              <a:rPr lang="en-US" smtClean="0"/>
+              <a:rPr lang="en-US"/>
               <a:t>Click to edit Master title style</a:t>
             </a:r>
             <a:endParaRPr lang="en-ZA"/>
@@ -3810,7 +3868,7 @@
             <a:fld id="{986C9EB5-A2B4-494A-8466-BDB12800E3A8}" type="datetimeFigureOut">
               <a:rPr lang="en-ZA" smtClean="0"/>
               <a:pPr/>
-              <a:t>2015-03-05</a:t>
+              <a:t>2017/03/30</a:t>
             </a:fld>
             <a:endParaRPr lang="en-ZA"/>
           </a:p>
@@ -3885,13 +3943,6 @@
   <p:clrMapOvr>
     <a:masterClrMapping/>
   </p:clrMapOvr>
-  <p:timing>
-    <p:tnLst>
-      <p:par>
-        <p:cTn id="1" dur="indefinite" restart="never" nodeType="tmRoot"/>
-      </p:par>
-    </p:tnLst>
-  </p:timing>
 </p:sldLayout>
 </file>
 
@@ -3938,7 +3989,7 @@
             <a:fld id="{986C9EB5-A2B4-494A-8466-BDB12800E3A8}" type="datetimeFigureOut">
               <a:rPr lang="en-ZA" smtClean="0"/>
               <a:pPr/>
-              <a:t>2015-03-05</a:t>
+              <a:t>2017/03/30</a:t>
             </a:fld>
             <a:endParaRPr lang="en-ZA"/>
           </a:p>
@@ -4013,13 +4064,6 @@
   <p:clrMapOvr>
     <a:masterClrMapping/>
   </p:clrMapOvr>
-  <p:timing>
-    <p:tnLst>
-      <p:par>
-        <p:cTn id="1" dur="indefinite" restart="never" nodeType="tmRoot"/>
-      </p:par>
-    </p:tnLst>
-  </p:timing>
 </p:sldLayout>
 </file>
 
@@ -4065,7 +4109,7 @@
           </a:lstStyle>
           <a:p>
             <a:r>
-              <a:rPr lang="en-US" smtClean="0"/>
+              <a:rPr lang="en-US"/>
               <a:t>Click to edit Master title style</a:t>
             </a:r>
             <a:endParaRPr lang="en-ZA"/>
@@ -4122,35 +4166,35 @@
           <a:p>
             <a:pPr lvl="0"/>
             <a:r>
-              <a:rPr lang="en-US" smtClean="0"/>
+              <a:rPr lang="en-US"/>
               <a:t>Click to edit Master text styles</a:t>
             </a:r>
           </a:p>
           <a:p>
             <a:pPr lvl="1"/>
             <a:r>
-              <a:rPr lang="en-US" smtClean="0"/>
+              <a:rPr lang="en-US"/>
               <a:t>Second level</a:t>
             </a:r>
           </a:p>
           <a:p>
             <a:pPr lvl="2"/>
             <a:r>
-              <a:rPr lang="en-US" smtClean="0"/>
+              <a:rPr lang="en-US"/>
               <a:t>Third level</a:t>
             </a:r>
           </a:p>
           <a:p>
             <a:pPr lvl="3"/>
             <a:r>
-              <a:rPr lang="en-US" smtClean="0"/>
+              <a:rPr lang="en-US"/>
               <a:t>Fourth level</a:t>
             </a:r>
           </a:p>
           <a:p>
             <a:pPr lvl="4"/>
             <a:r>
-              <a:rPr lang="en-US" smtClean="0"/>
+              <a:rPr lang="en-US"/>
               <a:t>Fifth level</a:t>
             </a:r>
             <a:endParaRPr lang="en-ZA"/>
@@ -4216,7 +4260,7 @@
           <a:p>
             <a:pPr lvl="0"/>
             <a:r>
-              <a:rPr lang="en-US" smtClean="0"/>
+              <a:rPr lang="en-US"/>
               <a:t>Click to edit Master text styles</a:t>
             </a:r>
           </a:p>
@@ -4248,7 +4292,7 @@
             <a:fld id="{986C9EB5-A2B4-494A-8466-BDB12800E3A8}" type="datetimeFigureOut">
               <a:rPr lang="en-ZA" smtClean="0"/>
               <a:pPr/>
-              <a:t>2015-03-05</a:t>
+              <a:t>2017/03/30</a:t>
             </a:fld>
             <a:endParaRPr lang="en-ZA"/>
           </a:p>
@@ -4323,13 +4367,6 @@
   <p:clrMapOvr>
     <a:masterClrMapping/>
   </p:clrMapOvr>
-  <p:timing>
-    <p:tnLst>
-      <p:par>
-        <p:cTn id="1" dur="indefinite" restart="never" nodeType="tmRoot"/>
-      </p:par>
-    </p:tnLst>
-  </p:timing>
 </p:sldLayout>
 </file>
 
@@ -4375,7 +4412,7 @@
           </a:lstStyle>
           <a:p>
             <a:r>
-              <a:rPr lang="en-US" smtClean="0"/>
+              <a:rPr lang="en-US"/>
               <a:t>Click to edit Master title style</a:t>
             </a:r>
             <a:endParaRPr lang="en-ZA"/>
@@ -4502,7 +4539,7 @@
           <a:p>
             <a:pPr lvl="0"/>
             <a:r>
-              <a:rPr lang="en-US" smtClean="0"/>
+              <a:rPr lang="en-US"/>
               <a:t>Click to edit Master text styles</a:t>
             </a:r>
           </a:p>
@@ -4534,7 +4571,7 @@
             <a:fld id="{986C9EB5-A2B4-494A-8466-BDB12800E3A8}" type="datetimeFigureOut">
               <a:rPr lang="en-ZA" smtClean="0"/>
               <a:pPr/>
-              <a:t>2015-03-05</a:t>
+              <a:t>2017/03/30</a:t>
             </a:fld>
             <a:endParaRPr lang="en-ZA"/>
           </a:p>
@@ -4609,13 +4646,6 @@
   <p:clrMapOvr>
     <a:masterClrMapping/>
   </p:clrMapOvr>
-  <p:timing>
-    <p:tnLst>
-      <p:par>
-        <p:cTn id="1" dur="indefinite" restart="never" nodeType="tmRoot"/>
-      </p:par>
-    </p:tnLst>
-  </p:timing>
 </p:sldLayout>
 </file>
 
@@ -4667,7 +4697,7 @@
           <a:lstStyle/>
           <a:p>
             <a:r>
-              <a:rPr lang="en-US" dirty="0" smtClean="0"/>
+              <a:rPr lang="en-US" dirty="0"/>
               <a:t>Click to edit Master title style</a:t>
             </a:r>
             <a:endParaRPr lang="en-ZA" dirty="0"/>
@@ -4701,21 +4731,21 @@
           <a:p>
             <a:pPr lvl="0"/>
             <a:r>
-              <a:rPr lang="en-US" dirty="0" smtClean="0"/>
+              <a:rPr lang="en-US" dirty="0"/>
               <a:t>Click to edit Master text styles</a:t>
             </a:r>
           </a:p>
           <a:p>
             <a:pPr lvl="1"/>
             <a:r>
-              <a:rPr lang="en-US" dirty="0" smtClean="0"/>
+              <a:rPr lang="en-US" dirty="0"/>
               <a:t>Second level</a:t>
             </a:r>
           </a:p>
           <a:p>
             <a:pPr lvl="2"/>
             <a:r>
-              <a:rPr lang="en-US" dirty="0" smtClean="0"/>
+              <a:rPr lang="en-US" dirty="0"/>
               <a:t>Third level</a:t>
             </a:r>
           </a:p>
@@ -4813,13 +4843,6 @@
     <p:sldLayoutId id="2147483659" r:id="rId11"/>
     <p:sldLayoutId id="2147483660" r:id="rId12"/>
   </p:sldLayoutIdLst>
-  <p:timing>
-    <p:tnLst>
-      <p:par>
-        <p:cTn id="1" dur="indefinite" restart="never" nodeType="tmRoot"/>
-      </p:par>
-    </p:tnLst>
-  </p:timing>
   <p:txStyles>
     <p:titleStyle>
       <a:lvl1pPr algn="l" defTabSz="914400" rtl="0" eaLnBrk="1" latinLnBrk="0" hangingPunct="1">
@@ -5176,13 +5199,6 @@
   <p:clrMapOvr>
     <a:masterClrMapping/>
   </p:clrMapOvr>
-  <p:timing>
-    <p:tnLst>
-      <p:par>
-        <p:cTn id="1" dur="indefinite" restart="never" nodeType="tmRoot"/>
-      </p:par>
-    </p:tnLst>
-  </p:timing>
 </p:sld>
 </file>
 
@@ -5213,994 +5229,131 @@
             <p:ph type="title"/>
           </p:nvPr>
         </p:nvSpPr>
+        <p:spPr/>
+        <p:txBody>
+          <a:bodyPr/>
+          <a:lstStyle/>
+          <a:p>
+            <a:r>
+              <a:rPr lang="en-ZA" dirty="0"/>
+              <a:t>Test Double</a:t>
+            </a:r>
+            <a:endParaRPr lang="en-US" dirty="0"/>
+          </a:p>
+        </p:txBody>
+      </p:sp>
+      <p:sp>
+        <p:nvSpPr>
+          <p:cNvPr id="3" name="Content Placeholder 2"/>
+          <p:cNvSpPr>
+            <a:spLocks noGrp="1"/>
+          </p:cNvSpPr>
+          <p:nvPr>
+            <p:ph idx="1"/>
+          </p:nvPr>
+        </p:nvSpPr>
         <p:spPr>
           <a:xfrm>
-            <a:off x="457200" y="228864"/>
-            <a:ext cx="6347048" cy="588409"/>
+            <a:off x="467544" y="937288"/>
+            <a:ext cx="8229600" cy="4080452"/>
           </a:xfrm>
         </p:spPr>
         <p:txBody>
           <a:bodyPr>
-            <a:normAutofit/>
+            <a:normAutofit fontScale="85000" lnSpcReduction="20000"/>
           </a:bodyPr>
           <a:lstStyle/>
           <a:p>
+            <a:pPr fontAlgn="base"/>
+            <a:r>
+              <a:rPr lang="en-ZA" b="1" dirty="0"/>
+              <a:t>Test Double</a:t>
+            </a:r>
             <a:r>
               <a:rPr lang="en-ZA" dirty="0"/>
-              <a:t>Dummies</a:t>
-            </a:r>
-          </a:p>
-        </p:txBody>
-      </p:sp>
-      <p:sp>
-        <p:nvSpPr>
-          <p:cNvPr id="3" name="Content Placeholder 2"/>
-          <p:cNvSpPr>
-            <a:spLocks noGrp="1"/>
-          </p:cNvSpPr>
-          <p:nvPr>
-            <p:ph idx="1"/>
-          </p:nvPr>
-        </p:nvSpPr>
-        <p:spPr/>
-        <p:txBody>
-          <a:bodyPr>
-            <a:normAutofit/>
-          </a:bodyPr>
-          <a:lstStyle/>
-          <a:p>
-            <a:r>
-              <a:rPr lang="en-ZA" dirty="0" smtClean="0"/>
-              <a:t>Objects passed around but never actually used (used to fill parameter lists), “empty” implementation</a:t>
-            </a:r>
-          </a:p>
-          <a:p>
-            <a:endParaRPr lang="en-ZA" dirty="0"/>
-          </a:p>
-        </p:txBody>
-      </p:sp>
-      <p:sp>
-        <p:nvSpPr>
-          <p:cNvPr id="10" name="Rectangle 9"/>
-          <p:cNvSpPr/>
-          <p:nvPr/>
-        </p:nvSpPr>
-        <p:spPr>
-          <a:xfrm>
-            <a:off x="2123728" y="1921396"/>
-            <a:ext cx="4572000" cy="3046988"/>
-          </a:xfrm>
-          <a:prstGeom prst="rect">
-            <a:avLst/>
-          </a:prstGeom>
-          <a:solidFill>
-            <a:schemeClr val="bg1"/>
-          </a:solidFill>
-        </p:spPr>
-        <p:txBody>
-          <a:bodyPr>
-            <a:spAutoFit/>
-          </a:bodyPr>
-          <a:lstStyle/>
-          <a:p>
-            <a:r>
-              <a:rPr lang="en-US" sz="1200" dirty="0" smtClean="0">
-                <a:solidFill>
-                  <a:srgbClr val="0000FF"/>
-                </a:solidFill>
-                <a:highlight>
-                  <a:srgbClr val="FFFFFF"/>
-                </a:highlight>
-                <a:latin typeface="Consolas" panose="020B0609020204030204" pitchFamily="49" charset="0"/>
-              </a:rPr>
-              <a:t>public class</a:t>
-            </a:r>
-            <a:r>
-              <a:rPr lang="en-US" sz="1200" dirty="0" smtClean="0">
-                <a:solidFill>
-                  <a:srgbClr val="000000"/>
-                </a:solidFill>
-                <a:highlight>
-                  <a:srgbClr val="FFFFFF"/>
-                </a:highlight>
-                <a:latin typeface="Consolas" panose="020B0609020204030204" pitchFamily="49" charset="0"/>
-              </a:rPr>
-              <a:t> </a:t>
-            </a:r>
-            <a:r>
-              <a:rPr lang="en-US" sz="1200" dirty="0" err="1">
-                <a:solidFill>
-                  <a:srgbClr val="00008B"/>
-                </a:solidFill>
-                <a:highlight>
-                  <a:srgbClr val="FFFFFF"/>
-                </a:highlight>
-                <a:latin typeface="Consolas" panose="020B0609020204030204" pitchFamily="49" charset="0"/>
-              </a:rPr>
-              <a:t>FooDummy</a:t>
-            </a:r>
-            <a:r>
-              <a:rPr lang="en-US" sz="1200" dirty="0">
-                <a:solidFill>
-                  <a:srgbClr val="000000"/>
-                </a:solidFill>
-                <a:highlight>
-                  <a:srgbClr val="FFFFFF"/>
-                </a:highlight>
-                <a:latin typeface="Consolas" panose="020B0609020204030204" pitchFamily="49" charset="0"/>
-              </a:rPr>
-              <a:t> : </a:t>
-            </a:r>
-            <a:r>
-              <a:rPr lang="en-US" sz="1200" dirty="0">
-                <a:solidFill>
-                  <a:srgbClr val="00008B"/>
-                </a:solidFill>
-                <a:highlight>
-                  <a:srgbClr val="FFFFFF"/>
-                </a:highlight>
-                <a:latin typeface="Consolas" panose="020B0609020204030204" pitchFamily="49" charset="0"/>
-              </a:rPr>
-              <a:t>Foo</a:t>
-            </a:r>
-            <a:endParaRPr lang="en-US" sz="1200" dirty="0">
-              <a:solidFill>
-                <a:srgbClr val="000000"/>
-              </a:solidFill>
-              <a:highlight>
-                <a:srgbClr val="FFFFFF"/>
-              </a:highlight>
-              <a:latin typeface="Consolas" panose="020B0609020204030204" pitchFamily="49" charset="0"/>
-            </a:endParaRPr>
-          </a:p>
-          <a:p>
-            <a:r>
-              <a:rPr lang="en-US" sz="1200" dirty="0">
-                <a:solidFill>
-                  <a:srgbClr val="000000"/>
-                </a:solidFill>
-                <a:highlight>
-                  <a:srgbClr val="FFFFFF"/>
-                </a:highlight>
-                <a:latin typeface="Consolas" panose="020B0609020204030204" pitchFamily="49" charset="0"/>
-              </a:rPr>
-              <a:t>{</a:t>
-            </a:r>
-          </a:p>
-          <a:p>
-            <a:r>
-              <a:rPr lang="en-US" sz="1200" dirty="0">
-                <a:solidFill>
-                  <a:srgbClr val="000000"/>
-                </a:solidFill>
-                <a:highlight>
-                  <a:srgbClr val="FFFFFF"/>
-                </a:highlight>
-                <a:latin typeface="Consolas" panose="020B0609020204030204" pitchFamily="49" charset="0"/>
-              </a:rPr>
-              <a:t>    </a:t>
-            </a:r>
-            <a:r>
-              <a:rPr lang="en-US" sz="1200" dirty="0">
-                <a:solidFill>
-                  <a:srgbClr val="0000FF"/>
-                </a:solidFill>
-                <a:highlight>
-                  <a:srgbClr val="FFFFFF"/>
-                </a:highlight>
-                <a:latin typeface="Consolas" panose="020B0609020204030204" pitchFamily="49" charset="0"/>
-              </a:rPr>
-              <a:t>public</a:t>
-            </a:r>
-            <a:r>
-              <a:rPr lang="en-US" sz="1200" dirty="0">
-                <a:solidFill>
-                  <a:srgbClr val="000000"/>
-                </a:solidFill>
-                <a:highlight>
-                  <a:srgbClr val="FFFFFF"/>
-                </a:highlight>
-                <a:latin typeface="Consolas" panose="020B0609020204030204" pitchFamily="49" charset="0"/>
-              </a:rPr>
-              <a:t> </a:t>
-            </a:r>
-            <a:r>
-              <a:rPr lang="en-US" sz="1200" dirty="0">
-                <a:solidFill>
-                  <a:srgbClr val="00008B"/>
-                </a:solidFill>
-                <a:highlight>
-                  <a:srgbClr val="FFFFFF"/>
-                </a:highlight>
-                <a:latin typeface="Consolas" panose="020B0609020204030204" pitchFamily="49" charset="0"/>
-              </a:rPr>
-              <a:t>String</a:t>
-            </a:r>
-            <a:r>
-              <a:rPr lang="en-US" sz="1200" dirty="0">
-                <a:solidFill>
-                  <a:srgbClr val="000000"/>
-                </a:solidFill>
-                <a:highlight>
-                  <a:srgbClr val="FFFFFF"/>
-                </a:highlight>
-                <a:latin typeface="Consolas" panose="020B0609020204030204" pitchFamily="49" charset="0"/>
-              </a:rPr>
-              <a:t> </a:t>
-            </a:r>
-            <a:r>
-              <a:rPr lang="en-US" sz="1200" dirty="0">
-                <a:solidFill>
-                  <a:srgbClr val="008B8B"/>
-                </a:solidFill>
-                <a:highlight>
-                  <a:srgbClr val="FFFFFF"/>
-                </a:highlight>
-                <a:latin typeface="Consolas" panose="020B0609020204030204" pitchFamily="49" charset="0"/>
-              </a:rPr>
-              <a:t>bar</a:t>
-            </a:r>
-            <a:r>
-              <a:rPr lang="en-US" sz="1200" dirty="0">
-                <a:solidFill>
-                  <a:srgbClr val="000000"/>
-                </a:solidFill>
-                <a:highlight>
-                  <a:srgbClr val="FFFFFF"/>
-                </a:highlight>
-                <a:latin typeface="Consolas" panose="020B0609020204030204" pitchFamily="49" charset="0"/>
-              </a:rPr>
-              <a:t>() { </a:t>
-            </a:r>
-            <a:r>
-              <a:rPr lang="en-US" sz="1200" dirty="0">
-                <a:solidFill>
-                  <a:srgbClr val="0000FF"/>
-                </a:solidFill>
-                <a:highlight>
-                  <a:srgbClr val="FFFFFF"/>
-                </a:highlight>
-                <a:latin typeface="Consolas" panose="020B0609020204030204" pitchFamily="49" charset="0"/>
-              </a:rPr>
-              <a:t>return</a:t>
-            </a:r>
-            <a:r>
-              <a:rPr lang="en-US" sz="1200" dirty="0">
-                <a:solidFill>
-                  <a:srgbClr val="000000"/>
-                </a:solidFill>
-                <a:highlight>
-                  <a:srgbClr val="FFFFFF"/>
-                </a:highlight>
-                <a:latin typeface="Consolas" panose="020B0609020204030204" pitchFamily="49" charset="0"/>
-              </a:rPr>
-              <a:t> </a:t>
-            </a:r>
-            <a:r>
-              <a:rPr lang="en-US" sz="1200" dirty="0">
-                <a:solidFill>
-                  <a:srgbClr val="0000FF"/>
-                </a:solidFill>
-                <a:highlight>
-                  <a:srgbClr val="FFFFFF"/>
-                </a:highlight>
-                <a:latin typeface="Consolas" panose="020B0609020204030204" pitchFamily="49" charset="0"/>
-              </a:rPr>
-              <a:t>null</a:t>
-            </a:r>
-            <a:r>
-              <a:rPr lang="en-US" sz="1200" dirty="0">
-                <a:solidFill>
-                  <a:srgbClr val="000000"/>
-                </a:solidFill>
-                <a:highlight>
-                  <a:srgbClr val="FFFFFF"/>
-                </a:highlight>
-                <a:latin typeface="Consolas" panose="020B0609020204030204" pitchFamily="49" charset="0"/>
-              </a:rPr>
-              <a:t>; }</a:t>
-            </a:r>
-          </a:p>
-          <a:p>
-            <a:r>
-              <a:rPr lang="en-US" sz="1200" dirty="0">
-                <a:solidFill>
-                  <a:srgbClr val="000000"/>
-                </a:solidFill>
-                <a:highlight>
-                  <a:srgbClr val="FFFFFF"/>
-                </a:highlight>
-                <a:latin typeface="Consolas" panose="020B0609020204030204" pitchFamily="49" charset="0"/>
-              </a:rPr>
-              <a:t>}</a:t>
-            </a:r>
-          </a:p>
-          <a:p>
-            <a:endParaRPr lang="en-US" sz="1200" dirty="0">
-              <a:solidFill>
-                <a:srgbClr val="000000"/>
-              </a:solidFill>
-              <a:highlight>
-                <a:srgbClr val="FFFFFF"/>
-              </a:highlight>
-              <a:latin typeface="Consolas" panose="020B0609020204030204" pitchFamily="49" charset="0"/>
-            </a:endParaRPr>
-          </a:p>
-          <a:p>
-            <a:r>
-              <a:rPr lang="en-US" sz="1200" dirty="0">
-                <a:solidFill>
-                  <a:srgbClr val="0000FF"/>
-                </a:solidFill>
-                <a:highlight>
-                  <a:srgbClr val="FFFFFF"/>
-                </a:highlight>
-                <a:latin typeface="Consolas" panose="020B0609020204030204" pitchFamily="49" charset="0"/>
-              </a:rPr>
-              <a:t>public</a:t>
-            </a:r>
-            <a:r>
-              <a:rPr lang="en-US" sz="1200" dirty="0">
-                <a:solidFill>
-                  <a:srgbClr val="000000"/>
-                </a:solidFill>
-                <a:highlight>
-                  <a:srgbClr val="FFFFFF"/>
-                </a:highlight>
-                <a:latin typeface="Consolas" panose="020B0609020204030204" pitchFamily="49" charset="0"/>
-              </a:rPr>
-              <a:t> </a:t>
-            </a:r>
-            <a:r>
-              <a:rPr lang="en-US" sz="1200" dirty="0">
-                <a:solidFill>
-                  <a:srgbClr val="0000FF"/>
-                </a:solidFill>
-                <a:highlight>
-                  <a:srgbClr val="FFFFFF"/>
-                </a:highlight>
-                <a:latin typeface="Consolas" panose="020B0609020204030204" pitchFamily="49" charset="0"/>
-              </a:rPr>
-              <a:t>class</a:t>
-            </a:r>
-            <a:r>
-              <a:rPr lang="en-US" sz="1200" dirty="0">
-                <a:solidFill>
-                  <a:srgbClr val="000000"/>
-                </a:solidFill>
-                <a:highlight>
-                  <a:srgbClr val="FFFFFF"/>
-                </a:highlight>
-                <a:latin typeface="Consolas" panose="020B0609020204030204" pitchFamily="49" charset="0"/>
-              </a:rPr>
-              <a:t> </a:t>
-            </a:r>
-            <a:r>
-              <a:rPr lang="en-US" sz="1200" dirty="0" err="1">
-                <a:solidFill>
-                  <a:srgbClr val="00008B"/>
-                </a:solidFill>
-                <a:highlight>
-                  <a:srgbClr val="FFFFFF"/>
-                </a:highlight>
-                <a:latin typeface="Consolas" panose="020B0609020204030204" pitchFamily="49" charset="0"/>
-              </a:rPr>
-              <a:t>FooCollectionTest</a:t>
-            </a:r>
-            <a:endParaRPr lang="en-US" sz="1200" dirty="0">
-              <a:solidFill>
-                <a:srgbClr val="000000"/>
-              </a:solidFill>
-              <a:highlight>
-                <a:srgbClr val="FFFFFF"/>
-              </a:highlight>
-              <a:latin typeface="Consolas" panose="020B0609020204030204" pitchFamily="49" charset="0"/>
-            </a:endParaRPr>
-          </a:p>
-          <a:p>
-            <a:r>
-              <a:rPr lang="en-US" sz="1200" dirty="0">
-                <a:solidFill>
-                  <a:srgbClr val="000000"/>
-                </a:solidFill>
-                <a:highlight>
-                  <a:srgbClr val="FFFFFF"/>
-                </a:highlight>
-                <a:latin typeface="Consolas" panose="020B0609020204030204" pitchFamily="49" charset="0"/>
-              </a:rPr>
-              <a:t>{</a:t>
-            </a:r>
-          </a:p>
-          <a:p>
-            <a:r>
-              <a:rPr lang="en-US" sz="1200" dirty="0">
-                <a:solidFill>
-                  <a:srgbClr val="000000"/>
-                </a:solidFill>
-                <a:highlight>
-                  <a:srgbClr val="FFFFFF"/>
-                </a:highlight>
-                <a:latin typeface="Consolas" panose="020B0609020204030204" pitchFamily="49" charset="0"/>
-              </a:rPr>
-              <a:t>    [</a:t>
-            </a:r>
-            <a:r>
-              <a:rPr lang="en-US" sz="1200" dirty="0">
-                <a:solidFill>
-                  <a:srgbClr val="00008B"/>
-                </a:solidFill>
-                <a:highlight>
-                  <a:srgbClr val="FFFFFF"/>
-                </a:highlight>
-                <a:latin typeface="Consolas" panose="020B0609020204030204" pitchFamily="49" charset="0"/>
-              </a:rPr>
-              <a:t>Test</a:t>
-            </a:r>
-            <a:r>
-              <a:rPr lang="en-US" sz="1200" dirty="0">
-                <a:solidFill>
-                  <a:srgbClr val="000000"/>
-                </a:solidFill>
-                <a:highlight>
-                  <a:srgbClr val="FFFFFF"/>
-                </a:highlight>
-                <a:latin typeface="Consolas" panose="020B0609020204030204" pitchFamily="49" charset="0"/>
-              </a:rPr>
-              <a:t>]</a:t>
-            </a:r>
-          </a:p>
-          <a:p>
-            <a:r>
-              <a:rPr lang="en-US" sz="1200" dirty="0">
-                <a:solidFill>
-                  <a:srgbClr val="000000"/>
-                </a:solidFill>
-                <a:highlight>
-                  <a:srgbClr val="FFFFFF"/>
-                </a:highlight>
-                <a:latin typeface="Consolas" panose="020B0609020204030204" pitchFamily="49" charset="0"/>
-              </a:rPr>
-              <a:t>    </a:t>
-            </a:r>
-            <a:r>
-              <a:rPr lang="en-US" sz="1200" dirty="0">
-                <a:solidFill>
-                  <a:srgbClr val="0000FF"/>
-                </a:solidFill>
-                <a:highlight>
-                  <a:srgbClr val="FFFFFF"/>
-                </a:highlight>
-                <a:latin typeface="Consolas" panose="020B0609020204030204" pitchFamily="49" charset="0"/>
-              </a:rPr>
-              <a:t>public</a:t>
-            </a:r>
-            <a:r>
-              <a:rPr lang="en-US" sz="1200" dirty="0">
-                <a:solidFill>
-                  <a:srgbClr val="000000"/>
-                </a:solidFill>
-                <a:highlight>
-                  <a:srgbClr val="FFFFFF"/>
-                </a:highlight>
-                <a:latin typeface="Consolas" panose="020B0609020204030204" pitchFamily="49" charset="0"/>
-              </a:rPr>
-              <a:t> </a:t>
-            </a:r>
-            <a:r>
-              <a:rPr lang="en-US" sz="1200" dirty="0">
-                <a:solidFill>
-                  <a:srgbClr val="0000FF"/>
-                </a:solidFill>
-                <a:highlight>
-                  <a:srgbClr val="FFFFFF"/>
-                </a:highlight>
-                <a:latin typeface="Consolas" panose="020B0609020204030204" pitchFamily="49" charset="0"/>
-              </a:rPr>
-              <a:t>void</a:t>
-            </a:r>
-            <a:r>
-              <a:rPr lang="en-US" sz="1200" dirty="0">
-                <a:solidFill>
-                  <a:srgbClr val="000000"/>
-                </a:solidFill>
-                <a:highlight>
-                  <a:srgbClr val="FFFFFF"/>
-                </a:highlight>
-                <a:latin typeface="Consolas" panose="020B0609020204030204" pitchFamily="49" charset="0"/>
-              </a:rPr>
-              <a:t> </a:t>
-            </a:r>
-            <a:r>
-              <a:rPr lang="en-US" sz="1200" dirty="0" err="1">
-                <a:solidFill>
-                  <a:srgbClr val="008B8B"/>
-                </a:solidFill>
-                <a:highlight>
-                  <a:srgbClr val="FFFFFF"/>
-                </a:highlight>
-                <a:latin typeface="Consolas" panose="020B0609020204030204" pitchFamily="49" charset="0"/>
-              </a:rPr>
-              <a:t>it_should_maintain_a_count</a:t>
-            </a:r>
-            <a:r>
-              <a:rPr lang="en-US" sz="1200" dirty="0">
-                <a:solidFill>
-                  <a:srgbClr val="000000"/>
-                </a:solidFill>
-                <a:highlight>
-                  <a:srgbClr val="FFFFFF"/>
-                </a:highlight>
-                <a:latin typeface="Consolas" panose="020B0609020204030204" pitchFamily="49" charset="0"/>
-              </a:rPr>
-              <a:t>()</a:t>
-            </a:r>
-          </a:p>
-          <a:p>
-            <a:r>
-              <a:rPr lang="en-US" sz="1200" dirty="0">
-                <a:solidFill>
-                  <a:srgbClr val="000000"/>
-                </a:solidFill>
-                <a:highlight>
-                  <a:srgbClr val="FFFFFF"/>
-                </a:highlight>
-                <a:latin typeface="Consolas" panose="020B0609020204030204" pitchFamily="49" charset="0"/>
-              </a:rPr>
-              <a:t>    {</a:t>
-            </a:r>
-          </a:p>
-          <a:p>
-            <a:r>
-              <a:rPr lang="en-US" sz="1200" dirty="0">
-                <a:solidFill>
-                  <a:srgbClr val="000000"/>
-                </a:solidFill>
-                <a:highlight>
-                  <a:srgbClr val="FFFFFF"/>
-                </a:highlight>
-                <a:latin typeface="Consolas" panose="020B0609020204030204" pitchFamily="49" charset="0"/>
-              </a:rPr>
-              <a:t>        </a:t>
-            </a:r>
-            <a:r>
-              <a:rPr lang="en-US" sz="1200" dirty="0" err="1">
-                <a:solidFill>
-                  <a:srgbClr val="00008B"/>
-                </a:solidFill>
-                <a:highlight>
-                  <a:srgbClr val="FFFFFF"/>
-                </a:highlight>
-                <a:latin typeface="Consolas" panose="020B0609020204030204" pitchFamily="49" charset="0"/>
-              </a:rPr>
-              <a:t>FooCollection</a:t>
-            </a:r>
-            <a:r>
-              <a:rPr lang="en-US" sz="1200" dirty="0">
-                <a:solidFill>
-                  <a:srgbClr val="000000"/>
-                </a:solidFill>
-                <a:highlight>
-                  <a:srgbClr val="FFFFFF"/>
-                </a:highlight>
-                <a:latin typeface="Consolas" panose="020B0609020204030204" pitchFamily="49" charset="0"/>
-              </a:rPr>
-              <a:t> </a:t>
-            </a:r>
-            <a:r>
-              <a:rPr lang="en-US" sz="1200" dirty="0" err="1">
-                <a:solidFill>
-                  <a:srgbClr val="000000"/>
-                </a:solidFill>
-                <a:highlight>
-                  <a:srgbClr val="FFFFFF"/>
-                </a:highlight>
-                <a:latin typeface="Consolas" panose="020B0609020204030204" pitchFamily="49" charset="0"/>
-              </a:rPr>
-              <a:t>sut</a:t>
-            </a:r>
-            <a:r>
-              <a:rPr lang="en-US" sz="1200" dirty="0">
-                <a:solidFill>
-                  <a:srgbClr val="000000"/>
-                </a:solidFill>
-                <a:highlight>
-                  <a:srgbClr val="FFFFFF"/>
-                </a:highlight>
-                <a:latin typeface="Consolas" panose="020B0609020204030204" pitchFamily="49" charset="0"/>
-              </a:rPr>
-              <a:t> = </a:t>
-            </a:r>
-            <a:r>
-              <a:rPr lang="en-US" sz="1200" dirty="0">
-                <a:solidFill>
-                  <a:srgbClr val="0000FF"/>
-                </a:solidFill>
-                <a:highlight>
-                  <a:srgbClr val="FFFFFF"/>
-                </a:highlight>
-                <a:latin typeface="Consolas" panose="020B0609020204030204" pitchFamily="49" charset="0"/>
-              </a:rPr>
-              <a:t>new</a:t>
-            </a:r>
-            <a:r>
-              <a:rPr lang="en-US" sz="1200" dirty="0">
-                <a:solidFill>
-                  <a:srgbClr val="000000"/>
-                </a:solidFill>
-                <a:highlight>
-                  <a:srgbClr val="FFFFFF"/>
-                </a:highlight>
-                <a:latin typeface="Consolas" panose="020B0609020204030204" pitchFamily="49" charset="0"/>
-              </a:rPr>
-              <a:t> </a:t>
-            </a:r>
-            <a:r>
-              <a:rPr lang="en-US" sz="1200" dirty="0" err="1">
-                <a:solidFill>
-                  <a:srgbClr val="00008B"/>
-                </a:solidFill>
-                <a:highlight>
-                  <a:srgbClr val="FFFFFF"/>
-                </a:highlight>
-                <a:latin typeface="Consolas" panose="020B0609020204030204" pitchFamily="49" charset="0"/>
-              </a:rPr>
-              <a:t>FooCollection</a:t>
-            </a:r>
-            <a:r>
-              <a:rPr lang="en-US" sz="1200" dirty="0">
-                <a:solidFill>
-                  <a:srgbClr val="000000"/>
-                </a:solidFill>
-                <a:highlight>
-                  <a:srgbClr val="FFFFFF"/>
-                </a:highlight>
-                <a:latin typeface="Consolas" panose="020B0609020204030204" pitchFamily="49" charset="0"/>
-              </a:rPr>
-              <a:t>();</a:t>
-            </a:r>
-          </a:p>
-          <a:p>
-            <a:r>
-              <a:rPr lang="en-US" sz="1200" dirty="0">
-                <a:solidFill>
-                  <a:srgbClr val="000000"/>
-                </a:solidFill>
-                <a:highlight>
-                  <a:srgbClr val="FFFFFF"/>
-                </a:highlight>
-                <a:latin typeface="Consolas" panose="020B0609020204030204" pitchFamily="49" charset="0"/>
-              </a:rPr>
-              <a:t>        </a:t>
-            </a:r>
-            <a:r>
-              <a:rPr lang="en-US" sz="1200" dirty="0" err="1">
-                <a:solidFill>
-                  <a:srgbClr val="000000"/>
-                </a:solidFill>
-                <a:highlight>
-                  <a:srgbClr val="FFFFFF"/>
-                </a:highlight>
-                <a:latin typeface="Consolas" panose="020B0609020204030204" pitchFamily="49" charset="0"/>
-              </a:rPr>
-              <a:t>sut.</a:t>
-            </a:r>
-            <a:r>
-              <a:rPr lang="en-US" sz="1200" dirty="0" err="1">
-                <a:solidFill>
-                  <a:srgbClr val="008B8B"/>
-                </a:solidFill>
-                <a:highlight>
-                  <a:srgbClr val="FFFFFF"/>
-                </a:highlight>
-                <a:latin typeface="Consolas" panose="020B0609020204030204" pitchFamily="49" charset="0"/>
-              </a:rPr>
-              <a:t>Add</a:t>
-            </a:r>
-            <a:r>
-              <a:rPr lang="en-US" sz="1200" dirty="0">
-                <a:solidFill>
-                  <a:srgbClr val="000000"/>
-                </a:solidFill>
-                <a:highlight>
-                  <a:srgbClr val="FFFFFF"/>
-                </a:highlight>
-                <a:latin typeface="Consolas" panose="020B0609020204030204" pitchFamily="49" charset="0"/>
-              </a:rPr>
-              <a:t>(</a:t>
-            </a:r>
-            <a:r>
-              <a:rPr lang="en-US" sz="1200" dirty="0">
-                <a:solidFill>
-                  <a:srgbClr val="0000FF"/>
-                </a:solidFill>
-                <a:highlight>
-                  <a:srgbClr val="FFFFFF"/>
-                </a:highlight>
-                <a:latin typeface="Consolas" panose="020B0609020204030204" pitchFamily="49" charset="0"/>
-              </a:rPr>
-              <a:t>new</a:t>
-            </a:r>
-            <a:r>
-              <a:rPr lang="en-US" sz="1200" dirty="0">
-                <a:solidFill>
-                  <a:srgbClr val="000000"/>
-                </a:solidFill>
-                <a:highlight>
-                  <a:srgbClr val="FFFFFF"/>
-                </a:highlight>
-                <a:latin typeface="Consolas" panose="020B0609020204030204" pitchFamily="49" charset="0"/>
-              </a:rPr>
-              <a:t> </a:t>
-            </a:r>
-            <a:r>
-              <a:rPr lang="en-US" sz="1200" dirty="0" err="1">
-                <a:solidFill>
-                  <a:srgbClr val="00008B"/>
-                </a:solidFill>
-                <a:highlight>
-                  <a:srgbClr val="FFFFFF"/>
-                </a:highlight>
-                <a:latin typeface="Consolas" panose="020B0609020204030204" pitchFamily="49" charset="0"/>
-              </a:rPr>
-              <a:t>FooDummy</a:t>
-            </a:r>
-            <a:r>
-              <a:rPr lang="en-US" sz="1200" dirty="0">
-                <a:solidFill>
-                  <a:srgbClr val="000000"/>
-                </a:solidFill>
-                <a:highlight>
-                  <a:srgbClr val="FFFFFF"/>
-                </a:highlight>
-                <a:latin typeface="Consolas" panose="020B0609020204030204" pitchFamily="49" charset="0"/>
-              </a:rPr>
-              <a:t>());</a:t>
-            </a:r>
-          </a:p>
-          <a:p>
-            <a:r>
-              <a:rPr lang="en-US" sz="1200" dirty="0">
-                <a:solidFill>
-                  <a:srgbClr val="000000"/>
-                </a:solidFill>
-                <a:highlight>
-                  <a:srgbClr val="FFFFFF"/>
-                </a:highlight>
-                <a:latin typeface="Consolas" panose="020B0609020204030204" pitchFamily="49" charset="0"/>
-              </a:rPr>
-              <a:t>        </a:t>
-            </a:r>
-            <a:r>
-              <a:rPr lang="en-US" sz="1200" dirty="0" err="1">
-                <a:solidFill>
-                  <a:srgbClr val="000000"/>
-                </a:solidFill>
-                <a:highlight>
-                  <a:srgbClr val="FFFFFF"/>
-                </a:highlight>
-                <a:latin typeface="Consolas" panose="020B0609020204030204" pitchFamily="49" charset="0"/>
-              </a:rPr>
-              <a:t>sut.</a:t>
-            </a:r>
-            <a:r>
-              <a:rPr lang="en-US" sz="1200" dirty="0" err="1">
-                <a:solidFill>
-                  <a:srgbClr val="008B8B"/>
-                </a:solidFill>
-                <a:highlight>
-                  <a:srgbClr val="FFFFFF"/>
-                </a:highlight>
-                <a:latin typeface="Consolas" panose="020B0609020204030204" pitchFamily="49" charset="0"/>
-              </a:rPr>
-              <a:t>Add</a:t>
-            </a:r>
-            <a:r>
-              <a:rPr lang="en-US" sz="1200" dirty="0">
-                <a:solidFill>
-                  <a:srgbClr val="000000"/>
-                </a:solidFill>
-                <a:highlight>
-                  <a:srgbClr val="FFFFFF"/>
-                </a:highlight>
-                <a:latin typeface="Consolas" panose="020B0609020204030204" pitchFamily="49" charset="0"/>
-              </a:rPr>
-              <a:t>(</a:t>
-            </a:r>
-            <a:r>
-              <a:rPr lang="en-US" sz="1200" dirty="0">
-                <a:solidFill>
-                  <a:srgbClr val="0000FF"/>
-                </a:solidFill>
-                <a:highlight>
-                  <a:srgbClr val="FFFFFF"/>
-                </a:highlight>
-                <a:latin typeface="Consolas" panose="020B0609020204030204" pitchFamily="49" charset="0"/>
-              </a:rPr>
-              <a:t>new</a:t>
-            </a:r>
-            <a:r>
-              <a:rPr lang="en-US" sz="1200" dirty="0">
-                <a:solidFill>
-                  <a:srgbClr val="000000"/>
-                </a:solidFill>
-                <a:highlight>
-                  <a:srgbClr val="FFFFFF"/>
-                </a:highlight>
-                <a:latin typeface="Consolas" panose="020B0609020204030204" pitchFamily="49" charset="0"/>
-              </a:rPr>
-              <a:t> </a:t>
-            </a:r>
-            <a:r>
-              <a:rPr lang="en-US" sz="1200" dirty="0" err="1">
-                <a:solidFill>
-                  <a:srgbClr val="00008B"/>
-                </a:solidFill>
-                <a:highlight>
-                  <a:srgbClr val="FFFFFF"/>
-                </a:highlight>
-                <a:latin typeface="Consolas" panose="020B0609020204030204" pitchFamily="49" charset="0"/>
-              </a:rPr>
-              <a:t>FooDummy</a:t>
-            </a:r>
-            <a:r>
-              <a:rPr lang="en-US" sz="1200" dirty="0">
-                <a:solidFill>
-                  <a:srgbClr val="000000"/>
-                </a:solidFill>
-                <a:highlight>
-                  <a:srgbClr val="FFFFFF"/>
-                </a:highlight>
-                <a:latin typeface="Consolas" panose="020B0609020204030204" pitchFamily="49" charset="0"/>
-              </a:rPr>
-              <a:t>());</a:t>
-            </a:r>
-          </a:p>
-          <a:p>
-            <a:r>
-              <a:rPr lang="en-US" sz="1200" dirty="0">
-                <a:solidFill>
-                  <a:srgbClr val="000000"/>
-                </a:solidFill>
-                <a:highlight>
-                  <a:srgbClr val="FFFFFF"/>
-                </a:highlight>
-                <a:latin typeface="Consolas" panose="020B0609020204030204" pitchFamily="49" charset="0"/>
-              </a:rPr>
-              <a:t>        </a:t>
-            </a:r>
-            <a:r>
-              <a:rPr lang="en-US" sz="1200" dirty="0" err="1">
-                <a:solidFill>
-                  <a:srgbClr val="00008B"/>
-                </a:solidFill>
-                <a:highlight>
-                  <a:srgbClr val="FFFFFF"/>
-                </a:highlight>
-                <a:latin typeface="Consolas" panose="020B0609020204030204" pitchFamily="49" charset="0"/>
-              </a:rPr>
-              <a:t>Assert</a:t>
-            </a:r>
-            <a:r>
-              <a:rPr lang="en-US" sz="1200" dirty="0" err="1">
-                <a:solidFill>
-                  <a:srgbClr val="000000"/>
-                </a:solidFill>
-                <a:highlight>
-                  <a:srgbClr val="FFFFFF"/>
-                </a:highlight>
-                <a:latin typeface="Consolas" panose="020B0609020204030204" pitchFamily="49" charset="0"/>
-              </a:rPr>
-              <a:t>.</a:t>
-            </a:r>
-            <a:r>
-              <a:rPr lang="en-US" sz="1200" dirty="0" err="1">
-                <a:solidFill>
-                  <a:srgbClr val="008B8B"/>
-                </a:solidFill>
-                <a:highlight>
-                  <a:srgbClr val="FFFFFF"/>
-                </a:highlight>
-                <a:latin typeface="Consolas" panose="020B0609020204030204" pitchFamily="49" charset="0"/>
-              </a:rPr>
-              <a:t>AreEqual</a:t>
-            </a:r>
-            <a:r>
-              <a:rPr lang="en-US" sz="1200" dirty="0">
-                <a:solidFill>
-                  <a:srgbClr val="000000"/>
-                </a:solidFill>
-                <a:highlight>
-                  <a:srgbClr val="FFFFFF"/>
-                </a:highlight>
-                <a:latin typeface="Consolas" panose="020B0609020204030204" pitchFamily="49" charset="0"/>
-              </a:rPr>
-              <a:t>(2, </a:t>
-            </a:r>
-            <a:r>
-              <a:rPr lang="en-US" sz="1200" dirty="0" err="1">
-                <a:solidFill>
-                  <a:srgbClr val="000000"/>
-                </a:solidFill>
-                <a:highlight>
-                  <a:srgbClr val="FFFFFF"/>
-                </a:highlight>
-                <a:latin typeface="Consolas" panose="020B0609020204030204" pitchFamily="49" charset="0"/>
-              </a:rPr>
-              <a:t>sut.</a:t>
-            </a:r>
-            <a:r>
-              <a:rPr lang="en-US" sz="1200" dirty="0" err="1">
-                <a:solidFill>
-                  <a:srgbClr val="008B8B"/>
-                </a:solidFill>
-                <a:highlight>
-                  <a:srgbClr val="FFFFFF"/>
-                </a:highlight>
-                <a:latin typeface="Consolas" panose="020B0609020204030204" pitchFamily="49" charset="0"/>
-              </a:rPr>
-              <a:t>Count</a:t>
-            </a:r>
-            <a:r>
-              <a:rPr lang="en-US" sz="1200" dirty="0">
-                <a:solidFill>
-                  <a:srgbClr val="000000"/>
-                </a:solidFill>
-                <a:highlight>
-                  <a:srgbClr val="FFFFFF"/>
-                </a:highlight>
-                <a:latin typeface="Consolas" panose="020B0609020204030204" pitchFamily="49" charset="0"/>
-              </a:rPr>
-              <a:t>());</a:t>
-            </a:r>
-          </a:p>
-          <a:p>
-            <a:r>
-              <a:rPr lang="en-US" sz="1200" dirty="0">
-                <a:solidFill>
-                  <a:srgbClr val="000000"/>
-                </a:solidFill>
-                <a:highlight>
-                  <a:srgbClr val="FFFFFF"/>
-                </a:highlight>
-                <a:latin typeface="Consolas" panose="020B0609020204030204" pitchFamily="49" charset="0"/>
-              </a:rPr>
-              <a:t>    }</a:t>
-            </a:r>
-          </a:p>
-          <a:p>
-            <a:r>
-              <a:rPr lang="en-US" sz="1200" dirty="0">
-                <a:solidFill>
-                  <a:srgbClr val="000000"/>
-                </a:solidFill>
-                <a:highlight>
-                  <a:srgbClr val="FFFFFF"/>
-                </a:highlight>
-                <a:latin typeface="Consolas" panose="020B0609020204030204" pitchFamily="49" charset="0"/>
-              </a:rPr>
-              <a:t>}</a:t>
-            </a:r>
-            <a:endParaRPr lang="en-ZA" sz="1200" dirty="0"/>
+              <a:t> is the generic term for any kind of pretend object used in place of a real object for testing purposes. The name comes from the notion of a Stunt Double in movies.</a:t>
+            </a:r>
+          </a:p>
+          <a:p>
+            <a:pPr lvl="1" fontAlgn="base"/>
+            <a:r>
+              <a:rPr lang="en-ZA" b="1" dirty="0"/>
+              <a:t>Dummy</a:t>
+            </a:r>
+            <a:r>
+              <a:rPr lang="en-ZA" dirty="0"/>
+              <a:t> objects are passed around but never actually used. Usually they are just used to fill parameter lists.</a:t>
+            </a:r>
+          </a:p>
+          <a:p>
+            <a:pPr lvl="1" fontAlgn="base"/>
+            <a:r>
+              <a:rPr lang="en-ZA" b="1" dirty="0"/>
+              <a:t>Fake</a:t>
+            </a:r>
+            <a:r>
+              <a:rPr lang="en-ZA" dirty="0"/>
+              <a:t> objects actually have working implementations, but usually take some shortcut which makes them not suitable for production (an </a:t>
+            </a:r>
+            <a:r>
+              <a:rPr lang="en-ZA" dirty="0">
+                <a:hlinkClick r:id="rId3"/>
+              </a:rPr>
+              <a:t>in memory database</a:t>
+            </a:r>
+            <a:r>
+              <a:rPr lang="en-ZA" dirty="0"/>
+              <a:t> is a good example).</a:t>
+            </a:r>
+          </a:p>
+          <a:p>
+            <a:pPr lvl="1" fontAlgn="base"/>
+            <a:r>
+              <a:rPr lang="en-ZA" b="1" dirty="0"/>
+              <a:t>Stubs</a:t>
+            </a:r>
+            <a:r>
+              <a:rPr lang="en-ZA" dirty="0"/>
+              <a:t> provide canned answers to calls made during the test, usually not responding at all to anything outside what's programmed in for the test.</a:t>
+            </a:r>
+          </a:p>
+          <a:p>
+            <a:pPr lvl="1" fontAlgn="base"/>
+            <a:r>
+              <a:rPr lang="en-ZA" b="1" dirty="0"/>
+              <a:t>Spies</a:t>
+            </a:r>
+            <a:r>
+              <a:rPr lang="en-ZA" dirty="0"/>
+              <a:t> are stubs that also record some information based on how they were called. One form of this might be an email service that records how many messages it was sent.</a:t>
+            </a:r>
+          </a:p>
+          <a:p>
+            <a:pPr lvl="1" fontAlgn="base"/>
+            <a:r>
+              <a:rPr lang="en-ZA" b="1" dirty="0"/>
+              <a:t>Mocks</a:t>
+            </a:r>
+            <a:r>
+              <a:rPr lang="en-ZA" dirty="0"/>
+              <a:t> are what we are talking about here: objects pre-programmed with expectations which form a specification of the calls they are expected to receive.</a:t>
+            </a:r>
+          </a:p>
+          <a:p>
+            <a:endParaRPr lang="en-US" dirty="0"/>
           </a:p>
         </p:txBody>
       </p:sp>
     </p:spTree>
     <p:extLst>
       <p:ext uri="{BB962C8B-B14F-4D97-AF65-F5344CB8AC3E}">
-        <p14:creationId xmlns:p14="http://schemas.microsoft.com/office/powerpoint/2010/main" val="4091158794"/>
+        <p14:creationId xmlns:p14="http://schemas.microsoft.com/office/powerpoint/2010/main" val="305718492"/>
       </p:ext>
     </p:extLst>
   </p:cSld>
   <p:clrMapOvr>
     <a:masterClrMapping/>
   </p:clrMapOvr>
-  <p:timing>
-    <p:tnLst>
-      <p:par>
-        <p:cTn id="1" dur="indefinite" restart="never" nodeType="tmRoot"/>
-      </p:par>
-    </p:tnLst>
-  </p:timing>
 </p:sld>
 </file>
 
@@ -6244,10 +5397,9 @@
           <a:lstStyle/>
           <a:p>
             <a:r>
-              <a:rPr lang="en-ZA" dirty="0" smtClean="0"/>
-              <a:t>Stubs</a:t>
-            </a:r>
-            <a:endParaRPr lang="en-ZA" dirty="0"/>
+              <a:rPr lang="en-ZA" dirty="0"/>
+              <a:t>Dummies</a:t>
+            </a:r>
           </a:p>
         </p:txBody>
       </p:sp>
@@ -6269,23 +5421,25 @@
           <a:lstStyle/>
           <a:p>
             <a:r>
-              <a:rPr lang="en-ZA" dirty="0" smtClean="0"/>
-              <a:t>Implementation of interface, but with canned responses</a:t>
-            </a:r>
+              <a:rPr lang="en-ZA" dirty="0"/>
+              <a:t>Objects passed around but never actually used (used to fill parameter lists), “empty” implementation</a:t>
+            </a:r>
+          </a:p>
+          <a:p>
             <a:endParaRPr lang="en-ZA" dirty="0"/>
           </a:p>
         </p:txBody>
       </p:sp>
       <p:sp>
         <p:nvSpPr>
-          <p:cNvPr id="6" name="Rectangle 5"/>
+          <p:cNvPr id="10" name="Rectangle 9"/>
           <p:cNvSpPr/>
           <p:nvPr/>
         </p:nvSpPr>
         <p:spPr>
           <a:xfrm>
-            <a:off x="2123728" y="1417340"/>
-            <a:ext cx="4572000" cy="3600986"/>
+            <a:off x="2123728" y="1921396"/>
+            <a:ext cx="4572000" cy="3046988"/>
           </a:xfrm>
           <a:prstGeom prst="rect">
             <a:avLst/>
@@ -6310,7 +5464,7 @@
                 </a:highlight>
                 <a:latin typeface="Consolas" panose="020B0609020204030204" pitchFamily="49" charset="0"/>
               </a:rPr>
-              <a:t>class</a:t>
+              <a:t>public class</a:t>
             </a:r>
             <a:r>
               <a:rPr lang="en-US" sz="1200" dirty="0">
@@ -6334,7 +5488,7 @@
                 </a:highlight>
                 <a:latin typeface="Consolas" panose="020B0609020204030204" pitchFamily="49" charset="0"/>
               </a:rPr>
-              <a:t>FooStub</a:t>
+              <a:t>FooDummy</a:t>
             </a:r>
             <a:r>
               <a:rPr lang="en-US" sz="1200" dirty="0">
@@ -6455,47 +5609,19 @@
                 </a:highlight>
                 <a:latin typeface="Consolas" panose="020B0609020204030204" pitchFamily="49" charset="0"/>
               </a:rPr>
-              <a:t>Bar</a:t>
-            </a:r>
-            <a:r>
-              <a:rPr lang="en-US" sz="1200" dirty="0">
-                <a:solidFill>
-                  <a:srgbClr val="000000"/>
-                </a:solidFill>
-                <a:highlight>
-                  <a:srgbClr val="FFFFFF"/>
-                </a:highlight>
-                <a:latin typeface="Consolas" panose="020B0609020204030204" pitchFamily="49" charset="0"/>
-              </a:rPr>
-              <a:t>()</a:t>
-            </a:r>
-          </a:p>
-          <a:p>
-            <a:r>
-              <a:rPr lang="en-US" sz="1200" dirty="0">
-                <a:solidFill>
-                  <a:srgbClr val="000000"/>
-                </a:solidFill>
-                <a:highlight>
-                  <a:srgbClr val="FFFFFF"/>
-                </a:highlight>
-                <a:latin typeface="Consolas" panose="020B0609020204030204" pitchFamily="49" charset="0"/>
-              </a:rPr>
-              <a:t>    {</a:t>
-            </a:r>
-          </a:p>
-          <a:p>
-            <a:r>
-              <a:rPr lang="en-US" sz="1200" dirty="0">
-                <a:solidFill>
-                  <a:srgbClr val="000000"/>
-                </a:solidFill>
-                <a:highlight>
-                  <a:srgbClr val="FFFFFF"/>
-                </a:highlight>
-                <a:latin typeface="Consolas" panose="020B0609020204030204" pitchFamily="49" charset="0"/>
-              </a:rPr>
-              <a:t>        </a:t>
+              <a:t>bar</a:t>
+            </a:r>
+            <a:r>
+              <a:rPr lang="en-US" sz="1200" dirty="0">
+                <a:solidFill>
+                  <a:srgbClr val="000000"/>
+                </a:solidFill>
+                <a:highlight>
+                  <a:srgbClr val="FFFFFF"/>
+                </a:highlight>
+                <a:latin typeface="Consolas" panose="020B0609020204030204" pitchFamily="49" charset="0"/>
+              </a:rPr>
+              <a:t>() { </a:t>
             </a:r>
             <a:r>
               <a:rPr lang="en-US" sz="1200" dirty="0">
@@ -6524,64 +5650,26 @@
             <a:r>
               <a:rPr lang="en-US" sz="1200" dirty="0">
                 <a:solidFill>
-                  <a:srgbClr val="A31515"/>
-                </a:solidFill>
-                <a:highlight>
-                  <a:srgbClr val="FFFFFF"/>
-                </a:highlight>
-                <a:latin typeface="Consolas" panose="020B0609020204030204" pitchFamily="49" charset="0"/>
-              </a:rPr>
-              <a:t>"</a:t>
-            </a:r>
-            <a:r>
-              <a:rPr lang="en-US" sz="1200" dirty="0" err="1">
-                <a:solidFill>
-                  <a:srgbClr val="A31515"/>
-                </a:solidFill>
-                <a:highlight>
-                  <a:srgbClr val="FFFFFF"/>
-                </a:highlight>
-                <a:latin typeface="Consolas" panose="020B0609020204030204" pitchFamily="49" charset="0"/>
-              </a:rPr>
-              <a:t>baz</a:t>
-            </a:r>
-            <a:r>
-              <a:rPr lang="en-US" sz="1200" dirty="0">
-                <a:solidFill>
-                  <a:srgbClr val="A31515"/>
-                </a:solidFill>
-                <a:highlight>
-                  <a:srgbClr val="FFFFFF"/>
-                </a:highlight>
-                <a:latin typeface="Consolas" panose="020B0609020204030204" pitchFamily="49" charset="0"/>
-              </a:rPr>
-              <a:t>"</a:t>
-            </a:r>
-            <a:r>
-              <a:rPr lang="en-US" sz="1200" dirty="0">
-                <a:solidFill>
-                  <a:srgbClr val="000000"/>
-                </a:solidFill>
-                <a:highlight>
-                  <a:srgbClr val="FFFFFF"/>
-                </a:highlight>
-                <a:latin typeface="Consolas" panose="020B0609020204030204" pitchFamily="49" charset="0"/>
-              </a:rPr>
-              <a:t>;</a:t>
-            </a:r>
-          </a:p>
-          <a:p>
-            <a:r>
-              <a:rPr lang="en-US" sz="1200" dirty="0">
-                <a:solidFill>
-                  <a:srgbClr val="000000"/>
-                </a:solidFill>
-                <a:highlight>
-                  <a:srgbClr val="FFFFFF"/>
-                </a:highlight>
-                <a:latin typeface="Consolas" panose="020B0609020204030204" pitchFamily="49" charset="0"/>
-              </a:rPr>
-              <a:t>    }</a:t>
+                  <a:srgbClr val="0000FF"/>
+                </a:solidFill>
+                <a:highlight>
+                  <a:srgbClr val="FFFFFF"/>
+                </a:highlight>
+                <a:latin typeface="Consolas" panose="020B0609020204030204" pitchFamily="49" charset="0"/>
+              </a:rPr>
+              <a:t>null</a:t>
+            </a:r>
+            <a:r>
+              <a:rPr lang="en-US" sz="1200" dirty="0">
+                <a:solidFill>
+                  <a:srgbClr val="000000"/>
+                </a:solidFill>
+                <a:highlight>
+                  <a:srgbClr val="FFFFFF"/>
+                </a:highlight>
+                <a:latin typeface="Consolas" panose="020B0609020204030204" pitchFamily="49" charset="0"/>
+              </a:rPr>
+              <a:t>; }</a:t>
             </a:r>
           </a:p>
           <a:p>
@@ -6803,7 +5891,7 @@
                 </a:highlight>
                 <a:latin typeface="Consolas" panose="020B0609020204030204" pitchFamily="49" charset="0"/>
               </a:rPr>
-              <a:t>it_should_return_joined_bars</a:t>
+              <a:t>it_should_maintain_a_count</a:t>
             </a:r>
             <a:r>
               <a:rPr lang="en-US" sz="1200" dirty="0">
@@ -7025,7 +6113,7 @@
                 </a:highlight>
                 <a:latin typeface="Consolas" panose="020B0609020204030204" pitchFamily="49" charset="0"/>
               </a:rPr>
-              <a:t>FooStub</a:t>
+              <a:t>FooDummy</a:t>
             </a:r>
             <a:r>
               <a:rPr lang="en-US" sz="1200" dirty="0">
@@ -7123,7 +6211,7 @@
                 </a:highlight>
                 <a:latin typeface="Consolas" panose="020B0609020204030204" pitchFamily="49" charset="0"/>
               </a:rPr>
-              <a:t>FooStub</a:t>
+              <a:t>FooDummy</a:t>
             </a:r>
             <a:r>
               <a:rPr lang="en-US" sz="1200" dirty="0">
@@ -7197,71 +6285,23 @@
                 </a:highlight>
                 <a:latin typeface="Consolas" panose="020B0609020204030204" pitchFamily="49" charset="0"/>
               </a:rPr>
-              <a:t>(</a:t>
-            </a:r>
-            <a:r>
-              <a:rPr lang="en-US" sz="1200" dirty="0">
-                <a:solidFill>
-                  <a:srgbClr val="A31515"/>
-                </a:solidFill>
-                <a:highlight>
-                  <a:srgbClr val="FFFFFF"/>
-                </a:highlight>
-                <a:latin typeface="Consolas" panose="020B0609020204030204" pitchFamily="49" charset="0"/>
-              </a:rPr>
-              <a:t>"</a:t>
+              <a:t>(2, </a:t>
             </a:r>
             <a:r>
               <a:rPr lang="en-US" sz="1200" dirty="0" err="1">
                 <a:solidFill>
-                  <a:srgbClr val="A31515"/>
-                </a:solidFill>
-                <a:highlight>
-                  <a:srgbClr val="FFFFFF"/>
-                </a:highlight>
-                <a:latin typeface="Consolas" panose="020B0609020204030204" pitchFamily="49" charset="0"/>
-              </a:rPr>
-              <a:t>bazbaz</a:t>
-            </a:r>
-            <a:r>
-              <a:rPr lang="en-US" sz="1200" dirty="0">
-                <a:solidFill>
-                  <a:srgbClr val="A31515"/>
-                </a:solidFill>
-                <a:highlight>
-                  <a:srgbClr val="FFFFFF"/>
-                </a:highlight>
-                <a:latin typeface="Consolas" panose="020B0609020204030204" pitchFamily="49" charset="0"/>
-              </a:rPr>
-              <a:t>"</a:t>
-            </a:r>
-            <a:r>
-              <a:rPr lang="en-US" sz="1200" dirty="0">
-                <a:solidFill>
-                  <a:srgbClr val="000000"/>
-                </a:solidFill>
-                <a:highlight>
-                  <a:srgbClr val="FFFFFF"/>
-                </a:highlight>
-                <a:latin typeface="Consolas" panose="020B0609020204030204" pitchFamily="49" charset="0"/>
-              </a:rPr>
-              <a:t>, </a:t>
+                  <a:srgbClr val="000000"/>
+                </a:solidFill>
+                <a:highlight>
+                  <a:srgbClr val="FFFFFF"/>
+                </a:highlight>
+                <a:latin typeface="Consolas" panose="020B0609020204030204" pitchFamily="49" charset="0"/>
+              </a:rPr>
+              <a:t>sut.</a:t>
             </a:r>
             <a:r>
               <a:rPr lang="en-US" sz="1200" dirty="0" err="1">
                 <a:solidFill>
-                  <a:srgbClr val="000000"/>
-                </a:solidFill>
-                <a:highlight>
-                  <a:srgbClr val="FFFFFF"/>
-                </a:highlight>
-                <a:latin typeface="Consolas" panose="020B0609020204030204" pitchFamily="49" charset="0"/>
-              </a:rPr>
-              <a:t>sut.</a:t>
-            </a:r>
-            <a:r>
-              <a:rPr lang="en-US" sz="1200" dirty="0" err="1">
-                <a:solidFill>
                   <a:srgbClr val="008B8B"/>
                 </a:solidFill>
                 <a:highlight>
@@ -7269,7 +6309,7 @@
                 </a:highlight>
                 <a:latin typeface="Consolas" panose="020B0609020204030204" pitchFamily="49" charset="0"/>
               </a:rPr>
-              <a:t>Joined</a:t>
+              <a:t>Count</a:t>
             </a:r>
             <a:r>
               <a:rPr lang="en-US" sz="1200" dirty="0">
@@ -7318,20 +6358,13 @@
     </p:spTree>
     <p:extLst>
       <p:ext uri="{BB962C8B-B14F-4D97-AF65-F5344CB8AC3E}">
-        <p14:creationId xmlns:p14="http://schemas.microsoft.com/office/powerpoint/2010/main" val="530558504"/>
+        <p14:creationId xmlns:p14="http://schemas.microsoft.com/office/powerpoint/2010/main" val="4091158794"/>
       </p:ext>
     </p:extLst>
   </p:cSld>
   <p:clrMapOvr>
     <a:masterClrMapping/>
   </p:clrMapOvr>
-  <p:timing>
-    <p:tnLst>
-      <p:par>
-        <p:cTn id="1" dur="indefinite" restart="never" nodeType="tmRoot"/>
-      </p:par>
-    </p:tnLst>
-  </p:timing>
 </p:sld>
 </file>
 
@@ -7375,10 +6408,9 @@
           <a:lstStyle/>
           <a:p>
             <a:r>
-              <a:rPr lang="en-ZA" dirty="0" smtClean="0"/>
+              <a:rPr lang="en-ZA" dirty="0"/>
               <a:t>Fakes</a:t>
             </a:r>
-            <a:endParaRPr lang="en-ZA" dirty="0"/>
           </a:p>
         </p:txBody>
       </p:sp>
@@ -7400,10 +6432,9 @@
           <a:lstStyle/>
           <a:p>
             <a:r>
-              <a:rPr lang="en-ZA" dirty="0" smtClean="0"/>
+              <a:rPr lang="en-ZA" dirty="0"/>
               <a:t>Actual working implementation, but have some shortcut which means they unsuitable for production</a:t>
             </a:r>
-            <a:endParaRPr lang="en-ZA" dirty="0"/>
           </a:p>
         </p:txBody>
       </p:sp>
@@ -8206,13 +7237,6 @@
   <p:clrMapOvr>
     <a:masterClrMapping/>
   </p:clrMapOvr>
-  <p:timing>
-    <p:tnLst>
-      <p:par>
-        <p:cTn id="1" dur="indefinite" restart="never" nodeType="tmRoot"/>
-      </p:par>
-    </p:tnLst>
-  </p:timing>
 </p:sld>
 </file>
 
@@ -8235,14 +7259,67 @@
       </p:grpSpPr>
       <p:sp>
         <p:nvSpPr>
+          <p:cNvPr id="2" name="Title 1"/>
+          <p:cNvSpPr>
+            <a:spLocks noGrp="1"/>
+          </p:cNvSpPr>
+          <p:nvPr>
+            <p:ph type="title"/>
+          </p:nvPr>
+        </p:nvSpPr>
+        <p:spPr>
+          <a:xfrm>
+            <a:off x="457200" y="228864"/>
+            <a:ext cx="6347048" cy="588409"/>
+          </a:xfrm>
+        </p:spPr>
+        <p:txBody>
+          <a:bodyPr>
+            <a:normAutofit/>
+          </a:bodyPr>
+          <a:lstStyle/>
+          <a:p>
+            <a:r>
+              <a:rPr lang="en-ZA" dirty="0"/>
+              <a:t>Stubs</a:t>
+            </a:r>
+          </a:p>
+        </p:txBody>
+      </p:sp>
+      <p:sp>
+        <p:nvSpPr>
+          <p:cNvPr id="3" name="Content Placeholder 2"/>
+          <p:cNvSpPr>
+            <a:spLocks noGrp="1"/>
+          </p:cNvSpPr>
+          <p:nvPr>
+            <p:ph idx="1"/>
+          </p:nvPr>
+        </p:nvSpPr>
+        <p:spPr/>
+        <p:txBody>
+          <a:bodyPr>
+            <a:normAutofit/>
+          </a:bodyPr>
+          <a:lstStyle/>
+          <a:p>
+            <a:r>
+              <a:rPr lang="en-ZA" dirty="0"/>
+              <a:t>Implementation of interface, but with canned responses</a:t>
+            </a:r>
+          </a:p>
+        </p:txBody>
+      </p:sp>
+      <p:sp>
+        <p:nvSpPr>
           <p:cNvPr id="6" name="Rectangle 5"/>
           <p:cNvSpPr/>
           <p:nvPr/>
         </p:nvSpPr>
         <p:spPr>
           <a:xfrm>
-            <a:off x="1547664" y="1201316"/>
-            <a:ext cx="6696744" cy="4708981"/>
+            <a:off x="2123728" y="1417340"/>
+            <a:ext cx="4572000" cy="3600986"/>
           </a:xfrm>
           <a:prstGeom prst="rect">
             <a:avLst/>
@@ -8252,7 +7329,7 @@
           </a:solidFill>
         </p:spPr>
         <p:txBody>
-          <a:bodyPr wrap="square">
+          <a:bodyPr>
             <a:spAutoFit/>
           </a:bodyPr>
           <a:lstStyle/>
@@ -8267,7 +7344,7 @@
                 </a:highlight>
                 <a:latin typeface="Consolas" panose="020B0609020204030204" pitchFamily="49" charset="0"/>
               </a:rPr>
-              <a:t>public</a:t>
+              <a:t>class</a:t>
             </a:r>
             <a:r>
               <a:rPr lang="en-US" sz="1200" dirty="0">
@@ -8282,30 +7359,6 @@
               <a:t> </a:t>
             </a:r>
             <a:r>
-              <a:rPr lang="en-US" sz="1200" dirty="0">
-                <a:solidFill>
-                  <a:srgbClr val="0000FF"/>
-                </a:solidFill>
-                <a:highlight>
-                  <a:srgbClr val="FFFFFF"/>
-                </a:highlight>
-                <a:latin typeface="Consolas" panose="020B0609020204030204" pitchFamily="49" charset="0"/>
-              </a:rPr>
-              <a:t>class</a:t>
-            </a:r>
-            <a:r>
-              <a:rPr lang="en-US" sz="1200" dirty="0">
-                <a:solidFill>
-                  <a:srgbClr val="000000"/>
-                </a:solidFill>
-                <a:highlight>
-                  <a:srgbClr val="FFFFFF"/>
-                </a:highlight>
-                <a:latin typeface="Consolas" panose="020B0609020204030204" pitchFamily="49" charset="0"/>
-              </a:rPr>
-              <a:t> </a:t>
-            </a:r>
-            <a:r>
               <a:rPr lang="en-US" sz="1200" dirty="0" err="1">
                 <a:solidFill>
                   <a:srgbClr val="00008B"/>
@@ -8315,7 +7368,7 @@
                 </a:highlight>
                 <a:latin typeface="Consolas" panose="020B0609020204030204" pitchFamily="49" charset="0"/>
               </a:rPr>
-              <a:t>OrderInteractionTester</a:t>
+              <a:t>FooStub</a:t>
             </a:r>
             <a:r>
               <a:rPr lang="en-US" sz="1200" dirty="0">
@@ -8330,7 +7383,7 @@
               <a:t> : </a:t>
             </a:r>
             <a:r>
-              <a:rPr lang="en-US" sz="1200" dirty="0" err="1">
+              <a:rPr lang="en-US" sz="1200" dirty="0">
                 <a:solidFill>
                   <a:srgbClr val="00008B"/>
                 </a:solidFill>
@@ -8339,7 +7392,7 @@
                 </a:highlight>
                 <a:latin typeface="Consolas" panose="020B0609020204030204" pitchFamily="49" charset="0"/>
               </a:rPr>
-              <a:t>MockObjectTestCase</a:t>
+              <a:t>Foo</a:t>
             </a:r>
             <a:endParaRPr lang="en-US" sz="1200" dirty="0">
               <a:solidFill>
@@ -8405,6 +7458,82 @@
             <a:r>
               <a:rPr lang="en-US" sz="1200" dirty="0">
                 <a:solidFill>
+                  <a:srgbClr val="00008B"/>
+                </a:solidFill>
+                <a:highlight>
+                  <a:srgbClr val="FFFFFF"/>
+                </a:highlight>
+                <a:latin typeface="Consolas" panose="020B0609020204030204" pitchFamily="49" charset="0"/>
+              </a:rPr>
+              <a:t>String</a:t>
+            </a:r>
+            <a:r>
+              <a:rPr lang="en-US" sz="1200" dirty="0">
+                <a:solidFill>
+                  <a:srgbClr val="000000"/>
+                </a:solidFill>
+                <a:highlight>
+                  <a:srgbClr val="FFFFFF"/>
+                </a:highlight>
+                <a:latin typeface="Consolas" panose="020B0609020204030204" pitchFamily="49" charset="0"/>
+              </a:rPr>
+              <a:t> </a:t>
+            </a:r>
+            <a:r>
+              <a:rPr lang="en-US" sz="1200" dirty="0">
+                <a:solidFill>
+                  <a:srgbClr val="008B8B"/>
+                </a:solidFill>
+                <a:highlight>
+                  <a:srgbClr val="FFFFFF"/>
+                </a:highlight>
+                <a:latin typeface="Consolas" panose="020B0609020204030204" pitchFamily="49" charset="0"/>
+              </a:rPr>
+              <a:t>Bar</a:t>
+            </a:r>
+            <a:r>
+              <a:rPr lang="en-US" sz="1200" dirty="0">
+                <a:solidFill>
+                  <a:srgbClr val="000000"/>
+                </a:solidFill>
+                <a:highlight>
+                  <a:srgbClr val="FFFFFF"/>
+                </a:highlight>
+                <a:latin typeface="Consolas" panose="020B0609020204030204" pitchFamily="49" charset="0"/>
+              </a:rPr>
+              <a:t>()</a:t>
+            </a:r>
+          </a:p>
+          <a:p>
+            <a:r>
+              <a:rPr lang="en-US" sz="1200" dirty="0">
+                <a:solidFill>
+                  <a:srgbClr val="000000"/>
+                </a:solidFill>
+                <a:highlight>
+                  <a:srgbClr val="FFFFFF"/>
+                </a:highlight>
+                <a:latin typeface="Consolas" panose="020B0609020204030204" pitchFamily="49" charset="0"/>
+              </a:rPr>
+              <a:t>    {</a:t>
+            </a:r>
+          </a:p>
+          <a:p>
+            <a:r>
+              <a:rPr lang="en-US" sz="1200" dirty="0">
+                <a:solidFill>
+                  <a:srgbClr val="000000"/>
+                </a:solidFill>
+                <a:highlight>
+                  <a:srgbClr val="FFFFFF"/>
+                </a:highlight>
+                <a:latin typeface="Consolas" panose="020B0609020204030204" pitchFamily="49" charset="0"/>
+              </a:rPr>
+              <a:t>        </a:t>
+            </a:r>
+            <a:r>
+              <a:rPr lang="en-US" sz="1200" dirty="0">
+                <a:solidFill>
                   <a:srgbClr val="0000FF"/>
                 </a:solidFill>
                 <a:highlight>
@@ -8412,7 +7541,7 @@
                 </a:highlight>
                 <a:latin typeface="Consolas" panose="020B0609020204030204" pitchFamily="49" charset="0"/>
               </a:rPr>
-              <a:t>void</a:t>
+              <a:t>return</a:t>
             </a:r>
             <a:r>
               <a:rPr lang="en-US" sz="1200" dirty="0">
@@ -8427,69 +7556,83 @@
               <a:t> </a:t>
             </a:r>
             <a:r>
+              <a:rPr lang="en-US" sz="1200" dirty="0">
+                <a:solidFill>
+                  <a:srgbClr val="A31515"/>
+                </a:solidFill>
+                <a:highlight>
+                  <a:srgbClr val="FFFFFF"/>
+                </a:highlight>
+                <a:latin typeface="Consolas" panose="020B0609020204030204" pitchFamily="49" charset="0"/>
+              </a:rPr>
+              <a:t>"</a:t>
+            </a:r>
+            <a:r>
               <a:rPr lang="en-US" sz="1200" dirty="0" err="1">
                 <a:solidFill>
-                  <a:srgbClr val="008B8B"/>
-                </a:solidFill>
-                <a:highlight>
-                  <a:srgbClr val="FFFFFF"/>
-                </a:highlight>
-                <a:latin typeface="Consolas" panose="020B0609020204030204" pitchFamily="49" charset="0"/>
-              </a:rPr>
-              <a:t>testFillingRemovesInventoryIfInStock</a:t>
-            </a:r>
-            <a:r>
-              <a:rPr lang="en-US" sz="1200" dirty="0">
-                <a:solidFill>
-                  <a:srgbClr val="000000"/>
-                </a:solidFill>
-                <a:highlight>
-                  <a:srgbClr val="FFFFFF"/>
-                </a:highlight>
-                <a:latin typeface="Consolas" panose="020B0609020204030204" pitchFamily="49" charset="0"/>
-              </a:rPr>
-              <a:t>() </a:t>
-            </a:r>
-          </a:p>
-          <a:p>
-            <a:r>
-              <a:rPr lang="en-US" sz="1200" dirty="0">
-                <a:solidFill>
-                  <a:srgbClr val="000000"/>
-                </a:solidFill>
-                <a:highlight>
-                  <a:srgbClr val="FFFFFF"/>
-                </a:highlight>
-                <a:latin typeface="Consolas" panose="020B0609020204030204" pitchFamily="49" charset="0"/>
-              </a:rPr>
-              <a:t>    {</a:t>
-            </a:r>
-          </a:p>
-          <a:p>
-            <a:r>
-              <a:rPr lang="en-US" sz="1200" dirty="0">
-                <a:solidFill>
-                  <a:srgbClr val="000000"/>
-                </a:solidFill>
-                <a:highlight>
-                  <a:srgbClr val="FFFFFF"/>
-                </a:highlight>
-                <a:latin typeface="Consolas" panose="020B0609020204030204" pitchFamily="49" charset="0"/>
-              </a:rPr>
-              <a:t>        </a:t>
-            </a:r>
-            <a:r>
-              <a:rPr lang="en-US" sz="1200" dirty="0">
-                <a:solidFill>
-                  <a:srgbClr val="008000"/>
-                </a:solidFill>
-                <a:highlight>
-                  <a:srgbClr val="FFFFFF"/>
-                </a:highlight>
-                <a:latin typeface="Consolas" panose="020B0609020204030204" pitchFamily="49" charset="0"/>
-              </a:rPr>
-              <a:t>//setup - data</a:t>
-            </a:r>
+                  <a:srgbClr val="A31515"/>
+                </a:solidFill>
+                <a:highlight>
+                  <a:srgbClr val="FFFFFF"/>
+                </a:highlight>
+                <a:latin typeface="Consolas" panose="020B0609020204030204" pitchFamily="49" charset="0"/>
+              </a:rPr>
+              <a:t>baz</a:t>
+            </a:r>
+            <a:r>
+              <a:rPr lang="en-US" sz="1200" dirty="0">
+                <a:solidFill>
+                  <a:srgbClr val="A31515"/>
+                </a:solidFill>
+                <a:highlight>
+                  <a:srgbClr val="FFFFFF"/>
+                </a:highlight>
+                <a:latin typeface="Consolas" panose="020B0609020204030204" pitchFamily="49" charset="0"/>
+              </a:rPr>
+              <a:t>"</a:t>
+            </a:r>
+            <a:r>
+              <a:rPr lang="en-US" sz="1200" dirty="0">
+                <a:solidFill>
+                  <a:srgbClr val="000000"/>
+                </a:solidFill>
+                <a:highlight>
+                  <a:srgbClr val="FFFFFF"/>
+                </a:highlight>
+                <a:latin typeface="Consolas" panose="020B0609020204030204" pitchFamily="49" charset="0"/>
+              </a:rPr>
+              <a:t>;</a:t>
+            </a:r>
+          </a:p>
+          <a:p>
+            <a:r>
+              <a:rPr lang="en-US" sz="1200" dirty="0">
+                <a:solidFill>
+                  <a:srgbClr val="000000"/>
+                </a:solidFill>
+                <a:highlight>
+                  <a:srgbClr val="FFFFFF"/>
+                </a:highlight>
+                <a:latin typeface="Consolas" panose="020B0609020204030204" pitchFamily="49" charset="0"/>
+              </a:rPr>
+              <a:t>    }</a:t>
+            </a:r>
+          </a:p>
+          <a:p>
+            <a:r>
+              <a:rPr lang="en-US" sz="1200" dirty="0">
+                <a:solidFill>
+                  <a:srgbClr val="000000"/>
+                </a:solidFill>
+                <a:highlight>
+                  <a:srgbClr val="FFFFFF"/>
+                </a:highlight>
+                <a:latin typeface="Consolas" panose="020B0609020204030204" pitchFamily="49" charset="0"/>
+              </a:rPr>
+              <a:t>}</a:t>
+            </a:r>
+          </a:p>
+          <a:p>
             <a:endParaRPr lang="en-US" sz="1200" dirty="0">
               <a:solidFill>
                 <a:srgbClr val="000000"/>
@@ -8504,17 +7647,53 @@
             <a:r>
               <a:rPr lang="en-US" sz="1200" dirty="0">
                 <a:solidFill>
-                  <a:srgbClr val="000000"/>
-                </a:solidFill>
-                <a:highlight>
-                  <a:srgbClr val="FFFFFF"/>
-                </a:highlight>
-                <a:latin typeface="Consolas" panose="020B0609020204030204" pitchFamily="49" charset="0"/>
-              </a:rPr>
-              <a:t>        </a:t>
-            </a:r>
-            <a:r>
-              <a:rPr lang="en-US" sz="1200" dirty="0">
+                  <a:srgbClr val="0000FF"/>
+                </a:solidFill>
+                <a:highlight>
+                  <a:srgbClr val="FFFFFF"/>
+                </a:highlight>
+                <a:latin typeface="Consolas" panose="020B0609020204030204" pitchFamily="49" charset="0"/>
+              </a:rPr>
+              <a:t>public</a:t>
+            </a:r>
+            <a:r>
+              <a:rPr lang="en-US" sz="1200" dirty="0">
+                <a:solidFill>
+                  <a:srgbClr val="000000"/>
+                </a:solidFill>
+                <a:highlight>
+                  <a:srgbClr val="FFFFFF"/>
+                </a:highlight>
+                <a:latin typeface="Consolas" panose="020B0609020204030204" pitchFamily="49" charset="0"/>
+              </a:rPr>
+              <a:t> </a:t>
+            </a:r>
+            <a:r>
+              <a:rPr lang="en-US" sz="1200" dirty="0">
+                <a:solidFill>
+                  <a:srgbClr val="0000FF"/>
+                </a:solidFill>
+                <a:highlight>
+                  <a:srgbClr val="FFFFFF"/>
+                </a:highlight>
+                <a:latin typeface="Consolas" panose="020B0609020204030204" pitchFamily="49" charset="0"/>
+              </a:rPr>
+              <a:t>class</a:t>
+            </a:r>
+            <a:r>
+              <a:rPr lang="en-US" sz="1200" dirty="0">
+                <a:solidFill>
+                  <a:srgbClr val="000000"/>
+                </a:solidFill>
+                <a:highlight>
+                  <a:srgbClr val="FFFFFF"/>
+                </a:highlight>
+                <a:latin typeface="Consolas" panose="020B0609020204030204" pitchFamily="49" charset="0"/>
+              </a:rPr>
+              <a:t> </a:t>
+            </a:r>
+            <a:r>
+              <a:rPr lang="en-US" sz="1200" dirty="0" err="1">
                 <a:solidFill>
                   <a:srgbClr val="00008B"/>
                 </a:solidFill>
@@ -8523,289 +7702,7 @@
                 </a:highlight>
                 <a:latin typeface="Consolas" panose="020B0609020204030204" pitchFamily="49" charset="0"/>
               </a:rPr>
-              <a:t>Order</a:t>
-            </a:r>
-            <a:r>
-              <a:rPr lang="en-US" sz="1200" dirty="0">
-                <a:solidFill>
-                  <a:srgbClr val="000000"/>
-                </a:solidFill>
-                <a:highlight>
-                  <a:srgbClr val="FFFFFF"/>
-                </a:highlight>
-                <a:latin typeface="Consolas" panose="020B0609020204030204" pitchFamily="49" charset="0"/>
-              </a:rPr>
-              <a:t> </a:t>
-            </a:r>
-            <a:r>
-              <a:rPr lang="en-US" sz="1200" dirty="0" err="1">
-                <a:solidFill>
-                  <a:srgbClr val="000000"/>
-                </a:solidFill>
-                <a:highlight>
-                  <a:srgbClr val="FFFFFF"/>
-                </a:highlight>
-                <a:latin typeface="Consolas" panose="020B0609020204030204" pitchFamily="49" charset="0"/>
-              </a:rPr>
-              <a:t>order</a:t>
-            </a:r>
-            <a:r>
-              <a:rPr lang="en-US" sz="1200" dirty="0">
-                <a:solidFill>
-                  <a:srgbClr val="000000"/>
-                </a:solidFill>
-                <a:highlight>
-                  <a:srgbClr val="FFFFFF"/>
-                </a:highlight>
-                <a:latin typeface="Consolas" panose="020B0609020204030204" pitchFamily="49" charset="0"/>
-              </a:rPr>
-              <a:t> = </a:t>
-            </a:r>
-            <a:r>
-              <a:rPr lang="en-US" sz="1200" dirty="0">
-                <a:solidFill>
-                  <a:srgbClr val="0000FF"/>
-                </a:solidFill>
-                <a:highlight>
-                  <a:srgbClr val="FFFFFF"/>
-                </a:highlight>
-                <a:latin typeface="Consolas" panose="020B0609020204030204" pitchFamily="49" charset="0"/>
-              </a:rPr>
-              <a:t>new</a:t>
-            </a:r>
-            <a:r>
-              <a:rPr lang="en-US" sz="1200" dirty="0">
-                <a:solidFill>
-                  <a:srgbClr val="000000"/>
-                </a:solidFill>
-                <a:highlight>
-                  <a:srgbClr val="FFFFFF"/>
-                </a:highlight>
-                <a:latin typeface="Consolas" panose="020B0609020204030204" pitchFamily="49" charset="0"/>
-              </a:rPr>
-              <a:t> </a:t>
-            </a:r>
-            <a:r>
-              <a:rPr lang="en-US" sz="1200" dirty="0">
-                <a:solidFill>
-                  <a:srgbClr val="00008B"/>
-                </a:solidFill>
-                <a:highlight>
-                  <a:srgbClr val="FFFFFF"/>
-                </a:highlight>
-                <a:latin typeface="Consolas" panose="020B0609020204030204" pitchFamily="49" charset="0"/>
-              </a:rPr>
-              <a:t>Order</a:t>
-            </a:r>
-            <a:r>
-              <a:rPr lang="en-US" sz="1200" dirty="0">
-                <a:solidFill>
-                  <a:srgbClr val="000000"/>
-                </a:solidFill>
-                <a:highlight>
-                  <a:srgbClr val="FFFFFF"/>
-                </a:highlight>
-                <a:latin typeface="Consolas" panose="020B0609020204030204" pitchFamily="49" charset="0"/>
-              </a:rPr>
-              <a:t>(</a:t>
-            </a:r>
-            <a:r>
-              <a:rPr lang="en-US" sz="1200" dirty="0">
-                <a:solidFill>
-                  <a:srgbClr val="A31515"/>
-                </a:solidFill>
-                <a:highlight>
-                  <a:srgbClr val="FFFFFF"/>
-                </a:highlight>
-                <a:latin typeface="Consolas" panose="020B0609020204030204" pitchFamily="49" charset="0"/>
-              </a:rPr>
-              <a:t>"TALISKER"</a:t>
-            </a:r>
-            <a:r>
-              <a:rPr lang="en-US" sz="1200" dirty="0">
-                <a:solidFill>
-                  <a:srgbClr val="000000"/>
-                </a:solidFill>
-                <a:highlight>
-                  <a:srgbClr val="FFFFFF"/>
-                </a:highlight>
-                <a:latin typeface="Consolas" panose="020B0609020204030204" pitchFamily="49" charset="0"/>
-              </a:rPr>
-              <a:t>, 50);</a:t>
-            </a:r>
-          </a:p>
-          <a:p>
-            <a:r>
-              <a:rPr lang="en-US" sz="1200" dirty="0">
-                <a:solidFill>
-                  <a:srgbClr val="000000"/>
-                </a:solidFill>
-                <a:highlight>
-                  <a:srgbClr val="FFFFFF"/>
-                </a:highlight>
-                <a:latin typeface="Consolas" panose="020B0609020204030204" pitchFamily="49" charset="0"/>
-              </a:rPr>
-              <a:t>        </a:t>
-            </a:r>
-            <a:r>
-              <a:rPr lang="en-US" sz="1200" dirty="0" err="1">
-                <a:solidFill>
-                  <a:srgbClr val="0000FF"/>
-                </a:solidFill>
-                <a:highlight>
-                  <a:srgbClr val="FFFFFF"/>
-                </a:highlight>
-                <a:latin typeface="Consolas" panose="020B0609020204030204" pitchFamily="49" charset="0"/>
-              </a:rPr>
-              <a:t>var</a:t>
-            </a:r>
-            <a:r>
-              <a:rPr lang="en-US" sz="1200" dirty="0">
-                <a:solidFill>
-                  <a:srgbClr val="000000"/>
-                </a:solidFill>
-                <a:highlight>
-                  <a:srgbClr val="FFFFFF"/>
-                </a:highlight>
-                <a:latin typeface="Consolas" panose="020B0609020204030204" pitchFamily="49" charset="0"/>
-              </a:rPr>
-              <a:t> </a:t>
-            </a:r>
-            <a:r>
-              <a:rPr lang="en-US" sz="1200" dirty="0" err="1">
-                <a:solidFill>
-                  <a:srgbClr val="000000"/>
-                </a:solidFill>
-                <a:highlight>
-                  <a:srgbClr val="FFFFFF"/>
-                </a:highlight>
-                <a:latin typeface="Consolas" panose="020B0609020204030204" pitchFamily="49" charset="0"/>
-              </a:rPr>
-              <a:t>warehouseMock</a:t>
-            </a:r>
-            <a:r>
-              <a:rPr lang="en-US" sz="1200" dirty="0">
-                <a:solidFill>
-                  <a:srgbClr val="000000"/>
-                </a:solidFill>
-                <a:highlight>
-                  <a:srgbClr val="FFFFFF"/>
-                </a:highlight>
-                <a:latin typeface="Consolas" panose="020B0609020204030204" pitchFamily="49" charset="0"/>
-              </a:rPr>
-              <a:t> = </a:t>
-            </a:r>
-            <a:r>
-              <a:rPr lang="en-US" sz="1200" dirty="0">
-                <a:solidFill>
-                  <a:srgbClr val="0000FF"/>
-                </a:solidFill>
-                <a:highlight>
-                  <a:srgbClr val="FFFFFF"/>
-                </a:highlight>
-                <a:latin typeface="Consolas" panose="020B0609020204030204" pitchFamily="49" charset="0"/>
-              </a:rPr>
-              <a:t>new</a:t>
-            </a:r>
-            <a:r>
-              <a:rPr lang="en-US" sz="1200" dirty="0">
-                <a:solidFill>
-                  <a:srgbClr val="000000"/>
-                </a:solidFill>
-                <a:highlight>
-                  <a:srgbClr val="FFFFFF"/>
-                </a:highlight>
-                <a:latin typeface="Consolas" panose="020B0609020204030204" pitchFamily="49" charset="0"/>
-              </a:rPr>
-              <a:t> </a:t>
-            </a:r>
-            <a:r>
-              <a:rPr lang="en-US" sz="1200" dirty="0">
-                <a:solidFill>
-                  <a:srgbClr val="00008B"/>
-                </a:solidFill>
-                <a:highlight>
-                  <a:srgbClr val="FFFFFF"/>
-                </a:highlight>
-                <a:latin typeface="Consolas" panose="020B0609020204030204" pitchFamily="49" charset="0"/>
-              </a:rPr>
-              <a:t>Mock</a:t>
-            </a:r>
-            <a:r>
-              <a:rPr lang="en-US" sz="1200" dirty="0">
-                <a:solidFill>
-                  <a:srgbClr val="000000"/>
-                </a:solidFill>
-                <a:highlight>
-                  <a:srgbClr val="FFFFFF"/>
-                </a:highlight>
-                <a:latin typeface="Consolas" panose="020B0609020204030204" pitchFamily="49" charset="0"/>
-              </a:rPr>
-              <a:t>&lt;</a:t>
-            </a:r>
-            <a:r>
-              <a:rPr lang="en-US" sz="1200" dirty="0">
-                <a:solidFill>
-                  <a:srgbClr val="00008B"/>
-                </a:solidFill>
-                <a:highlight>
-                  <a:srgbClr val="FFFFFF"/>
-                </a:highlight>
-                <a:latin typeface="Consolas" panose="020B0609020204030204" pitchFamily="49" charset="0"/>
-              </a:rPr>
-              <a:t>Warehouse</a:t>
-            </a:r>
-            <a:r>
-              <a:rPr lang="en-US" sz="1200" dirty="0">
-                <a:solidFill>
-                  <a:srgbClr val="000000"/>
-                </a:solidFill>
-                <a:highlight>
-                  <a:srgbClr val="FFFFFF"/>
-                </a:highlight>
-                <a:latin typeface="Consolas" panose="020B0609020204030204" pitchFamily="49" charset="0"/>
-              </a:rPr>
-              <a:t>&gt;();</a:t>
-            </a:r>
-          </a:p>
-          <a:p>
-            <a:r>
-              <a:rPr lang="en-US" sz="1200" dirty="0">
-                <a:solidFill>
-                  <a:srgbClr val="000000"/>
-                </a:solidFill>
-                <a:highlight>
-                  <a:srgbClr val="FFFFFF"/>
-                </a:highlight>
-                <a:latin typeface="Consolas" panose="020B0609020204030204" pitchFamily="49" charset="0"/>
-              </a:rPr>
-              <a:t>    </a:t>
-            </a:r>
-          </a:p>
-          <a:p>
-            <a:r>
-              <a:rPr lang="en-US" sz="1200" dirty="0">
-                <a:solidFill>
-                  <a:srgbClr val="000000"/>
-                </a:solidFill>
-                <a:highlight>
-                  <a:srgbClr val="FFFFFF"/>
-                </a:highlight>
-                <a:latin typeface="Consolas" panose="020B0609020204030204" pitchFamily="49" charset="0"/>
-              </a:rPr>
-              <a:t>        </a:t>
-            </a:r>
-            <a:r>
-              <a:rPr lang="en-US" sz="1200" dirty="0">
-                <a:solidFill>
-                  <a:srgbClr val="008000"/>
-                </a:solidFill>
-                <a:highlight>
-                  <a:srgbClr val="FFFFFF"/>
-                </a:highlight>
-                <a:latin typeface="Consolas" panose="020B0609020204030204" pitchFamily="49" charset="0"/>
-              </a:rPr>
-              <a:t>//setup - expectations</a:t>
+              <a:t>FooCollectionTest</a:t>
             </a:r>
             <a:endParaRPr lang="en-US" sz="1200" dirty="0">
               <a:solidFill>
@@ -8828,23 +7725,285 @@
                 </a:highlight>
                 <a:latin typeface="Consolas" panose="020B0609020204030204" pitchFamily="49" charset="0"/>
               </a:rPr>
+              <a:t>{</a:t>
+            </a:r>
+          </a:p>
+          <a:p>
+            <a:r>
+              <a:rPr lang="en-US" sz="1200" dirty="0">
+                <a:solidFill>
+                  <a:srgbClr val="000000"/>
+                </a:solidFill>
+                <a:highlight>
+                  <a:srgbClr val="FFFFFF"/>
+                </a:highlight>
+                <a:latin typeface="Consolas" panose="020B0609020204030204" pitchFamily="49" charset="0"/>
+              </a:rPr>
+              <a:t>    [</a:t>
+            </a:r>
+            <a:r>
+              <a:rPr lang="en-US" sz="1200" dirty="0">
+                <a:solidFill>
+                  <a:srgbClr val="00008B"/>
+                </a:solidFill>
+                <a:highlight>
+                  <a:srgbClr val="FFFFFF"/>
+                </a:highlight>
+                <a:latin typeface="Consolas" panose="020B0609020204030204" pitchFamily="49" charset="0"/>
+              </a:rPr>
+              <a:t>Test</a:t>
+            </a:r>
+            <a:r>
+              <a:rPr lang="en-US" sz="1200" dirty="0">
+                <a:solidFill>
+                  <a:srgbClr val="000000"/>
+                </a:solidFill>
+                <a:highlight>
+                  <a:srgbClr val="FFFFFF"/>
+                </a:highlight>
+                <a:latin typeface="Consolas" panose="020B0609020204030204" pitchFamily="49" charset="0"/>
+              </a:rPr>
+              <a:t>]</a:t>
+            </a:r>
+          </a:p>
+          <a:p>
+            <a:r>
+              <a:rPr lang="en-US" sz="1200" dirty="0">
+                <a:solidFill>
+                  <a:srgbClr val="000000"/>
+                </a:solidFill>
+                <a:highlight>
+                  <a:srgbClr val="FFFFFF"/>
+                </a:highlight>
+                <a:latin typeface="Consolas" panose="020B0609020204030204" pitchFamily="49" charset="0"/>
+              </a:rPr>
+              <a:t>    </a:t>
+            </a:r>
+            <a:r>
+              <a:rPr lang="en-US" sz="1200" dirty="0">
+                <a:solidFill>
+                  <a:srgbClr val="0000FF"/>
+                </a:solidFill>
+                <a:highlight>
+                  <a:srgbClr val="FFFFFF"/>
+                </a:highlight>
+                <a:latin typeface="Consolas" panose="020B0609020204030204" pitchFamily="49" charset="0"/>
+              </a:rPr>
+              <a:t>public</a:t>
+            </a:r>
+            <a:r>
+              <a:rPr lang="en-US" sz="1200" dirty="0">
+                <a:solidFill>
+                  <a:srgbClr val="000000"/>
+                </a:solidFill>
+                <a:highlight>
+                  <a:srgbClr val="FFFFFF"/>
+                </a:highlight>
+                <a:latin typeface="Consolas" panose="020B0609020204030204" pitchFamily="49" charset="0"/>
+              </a:rPr>
+              <a:t> </a:t>
+            </a:r>
+            <a:r>
+              <a:rPr lang="en-US" sz="1200" dirty="0">
+                <a:solidFill>
+                  <a:srgbClr val="0000FF"/>
+                </a:solidFill>
+                <a:highlight>
+                  <a:srgbClr val="FFFFFF"/>
+                </a:highlight>
+                <a:latin typeface="Consolas" panose="020B0609020204030204" pitchFamily="49" charset="0"/>
+              </a:rPr>
+              <a:t>void</a:t>
+            </a:r>
+            <a:r>
+              <a:rPr lang="en-US" sz="1200" dirty="0">
+                <a:solidFill>
+                  <a:srgbClr val="000000"/>
+                </a:solidFill>
+                <a:highlight>
+                  <a:srgbClr val="FFFFFF"/>
+                </a:highlight>
+                <a:latin typeface="Consolas" panose="020B0609020204030204" pitchFamily="49" charset="0"/>
+              </a:rPr>
+              <a:t> </a:t>
+            </a:r>
+            <a:r>
+              <a:rPr lang="en-US" sz="1200" dirty="0" err="1">
+                <a:solidFill>
+                  <a:srgbClr val="008B8B"/>
+                </a:solidFill>
+                <a:highlight>
+                  <a:srgbClr val="FFFFFF"/>
+                </a:highlight>
+                <a:latin typeface="Consolas" panose="020B0609020204030204" pitchFamily="49" charset="0"/>
+              </a:rPr>
+              <a:t>it_should_return_joined_bars</a:t>
+            </a:r>
+            <a:r>
+              <a:rPr lang="en-US" sz="1200" dirty="0">
+                <a:solidFill>
+                  <a:srgbClr val="000000"/>
+                </a:solidFill>
+                <a:highlight>
+                  <a:srgbClr val="FFFFFF"/>
+                </a:highlight>
+                <a:latin typeface="Consolas" panose="020B0609020204030204" pitchFamily="49" charset="0"/>
+              </a:rPr>
+              <a:t>()</a:t>
+            </a:r>
+          </a:p>
+          <a:p>
+            <a:r>
+              <a:rPr lang="en-US" sz="1200" dirty="0">
+                <a:solidFill>
+                  <a:srgbClr val="000000"/>
+                </a:solidFill>
+                <a:highlight>
+                  <a:srgbClr val="FFFFFF"/>
+                </a:highlight>
+                <a:latin typeface="Consolas" panose="020B0609020204030204" pitchFamily="49" charset="0"/>
+              </a:rPr>
+              <a:t>    {</a:t>
+            </a:r>
+          </a:p>
+          <a:p>
+            <a:r>
+              <a:rPr lang="en-US" sz="1200" dirty="0">
+                <a:solidFill>
+                  <a:srgbClr val="000000"/>
+                </a:solidFill>
+                <a:highlight>
+                  <a:srgbClr val="FFFFFF"/>
+                </a:highlight>
+                <a:latin typeface="Consolas" panose="020B0609020204030204" pitchFamily="49" charset="0"/>
+              </a:rPr>
               <a:t>        </a:t>
             </a:r>
             <a:r>
               <a:rPr lang="en-US" sz="1200" dirty="0" err="1">
                 <a:solidFill>
-                  <a:srgbClr val="000000"/>
-                </a:solidFill>
-                <a:highlight>
-                  <a:srgbClr val="FFFFFF"/>
-                </a:highlight>
-                <a:latin typeface="Consolas" panose="020B0609020204030204" pitchFamily="49" charset="0"/>
-              </a:rPr>
-              <a:t>warehouseMock.</a:t>
+                  <a:srgbClr val="00008B"/>
+                </a:solidFill>
+                <a:highlight>
+                  <a:srgbClr val="FFFFFF"/>
+                </a:highlight>
+                <a:latin typeface="Consolas" panose="020B0609020204030204" pitchFamily="49" charset="0"/>
+              </a:rPr>
+              <a:t>FooCollection</a:t>
+            </a:r>
+            <a:r>
+              <a:rPr lang="en-US" sz="1200" dirty="0">
+                <a:solidFill>
+                  <a:srgbClr val="000000"/>
+                </a:solidFill>
+                <a:highlight>
+                  <a:srgbClr val="FFFFFF"/>
+                </a:highlight>
+                <a:latin typeface="Consolas" panose="020B0609020204030204" pitchFamily="49" charset="0"/>
+              </a:rPr>
+              <a:t> </a:t>
             </a:r>
             <a:r>
               <a:rPr lang="en-US" sz="1200" dirty="0" err="1">
                 <a:solidFill>
+                  <a:srgbClr val="000000"/>
+                </a:solidFill>
+                <a:highlight>
+                  <a:srgbClr val="FFFFFF"/>
+                </a:highlight>
+                <a:latin typeface="Consolas" panose="020B0609020204030204" pitchFamily="49" charset="0"/>
+              </a:rPr>
+              <a:t>sut</a:t>
+            </a:r>
+            <a:r>
+              <a:rPr lang="en-US" sz="1200" dirty="0">
+                <a:solidFill>
+                  <a:srgbClr val="000000"/>
+                </a:solidFill>
+                <a:highlight>
+                  <a:srgbClr val="FFFFFF"/>
+                </a:highlight>
+                <a:latin typeface="Consolas" panose="020B0609020204030204" pitchFamily="49" charset="0"/>
+              </a:rPr>
+              <a:t> = </a:t>
+            </a:r>
+            <a:r>
+              <a:rPr lang="en-US" sz="1200" dirty="0">
+                <a:solidFill>
+                  <a:srgbClr val="0000FF"/>
+                </a:solidFill>
+                <a:highlight>
+                  <a:srgbClr val="FFFFFF"/>
+                </a:highlight>
+                <a:latin typeface="Consolas" panose="020B0609020204030204" pitchFamily="49" charset="0"/>
+              </a:rPr>
+              <a:t>new</a:t>
+            </a:r>
+            <a:r>
+              <a:rPr lang="en-US" sz="1200" dirty="0">
+                <a:solidFill>
+                  <a:srgbClr val="000000"/>
+                </a:solidFill>
+                <a:highlight>
+                  <a:srgbClr val="FFFFFF"/>
+                </a:highlight>
+                <a:latin typeface="Consolas" panose="020B0609020204030204" pitchFamily="49" charset="0"/>
+              </a:rPr>
+              <a:t> </a:t>
+            </a:r>
+            <a:r>
+              <a:rPr lang="en-US" sz="1200" dirty="0" err="1">
+                <a:solidFill>
+                  <a:srgbClr val="00008B"/>
+                </a:solidFill>
+                <a:highlight>
+                  <a:srgbClr val="FFFFFF"/>
+                </a:highlight>
+                <a:latin typeface="Consolas" panose="020B0609020204030204" pitchFamily="49" charset="0"/>
+              </a:rPr>
+              <a:t>FooCollection</a:t>
+            </a:r>
+            <a:r>
+              <a:rPr lang="en-US" sz="1200" dirty="0">
+                <a:solidFill>
+                  <a:srgbClr val="000000"/>
+                </a:solidFill>
+                <a:highlight>
+                  <a:srgbClr val="FFFFFF"/>
+                </a:highlight>
+                <a:latin typeface="Consolas" panose="020B0609020204030204" pitchFamily="49" charset="0"/>
+              </a:rPr>
+              <a:t>();</a:t>
+            </a:r>
+          </a:p>
+          <a:p>
+            <a:r>
+              <a:rPr lang="en-US" sz="1200" dirty="0">
+                <a:solidFill>
+                  <a:srgbClr val="000000"/>
+                </a:solidFill>
+                <a:highlight>
+                  <a:srgbClr val="FFFFFF"/>
+                </a:highlight>
+                <a:latin typeface="Consolas" panose="020B0609020204030204" pitchFamily="49" charset="0"/>
+              </a:rPr>
+              <a:t>        </a:t>
+            </a:r>
+            <a:r>
+              <a:rPr lang="en-US" sz="1200" dirty="0" err="1">
+                <a:solidFill>
+                  <a:srgbClr val="000000"/>
+                </a:solidFill>
+                <a:highlight>
+                  <a:srgbClr val="FFFFFF"/>
+                </a:highlight>
+                <a:latin typeface="Consolas" panose="020B0609020204030204" pitchFamily="49" charset="0"/>
+              </a:rPr>
+              <a:t>sut.</a:t>
+            </a:r>
+            <a:r>
+              <a:rPr lang="en-US" sz="1200" dirty="0" err="1">
+                <a:solidFill>
                   <a:srgbClr val="008B8B"/>
                 </a:solidFill>
                 <a:highlight>
@@ -8852,7 +8011,7 @@
                 </a:highlight>
                 <a:latin typeface="Consolas" panose="020B0609020204030204" pitchFamily="49" charset="0"/>
               </a:rPr>
-              <a:t>Expects</a:t>
+              <a:t>Add</a:t>
             </a:r>
             <a:r>
               <a:rPr lang="en-US" sz="1200" dirty="0">
@@ -8869,6 +8028,80 @@
             <a:r>
               <a:rPr lang="en-US" sz="1200" dirty="0">
                 <a:solidFill>
+                  <a:srgbClr val="0000FF"/>
+                </a:solidFill>
+                <a:highlight>
+                  <a:srgbClr val="FFFFFF"/>
+                </a:highlight>
+                <a:latin typeface="Consolas" panose="020B0609020204030204" pitchFamily="49" charset="0"/>
+              </a:rPr>
+              <a:t>new</a:t>
+            </a:r>
+            <a:r>
+              <a:rPr lang="en-US" sz="1200" dirty="0">
+                <a:solidFill>
+                  <a:srgbClr val="000000"/>
+                </a:solidFill>
+                <a:highlight>
+                  <a:srgbClr val="FFFFFF"/>
+                </a:highlight>
+                <a:latin typeface="Consolas" panose="020B0609020204030204" pitchFamily="49" charset="0"/>
+              </a:rPr>
+              <a:t> </a:t>
+            </a:r>
+            <a:r>
+              <a:rPr lang="en-US" sz="1200" dirty="0" err="1">
+                <a:solidFill>
+                  <a:srgbClr val="00008B"/>
+                </a:solidFill>
+                <a:highlight>
+                  <a:srgbClr val="FFFFFF"/>
+                </a:highlight>
+                <a:latin typeface="Consolas" panose="020B0609020204030204" pitchFamily="49" charset="0"/>
+              </a:rPr>
+              <a:t>FooStub</a:t>
+            </a:r>
+            <a:r>
+              <a:rPr lang="en-US" sz="1200" dirty="0">
+                <a:solidFill>
+                  <a:srgbClr val="000000"/>
+                </a:solidFill>
+                <a:highlight>
+                  <a:srgbClr val="FFFFFF"/>
+                </a:highlight>
+                <a:latin typeface="Consolas" panose="020B0609020204030204" pitchFamily="49" charset="0"/>
+              </a:rPr>
+              <a:t>());</a:t>
+            </a:r>
+          </a:p>
+          <a:p>
+            <a:r>
+              <a:rPr lang="en-US" sz="1200" dirty="0">
+                <a:solidFill>
+                  <a:srgbClr val="000000"/>
+                </a:solidFill>
+                <a:highlight>
+                  <a:srgbClr val="FFFFFF"/>
+                </a:highlight>
+                <a:latin typeface="Consolas" panose="020B0609020204030204" pitchFamily="49" charset="0"/>
+              </a:rPr>
+              <a:t>        </a:t>
+            </a:r>
+            <a:r>
+              <a:rPr lang="en-US" sz="1200" dirty="0" err="1">
+                <a:solidFill>
+                  <a:srgbClr val="000000"/>
+                </a:solidFill>
+                <a:highlight>
+                  <a:srgbClr val="FFFFFF"/>
+                </a:highlight>
+                <a:latin typeface="Consolas" panose="020B0609020204030204" pitchFamily="49" charset="0"/>
+              </a:rPr>
+              <a:t>sut.</a:t>
+            </a:r>
+            <a:r>
+              <a:rPr lang="en-US" sz="1200" dirty="0" err="1">
+                <a:solidFill>
                   <a:srgbClr val="008B8B"/>
                 </a:solidFill>
                 <a:highlight>
@@ -8876,22 +8109,108 @@
                 </a:highlight>
                 <a:latin typeface="Consolas" panose="020B0609020204030204" pitchFamily="49" charset="0"/>
               </a:rPr>
-              <a:t>Once</a:t>
-            </a:r>
-            <a:r>
-              <a:rPr lang="en-US" sz="1200" dirty="0">
-                <a:solidFill>
-                  <a:srgbClr val="000000"/>
-                </a:solidFill>
-                <a:highlight>
-                  <a:srgbClr val="FFFFFF"/>
-                </a:highlight>
-                <a:latin typeface="Consolas" panose="020B0609020204030204" pitchFamily="49" charset="0"/>
-              </a:rPr>
-              <a:t>()).</a:t>
-            </a:r>
-            <a:r>
-              <a:rPr lang="en-US" sz="1200" dirty="0">
+              <a:t>Add</a:t>
+            </a:r>
+            <a:r>
+              <a:rPr lang="en-US" sz="1200" dirty="0">
+                <a:solidFill>
+                  <a:srgbClr val="000000"/>
+                </a:solidFill>
+                <a:highlight>
+                  <a:srgbClr val="FFFFFF"/>
+                </a:highlight>
+                <a:latin typeface="Consolas" panose="020B0609020204030204" pitchFamily="49" charset="0"/>
+              </a:rPr>
+              <a:t>(</a:t>
+            </a:r>
+            <a:r>
+              <a:rPr lang="en-US" sz="1200" dirty="0">
+                <a:solidFill>
+                  <a:srgbClr val="0000FF"/>
+                </a:solidFill>
+                <a:highlight>
+                  <a:srgbClr val="FFFFFF"/>
+                </a:highlight>
+                <a:latin typeface="Consolas" panose="020B0609020204030204" pitchFamily="49" charset="0"/>
+              </a:rPr>
+              <a:t>new</a:t>
+            </a:r>
+            <a:r>
+              <a:rPr lang="en-US" sz="1200" dirty="0">
+                <a:solidFill>
+                  <a:srgbClr val="000000"/>
+                </a:solidFill>
+                <a:highlight>
+                  <a:srgbClr val="FFFFFF"/>
+                </a:highlight>
+                <a:latin typeface="Consolas" panose="020B0609020204030204" pitchFamily="49" charset="0"/>
+              </a:rPr>
+              <a:t> </a:t>
+            </a:r>
+            <a:r>
+              <a:rPr lang="en-US" sz="1200" dirty="0" err="1">
+                <a:solidFill>
+                  <a:srgbClr val="00008B"/>
+                </a:solidFill>
+                <a:highlight>
+                  <a:srgbClr val="FFFFFF"/>
+                </a:highlight>
+                <a:latin typeface="Consolas" panose="020B0609020204030204" pitchFamily="49" charset="0"/>
+              </a:rPr>
+              <a:t>FooStub</a:t>
+            </a:r>
+            <a:r>
+              <a:rPr lang="en-US" sz="1200" dirty="0">
+                <a:solidFill>
+                  <a:srgbClr val="000000"/>
+                </a:solidFill>
+                <a:highlight>
+                  <a:srgbClr val="FFFFFF"/>
+                </a:highlight>
+                <a:latin typeface="Consolas" panose="020B0609020204030204" pitchFamily="49" charset="0"/>
+              </a:rPr>
+              <a:t>());</a:t>
+            </a:r>
+          </a:p>
+          <a:p>
+            <a:r>
+              <a:rPr lang="en-US" sz="1200" dirty="0">
+                <a:solidFill>
+                  <a:srgbClr val="000000"/>
+                </a:solidFill>
+                <a:highlight>
+                  <a:srgbClr val="FFFFFF"/>
+                </a:highlight>
+                <a:latin typeface="Consolas" panose="020B0609020204030204" pitchFamily="49" charset="0"/>
+              </a:rPr>
+              <a:t>        </a:t>
+            </a:r>
+            <a:r>
+              <a:rPr lang="en-US" sz="1200" dirty="0" err="1">
+                <a:solidFill>
+                  <a:srgbClr val="00008B"/>
+                </a:solidFill>
+                <a:highlight>
+                  <a:srgbClr val="FFFFFF"/>
+                </a:highlight>
+                <a:latin typeface="Consolas" panose="020B0609020204030204" pitchFamily="49" charset="0"/>
+              </a:rPr>
+              <a:t>Assert</a:t>
+            </a:r>
+            <a:r>
+              <a:rPr lang="en-US" sz="1200" dirty="0" err="1">
+                <a:solidFill>
+                  <a:srgbClr val="000000"/>
+                </a:solidFill>
+                <a:highlight>
+                  <a:srgbClr val="FFFFFF"/>
+                </a:highlight>
+                <a:latin typeface="Consolas" panose="020B0609020204030204" pitchFamily="49" charset="0"/>
+              </a:rPr>
+              <a:t>.</a:t>
+            </a:r>
+            <a:r>
+              <a:rPr lang="en-US" sz="1200" dirty="0" err="1">
                 <a:solidFill>
                   <a:srgbClr val="008B8B"/>
                 </a:solidFill>
@@ -8900,7 +8219,7 @@
                 </a:highlight>
                 <a:latin typeface="Consolas" panose="020B0609020204030204" pitchFamily="49" charset="0"/>
               </a:rPr>
-              <a:t>Method</a:t>
+              <a:t>AreEqual</a:t>
             </a:r>
             <a:r>
               <a:rPr lang="en-US" sz="1200" dirty="0">
@@ -8936,7 +8255,7 @@
                 </a:highlight>
                 <a:latin typeface="Consolas" panose="020B0609020204030204" pitchFamily="49" charset="0"/>
               </a:rPr>
-              <a:t>hasInventory</a:t>
+              <a:t>bazbaz</a:t>
             </a:r>
             <a:r>
               <a:rPr lang="en-US" sz="1200" dirty="0">
@@ -8960,24 +8279,22 @@
                 </a:highlight>
                 <a:latin typeface="Consolas" panose="020B0609020204030204" pitchFamily="49" charset="0"/>
               </a:rPr>
-              <a:t>)</a:t>
-            </a:r>
-          </a:p>
-          <a:p>
-            <a:r>
-              <a:rPr lang="en-US" sz="1200" dirty="0">
-                <a:solidFill>
-                  <a:srgbClr val="000000"/>
-                </a:solidFill>
-                <a:highlight>
-                  <a:srgbClr val="FFFFFF"/>
-                </a:highlight>
-                <a:latin typeface="Consolas" panose="020B0609020204030204" pitchFamily="49" charset="0"/>
-              </a:rPr>
-              <a:t>            .</a:t>
-            </a:r>
-            <a:r>
-              <a:rPr lang="en-US" sz="1200" dirty="0">
+              <a:t>, </a:t>
+            </a:r>
+            <a:r>
+              <a:rPr lang="en-US" sz="1200" dirty="0" err="1">
+                <a:solidFill>
+                  <a:srgbClr val="000000"/>
+                </a:solidFill>
+                <a:highlight>
+                  <a:srgbClr val="FFFFFF"/>
+                </a:highlight>
+                <a:latin typeface="Consolas" panose="020B0609020204030204" pitchFamily="49" charset="0"/>
+              </a:rPr>
+              <a:t>sut.</a:t>
+            </a:r>
+            <a:r>
+              <a:rPr lang="en-US" sz="1200" dirty="0" err="1">
                 <a:solidFill>
                   <a:srgbClr val="008B8B"/>
                 </a:solidFill>
@@ -8986,749 +8303,7 @@
                 </a:highlight>
                 <a:latin typeface="Consolas" panose="020B0609020204030204" pitchFamily="49" charset="0"/>
               </a:rPr>
-              <a:t>With</a:t>
-            </a:r>
-            <a:r>
-              <a:rPr lang="en-US" sz="1200" dirty="0">
-                <a:solidFill>
-                  <a:srgbClr val="000000"/>
-                </a:solidFill>
-                <a:highlight>
-                  <a:srgbClr val="FFFFFF"/>
-                </a:highlight>
-                <a:latin typeface="Consolas" panose="020B0609020204030204" pitchFamily="49" charset="0"/>
-              </a:rPr>
-              <a:t>(</a:t>
-            </a:r>
-            <a:r>
-              <a:rPr lang="en-US" sz="1200" dirty="0">
-                <a:solidFill>
-                  <a:srgbClr val="008B8B"/>
-                </a:solidFill>
-                <a:highlight>
-                  <a:srgbClr val="FFFFFF"/>
-                </a:highlight>
-                <a:latin typeface="Consolas" panose="020B0609020204030204" pitchFamily="49" charset="0"/>
-              </a:rPr>
-              <a:t>Equal</a:t>
-            </a:r>
-            <a:r>
-              <a:rPr lang="en-US" sz="1200" dirty="0">
-                <a:solidFill>
-                  <a:srgbClr val="000000"/>
-                </a:solidFill>
-                <a:highlight>
-                  <a:srgbClr val="FFFFFF"/>
-                </a:highlight>
-                <a:latin typeface="Consolas" panose="020B0609020204030204" pitchFamily="49" charset="0"/>
-              </a:rPr>
-              <a:t>(</a:t>
-            </a:r>
-            <a:r>
-              <a:rPr lang="en-US" sz="1200" dirty="0">
-                <a:solidFill>
-                  <a:srgbClr val="A31515"/>
-                </a:solidFill>
-                <a:highlight>
-                  <a:srgbClr val="FFFFFF"/>
-                </a:highlight>
-                <a:latin typeface="Consolas" panose="020B0609020204030204" pitchFamily="49" charset="0"/>
-              </a:rPr>
-              <a:t>"TALISKER"</a:t>
-            </a:r>
-            <a:r>
-              <a:rPr lang="en-US" sz="1200" dirty="0">
-                <a:solidFill>
-                  <a:srgbClr val="000000"/>
-                </a:solidFill>
-                <a:highlight>
-                  <a:srgbClr val="FFFFFF"/>
-                </a:highlight>
-                <a:latin typeface="Consolas" panose="020B0609020204030204" pitchFamily="49" charset="0"/>
-              </a:rPr>
-              <a:t>),</a:t>
-            </a:r>
-            <a:r>
-              <a:rPr lang="en-US" sz="1200" dirty="0">
-                <a:solidFill>
-                  <a:srgbClr val="008B8B"/>
-                </a:solidFill>
-                <a:highlight>
-                  <a:srgbClr val="FFFFFF"/>
-                </a:highlight>
-                <a:latin typeface="Consolas" panose="020B0609020204030204" pitchFamily="49" charset="0"/>
-              </a:rPr>
-              <a:t>Equal</a:t>
-            </a:r>
-            <a:r>
-              <a:rPr lang="en-US" sz="1200" dirty="0">
-                <a:solidFill>
-                  <a:srgbClr val="000000"/>
-                </a:solidFill>
-                <a:highlight>
-                  <a:srgbClr val="FFFFFF"/>
-                </a:highlight>
-                <a:latin typeface="Consolas" panose="020B0609020204030204" pitchFamily="49" charset="0"/>
-              </a:rPr>
-              <a:t>(50))</a:t>
-            </a:r>
-          </a:p>
-          <a:p>
-            <a:r>
-              <a:rPr lang="en-US" sz="1200" dirty="0">
-                <a:solidFill>
-                  <a:srgbClr val="000000"/>
-                </a:solidFill>
-                <a:highlight>
-                  <a:srgbClr val="FFFFFF"/>
-                </a:highlight>
-                <a:latin typeface="Consolas" panose="020B0609020204030204" pitchFamily="49" charset="0"/>
-              </a:rPr>
-              <a:t>            .</a:t>
-            </a:r>
-            <a:r>
-              <a:rPr lang="en-US" sz="1200" dirty="0">
-                <a:solidFill>
-                  <a:srgbClr val="008B8B"/>
-                </a:solidFill>
-                <a:highlight>
-                  <a:srgbClr val="FFFFFF"/>
-                </a:highlight>
-                <a:latin typeface="Consolas" panose="020B0609020204030204" pitchFamily="49" charset="0"/>
-              </a:rPr>
-              <a:t>Will</a:t>
-            </a:r>
-            <a:r>
-              <a:rPr lang="en-US" sz="1200" dirty="0">
-                <a:solidFill>
-                  <a:srgbClr val="000000"/>
-                </a:solidFill>
-                <a:highlight>
-                  <a:srgbClr val="FFFFFF"/>
-                </a:highlight>
-                <a:latin typeface="Consolas" panose="020B0609020204030204" pitchFamily="49" charset="0"/>
-              </a:rPr>
-              <a:t>(</a:t>
-            </a:r>
-            <a:r>
-              <a:rPr lang="en-US" sz="1200" dirty="0" err="1">
-                <a:solidFill>
-                  <a:srgbClr val="008B8B"/>
-                </a:solidFill>
-                <a:highlight>
-                  <a:srgbClr val="FFFFFF"/>
-                </a:highlight>
-                <a:latin typeface="Consolas" panose="020B0609020204030204" pitchFamily="49" charset="0"/>
-              </a:rPr>
-              <a:t>ReturnValue</a:t>
-            </a:r>
-            <a:r>
-              <a:rPr lang="en-US" sz="1200" dirty="0">
-                <a:solidFill>
-                  <a:srgbClr val="000000"/>
-                </a:solidFill>
-                <a:highlight>
-                  <a:srgbClr val="FFFFFF"/>
-                </a:highlight>
-                <a:latin typeface="Consolas" panose="020B0609020204030204" pitchFamily="49" charset="0"/>
-              </a:rPr>
-              <a:t>(</a:t>
-            </a:r>
-            <a:r>
-              <a:rPr lang="en-US" sz="1200" dirty="0">
-                <a:solidFill>
-                  <a:srgbClr val="0000FF"/>
-                </a:solidFill>
-                <a:highlight>
-                  <a:srgbClr val="FFFFFF"/>
-                </a:highlight>
-                <a:latin typeface="Consolas" panose="020B0609020204030204" pitchFamily="49" charset="0"/>
-              </a:rPr>
-              <a:t>true</a:t>
-            </a:r>
-            <a:r>
-              <a:rPr lang="en-US" sz="1200" dirty="0">
-                <a:solidFill>
-                  <a:srgbClr val="000000"/>
-                </a:solidFill>
-                <a:highlight>
-                  <a:srgbClr val="FFFFFF"/>
-                </a:highlight>
-                <a:latin typeface="Consolas" panose="020B0609020204030204" pitchFamily="49" charset="0"/>
-              </a:rPr>
-              <a:t>));</a:t>
-            </a:r>
-          </a:p>
-          <a:p>
-            <a:r>
-              <a:rPr lang="en-US" sz="1200" dirty="0">
-                <a:solidFill>
-                  <a:srgbClr val="000000"/>
-                </a:solidFill>
-                <a:highlight>
-                  <a:srgbClr val="FFFFFF"/>
-                </a:highlight>
-                <a:latin typeface="Consolas" panose="020B0609020204030204" pitchFamily="49" charset="0"/>
-              </a:rPr>
-              <a:t>        </a:t>
-            </a:r>
-            <a:r>
-              <a:rPr lang="en-US" sz="1200" dirty="0" err="1">
-                <a:solidFill>
-                  <a:srgbClr val="000000"/>
-                </a:solidFill>
-                <a:highlight>
-                  <a:srgbClr val="FFFFFF"/>
-                </a:highlight>
-                <a:latin typeface="Consolas" panose="020B0609020204030204" pitchFamily="49" charset="0"/>
-              </a:rPr>
-              <a:t>warehouseMock.</a:t>
-            </a:r>
-            <a:r>
-              <a:rPr lang="en-US" sz="1200" dirty="0" err="1">
-                <a:solidFill>
-                  <a:srgbClr val="008B8B"/>
-                </a:solidFill>
-                <a:highlight>
-                  <a:srgbClr val="FFFFFF"/>
-                </a:highlight>
-                <a:latin typeface="Consolas" panose="020B0609020204030204" pitchFamily="49" charset="0"/>
-              </a:rPr>
-              <a:t>Expects</a:t>
-            </a:r>
-            <a:r>
-              <a:rPr lang="en-US" sz="1200" dirty="0">
-                <a:solidFill>
-                  <a:srgbClr val="000000"/>
-                </a:solidFill>
-                <a:highlight>
-                  <a:srgbClr val="FFFFFF"/>
-                </a:highlight>
-                <a:latin typeface="Consolas" panose="020B0609020204030204" pitchFamily="49" charset="0"/>
-              </a:rPr>
-              <a:t>(</a:t>
-            </a:r>
-            <a:r>
-              <a:rPr lang="en-US" sz="1200" dirty="0">
-                <a:solidFill>
-                  <a:srgbClr val="008B8B"/>
-                </a:solidFill>
-                <a:highlight>
-                  <a:srgbClr val="FFFFFF"/>
-                </a:highlight>
-                <a:latin typeface="Consolas" panose="020B0609020204030204" pitchFamily="49" charset="0"/>
-              </a:rPr>
-              <a:t>Once</a:t>
-            </a:r>
-            <a:r>
-              <a:rPr lang="en-US" sz="1200" dirty="0">
-                <a:solidFill>
-                  <a:srgbClr val="000000"/>
-                </a:solidFill>
-                <a:highlight>
-                  <a:srgbClr val="FFFFFF"/>
-                </a:highlight>
-                <a:latin typeface="Consolas" panose="020B0609020204030204" pitchFamily="49" charset="0"/>
-              </a:rPr>
-              <a:t>()).</a:t>
-            </a:r>
-            <a:r>
-              <a:rPr lang="en-US" sz="1200" dirty="0">
-                <a:solidFill>
-                  <a:srgbClr val="008B8B"/>
-                </a:solidFill>
-                <a:highlight>
-                  <a:srgbClr val="FFFFFF"/>
-                </a:highlight>
-                <a:latin typeface="Consolas" panose="020B0609020204030204" pitchFamily="49" charset="0"/>
-              </a:rPr>
-              <a:t>Method</a:t>
-            </a:r>
-            <a:r>
-              <a:rPr lang="en-US" sz="1200" dirty="0">
-                <a:solidFill>
-                  <a:srgbClr val="000000"/>
-                </a:solidFill>
-                <a:highlight>
-                  <a:srgbClr val="FFFFFF"/>
-                </a:highlight>
-                <a:latin typeface="Consolas" panose="020B0609020204030204" pitchFamily="49" charset="0"/>
-              </a:rPr>
-              <a:t>(</a:t>
-            </a:r>
-            <a:r>
-              <a:rPr lang="en-US" sz="1200" dirty="0">
-                <a:solidFill>
-                  <a:srgbClr val="A31515"/>
-                </a:solidFill>
-                <a:highlight>
-                  <a:srgbClr val="FFFFFF"/>
-                </a:highlight>
-                <a:latin typeface="Consolas" panose="020B0609020204030204" pitchFamily="49" charset="0"/>
-              </a:rPr>
-              <a:t>"remove"</a:t>
-            </a:r>
-            <a:r>
-              <a:rPr lang="en-US" sz="1200" dirty="0">
-                <a:solidFill>
-                  <a:srgbClr val="000000"/>
-                </a:solidFill>
-                <a:highlight>
-                  <a:srgbClr val="FFFFFF"/>
-                </a:highlight>
-                <a:latin typeface="Consolas" panose="020B0609020204030204" pitchFamily="49" charset="0"/>
-              </a:rPr>
-              <a:t>)</a:t>
-            </a:r>
-          </a:p>
-          <a:p>
-            <a:r>
-              <a:rPr lang="en-US" sz="1200" dirty="0">
-                <a:solidFill>
-                  <a:srgbClr val="000000"/>
-                </a:solidFill>
-                <a:highlight>
-                  <a:srgbClr val="FFFFFF"/>
-                </a:highlight>
-                <a:latin typeface="Consolas" panose="020B0609020204030204" pitchFamily="49" charset="0"/>
-              </a:rPr>
-              <a:t>            .</a:t>
-            </a:r>
-            <a:r>
-              <a:rPr lang="en-US" sz="1200" dirty="0">
-                <a:solidFill>
-                  <a:srgbClr val="008B8B"/>
-                </a:solidFill>
-                <a:highlight>
-                  <a:srgbClr val="FFFFFF"/>
-                </a:highlight>
-                <a:latin typeface="Consolas" panose="020B0609020204030204" pitchFamily="49" charset="0"/>
-              </a:rPr>
-              <a:t>With</a:t>
-            </a:r>
-            <a:r>
-              <a:rPr lang="en-US" sz="1200" dirty="0">
-                <a:solidFill>
-                  <a:srgbClr val="000000"/>
-                </a:solidFill>
-                <a:highlight>
-                  <a:srgbClr val="FFFFFF"/>
-                </a:highlight>
-                <a:latin typeface="Consolas" panose="020B0609020204030204" pitchFamily="49" charset="0"/>
-              </a:rPr>
-              <a:t>(</a:t>
-            </a:r>
-            <a:r>
-              <a:rPr lang="en-US" sz="1200" dirty="0">
-                <a:solidFill>
-                  <a:srgbClr val="008B8B"/>
-                </a:solidFill>
-                <a:highlight>
-                  <a:srgbClr val="FFFFFF"/>
-                </a:highlight>
-                <a:latin typeface="Consolas" panose="020B0609020204030204" pitchFamily="49" charset="0"/>
-              </a:rPr>
-              <a:t>Equal</a:t>
-            </a:r>
-            <a:r>
-              <a:rPr lang="en-US" sz="1200" dirty="0">
-                <a:solidFill>
-                  <a:srgbClr val="000000"/>
-                </a:solidFill>
-                <a:highlight>
-                  <a:srgbClr val="FFFFFF"/>
-                </a:highlight>
-                <a:latin typeface="Consolas" panose="020B0609020204030204" pitchFamily="49" charset="0"/>
-              </a:rPr>
-              <a:t>(</a:t>
-            </a:r>
-            <a:r>
-              <a:rPr lang="en-US" sz="1200" dirty="0">
-                <a:solidFill>
-                  <a:srgbClr val="A31515"/>
-                </a:solidFill>
-                <a:highlight>
-                  <a:srgbClr val="FFFFFF"/>
-                </a:highlight>
-                <a:latin typeface="Consolas" panose="020B0609020204030204" pitchFamily="49" charset="0"/>
-              </a:rPr>
-              <a:t>"TALISKER"</a:t>
-            </a:r>
-            <a:r>
-              <a:rPr lang="en-US" sz="1200" dirty="0">
-                <a:solidFill>
-                  <a:srgbClr val="000000"/>
-                </a:solidFill>
-                <a:highlight>
-                  <a:srgbClr val="FFFFFF"/>
-                </a:highlight>
-                <a:latin typeface="Consolas" panose="020B0609020204030204" pitchFamily="49" charset="0"/>
-              </a:rPr>
-              <a:t>), </a:t>
-            </a:r>
-            <a:r>
-              <a:rPr lang="en-US" sz="1200" dirty="0">
-                <a:solidFill>
-                  <a:srgbClr val="008B8B"/>
-                </a:solidFill>
-                <a:highlight>
-                  <a:srgbClr val="FFFFFF"/>
-                </a:highlight>
-                <a:latin typeface="Consolas" panose="020B0609020204030204" pitchFamily="49" charset="0"/>
-              </a:rPr>
-              <a:t>Equal</a:t>
-            </a:r>
-            <a:r>
-              <a:rPr lang="en-US" sz="1200" dirty="0">
-                <a:solidFill>
-                  <a:srgbClr val="000000"/>
-                </a:solidFill>
-                <a:highlight>
-                  <a:srgbClr val="FFFFFF"/>
-                </a:highlight>
-                <a:latin typeface="Consolas" panose="020B0609020204030204" pitchFamily="49" charset="0"/>
-              </a:rPr>
-              <a:t>(50))</a:t>
-            </a:r>
-          </a:p>
-          <a:p>
-            <a:r>
-              <a:rPr lang="en-US" sz="1200" dirty="0">
-                <a:solidFill>
-                  <a:srgbClr val="000000"/>
-                </a:solidFill>
-                <a:highlight>
-                  <a:srgbClr val="FFFFFF"/>
-                </a:highlight>
-                <a:latin typeface="Consolas" panose="020B0609020204030204" pitchFamily="49" charset="0"/>
-              </a:rPr>
-              <a:t>            .</a:t>
-            </a:r>
-            <a:r>
-              <a:rPr lang="en-US" sz="1200" dirty="0">
-                <a:solidFill>
-                  <a:srgbClr val="008B8B"/>
-                </a:solidFill>
-                <a:highlight>
-                  <a:srgbClr val="FFFFFF"/>
-                </a:highlight>
-                <a:latin typeface="Consolas" panose="020B0609020204030204" pitchFamily="49" charset="0"/>
-              </a:rPr>
-              <a:t>Will</a:t>
-            </a:r>
-            <a:r>
-              <a:rPr lang="en-US" sz="1200" dirty="0">
-                <a:solidFill>
-                  <a:srgbClr val="000000"/>
-                </a:solidFill>
-                <a:highlight>
-                  <a:srgbClr val="FFFFFF"/>
-                </a:highlight>
-                <a:latin typeface="Consolas" panose="020B0609020204030204" pitchFamily="49" charset="0"/>
-              </a:rPr>
-              <a:t>(</a:t>
-            </a:r>
-            <a:r>
-              <a:rPr lang="en-US" sz="1200" dirty="0" err="1">
-                <a:solidFill>
-                  <a:srgbClr val="008B8B"/>
-                </a:solidFill>
-                <a:highlight>
-                  <a:srgbClr val="FFFFFF"/>
-                </a:highlight>
-                <a:latin typeface="Consolas" panose="020B0609020204030204" pitchFamily="49" charset="0"/>
-              </a:rPr>
-              <a:t>ReturnValue</a:t>
-            </a:r>
-            <a:r>
-              <a:rPr lang="en-US" sz="1200" dirty="0">
-                <a:solidFill>
-                  <a:srgbClr val="000000"/>
-                </a:solidFill>
-                <a:highlight>
-                  <a:srgbClr val="FFFFFF"/>
-                </a:highlight>
-                <a:latin typeface="Consolas" panose="020B0609020204030204" pitchFamily="49" charset="0"/>
-              </a:rPr>
-              <a:t>(</a:t>
-            </a:r>
-            <a:r>
-              <a:rPr lang="en-US" sz="1200" dirty="0">
-                <a:solidFill>
-                  <a:srgbClr val="A31515"/>
-                </a:solidFill>
-                <a:highlight>
-                  <a:srgbClr val="FFFFFF"/>
-                </a:highlight>
-                <a:latin typeface="Consolas" panose="020B0609020204030204" pitchFamily="49" charset="0"/>
-              </a:rPr>
-              <a:t>"TALISKER"</a:t>
-            </a:r>
-            <a:r>
-              <a:rPr lang="en-US" sz="1200" dirty="0">
-                <a:solidFill>
-                  <a:srgbClr val="000000"/>
-                </a:solidFill>
-                <a:highlight>
-                  <a:srgbClr val="FFFFFF"/>
-                </a:highlight>
-                <a:latin typeface="Consolas" panose="020B0609020204030204" pitchFamily="49" charset="0"/>
-              </a:rPr>
-              <a:t>), </a:t>
-            </a:r>
-            <a:r>
-              <a:rPr lang="en-US" sz="1200" dirty="0">
-                <a:solidFill>
-                  <a:srgbClr val="008B8B"/>
-                </a:solidFill>
-                <a:highlight>
-                  <a:srgbClr val="FFFFFF"/>
-                </a:highlight>
-                <a:latin typeface="Consolas" panose="020B0609020204030204" pitchFamily="49" charset="0"/>
-              </a:rPr>
-              <a:t>Equal</a:t>
-            </a:r>
-            <a:r>
-              <a:rPr lang="en-US" sz="1200" dirty="0">
-                <a:solidFill>
-                  <a:srgbClr val="000000"/>
-                </a:solidFill>
-                <a:highlight>
-                  <a:srgbClr val="FFFFFF"/>
-                </a:highlight>
-                <a:latin typeface="Consolas" panose="020B0609020204030204" pitchFamily="49" charset="0"/>
-              </a:rPr>
-              <a:t>(50))</a:t>
-            </a:r>
-          </a:p>
-          <a:p>
-            <a:r>
-              <a:rPr lang="en-US" sz="1200" dirty="0">
-                <a:solidFill>
-                  <a:srgbClr val="000000"/>
-                </a:solidFill>
-                <a:highlight>
-                  <a:srgbClr val="FFFFFF"/>
-                </a:highlight>
-                <a:latin typeface="Consolas" panose="020B0609020204030204" pitchFamily="49" charset="0"/>
-              </a:rPr>
-              <a:t>            .</a:t>
-            </a:r>
-            <a:r>
-              <a:rPr lang="en-US" sz="1200" dirty="0">
-                <a:solidFill>
-                  <a:srgbClr val="008B8B"/>
-                </a:solidFill>
-                <a:highlight>
-                  <a:srgbClr val="FFFFFF"/>
-                </a:highlight>
-                <a:latin typeface="Consolas" panose="020B0609020204030204" pitchFamily="49" charset="0"/>
-              </a:rPr>
-              <a:t>After</a:t>
-            </a:r>
-            <a:r>
-              <a:rPr lang="en-US" sz="1200" dirty="0">
-                <a:solidFill>
-                  <a:srgbClr val="000000"/>
-                </a:solidFill>
-                <a:highlight>
-                  <a:srgbClr val="FFFFFF"/>
-                </a:highlight>
-                <a:latin typeface="Consolas" panose="020B0609020204030204" pitchFamily="49" charset="0"/>
-              </a:rPr>
-              <a:t>(</a:t>
-            </a:r>
-            <a:r>
-              <a:rPr lang="en-US" sz="1200" dirty="0">
-                <a:solidFill>
-                  <a:srgbClr val="A31515"/>
-                </a:solidFill>
-                <a:highlight>
-                  <a:srgbClr val="FFFFFF"/>
-                </a:highlight>
-                <a:latin typeface="Consolas" panose="020B0609020204030204" pitchFamily="49" charset="0"/>
-              </a:rPr>
-              <a:t>"</a:t>
-            </a:r>
-            <a:r>
-              <a:rPr lang="en-US" sz="1200" dirty="0" err="1">
-                <a:solidFill>
-                  <a:srgbClr val="A31515"/>
-                </a:solidFill>
-                <a:highlight>
-                  <a:srgbClr val="FFFFFF"/>
-                </a:highlight>
-                <a:latin typeface="Consolas" panose="020B0609020204030204" pitchFamily="49" charset="0"/>
-              </a:rPr>
-              <a:t>hasInventory</a:t>
-            </a:r>
-            <a:r>
-              <a:rPr lang="en-US" sz="1200" dirty="0">
-                <a:solidFill>
-                  <a:srgbClr val="A31515"/>
-                </a:solidFill>
-                <a:highlight>
-                  <a:srgbClr val="FFFFFF"/>
-                </a:highlight>
-                <a:latin typeface="Consolas" panose="020B0609020204030204" pitchFamily="49" charset="0"/>
-              </a:rPr>
-              <a:t>"</a:t>
-            </a:r>
-            <a:r>
-              <a:rPr lang="en-US" sz="1200" dirty="0">
-                <a:solidFill>
-                  <a:srgbClr val="000000"/>
-                </a:solidFill>
-                <a:highlight>
-                  <a:srgbClr val="FFFFFF"/>
-                </a:highlight>
-                <a:latin typeface="Consolas" panose="020B0609020204030204" pitchFamily="49" charset="0"/>
-              </a:rPr>
-              <a:t>);</a:t>
-            </a:r>
-          </a:p>
-          <a:p>
-            <a:endParaRPr lang="en-US" sz="1200" dirty="0">
-              <a:solidFill>
-                <a:srgbClr val="000000"/>
-              </a:solidFill>
-              <a:highlight>
-                <a:srgbClr val="FFFFFF"/>
-              </a:highlight>
-              <a:latin typeface="Consolas" panose="020B0609020204030204" pitchFamily="49" charset="0"/>
-            </a:endParaRPr>
-          </a:p>
-          <a:p>
-            <a:r>
-              <a:rPr lang="en-US" sz="1200" dirty="0">
-                <a:solidFill>
-                  <a:srgbClr val="000000"/>
-                </a:solidFill>
-                <a:highlight>
-                  <a:srgbClr val="FFFFFF"/>
-                </a:highlight>
-                <a:latin typeface="Consolas" panose="020B0609020204030204" pitchFamily="49" charset="0"/>
-              </a:rPr>
-              <a:t>        </a:t>
-            </a:r>
-            <a:r>
-              <a:rPr lang="en-US" sz="1200" dirty="0">
-                <a:solidFill>
-                  <a:srgbClr val="008000"/>
-                </a:solidFill>
-                <a:highlight>
-                  <a:srgbClr val="FFFFFF"/>
-                </a:highlight>
-                <a:latin typeface="Consolas" panose="020B0609020204030204" pitchFamily="49" charset="0"/>
-              </a:rPr>
-              <a:t>//exercise</a:t>
-            </a:r>
-            <a:endParaRPr lang="en-US" sz="1200" dirty="0">
-              <a:solidFill>
-                <a:srgbClr val="000000"/>
-              </a:solidFill>
-              <a:highlight>
-                <a:srgbClr val="FFFFFF"/>
-              </a:highlight>
-              <a:latin typeface="Consolas" panose="020B0609020204030204" pitchFamily="49" charset="0"/>
-            </a:endParaRPr>
-          </a:p>
-          <a:p>
-            <a:r>
-              <a:rPr lang="en-US" sz="1200" dirty="0">
-                <a:solidFill>
-                  <a:srgbClr val="000000"/>
-                </a:solidFill>
-                <a:highlight>
-                  <a:srgbClr val="FFFFFF"/>
-                </a:highlight>
-                <a:latin typeface="Consolas" panose="020B0609020204030204" pitchFamily="49" charset="0"/>
-              </a:rPr>
-              <a:t>        </a:t>
-            </a:r>
-            <a:r>
-              <a:rPr lang="en-US" sz="1200" dirty="0" err="1">
-                <a:solidFill>
-                  <a:srgbClr val="000000"/>
-                </a:solidFill>
-                <a:highlight>
-                  <a:srgbClr val="FFFFFF"/>
-                </a:highlight>
-                <a:latin typeface="Consolas" panose="020B0609020204030204" pitchFamily="49" charset="0"/>
-              </a:rPr>
-              <a:t>order.</a:t>
-            </a:r>
-            <a:r>
-              <a:rPr lang="en-US" sz="1200" dirty="0" err="1">
-                <a:solidFill>
-                  <a:srgbClr val="008B8B"/>
-                </a:solidFill>
-                <a:highlight>
-                  <a:srgbClr val="FFFFFF"/>
-                </a:highlight>
-                <a:latin typeface="Consolas" panose="020B0609020204030204" pitchFamily="49" charset="0"/>
-              </a:rPr>
-              <a:t>Fill</a:t>
-            </a:r>
-            <a:r>
-              <a:rPr lang="en-US" sz="1200" dirty="0">
-                <a:solidFill>
-                  <a:srgbClr val="000000"/>
-                </a:solidFill>
-                <a:highlight>
-                  <a:srgbClr val="FFFFFF"/>
-                </a:highlight>
-                <a:latin typeface="Consolas" panose="020B0609020204030204" pitchFamily="49" charset="0"/>
-              </a:rPr>
-              <a:t>((</a:t>
-            </a:r>
-            <a:r>
-              <a:rPr lang="en-US" sz="1200" dirty="0">
-                <a:solidFill>
-                  <a:srgbClr val="00008B"/>
-                </a:solidFill>
-                <a:highlight>
-                  <a:srgbClr val="FFFFFF"/>
-                </a:highlight>
-                <a:latin typeface="Consolas" panose="020B0609020204030204" pitchFamily="49" charset="0"/>
-              </a:rPr>
-              <a:t>Warehouse</a:t>
-            </a:r>
-            <a:r>
-              <a:rPr lang="en-US" sz="1200" dirty="0">
-                <a:solidFill>
-                  <a:srgbClr val="000000"/>
-                </a:solidFill>
-                <a:highlight>
-                  <a:srgbClr val="FFFFFF"/>
-                </a:highlight>
-                <a:latin typeface="Consolas" panose="020B0609020204030204" pitchFamily="49" charset="0"/>
-              </a:rPr>
-              <a:t>) </a:t>
-            </a:r>
-            <a:r>
-              <a:rPr lang="en-US" sz="1200" dirty="0" err="1">
-                <a:solidFill>
-                  <a:srgbClr val="000000"/>
-                </a:solidFill>
-                <a:highlight>
-                  <a:srgbClr val="FFFFFF"/>
-                </a:highlight>
-                <a:latin typeface="Consolas" panose="020B0609020204030204" pitchFamily="49" charset="0"/>
-              </a:rPr>
-              <a:t>warehouseMock.</a:t>
-            </a:r>
-            <a:r>
-              <a:rPr lang="en-US" sz="1200" dirty="0" err="1">
-                <a:solidFill>
-                  <a:srgbClr val="008B8B"/>
-                </a:solidFill>
-                <a:highlight>
-                  <a:srgbClr val="FFFFFF"/>
-                </a:highlight>
-                <a:latin typeface="Consolas" panose="020B0609020204030204" pitchFamily="49" charset="0"/>
-              </a:rPr>
-              <a:t>Proxy</a:t>
+              <a:t>Joined</a:t>
             </a:r>
             <a:r>
               <a:rPr lang="en-US" sz="1200" dirty="0">
@@ -9754,231 +8329,12 @@
                 </a:highlight>
                 <a:latin typeface="Consolas" panose="020B0609020204030204" pitchFamily="49" charset="0"/>
               </a:rPr>
-              <a:t>    </a:t>
-            </a:r>
-          </a:p>
-          <a:p>
-            <a:r>
-              <a:rPr lang="en-US" sz="1200" dirty="0">
-                <a:solidFill>
-                  <a:srgbClr val="000000"/>
-                </a:solidFill>
-                <a:highlight>
-                  <a:srgbClr val="FFFFFF"/>
-                </a:highlight>
-                <a:latin typeface="Consolas" panose="020B0609020204030204" pitchFamily="49" charset="0"/>
-              </a:rPr>
-              <a:t>        </a:t>
-            </a:r>
-            <a:r>
-              <a:rPr lang="en-US" sz="1200" dirty="0">
-                <a:solidFill>
-                  <a:srgbClr val="008000"/>
-                </a:solidFill>
-                <a:highlight>
-                  <a:srgbClr val="FFFFFF"/>
-                </a:highlight>
-                <a:latin typeface="Consolas" panose="020B0609020204030204" pitchFamily="49" charset="0"/>
-              </a:rPr>
-              <a:t>//verify</a:t>
-            </a:r>
-            <a:endParaRPr lang="en-US" sz="1200" dirty="0">
-              <a:solidFill>
-                <a:srgbClr val="000000"/>
-              </a:solidFill>
-              <a:highlight>
-                <a:srgbClr val="FFFFFF"/>
-              </a:highlight>
-              <a:latin typeface="Consolas" panose="020B0609020204030204" pitchFamily="49" charset="0"/>
-            </a:endParaRPr>
-          </a:p>
-          <a:p>
-            <a:r>
-              <a:rPr lang="en-US" sz="1200" dirty="0">
-                <a:solidFill>
-                  <a:srgbClr val="000000"/>
-                </a:solidFill>
-                <a:highlight>
-                  <a:srgbClr val="FFFFFF"/>
-                </a:highlight>
-                <a:latin typeface="Consolas" panose="020B0609020204030204" pitchFamily="49" charset="0"/>
-              </a:rPr>
-              <a:t>        </a:t>
-            </a:r>
-            <a:r>
-              <a:rPr lang="en-US" sz="1200" dirty="0" err="1">
-                <a:solidFill>
-                  <a:srgbClr val="000000"/>
-                </a:solidFill>
-                <a:highlight>
-                  <a:srgbClr val="FFFFFF"/>
-                </a:highlight>
-                <a:latin typeface="Consolas" panose="020B0609020204030204" pitchFamily="49" charset="0"/>
-              </a:rPr>
-              <a:t>warehouseMock.</a:t>
-            </a:r>
-            <a:r>
-              <a:rPr lang="en-US" sz="1200" dirty="0" err="1">
-                <a:solidFill>
-                  <a:srgbClr val="008B8B"/>
-                </a:solidFill>
-                <a:highlight>
-                  <a:srgbClr val="FFFFFF"/>
-                </a:highlight>
-                <a:latin typeface="Consolas" panose="020B0609020204030204" pitchFamily="49" charset="0"/>
-              </a:rPr>
-              <a:t>Verify</a:t>
-            </a:r>
-            <a:r>
-              <a:rPr lang="en-US" sz="1200" dirty="0">
-                <a:solidFill>
-                  <a:srgbClr val="000000"/>
-                </a:solidFill>
-                <a:highlight>
-                  <a:srgbClr val="FFFFFF"/>
-                </a:highlight>
-                <a:latin typeface="Consolas" panose="020B0609020204030204" pitchFamily="49" charset="0"/>
-              </a:rPr>
-              <a:t>();</a:t>
-            </a:r>
-          </a:p>
-          <a:p>
-            <a:r>
-              <a:rPr lang="en-US" sz="1200" dirty="0">
-                <a:solidFill>
-                  <a:srgbClr val="000000"/>
-                </a:solidFill>
-                <a:highlight>
-                  <a:srgbClr val="FFFFFF"/>
-                </a:highlight>
-                <a:latin typeface="Consolas" panose="020B0609020204030204" pitchFamily="49" charset="0"/>
-              </a:rPr>
-              <a:t>        </a:t>
-            </a:r>
-            <a:r>
-              <a:rPr lang="en-US" sz="1200" dirty="0" err="1">
-                <a:solidFill>
-                  <a:srgbClr val="00008B"/>
-                </a:solidFill>
-                <a:highlight>
-                  <a:srgbClr val="FFFFFF"/>
-                </a:highlight>
-                <a:latin typeface="Consolas" panose="020B0609020204030204" pitchFamily="49" charset="0"/>
-              </a:rPr>
-              <a:t>Assert</a:t>
-            </a:r>
-            <a:r>
-              <a:rPr lang="en-US" sz="1200" dirty="0" err="1">
-                <a:solidFill>
-                  <a:srgbClr val="000000"/>
-                </a:solidFill>
-                <a:highlight>
-                  <a:srgbClr val="FFFFFF"/>
-                </a:highlight>
-                <a:latin typeface="Consolas" panose="020B0609020204030204" pitchFamily="49" charset="0"/>
-              </a:rPr>
-              <a:t>.</a:t>
-            </a:r>
-            <a:r>
-              <a:rPr lang="en-US" sz="1200" dirty="0" err="1">
-                <a:solidFill>
-                  <a:srgbClr val="008B8B"/>
-                </a:solidFill>
-                <a:highlight>
-                  <a:srgbClr val="FFFFFF"/>
-                </a:highlight>
-                <a:latin typeface="Consolas" panose="020B0609020204030204" pitchFamily="49" charset="0"/>
-              </a:rPr>
-              <a:t>AreEqual</a:t>
-            </a:r>
-            <a:r>
-              <a:rPr lang="en-US" sz="1200" dirty="0">
-                <a:solidFill>
-                  <a:srgbClr val="000000"/>
-                </a:solidFill>
-                <a:highlight>
-                  <a:srgbClr val="FFFFFF"/>
-                </a:highlight>
-                <a:latin typeface="Consolas" panose="020B0609020204030204" pitchFamily="49" charset="0"/>
-              </a:rPr>
-              <a:t>(</a:t>
-            </a:r>
-            <a:r>
-              <a:rPr lang="en-US" sz="1200" dirty="0">
-                <a:solidFill>
-                  <a:srgbClr val="0000FF"/>
-                </a:solidFill>
-                <a:highlight>
-                  <a:srgbClr val="FFFFFF"/>
-                </a:highlight>
-                <a:latin typeface="Consolas" panose="020B0609020204030204" pitchFamily="49" charset="0"/>
-              </a:rPr>
-              <a:t>true</a:t>
-            </a:r>
-            <a:r>
-              <a:rPr lang="en-US" sz="1200" dirty="0">
-                <a:solidFill>
-                  <a:srgbClr val="000000"/>
-                </a:solidFill>
-                <a:highlight>
-                  <a:srgbClr val="FFFFFF"/>
-                </a:highlight>
-                <a:latin typeface="Consolas" panose="020B0609020204030204" pitchFamily="49" charset="0"/>
-              </a:rPr>
-              <a:t>, (</a:t>
-            </a:r>
-            <a:r>
-              <a:rPr lang="en-US" sz="1200" dirty="0" err="1">
-                <a:solidFill>
-                  <a:srgbClr val="000000"/>
-                </a:solidFill>
-                <a:highlight>
-                  <a:srgbClr val="FFFFFF"/>
-                </a:highlight>
-                <a:latin typeface="Consolas" panose="020B0609020204030204" pitchFamily="49" charset="0"/>
-              </a:rPr>
-              <a:t>order.</a:t>
-            </a:r>
-            <a:r>
-              <a:rPr lang="en-US" sz="1200" dirty="0" err="1">
-                <a:solidFill>
-                  <a:srgbClr val="008B8B"/>
-                </a:solidFill>
-                <a:highlight>
-                  <a:srgbClr val="FFFFFF"/>
-                </a:highlight>
-                <a:latin typeface="Consolas" panose="020B0609020204030204" pitchFamily="49" charset="0"/>
-              </a:rPr>
-              <a:t>IsFilled</a:t>
-            </a:r>
-            <a:r>
-              <a:rPr lang="en-US" sz="1200" dirty="0">
-                <a:solidFill>
-                  <a:srgbClr val="000000"/>
-                </a:solidFill>
-                <a:highlight>
-                  <a:srgbClr val="FFFFFF"/>
-                </a:highlight>
-                <a:latin typeface="Consolas" panose="020B0609020204030204" pitchFamily="49" charset="0"/>
-              </a:rPr>
-              <a:t>());</a:t>
-            </a:r>
-          </a:p>
-          <a:p>
-            <a:r>
-              <a:rPr lang="en-US" sz="1200" dirty="0">
-                <a:solidFill>
-                  <a:srgbClr val="000000"/>
-                </a:solidFill>
-                <a:highlight>
-                  <a:srgbClr val="FFFFFF"/>
-                </a:highlight>
-                <a:latin typeface="Consolas" panose="020B0609020204030204" pitchFamily="49" charset="0"/>
-              </a:rPr>
-              <a:t>    </a:t>
-            </a:r>
-            <a:r>
-              <a:rPr lang="en-US" sz="1200" dirty="0" smtClean="0">
+              <a:t>    }</a:t>
+            </a:r>
+          </a:p>
+          <a:p>
+            <a:r>
+              <a:rPr lang="en-US" sz="1200" dirty="0">
                 <a:solidFill>
                   <a:srgbClr val="000000"/>
                 </a:solidFill>
@@ -9989,901 +8345,40 @@
               </a:rPr>
               <a:t>}</a:t>
             </a:r>
-          </a:p>
-          <a:p>
-            <a:r>
-              <a:rPr lang="en-US" sz="1200" dirty="0">
-                <a:solidFill>
-                  <a:srgbClr val="000000"/>
-                </a:solidFill>
-                <a:highlight>
-                  <a:srgbClr val="FFFFFF"/>
-                </a:highlight>
-                <a:latin typeface="Consolas" panose="020B0609020204030204" pitchFamily="49" charset="0"/>
-              </a:rPr>
-              <a:t>}</a:t>
-            </a:r>
             <a:endParaRPr lang="en-ZA" sz="1200" dirty="0"/>
           </a:p>
         </p:txBody>
       </p:sp>
-      <p:sp>
-        <p:nvSpPr>
-          <p:cNvPr id="8" name="Rectangle 7"/>
-          <p:cNvSpPr/>
-          <p:nvPr/>
-        </p:nvSpPr>
-        <p:spPr>
-          <a:xfrm>
-            <a:off x="2051720" y="1981379"/>
-            <a:ext cx="4896544" cy="2677656"/>
-          </a:xfrm>
-          <a:prstGeom prst="rect">
-            <a:avLst/>
-          </a:prstGeom>
-          <a:solidFill>
-            <a:schemeClr val="bg1"/>
-          </a:solidFill>
-        </p:spPr>
-        <p:txBody>
-          <a:bodyPr wrap="square">
-            <a:spAutoFit/>
-          </a:bodyPr>
-          <a:lstStyle/>
-          <a:p>
-            <a:r>
-              <a:rPr lang="en-US" sz="1200" dirty="0">
-                <a:solidFill>
-                  <a:srgbClr val="0000FF"/>
-                </a:solidFill>
-                <a:highlight>
-                  <a:srgbClr val="FFFFFF"/>
-                </a:highlight>
-                <a:latin typeface="Consolas" panose="020B0609020204030204" pitchFamily="49" charset="0"/>
-              </a:rPr>
-              <a:t>protected</a:t>
-            </a:r>
-            <a:r>
-              <a:rPr lang="en-US" sz="1200" dirty="0">
-                <a:solidFill>
-                  <a:srgbClr val="000000"/>
-                </a:solidFill>
-                <a:highlight>
-                  <a:srgbClr val="FFFFFF"/>
-                </a:highlight>
-                <a:latin typeface="Consolas" panose="020B0609020204030204" pitchFamily="49" charset="0"/>
-              </a:rPr>
-              <a:t> </a:t>
-            </a:r>
-            <a:r>
-              <a:rPr lang="en-US" sz="1200" dirty="0">
-                <a:solidFill>
-                  <a:srgbClr val="0000FF"/>
-                </a:solidFill>
-                <a:highlight>
-                  <a:srgbClr val="FFFFFF"/>
-                </a:highlight>
-                <a:latin typeface="Consolas" panose="020B0609020204030204" pitchFamily="49" charset="0"/>
-              </a:rPr>
-              <a:t>void</a:t>
-            </a:r>
-            <a:r>
-              <a:rPr lang="en-US" sz="1200" dirty="0">
-                <a:solidFill>
-                  <a:srgbClr val="000000"/>
-                </a:solidFill>
-                <a:highlight>
-                  <a:srgbClr val="FFFFFF"/>
-                </a:highlight>
-                <a:latin typeface="Consolas" panose="020B0609020204030204" pitchFamily="49" charset="0"/>
-              </a:rPr>
-              <a:t> </a:t>
-            </a:r>
-            <a:r>
-              <a:rPr lang="en-US" sz="1200" dirty="0" err="1">
-                <a:solidFill>
-                  <a:srgbClr val="008B8B"/>
-                </a:solidFill>
-                <a:highlight>
-                  <a:srgbClr val="FFFFFF"/>
-                </a:highlight>
-                <a:latin typeface="Consolas" panose="020B0609020204030204" pitchFamily="49" charset="0"/>
-              </a:rPr>
-              <a:t>SetUp</a:t>
-            </a:r>
-            <a:r>
-              <a:rPr lang="en-US" sz="1200" dirty="0">
-                <a:solidFill>
-                  <a:srgbClr val="000000"/>
-                </a:solidFill>
-                <a:highlight>
-                  <a:srgbClr val="FFFFFF"/>
-                </a:highlight>
-                <a:latin typeface="Consolas" panose="020B0609020204030204" pitchFamily="49" charset="0"/>
-              </a:rPr>
-              <a:t>()</a:t>
-            </a:r>
-          </a:p>
-          <a:p>
-            <a:r>
-              <a:rPr lang="en-US" sz="1200" dirty="0">
-                <a:solidFill>
-                  <a:srgbClr val="000000"/>
-                </a:solidFill>
-                <a:highlight>
-                  <a:srgbClr val="FFFFFF"/>
-                </a:highlight>
-                <a:latin typeface="Consolas" panose="020B0609020204030204" pitchFamily="49" charset="0"/>
-              </a:rPr>
-              <a:t>{</a:t>
-            </a:r>
-          </a:p>
-          <a:p>
-            <a:r>
-              <a:rPr lang="en-US" sz="1200" dirty="0">
-                <a:solidFill>
-                  <a:srgbClr val="000000"/>
-                </a:solidFill>
-                <a:highlight>
-                  <a:srgbClr val="FFFFFF"/>
-                </a:highlight>
-                <a:latin typeface="Consolas" panose="020B0609020204030204" pitchFamily="49" charset="0"/>
-              </a:rPr>
-              <a:t>    </a:t>
-            </a:r>
-            <a:r>
-              <a:rPr lang="en-US" sz="1200" dirty="0" err="1">
-                <a:solidFill>
-                  <a:srgbClr val="800080"/>
-                </a:solidFill>
-                <a:highlight>
-                  <a:srgbClr val="FFFFFF"/>
-                </a:highlight>
-                <a:latin typeface="Consolas" panose="020B0609020204030204" pitchFamily="49" charset="0"/>
-              </a:rPr>
-              <a:t>warehouse</a:t>
-            </a:r>
-            <a:r>
-              <a:rPr lang="en-US" sz="1200" dirty="0" err="1">
-                <a:solidFill>
-                  <a:srgbClr val="000000"/>
-                </a:solidFill>
-                <a:highlight>
-                  <a:srgbClr val="FFFFFF"/>
-                </a:highlight>
-                <a:latin typeface="Consolas" panose="020B0609020204030204" pitchFamily="49" charset="0"/>
-              </a:rPr>
-              <a:t>.</a:t>
-            </a:r>
-            <a:r>
-              <a:rPr lang="en-US" sz="1200" dirty="0" err="1">
-                <a:solidFill>
-                  <a:srgbClr val="008B8B"/>
-                </a:solidFill>
-                <a:highlight>
-                  <a:srgbClr val="FFFFFF"/>
-                </a:highlight>
-                <a:latin typeface="Consolas" panose="020B0609020204030204" pitchFamily="49" charset="0"/>
-              </a:rPr>
-              <a:t>Add</a:t>
-            </a:r>
-            <a:r>
-              <a:rPr lang="en-US" sz="1200" dirty="0">
-                <a:solidFill>
-                  <a:srgbClr val="000000"/>
-                </a:solidFill>
-                <a:highlight>
-                  <a:srgbClr val="FFFFFF"/>
-                </a:highlight>
-                <a:latin typeface="Consolas" panose="020B0609020204030204" pitchFamily="49" charset="0"/>
-              </a:rPr>
-              <a:t>(</a:t>
-            </a:r>
-            <a:r>
-              <a:rPr lang="en-US" sz="1200" dirty="0">
-                <a:solidFill>
-                  <a:srgbClr val="A31515"/>
-                </a:solidFill>
-                <a:highlight>
-                  <a:srgbClr val="FFFFFF"/>
-                </a:highlight>
-                <a:latin typeface="Consolas" panose="020B0609020204030204" pitchFamily="49" charset="0"/>
-              </a:rPr>
-              <a:t>"TALISKER"</a:t>
-            </a:r>
-            <a:r>
-              <a:rPr lang="en-US" sz="1200" dirty="0">
-                <a:solidFill>
-                  <a:srgbClr val="000000"/>
-                </a:solidFill>
-                <a:highlight>
-                  <a:srgbClr val="FFFFFF"/>
-                </a:highlight>
-                <a:latin typeface="Consolas" panose="020B0609020204030204" pitchFamily="49" charset="0"/>
-              </a:rPr>
-              <a:t>, 50);</a:t>
-            </a:r>
-          </a:p>
-          <a:p>
-            <a:r>
-              <a:rPr lang="en-US" sz="1200" dirty="0">
-                <a:solidFill>
-                  <a:srgbClr val="000000"/>
-                </a:solidFill>
-                <a:highlight>
-                  <a:srgbClr val="FFFFFF"/>
-                </a:highlight>
-                <a:latin typeface="Consolas" panose="020B0609020204030204" pitchFamily="49" charset="0"/>
-              </a:rPr>
-              <a:t>    </a:t>
-            </a:r>
-            <a:r>
-              <a:rPr lang="en-US" sz="1200" dirty="0" err="1">
-                <a:solidFill>
-                  <a:srgbClr val="800080"/>
-                </a:solidFill>
-                <a:highlight>
-                  <a:srgbClr val="FFFFFF"/>
-                </a:highlight>
-                <a:latin typeface="Consolas" panose="020B0609020204030204" pitchFamily="49" charset="0"/>
-              </a:rPr>
-              <a:t>warehouse</a:t>
-            </a:r>
-            <a:r>
-              <a:rPr lang="en-US" sz="1200" dirty="0" err="1">
-                <a:solidFill>
-                  <a:srgbClr val="000000"/>
-                </a:solidFill>
-                <a:highlight>
-                  <a:srgbClr val="FFFFFF"/>
-                </a:highlight>
-                <a:latin typeface="Consolas" panose="020B0609020204030204" pitchFamily="49" charset="0"/>
-              </a:rPr>
-              <a:t>.</a:t>
-            </a:r>
-            <a:r>
-              <a:rPr lang="en-US" sz="1200" dirty="0" err="1">
-                <a:solidFill>
-                  <a:srgbClr val="008B8B"/>
-                </a:solidFill>
-                <a:highlight>
-                  <a:srgbClr val="FFFFFF"/>
-                </a:highlight>
-                <a:latin typeface="Consolas" panose="020B0609020204030204" pitchFamily="49" charset="0"/>
-              </a:rPr>
-              <a:t>Add</a:t>
-            </a:r>
-            <a:r>
-              <a:rPr lang="en-US" sz="1200" dirty="0">
-                <a:solidFill>
-                  <a:srgbClr val="000000"/>
-                </a:solidFill>
-                <a:highlight>
-                  <a:srgbClr val="FFFFFF"/>
-                </a:highlight>
-                <a:latin typeface="Consolas" panose="020B0609020204030204" pitchFamily="49" charset="0"/>
-              </a:rPr>
-              <a:t>(</a:t>
-            </a:r>
-            <a:r>
-              <a:rPr lang="en-US" sz="1200" dirty="0">
-                <a:solidFill>
-                  <a:srgbClr val="A31515"/>
-                </a:solidFill>
-                <a:highlight>
-                  <a:srgbClr val="FFFFFF"/>
-                </a:highlight>
-                <a:latin typeface="Consolas" panose="020B0609020204030204" pitchFamily="49" charset="0"/>
-              </a:rPr>
-              <a:t>"HIGHLAND_PARK"</a:t>
-            </a:r>
-            <a:r>
-              <a:rPr lang="en-US" sz="1200" dirty="0">
-                <a:solidFill>
-                  <a:srgbClr val="000000"/>
-                </a:solidFill>
-                <a:highlight>
-                  <a:srgbClr val="FFFFFF"/>
-                </a:highlight>
-                <a:latin typeface="Consolas" panose="020B0609020204030204" pitchFamily="49" charset="0"/>
-              </a:rPr>
-              <a:t>, 25);</a:t>
-            </a:r>
-          </a:p>
-          <a:p>
-            <a:r>
-              <a:rPr lang="en-US" sz="1200" dirty="0">
-                <a:solidFill>
-                  <a:srgbClr val="000000"/>
-                </a:solidFill>
-                <a:highlight>
-                  <a:srgbClr val="FFFFFF"/>
-                </a:highlight>
-                <a:latin typeface="Consolas" panose="020B0609020204030204" pitchFamily="49" charset="0"/>
-              </a:rPr>
-              <a:t>}</a:t>
-            </a:r>
-          </a:p>
-          <a:p>
-            <a:endParaRPr lang="en-US" sz="1200" dirty="0">
-              <a:solidFill>
-                <a:srgbClr val="000000"/>
-              </a:solidFill>
-              <a:highlight>
-                <a:srgbClr val="FFFFFF"/>
-              </a:highlight>
-              <a:latin typeface="Consolas" panose="020B0609020204030204" pitchFamily="49" charset="0"/>
-            </a:endParaRPr>
-          </a:p>
-          <a:p>
-            <a:r>
-              <a:rPr lang="en-US" sz="1200" dirty="0">
-                <a:solidFill>
-                  <a:srgbClr val="0000FF"/>
-                </a:solidFill>
-                <a:highlight>
-                  <a:srgbClr val="FFFFFF"/>
-                </a:highlight>
-                <a:latin typeface="Consolas" panose="020B0609020204030204" pitchFamily="49" charset="0"/>
-              </a:rPr>
-              <a:t>public</a:t>
-            </a:r>
-            <a:r>
-              <a:rPr lang="en-US" sz="1200" dirty="0">
-                <a:solidFill>
-                  <a:srgbClr val="000000"/>
-                </a:solidFill>
-                <a:highlight>
-                  <a:srgbClr val="FFFFFF"/>
-                </a:highlight>
-                <a:latin typeface="Consolas" panose="020B0609020204030204" pitchFamily="49" charset="0"/>
-              </a:rPr>
-              <a:t> </a:t>
-            </a:r>
-            <a:r>
-              <a:rPr lang="en-US" sz="1200" dirty="0">
-                <a:solidFill>
-                  <a:srgbClr val="0000FF"/>
-                </a:solidFill>
-                <a:highlight>
-                  <a:srgbClr val="FFFFFF"/>
-                </a:highlight>
-                <a:latin typeface="Consolas" panose="020B0609020204030204" pitchFamily="49" charset="0"/>
-              </a:rPr>
-              <a:t>void</a:t>
-            </a:r>
-            <a:r>
-              <a:rPr lang="en-US" sz="1200" dirty="0">
-                <a:solidFill>
-                  <a:srgbClr val="000000"/>
-                </a:solidFill>
-                <a:highlight>
-                  <a:srgbClr val="FFFFFF"/>
-                </a:highlight>
-                <a:latin typeface="Consolas" panose="020B0609020204030204" pitchFamily="49" charset="0"/>
-              </a:rPr>
-              <a:t> </a:t>
-            </a:r>
-            <a:r>
-              <a:rPr lang="en-US" sz="1200" dirty="0" err="1">
-                <a:solidFill>
-                  <a:srgbClr val="008B8B"/>
-                </a:solidFill>
-                <a:highlight>
-                  <a:srgbClr val="FFFFFF"/>
-                </a:highlight>
-                <a:latin typeface="Consolas" panose="020B0609020204030204" pitchFamily="49" charset="0"/>
-              </a:rPr>
-              <a:t>testOrderIsFilledIfEnoughInWarehouse</a:t>
-            </a:r>
-            <a:r>
-              <a:rPr lang="en-US" sz="1200" dirty="0">
-                <a:solidFill>
-                  <a:srgbClr val="000000"/>
-                </a:solidFill>
-                <a:highlight>
-                  <a:srgbClr val="FFFFFF"/>
-                </a:highlight>
-                <a:latin typeface="Consolas" panose="020B0609020204030204" pitchFamily="49" charset="0"/>
-              </a:rPr>
-              <a:t>()</a:t>
-            </a:r>
-          </a:p>
-          <a:p>
-            <a:r>
-              <a:rPr lang="en-US" sz="1200" dirty="0">
-                <a:solidFill>
-                  <a:srgbClr val="000000"/>
-                </a:solidFill>
-                <a:highlight>
-                  <a:srgbClr val="FFFFFF"/>
-                </a:highlight>
-                <a:latin typeface="Consolas" panose="020B0609020204030204" pitchFamily="49" charset="0"/>
-              </a:rPr>
-              <a:t>{</a:t>
-            </a:r>
-          </a:p>
-          <a:p>
-            <a:r>
-              <a:rPr lang="en-US" sz="1200" dirty="0">
-                <a:solidFill>
-                  <a:srgbClr val="000000"/>
-                </a:solidFill>
-                <a:highlight>
-                  <a:srgbClr val="FFFFFF"/>
-                </a:highlight>
-                <a:latin typeface="Consolas" panose="020B0609020204030204" pitchFamily="49" charset="0"/>
-              </a:rPr>
-              <a:t>    </a:t>
-            </a:r>
-            <a:r>
-              <a:rPr lang="en-US" sz="1200" dirty="0">
-                <a:solidFill>
-                  <a:srgbClr val="00008B"/>
-                </a:solidFill>
-                <a:highlight>
-                  <a:srgbClr val="FFFFFF"/>
-                </a:highlight>
-                <a:latin typeface="Consolas" panose="020B0609020204030204" pitchFamily="49" charset="0"/>
-              </a:rPr>
-              <a:t>Order</a:t>
-            </a:r>
-            <a:r>
-              <a:rPr lang="en-US" sz="1200" dirty="0">
-                <a:solidFill>
-                  <a:srgbClr val="000000"/>
-                </a:solidFill>
-                <a:highlight>
-                  <a:srgbClr val="FFFFFF"/>
-                </a:highlight>
-                <a:latin typeface="Consolas" panose="020B0609020204030204" pitchFamily="49" charset="0"/>
-              </a:rPr>
-              <a:t> </a:t>
-            </a:r>
-            <a:r>
-              <a:rPr lang="en-US" sz="1200" dirty="0" err="1">
-                <a:solidFill>
-                  <a:srgbClr val="000000"/>
-                </a:solidFill>
-                <a:highlight>
-                  <a:srgbClr val="FFFFFF"/>
-                </a:highlight>
-                <a:latin typeface="Consolas" panose="020B0609020204030204" pitchFamily="49" charset="0"/>
-              </a:rPr>
-              <a:t>order</a:t>
-            </a:r>
-            <a:r>
-              <a:rPr lang="en-US" sz="1200" dirty="0">
-                <a:solidFill>
-                  <a:srgbClr val="000000"/>
-                </a:solidFill>
-                <a:highlight>
-                  <a:srgbClr val="FFFFFF"/>
-                </a:highlight>
-                <a:latin typeface="Consolas" panose="020B0609020204030204" pitchFamily="49" charset="0"/>
-              </a:rPr>
-              <a:t> = </a:t>
-            </a:r>
-            <a:r>
-              <a:rPr lang="en-US" sz="1200" dirty="0">
-                <a:solidFill>
-                  <a:srgbClr val="0000FF"/>
-                </a:solidFill>
-                <a:highlight>
-                  <a:srgbClr val="FFFFFF"/>
-                </a:highlight>
-                <a:latin typeface="Consolas" panose="020B0609020204030204" pitchFamily="49" charset="0"/>
-              </a:rPr>
-              <a:t>new</a:t>
-            </a:r>
-            <a:r>
-              <a:rPr lang="en-US" sz="1200" dirty="0">
-                <a:solidFill>
-                  <a:srgbClr val="000000"/>
-                </a:solidFill>
-                <a:highlight>
-                  <a:srgbClr val="FFFFFF"/>
-                </a:highlight>
-                <a:latin typeface="Consolas" panose="020B0609020204030204" pitchFamily="49" charset="0"/>
-              </a:rPr>
-              <a:t> </a:t>
-            </a:r>
-            <a:r>
-              <a:rPr lang="en-US" sz="1200" dirty="0">
-                <a:solidFill>
-                  <a:srgbClr val="00008B"/>
-                </a:solidFill>
-                <a:highlight>
-                  <a:srgbClr val="FFFFFF"/>
-                </a:highlight>
-                <a:latin typeface="Consolas" panose="020B0609020204030204" pitchFamily="49" charset="0"/>
-              </a:rPr>
-              <a:t>Order</a:t>
-            </a:r>
-            <a:r>
-              <a:rPr lang="en-US" sz="1200" dirty="0">
-                <a:solidFill>
-                  <a:srgbClr val="000000"/>
-                </a:solidFill>
-                <a:highlight>
-                  <a:srgbClr val="FFFFFF"/>
-                </a:highlight>
-                <a:latin typeface="Consolas" panose="020B0609020204030204" pitchFamily="49" charset="0"/>
-              </a:rPr>
-              <a:t>(</a:t>
-            </a:r>
-            <a:r>
-              <a:rPr lang="en-US" sz="1200" dirty="0">
-                <a:solidFill>
-                  <a:srgbClr val="A31515"/>
-                </a:solidFill>
-                <a:highlight>
-                  <a:srgbClr val="FFFFFF"/>
-                </a:highlight>
-                <a:latin typeface="Consolas" panose="020B0609020204030204" pitchFamily="49" charset="0"/>
-              </a:rPr>
-              <a:t>"TALISKER"</a:t>
-            </a:r>
-            <a:r>
-              <a:rPr lang="en-US" sz="1200" dirty="0">
-                <a:solidFill>
-                  <a:srgbClr val="000000"/>
-                </a:solidFill>
-                <a:highlight>
-                  <a:srgbClr val="FFFFFF"/>
-                </a:highlight>
-                <a:latin typeface="Consolas" panose="020B0609020204030204" pitchFamily="49" charset="0"/>
-              </a:rPr>
-              <a:t>, 50);</a:t>
-            </a:r>
-          </a:p>
-          <a:p>
-            <a:r>
-              <a:rPr lang="en-US" sz="1200" dirty="0">
-                <a:solidFill>
-                  <a:srgbClr val="000000"/>
-                </a:solidFill>
-                <a:highlight>
-                  <a:srgbClr val="FFFFFF"/>
-                </a:highlight>
-                <a:latin typeface="Consolas" panose="020B0609020204030204" pitchFamily="49" charset="0"/>
-              </a:rPr>
-              <a:t>    </a:t>
-            </a:r>
-            <a:r>
-              <a:rPr lang="en-US" sz="1200" dirty="0" err="1">
-                <a:solidFill>
-                  <a:srgbClr val="000000"/>
-                </a:solidFill>
-                <a:highlight>
-                  <a:srgbClr val="FFFFFF"/>
-                </a:highlight>
-                <a:latin typeface="Consolas" panose="020B0609020204030204" pitchFamily="49" charset="0"/>
-              </a:rPr>
-              <a:t>order.</a:t>
-            </a:r>
-            <a:r>
-              <a:rPr lang="en-US" sz="1200" dirty="0" err="1">
-                <a:solidFill>
-                  <a:srgbClr val="008B8B"/>
-                </a:solidFill>
-                <a:highlight>
-                  <a:srgbClr val="FFFFFF"/>
-                </a:highlight>
-                <a:latin typeface="Consolas" panose="020B0609020204030204" pitchFamily="49" charset="0"/>
-              </a:rPr>
-              <a:t>Fill</a:t>
-            </a:r>
-            <a:r>
-              <a:rPr lang="en-US" sz="1200" dirty="0">
-                <a:solidFill>
-                  <a:srgbClr val="000000"/>
-                </a:solidFill>
-                <a:highlight>
-                  <a:srgbClr val="FFFFFF"/>
-                </a:highlight>
-                <a:latin typeface="Consolas" panose="020B0609020204030204" pitchFamily="49" charset="0"/>
-              </a:rPr>
-              <a:t>(</a:t>
-            </a:r>
-            <a:r>
-              <a:rPr lang="en-US" sz="1200" dirty="0">
-                <a:solidFill>
-                  <a:srgbClr val="800080"/>
-                </a:solidFill>
-                <a:highlight>
-                  <a:srgbClr val="FFFFFF"/>
-                </a:highlight>
-                <a:latin typeface="Consolas" panose="020B0609020204030204" pitchFamily="49" charset="0"/>
-              </a:rPr>
-              <a:t>warehouse</a:t>
-            </a:r>
-            <a:r>
-              <a:rPr lang="en-US" sz="1200" dirty="0">
-                <a:solidFill>
-                  <a:srgbClr val="000000"/>
-                </a:solidFill>
-                <a:highlight>
-                  <a:srgbClr val="FFFFFF"/>
-                </a:highlight>
-                <a:latin typeface="Consolas" panose="020B0609020204030204" pitchFamily="49" charset="0"/>
-              </a:rPr>
-              <a:t>);</a:t>
-            </a:r>
-          </a:p>
-          <a:p>
-            <a:r>
-              <a:rPr lang="en-US" sz="1200" dirty="0">
-                <a:solidFill>
-                  <a:srgbClr val="000000"/>
-                </a:solidFill>
-                <a:highlight>
-                  <a:srgbClr val="FFFFFF"/>
-                </a:highlight>
-                <a:latin typeface="Consolas" panose="020B0609020204030204" pitchFamily="49" charset="0"/>
-              </a:rPr>
-              <a:t>    </a:t>
-            </a:r>
-            <a:r>
-              <a:rPr lang="en-US" sz="1200" dirty="0" err="1">
-                <a:solidFill>
-                  <a:srgbClr val="00008B"/>
-                </a:solidFill>
-                <a:highlight>
-                  <a:srgbClr val="FFFFFF"/>
-                </a:highlight>
-                <a:latin typeface="Consolas" panose="020B0609020204030204" pitchFamily="49" charset="0"/>
-              </a:rPr>
-              <a:t>Assert</a:t>
-            </a:r>
-            <a:r>
-              <a:rPr lang="en-US" sz="1200" dirty="0" err="1">
-                <a:solidFill>
-                  <a:srgbClr val="000000"/>
-                </a:solidFill>
-                <a:highlight>
-                  <a:srgbClr val="FFFFFF"/>
-                </a:highlight>
-                <a:latin typeface="Consolas" panose="020B0609020204030204" pitchFamily="49" charset="0"/>
-              </a:rPr>
-              <a:t>.</a:t>
-            </a:r>
-            <a:r>
-              <a:rPr lang="en-US" sz="1200" dirty="0" err="1">
-                <a:solidFill>
-                  <a:srgbClr val="008B8B"/>
-                </a:solidFill>
-                <a:highlight>
-                  <a:srgbClr val="FFFFFF"/>
-                </a:highlight>
-                <a:latin typeface="Consolas" panose="020B0609020204030204" pitchFamily="49" charset="0"/>
-              </a:rPr>
-              <a:t>AreEqual</a:t>
-            </a:r>
-            <a:r>
-              <a:rPr lang="en-US" sz="1200" dirty="0">
-                <a:solidFill>
-                  <a:srgbClr val="000000"/>
-                </a:solidFill>
-                <a:highlight>
-                  <a:srgbClr val="FFFFFF"/>
-                </a:highlight>
-                <a:latin typeface="Consolas" panose="020B0609020204030204" pitchFamily="49" charset="0"/>
-              </a:rPr>
-              <a:t>(</a:t>
-            </a:r>
-            <a:r>
-              <a:rPr lang="en-US" sz="1200" dirty="0">
-                <a:solidFill>
-                  <a:srgbClr val="0000FF"/>
-                </a:solidFill>
-                <a:highlight>
-                  <a:srgbClr val="FFFFFF"/>
-                </a:highlight>
-                <a:latin typeface="Consolas" panose="020B0609020204030204" pitchFamily="49" charset="0"/>
-              </a:rPr>
-              <a:t>true</a:t>
-            </a:r>
-            <a:r>
-              <a:rPr lang="en-US" sz="1200" dirty="0">
-                <a:solidFill>
-                  <a:srgbClr val="000000"/>
-                </a:solidFill>
-                <a:highlight>
-                  <a:srgbClr val="FFFFFF"/>
-                </a:highlight>
-                <a:latin typeface="Consolas" panose="020B0609020204030204" pitchFamily="49" charset="0"/>
-              </a:rPr>
-              <a:t>, </a:t>
-            </a:r>
-            <a:r>
-              <a:rPr lang="en-US" sz="1200" dirty="0" err="1">
-                <a:solidFill>
-                  <a:srgbClr val="000000"/>
-                </a:solidFill>
-                <a:highlight>
-                  <a:srgbClr val="FFFFFF"/>
-                </a:highlight>
-                <a:latin typeface="Consolas" panose="020B0609020204030204" pitchFamily="49" charset="0"/>
-              </a:rPr>
-              <a:t>order.</a:t>
-            </a:r>
-            <a:r>
-              <a:rPr lang="en-US" sz="1200" dirty="0" err="1">
-                <a:solidFill>
-                  <a:srgbClr val="008B8B"/>
-                </a:solidFill>
-                <a:highlight>
-                  <a:srgbClr val="FFFFFF"/>
-                </a:highlight>
-                <a:latin typeface="Consolas" panose="020B0609020204030204" pitchFamily="49" charset="0"/>
-              </a:rPr>
-              <a:t>IsFilled</a:t>
-            </a:r>
-            <a:r>
-              <a:rPr lang="en-US" sz="1200" dirty="0">
-                <a:solidFill>
-                  <a:srgbClr val="000000"/>
-                </a:solidFill>
-                <a:highlight>
-                  <a:srgbClr val="FFFFFF"/>
-                </a:highlight>
-                <a:latin typeface="Consolas" panose="020B0609020204030204" pitchFamily="49" charset="0"/>
-              </a:rPr>
-              <a:t>());</a:t>
-            </a:r>
-          </a:p>
-          <a:p>
-            <a:r>
-              <a:rPr lang="en-US" sz="1200" dirty="0">
-                <a:solidFill>
-                  <a:srgbClr val="000000"/>
-                </a:solidFill>
-                <a:highlight>
-                  <a:srgbClr val="FFFFFF"/>
-                </a:highlight>
-                <a:latin typeface="Consolas" panose="020B0609020204030204" pitchFamily="49" charset="0"/>
-              </a:rPr>
-              <a:t>    </a:t>
-            </a:r>
-            <a:r>
-              <a:rPr lang="en-US" sz="1200" dirty="0" err="1">
-                <a:solidFill>
-                  <a:srgbClr val="00008B"/>
-                </a:solidFill>
-                <a:highlight>
-                  <a:srgbClr val="FFFFFF"/>
-                </a:highlight>
-                <a:latin typeface="Consolas" panose="020B0609020204030204" pitchFamily="49" charset="0"/>
-              </a:rPr>
-              <a:t>Assert</a:t>
-            </a:r>
-            <a:r>
-              <a:rPr lang="en-US" sz="1200" dirty="0" err="1">
-                <a:solidFill>
-                  <a:srgbClr val="000000"/>
-                </a:solidFill>
-                <a:highlight>
-                  <a:srgbClr val="FFFFFF"/>
-                </a:highlight>
-                <a:latin typeface="Consolas" panose="020B0609020204030204" pitchFamily="49" charset="0"/>
-              </a:rPr>
-              <a:t>.</a:t>
-            </a:r>
-            <a:r>
-              <a:rPr lang="en-US" sz="1200" dirty="0" err="1">
-                <a:solidFill>
-                  <a:srgbClr val="008B8B"/>
-                </a:solidFill>
-                <a:highlight>
-                  <a:srgbClr val="FFFFFF"/>
-                </a:highlight>
-                <a:latin typeface="Consolas" panose="020B0609020204030204" pitchFamily="49" charset="0"/>
-              </a:rPr>
-              <a:t>AreEqual</a:t>
-            </a:r>
-            <a:r>
-              <a:rPr lang="en-US" sz="1200" dirty="0">
-                <a:solidFill>
-                  <a:srgbClr val="000000"/>
-                </a:solidFill>
-                <a:highlight>
-                  <a:srgbClr val="FFFFFF"/>
-                </a:highlight>
-                <a:latin typeface="Consolas" panose="020B0609020204030204" pitchFamily="49" charset="0"/>
-              </a:rPr>
-              <a:t>(0, </a:t>
-            </a:r>
-            <a:r>
-              <a:rPr lang="en-US" sz="1200" dirty="0" err="1">
-                <a:solidFill>
-                  <a:srgbClr val="800080"/>
-                </a:solidFill>
-                <a:highlight>
-                  <a:srgbClr val="FFFFFF"/>
-                </a:highlight>
-                <a:latin typeface="Consolas" panose="020B0609020204030204" pitchFamily="49" charset="0"/>
-              </a:rPr>
-              <a:t>warehouse</a:t>
-            </a:r>
-            <a:r>
-              <a:rPr lang="en-US" sz="1200" dirty="0" err="1">
-                <a:solidFill>
-                  <a:srgbClr val="000000"/>
-                </a:solidFill>
-                <a:highlight>
-                  <a:srgbClr val="FFFFFF"/>
-                </a:highlight>
-                <a:latin typeface="Consolas" panose="020B0609020204030204" pitchFamily="49" charset="0"/>
-              </a:rPr>
-              <a:t>.</a:t>
-            </a:r>
-            <a:r>
-              <a:rPr lang="en-US" sz="1200" dirty="0" err="1">
-                <a:solidFill>
-                  <a:srgbClr val="008B8B"/>
-                </a:solidFill>
-                <a:highlight>
-                  <a:srgbClr val="FFFFFF"/>
-                </a:highlight>
-                <a:latin typeface="Consolas" panose="020B0609020204030204" pitchFamily="49" charset="0"/>
-              </a:rPr>
-              <a:t>GetInventory</a:t>
-            </a:r>
-            <a:r>
-              <a:rPr lang="en-US" sz="1200" dirty="0">
-                <a:solidFill>
-                  <a:srgbClr val="000000"/>
-                </a:solidFill>
-                <a:highlight>
-                  <a:srgbClr val="FFFFFF"/>
-                </a:highlight>
-                <a:latin typeface="Consolas" panose="020B0609020204030204" pitchFamily="49" charset="0"/>
-              </a:rPr>
-              <a:t>(</a:t>
-            </a:r>
-            <a:r>
-              <a:rPr lang="en-US" sz="1200" dirty="0">
-                <a:solidFill>
-                  <a:srgbClr val="A31515"/>
-                </a:solidFill>
-                <a:highlight>
-                  <a:srgbClr val="FFFFFF"/>
-                </a:highlight>
-                <a:latin typeface="Consolas" panose="020B0609020204030204" pitchFamily="49" charset="0"/>
-              </a:rPr>
-              <a:t>"TALISKER"</a:t>
-            </a:r>
-            <a:r>
-              <a:rPr lang="en-US" sz="1200" dirty="0">
-                <a:solidFill>
-                  <a:srgbClr val="000000"/>
-                </a:solidFill>
-                <a:highlight>
-                  <a:srgbClr val="FFFFFF"/>
-                </a:highlight>
-                <a:latin typeface="Consolas" panose="020B0609020204030204" pitchFamily="49" charset="0"/>
-              </a:rPr>
-              <a:t>));</a:t>
-            </a:r>
-          </a:p>
-          <a:p>
-            <a:r>
-              <a:rPr lang="en-US" sz="1200" dirty="0">
-                <a:solidFill>
-                  <a:srgbClr val="000000"/>
-                </a:solidFill>
-                <a:highlight>
-                  <a:srgbClr val="FFFFFF"/>
-                </a:highlight>
-                <a:latin typeface="Consolas" panose="020B0609020204030204" pitchFamily="49" charset="0"/>
-              </a:rPr>
-              <a:t>}</a:t>
-            </a:r>
-            <a:endParaRPr lang="en-ZA" sz="1200" dirty="0"/>
-          </a:p>
-        </p:txBody>
-      </p:sp>
+    </p:spTree>
+    <p:extLst>
+      <p:ext uri="{BB962C8B-B14F-4D97-AF65-F5344CB8AC3E}">
+        <p14:creationId xmlns:p14="http://schemas.microsoft.com/office/powerpoint/2010/main" val="530558504"/>
+      </p:ext>
+    </p:extLst>
+  </p:cSld>
+  <p:clrMapOvr>
+    <a:masterClrMapping/>
+  </p:clrMapOvr>
+</p:sld>
+</file>
+
+<file path=ppt/slides/slide14.xml><?xml version="1.0" encoding="utf-8"?>
+<p:sld xmlns:a="http://schemas.openxmlformats.org/drawingml/2006/main" xmlns:r="http://schemas.openxmlformats.org/officeDocument/2006/relationships" xmlns:p="http://schemas.openxmlformats.org/presentationml/2006/main">
+  <p:cSld>
+    <p:spTree>
+      <p:nvGrpSpPr>
+        <p:cNvPr id="1" name=""/>
+        <p:cNvGrpSpPr/>
+        <p:nvPr/>
+      </p:nvGrpSpPr>
+      <p:grpSpPr>
+        <a:xfrm>
+          <a:off x="0" y="0"/>
+          <a:ext cx="0" cy="0"/>
+          <a:chOff x="0" y="0"/>
+          <a:chExt cx="0" cy="0"/>
+        </a:xfrm>
+      </p:grpSpPr>
       <p:sp>
         <p:nvSpPr>
           <p:cNvPr id="3" name="Content Placeholder 2"/>
@@ -10907,18 +8402,17 @@
           <a:lstStyle/>
           <a:p>
             <a:r>
-              <a:rPr lang="en-ZA" dirty="0" smtClean="0"/>
+              <a:rPr lang="en-ZA" dirty="0"/>
               <a:t>Different to others which assert on state, mocks assert on behaviour. Mocks say “I expect you to do </a:t>
             </a:r>
             <a:r>
-              <a:rPr lang="en-ZA" i="1" dirty="0" smtClean="0"/>
+              <a:rPr lang="en-ZA" i="1" dirty="0"/>
               <a:t>xyz</a:t>
             </a:r>
             <a:r>
-              <a:rPr lang="en-ZA" dirty="0" smtClean="0"/>
+              <a:rPr lang="en-ZA" dirty="0"/>
               <a:t>”</a:t>
             </a:r>
-            <a:endParaRPr lang="en-ZA" dirty="0"/>
           </a:p>
         </p:txBody>
       </p:sp>
@@ -10945,10 +8439,267 @@
           <a:lstStyle/>
           <a:p>
             <a:r>
-              <a:rPr lang="en-ZA" dirty="0" smtClean="0"/>
+              <a:rPr lang="en-ZA" dirty="0"/>
               <a:t>Mocks</a:t>
             </a:r>
-            <a:endParaRPr lang="en-ZA" dirty="0"/>
+          </a:p>
+        </p:txBody>
+      </p:sp>
+      <p:sp>
+        <p:nvSpPr>
+          <p:cNvPr id="5" name="Rectangle 4"/>
+          <p:cNvSpPr/>
+          <p:nvPr/>
+        </p:nvSpPr>
+        <p:spPr>
+          <a:xfrm>
+            <a:off x="755576" y="2137420"/>
+            <a:ext cx="8280920" cy="2308324"/>
+          </a:xfrm>
+          <a:prstGeom prst="rect">
+            <a:avLst/>
+          </a:prstGeom>
+        </p:spPr>
+        <p:txBody>
+          <a:bodyPr wrap="square">
+            <a:spAutoFit/>
+          </a:bodyPr>
+          <a:lstStyle/>
+          <a:p>
+            <a:r>
+              <a:rPr lang="en-ZA" dirty="0">
+                <a:solidFill>
+                  <a:srgbClr val="008000"/>
+                </a:solidFill>
+                <a:latin typeface="Consolas" panose="020B0609020204030204" pitchFamily="49" charset="0"/>
+              </a:rPr>
+              <a:t>// returning different values on each invocation</a:t>
+            </a:r>
+            <a:endParaRPr lang="en-ZA" dirty="0">
+              <a:solidFill>
+                <a:srgbClr val="000000"/>
+              </a:solidFill>
+              <a:latin typeface="Consolas" panose="020B0609020204030204" pitchFamily="49" charset="0"/>
+            </a:endParaRPr>
+          </a:p>
+          <a:p>
+            <a:r>
+              <a:rPr lang="en-US" dirty="0" err="1">
+                <a:solidFill>
+                  <a:srgbClr val="0000FF"/>
+                </a:solidFill>
+                <a:latin typeface="Consolas" panose="020B0609020204030204" pitchFamily="49" charset="0"/>
+              </a:rPr>
+              <a:t>var</a:t>
+            </a:r>
+            <a:r>
+              <a:rPr lang="en-US" dirty="0">
+                <a:solidFill>
+                  <a:srgbClr val="000000"/>
+                </a:solidFill>
+                <a:latin typeface="Consolas" panose="020B0609020204030204" pitchFamily="49" charset="0"/>
+              </a:rPr>
+              <a:t> mock = </a:t>
+            </a:r>
+            <a:r>
+              <a:rPr lang="en-US" dirty="0">
+                <a:solidFill>
+                  <a:srgbClr val="0000FF"/>
+                </a:solidFill>
+                <a:latin typeface="Consolas" panose="020B0609020204030204" pitchFamily="49" charset="0"/>
+              </a:rPr>
+              <a:t>new</a:t>
+            </a:r>
+            <a:r>
+              <a:rPr lang="en-US" dirty="0">
+                <a:solidFill>
+                  <a:srgbClr val="000000"/>
+                </a:solidFill>
+                <a:latin typeface="Consolas" panose="020B0609020204030204" pitchFamily="49" charset="0"/>
+              </a:rPr>
+              <a:t> </a:t>
+            </a:r>
+            <a:r>
+              <a:rPr lang="en-US" dirty="0">
+                <a:solidFill>
+                  <a:srgbClr val="2B91AF"/>
+                </a:solidFill>
+                <a:latin typeface="Consolas" panose="020B0609020204030204" pitchFamily="49" charset="0"/>
+              </a:rPr>
+              <a:t>Mock</a:t>
+            </a:r>
+            <a:r>
+              <a:rPr lang="en-US" dirty="0">
+                <a:solidFill>
+                  <a:srgbClr val="000000"/>
+                </a:solidFill>
+                <a:latin typeface="Consolas" panose="020B0609020204030204" pitchFamily="49" charset="0"/>
+              </a:rPr>
+              <a:t>&lt;</a:t>
+            </a:r>
+            <a:r>
+              <a:rPr lang="en-US" dirty="0" err="1">
+                <a:solidFill>
+                  <a:srgbClr val="2B91AF"/>
+                </a:solidFill>
+                <a:latin typeface="Consolas" panose="020B0609020204030204" pitchFamily="49" charset="0"/>
+              </a:rPr>
+              <a:t>IFoo</a:t>
+            </a:r>
+            <a:r>
+              <a:rPr lang="en-US" dirty="0">
+                <a:solidFill>
+                  <a:srgbClr val="000000"/>
+                </a:solidFill>
+                <a:latin typeface="Consolas" panose="020B0609020204030204" pitchFamily="49" charset="0"/>
+              </a:rPr>
+              <a:t>&gt;();</a:t>
+            </a:r>
+          </a:p>
+          <a:p>
+            <a:r>
+              <a:rPr lang="en-US" dirty="0" err="1">
+                <a:solidFill>
+                  <a:srgbClr val="0000FF"/>
+                </a:solidFill>
+                <a:latin typeface="Consolas" panose="020B0609020204030204" pitchFamily="49" charset="0"/>
+              </a:rPr>
+              <a:t>var</a:t>
+            </a:r>
+            <a:r>
+              <a:rPr lang="en-US" dirty="0">
+                <a:solidFill>
+                  <a:srgbClr val="000000"/>
+                </a:solidFill>
+                <a:latin typeface="Consolas" panose="020B0609020204030204" pitchFamily="49" charset="0"/>
+              </a:rPr>
+              <a:t> calls = 0;</a:t>
+            </a:r>
+          </a:p>
+          <a:p>
+            <a:r>
+              <a:rPr lang="en-US" dirty="0" err="1">
+                <a:solidFill>
+                  <a:srgbClr val="000000"/>
+                </a:solidFill>
+                <a:latin typeface="Consolas" panose="020B0609020204030204" pitchFamily="49" charset="0"/>
+              </a:rPr>
+              <a:t>mock.Setup</a:t>
+            </a:r>
+            <a:r>
+              <a:rPr lang="en-US" dirty="0">
+                <a:solidFill>
+                  <a:srgbClr val="000000"/>
+                </a:solidFill>
+                <a:latin typeface="Consolas" panose="020B0609020204030204" pitchFamily="49" charset="0"/>
+              </a:rPr>
+              <a:t>(foo =&gt; </a:t>
+            </a:r>
+            <a:r>
+              <a:rPr lang="en-US" dirty="0" err="1">
+                <a:solidFill>
+                  <a:srgbClr val="000000"/>
+                </a:solidFill>
+                <a:latin typeface="Consolas" panose="020B0609020204030204" pitchFamily="49" charset="0"/>
+              </a:rPr>
+              <a:t>foo.GetCountThing</a:t>
+            </a:r>
+            <a:r>
+              <a:rPr lang="en-US" dirty="0">
+                <a:solidFill>
+                  <a:srgbClr val="000000"/>
+                </a:solidFill>
+                <a:latin typeface="Consolas" panose="020B0609020204030204" pitchFamily="49" charset="0"/>
+              </a:rPr>
+              <a:t>())</a:t>
+            </a:r>
+          </a:p>
+          <a:p>
+            <a:r>
+              <a:rPr lang="en-US" dirty="0">
+                <a:solidFill>
+                  <a:srgbClr val="000000"/>
+                </a:solidFill>
+                <a:latin typeface="Consolas" panose="020B0609020204030204" pitchFamily="49" charset="0"/>
+              </a:rPr>
+              <a:t>.Returns(() =&gt; calls)</a:t>
+            </a:r>
+          </a:p>
+          <a:p>
+            <a:r>
+              <a:rPr lang="en-US" dirty="0">
+                <a:solidFill>
+                  <a:srgbClr val="000000"/>
+                </a:solidFill>
+                <a:latin typeface="Consolas" panose="020B0609020204030204" pitchFamily="49" charset="0"/>
+              </a:rPr>
+              <a:t>.Callback(() =&gt; calls++);</a:t>
+            </a:r>
+          </a:p>
+          <a:p>
+            <a:r>
+              <a:rPr lang="en-ZA" dirty="0">
+                <a:solidFill>
+                  <a:srgbClr val="008000"/>
+                </a:solidFill>
+                <a:latin typeface="Consolas" panose="020B0609020204030204" pitchFamily="49" charset="0"/>
+              </a:rPr>
+              <a:t>// returns 0 on first invocation, 1 on the next, and so on</a:t>
+            </a:r>
+            <a:endParaRPr lang="en-ZA" dirty="0">
+              <a:solidFill>
+                <a:srgbClr val="000000"/>
+              </a:solidFill>
+              <a:latin typeface="Consolas" panose="020B0609020204030204" pitchFamily="49" charset="0"/>
+            </a:endParaRPr>
+          </a:p>
+          <a:p>
+            <a:r>
+              <a:rPr lang="en-US" dirty="0" err="1">
+                <a:solidFill>
+                  <a:srgbClr val="2B91AF"/>
+                </a:solidFill>
+                <a:latin typeface="Consolas" panose="020B0609020204030204" pitchFamily="49" charset="0"/>
+              </a:rPr>
+              <a:t>Console</a:t>
+            </a:r>
+            <a:r>
+              <a:rPr lang="en-US" dirty="0" err="1">
+                <a:solidFill>
+                  <a:srgbClr val="000000"/>
+                </a:solidFill>
+                <a:latin typeface="Consolas" panose="020B0609020204030204" pitchFamily="49" charset="0"/>
+              </a:rPr>
+              <a:t>.WriteLine</a:t>
+            </a:r>
+            <a:r>
+              <a:rPr lang="en-US" dirty="0">
+                <a:solidFill>
+                  <a:srgbClr val="000000"/>
+                </a:solidFill>
+                <a:latin typeface="Consolas" panose="020B0609020204030204" pitchFamily="49" charset="0"/>
+              </a:rPr>
+              <a:t>(</a:t>
+            </a:r>
+            <a:r>
+              <a:rPr lang="en-US" dirty="0" err="1">
+                <a:solidFill>
+                  <a:srgbClr val="000000"/>
+                </a:solidFill>
+                <a:latin typeface="Consolas" panose="020B0609020204030204" pitchFamily="49" charset="0"/>
+              </a:rPr>
+              <a:t>mock.Object.GetCountThing</a:t>
+            </a:r>
+            <a:r>
+              <a:rPr lang="en-US" dirty="0">
+                <a:solidFill>
+                  <a:srgbClr val="000000"/>
+                </a:solidFill>
+                <a:latin typeface="Consolas" panose="020B0609020204030204" pitchFamily="49" charset="0"/>
+              </a:rPr>
+              <a:t>());</a:t>
+            </a:r>
+            <a:endParaRPr lang="en-US" dirty="0"/>
           </a:p>
         </p:txBody>
       </p:sp>
@@ -10962,476 +8713,10 @@
   <p:clrMapOvr>
     <a:masterClrMapping/>
   </p:clrMapOvr>
-  <p:timing>
-    <p:tnLst>
-      <p:par>
-        <p:cTn id="1" dur="indefinite" restart="never" nodeType="tmRoot">
-          <p:childTnLst>
-            <p:seq concurrent="1" nextAc="seek">
-              <p:cTn id="2" dur="indefinite" nodeType="mainSeq">
-                <p:childTnLst>
-                  <p:par>
-                    <p:cTn id="3" fill="hold">
-                      <p:stCondLst>
-                        <p:cond delay="indefinite"/>
-                        <p:cond evt="onBegin" delay="0">
-                          <p:tn val="2"/>
-                        </p:cond>
-                      </p:stCondLst>
-                      <p:childTnLst>
-                        <p:par>
-                          <p:cTn id="4" fill="hold">
-                            <p:stCondLst>
-                              <p:cond delay="0"/>
-                            </p:stCondLst>
-                            <p:childTnLst>
-                              <p:par>
-                                <p:cTn id="5" presetID="1" presetClass="entr" presetSubtype="0" fill="hold" nodeType="withEffect">
-                                  <p:stCondLst>
-                                    <p:cond delay="0"/>
-                                  </p:stCondLst>
-                                  <p:childTnLst>
-                                    <p:set>
-                                      <p:cBhvr>
-                                        <p:cTn id="6" dur="1" fill="hold">
-                                          <p:stCondLst>
-                                            <p:cond delay="0"/>
-                                          </p:stCondLst>
-                                        </p:cTn>
-                                        <p:tgtEl>
-                                          <p:spTgt spid="3">
-                                            <p:txEl>
-                                              <p:pRg st="0" end="0"/>
-                                            </p:txEl>
-                                          </p:spTgt>
-                                        </p:tgtEl>
-                                        <p:attrNameLst>
-                                          <p:attrName>style.visibility</p:attrName>
-                                        </p:attrNameLst>
-                                      </p:cBhvr>
-                                      <p:to>
-                                        <p:strVal val="visible"/>
-                                      </p:to>
-                                    </p:set>
-                                  </p:childTnLst>
-                                </p:cTn>
-                              </p:par>
-                            </p:childTnLst>
-                          </p:cTn>
-                        </p:par>
-                      </p:childTnLst>
-                    </p:cTn>
-                  </p:par>
-                  <p:par>
-                    <p:cTn id="7" fill="hold">
-                      <p:stCondLst>
-                        <p:cond delay="indefinite"/>
-                      </p:stCondLst>
-                      <p:childTnLst>
-                        <p:par>
-                          <p:cTn id="8" fill="hold">
-                            <p:stCondLst>
-                              <p:cond delay="0"/>
-                            </p:stCondLst>
-                            <p:childTnLst>
-                              <p:par>
-                                <p:cTn id="9" presetID="1" presetClass="exit" presetSubtype="0" fill="hold" nodeType="clickEffect">
-                                  <p:stCondLst>
-                                    <p:cond delay="0"/>
-                                  </p:stCondLst>
-                                  <p:childTnLst>
-                                    <p:set>
-                                      <p:cBhvr>
-                                        <p:cTn id="10" dur="1" fill="hold">
-                                          <p:stCondLst>
-                                            <p:cond delay="0"/>
-                                          </p:stCondLst>
-                                        </p:cTn>
-                                        <p:tgtEl>
-                                          <p:spTgt spid="3">
-                                            <p:txEl>
-                                              <p:pRg st="0" end="0"/>
-                                            </p:txEl>
-                                          </p:spTgt>
-                                        </p:tgtEl>
-                                        <p:attrNameLst>
-                                          <p:attrName>style.visibility</p:attrName>
-                                        </p:attrNameLst>
-                                      </p:cBhvr>
-                                      <p:to>
-                                        <p:strVal val="hidden"/>
-                                      </p:to>
-                                    </p:set>
-                                  </p:childTnLst>
-                                </p:cTn>
-                              </p:par>
-                              <p:par>
-                                <p:cTn id="11" presetID="31" presetClass="entr" presetSubtype="0" fill="hold" grpId="0" nodeType="withEffect">
-                                  <p:stCondLst>
-                                    <p:cond delay="0"/>
-                                  </p:stCondLst>
-                                  <p:childTnLst>
-                                    <p:set>
-                                      <p:cBhvr>
-                                        <p:cTn id="12" dur="1" fill="hold">
-                                          <p:stCondLst>
-                                            <p:cond delay="0"/>
-                                          </p:stCondLst>
-                                        </p:cTn>
-                                        <p:tgtEl>
-                                          <p:spTgt spid="8"/>
-                                        </p:tgtEl>
-                                        <p:attrNameLst>
-                                          <p:attrName>style.visibility</p:attrName>
-                                        </p:attrNameLst>
-                                      </p:cBhvr>
-                                      <p:to>
-                                        <p:strVal val="visible"/>
-                                      </p:to>
-                                    </p:set>
-                                    <p:anim calcmode="lin" valueType="num">
-                                      <p:cBhvr>
-                                        <p:cTn id="13" dur="1000" fill="hold"/>
-                                        <p:tgtEl>
-                                          <p:spTgt spid="8"/>
-                                        </p:tgtEl>
-                                        <p:attrNameLst>
-                                          <p:attrName>ppt_w</p:attrName>
-                                        </p:attrNameLst>
-                                      </p:cBhvr>
-                                      <p:tavLst>
-                                        <p:tav tm="0">
-                                          <p:val>
-                                            <p:fltVal val="0"/>
-                                          </p:val>
-                                        </p:tav>
-                                        <p:tav tm="100000">
-                                          <p:val>
-                                            <p:strVal val="#ppt_w"/>
-                                          </p:val>
-                                        </p:tav>
-                                      </p:tavLst>
-                                    </p:anim>
-                                    <p:anim calcmode="lin" valueType="num">
-                                      <p:cBhvr>
-                                        <p:cTn id="14" dur="1000" fill="hold"/>
-                                        <p:tgtEl>
-                                          <p:spTgt spid="8"/>
-                                        </p:tgtEl>
-                                        <p:attrNameLst>
-                                          <p:attrName>ppt_h</p:attrName>
-                                        </p:attrNameLst>
-                                      </p:cBhvr>
-                                      <p:tavLst>
-                                        <p:tav tm="0">
-                                          <p:val>
-                                            <p:fltVal val="0"/>
-                                          </p:val>
-                                        </p:tav>
-                                        <p:tav tm="100000">
-                                          <p:val>
-                                            <p:strVal val="#ppt_h"/>
-                                          </p:val>
-                                        </p:tav>
-                                      </p:tavLst>
-                                    </p:anim>
-                                    <p:anim calcmode="lin" valueType="num">
-                                      <p:cBhvr>
-                                        <p:cTn id="15" dur="1000" fill="hold"/>
-                                        <p:tgtEl>
-                                          <p:spTgt spid="8"/>
-                                        </p:tgtEl>
-                                        <p:attrNameLst>
-                                          <p:attrName>style.rotation</p:attrName>
-                                        </p:attrNameLst>
-                                      </p:cBhvr>
-                                      <p:tavLst>
-                                        <p:tav tm="0">
-                                          <p:val>
-                                            <p:fltVal val="90"/>
-                                          </p:val>
-                                        </p:tav>
-                                        <p:tav tm="100000">
-                                          <p:val>
-                                            <p:fltVal val="0"/>
-                                          </p:val>
-                                        </p:tav>
-                                      </p:tavLst>
-                                    </p:anim>
-                                    <p:animEffect transition="in" filter="fade">
-                                      <p:cBhvr>
-                                        <p:cTn id="16" dur="1000"/>
-                                        <p:tgtEl>
-                                          <p:spTgt spid="8"/>
-                                        </p:tgtEl>
-                                      </p:cBhvr>
-                                    </p:animEffect>
-                                  </p:childTnLst>
-                                </p:cTn>
-                              </p:par>
-                            </p:childTnLst>
-                          </p:cTn>
-                        </p:par>
-                      </p:childTnLst>
-                    </p:cTn>
-                  </p:par>
-                  <p:par>
-                    <p:cTn id="17" fill="hold">
-                      <p:stCondLst>
-                        <p:cond delay="indefinite"/>
-                      </p:stCondLst>
-                      <p:childTnLst>
-                        <p:par>
-                          <p:cTn id="18" fill="hold">
-                            <p:stCondLst>
-                              <p:cond delay="0"/>
-                            </p:stCondLst>
-                            <p:childTnLst>
-                              <p:par>
-                                <p:cTn id="19" presetID="31" presetClass="entr" presetSubtype="0" fill="hold" grpId="0" nodeType="clickEffect">
-                                  <p:stCondLst>
-                                    <p:cond delay="0"/>
-                                  </p:stCondLst>
-                                  <p:childTnLst>
-                                    <p:set>
-                                      <p:cBhvr>
-                                        <p:cTn id="20" dur="1" fill="hold">
-                                          <p:stCondLst>
-                                            <p:cond delay="0"/>
-                                          </p:stCondLst>
-                                        </p:cTn>
-                                        <p:tgtEl>
-                                          <p:spTgt spid="6"/>
-                                        </p:tgtEl>
-                                        <p:attrNameLst>
-                                          <p:attrName>style.visibility</p:attrName>
-                                        </p:attrNameLst>
-                                      </p:cBhvr>
-                                      <p:to>
-                                        <p:strVal val="visible"/>
-                                      </p:to>
-                                    </p:set>
-                                    <p:anim calcmode="lin" valueType="num">
-                                      <p:cBhvr>
-                                        <p:cTn id="21" dur="1000" fill="hold"/>
-                                        <p:tgtEl>
-                                          <p:spTgt spid="6"/>
-                                        </p:tgtEl>
-                                        <p:attrNameLst>
-                                          <p:attrName>ppt_w</p:attrName>
-                                        </p:attrNameLst>
-                                      </p:cBhvr>
-                                      <p:tavLst>
-                                        <p:tav tm="0">
-                                          <p:val>
-                                            <p:fltVal val="0"/>
-                                          </p:val>
-                                        </p:tav>
-                                        <p:tav tm="100000">
-                                          <p:val>
-                                            <p:strVal val="#ppt_w"/>
-                                          </p:val>
-                                        </p:tav>
-                                      </p:tavLst>
-                                    </p:anim>
-                                    <p:anim calcmode="lin" valueType="num">
-                                      <p:cBhvr>
-                                        <p:cTn id="22" dur="1000" fill="hold"/>
-                                        <p:tgtEl>
-                                          <p:spTgt spid="6"/>
-                                        </p:tgtEl>
-                                        <p:attrNameLst>
-                                          <p:attrName>ppt_h</p:attrName>
-                                        </p:attrNameLst>
-                                      </p:cBhvr>
-                                      <p:tavLst>
-                                        <p:tav tm="0">
-                                          <p:val>
-                                            <p:fltVal val="0"/>
-                                          </p:val>
-                                        </p:tav>
-                                        <p:tav tm="100000">
-                                          <p:val>
-                                            <p:strVal val="#ppt_h"/>
-                                          </p:val>
-                                        </p:tav>
-                                      </p:tavLst>
-                                    </p:anim>
-                                    <p:anim calcmode="lin" valueType="num">
-                                      <p:cBhvr>
-                                        <p:cTn id="23" dur="1000" fill="hold"/>
-                                        <p:tgtEl>
-                                          <p:spTgt spid="6"/>
-                                        </p:tgtEl>
-                                        <p:attrNameLst>
-                                          <p:attrName>style.rotation</p:attrName>
-                                        </p:attrNameLst>
-                                      </p:cBhvr>
-                                      <p:tavLst>
-                                        <p:tav tm="0">
-                                          <p:val>
-                                            <p:fltVal val="90"/>
-                                          </p:val>
-                                        </p:tav>
-                                        <p:tav tm="100000">
-                                          <p:val>
-                                            <p:fltVal val="0"/>
-                                          </p:val>
-                                        </p:tav>
-                                      </p:tavLst>
-                                    </p:anim>
-                                    <p:animEffect transition="in" filter="fade">
-                                      <p:cBhvr>
-                                        <p:cTn id="24" dur="1000"/>
-                                        <p:tgtEl>
-                                          <p:spTgt spid="6"/>
-                                        </p:tgtEl>
-                                      </p:cBhvr>
-                                    </p:animEffect>
-                                  </p:childTnLst>
-                                </p:cTn>
-                              </p:par>
-                              <p:par>
-                                <p:cTn id="25" presetID="31" presetClass="exit" presetSubtype="0" fill="hold" grpId="1" nodeType="withEffect">
-                                  <p:stCondLst>
-                                    <p:cond delay="0"/>
-                                  </p:stCondLst>
-                                  <p:childTnLst>
-                                    <p:anim calcmode="lin" valueType="num">
-                                      <p:cBhvr>
-                                        <p:cTn id="26" dur="1000"/>
-                                        <p:tgtEl>
-                                          <p:spTgt spid="8"/>
-                                        </p:tgtEl>
-                                        <p:attrNameLst>
-                                          <p:attrName>ppt_w</p:attrName>
-                                        </p:attrNameLst>
-                                      </p:cBhvr>
-                                      <p:tavLst>
-                                        <p:tav tm="0">
-                                          <p:val>
-                                            <p:strVal val="ppt_w"/>
-                                          </p:val>
-                                        </p:tav>
-                                        <p:tav tm="100000">
-                                          <p:val>
-                                            <p:fltVal val="0"/>
-                                          </p:val>
-                                        </p:tav>
-                                      </p:tavLst>
-                                    </p:anim>
-                                    <p:anim calcmode="lin" valueType="num">
-                                      <p:cBhvr>
-                                        <p:cTn id="27" dur="1000"/>
-                                        <p:tgtEl>
-                                          <p:spTgt spid="8"/>
-                                        </p:tgtEl>
-                                        <p:attrNameLst>
-                                          <p:attrName>ppt_h</p:attrName>
-                                        </p:attrNameLst>
-                                      </p:cBhvr>
-                                      <p:tavLst>
-                                        <p:tav tm="0">
-                                          <p:val>
-                                            <p:strVal val="ppt_h"/>
-                                          </p:val>
-                                        </p:tav>
-                                        <p:tav tm="100000">
-                                          <p:val>
-                                            <p:fltVal val="0"/>
-                                          </p:val>
-                                        </p:tav>
-                                      </p:tavLst>
-                                    </p:anim>
-                                    <p:anim calcmode="lin" valueType="num">
-                                      <p:cBhvr>
-                                        <p:cTn id="28" dur="1000"/>
-                                        <p:tgtEl>
-                                          <p:spTgt spid="8"/>
-                                        </p:tgtEl>
-                                        <p:attrNameLst>
-                                          <p:attrName>style.rotation</p:attrName>
-                                        </p:attrNameLst>
-                                      </p:cBhvr>
-                                      <p:tavLst>
-                                        <p:tav tm="0">
-                                          <p:val>
-                                            <p:fltVal val="0"/>
-                                          </p:val>
-                                        </p:tav>
-                                        <p:tav tm="100000">
-                                          <p:val>
-                                            <p:fltVal val="90"/>
-                                          </p:val>
-                                        </p:tav>
-                                      </p:tavLst>
-                                    </p:anim>
-                                    <p:animEffect transition="out" filter="fade">
-                                      <p:cBhvr>
-                                        <p:cTn id="29" dur="1000"/>
-                                        <p:tgtEl>
-                                          <p:spTgt spid="8"/>
-                                        </p:tgtEl>
-                                      </p:cBhvr>
-                                    </p:animEffect>
-                                    <p:set>
-                                      <p:cBhvr>
-                                        <p:cTn id="30" dur="1" fill="hold">
-                                          <p:stCondLst>
-                                            <p:cond delay="999"/>
-                                          </p:stCondLst>
-                                        </p:cTn>
-                                        <p:tgtEl>
-                                          <p:spTgt spid="8"/>
-                                        </p:tgtEl>
-                                        <p:attrNameLst>
-                                          <p:attrName>style.visibility</p:attrName>
-                                        </p:attrNameLst>
-                                      </p:cBhvr>
-                                      <p:to>
-                                        <p:strVal val="hidden"/>
-                                      </p:to>
-                                    </p:set>
-                                  </p:childTnLst>
-                                </p:cTn>
-                              </p:par>
-                            </p:childTnLst>
-                          </p:cTn>
-                        </p:par>
-                      </p:childTnLst>
-                    </p:cTn>
-                  </p:par>
-                </p:childTnLst>
-              </p:cTn>
-              <p:prevCondLst>
-                <p:cond evt="onPrev" delay="0">
-                  <p:tgtEl>
-                    <p:sldTgt/>
-                  </p:tgtEl>
-                </p:cond>
-              </p:prevCondLst>
-              <p:nextCondLst>
-                <p:cond evt="onNext" delay="0">
-                  <p:tgtEl>
-                    <p:sldTgt/>
-                  </p:tgtEl>
-                </p:cond>
-              </p:nextCondLst>
-            </p:seq>
-          </p:childTnLst>
-        </p:cTn>
-      </p:par>
-    </p:tnLst>
-    <p:bldLst>
-      <p:bldP spid="6" grpId="0" animBg="1"/>
-      <p:bldP spid="8" grpId="0" animBg="1"/>
-      <p:bldP spid="8" grpId="1" animBg="1"/>
-    </p:bldLst>
-  </p:timing>
 </p:sld>
 </file>
 
-<file path=ppt/slides/slide14.xml><?xml version="1.0" encoding="utf-8"?>
+<file path=ppt/slides/slide15.xml><?xml version="1.0" encoding="utf-8"?>
 <p:sld xmlns:a="http://schemas.openxmlformats.org/drawingml/2006/main" xmlns:r="http://schemas.openxmlformats.org/officeDocument/2006/relationships" xmlns:p="http://schemas.openxmlformats.org/presentationml/2006/main">
   <p:cSld>
     <p:spTree>
@@ -11482,113 +8767,6 @@
   <p:clrMapOvr>
     <a:masterClrMapping/>
   </p:clrMapOvr>
-  <p:timing>
-    <p:tnLst>
-      <p:par>
-        <p:cTn id="1" dur="indefinite" restart="never" nodeType="tmRoot"/>
-      </p:par>
-    </p:tnLst>
-  </p:timing>
-</p:sld>
-</file>
-
-<file path=ppt/slides/slide15.xml><?xml version="1.0" encoding="utf-8"?>
-<p:sld xmlns:a="http://schemas.openxmlformats.org/drawingml/2006/main" xmlns:r="http://schemas.openxmlformats.org/officeDocument/2006/relationships" xmlns:p="http://schemas.openxmlformats.org/presentationml/2006/main">
-  <p:cSld>
-    <p:spTree>
-      <p:nvGrpSpPr>
-        <p:cNvPr id="1" name=""/>
-        <p:cNvGrpSpPr/>
-        <p:nvPr/>
-      </p:nvGrpSpPr>
-      <p:grpSpPr>
-        <a:xfrm>
-          <a:off x="0" y="0"/>
-          <a:ext cx="0" cy="0"/>
-          <a:chOff x="0" y="0"/>
-          <a:chExt cx="0" cy="0"/>
-        </a:xfrm>
-      </p:grpSpPr>
-      <p:sp>
-        <p:nvSpPr>
-          <p:cNvPr id="2" name="Title 1"/>
-          <p:cNvSpPr>
-            <a:spLocks noGrp="1"/>
-          </p:cNvSpPr>
-          <p:nvPr>
-            <p:ph type="title"/>
-          </p:nvPr>
-        </p:nvSpPr>
-        <p:spPr/>
-        <p:txBody>
-          <a:bodyPr>
-            <a:normAutofit/>
-          </a:bodyPr>
-          <a:lstStyle/>
-          <a:p>
-            <a:r>
-              <a:rPr lang="en-ZA" dirty="0"/>
-              <a:t>Exercise </a:t>
-            </a:r>
-            <a:r>
-              <a:rPr lang="en-ZA" dirty="0" smtClean="0"/>
-              <a:t>1 - </a:t>
-            </a:r>
-            <a:r>
-              <a:rPr lang="en-ZA" dirty="0" err="1" smtClean="0"/>
-              <a:t>NUnit</a:t>
-            </a:r>
-            <a:endParaRPr lang="en-ZA" dirty="0"/>
-          </a:p>
-        </p:txBody>
-      </p:sp>
-      <p:sp>
-        <p:nvSpPr>
-          <p:cNvPr id="3" name="Content Placeholder 2"/>
-          <p:cNvSpPr>
-            <a:spLocks noGrp="1"/>
-          </p:cNvSpPr>
-          <p:nvPr>
-            <p:ph idx="1"/>
-          </p:nvPr>
-        </p:nvSpPr>
-        <p:spPr/>
-        <p:txBody>
-          <a:bodyPr anchor="ctr"/>
-          <a:lstStyle/>
-          <a:p>
-            <a:pPr marL="0" indent="0" algn="ctr">
-              <a:buNone/>
-            </a:pPr>
-            <a:r>
-              <a:rPr lang="en-ZA" dirty="0" err="1" smtClean="0"/>
-              <a:t>NUnit</a:t>
-            </a:r>
-            <a:r>
-              <a:rPr lang="en-ZA" dirty="0" smtClean="0"/>
-              <a:t> cheat sheet demo</a:t>
-            </a:r>
-            <a:endParaRPr lang="en-ZA" dirty="0"/>
-          </a:p>
-        </p:txBody>
-      </p:sp>
-    </p:spTree>
-    <p:extLst>
-      <p:ext uri="{BB962C8B-B14F-4D97-AF65-F5344CB8AC3E}">
-        <p14:creationId xmlns:p14="http://schemas.microsoft.com/office/powerpoint/2010/main" val="2082712510"/>
-      </p:ext>
-    </p:extLst>
-  </p:cSld>
-  <p:clrMapOvr>
-    <a:masterClrMapping/>
-  </p:clrMapOvr>
-  <p:timing>
-    <p:tnLst>
-      <p:par>
-        <p:cTn id="1" dur="indefinite" restart="never" nodeType="tmRoot"/>
-      </p:par>
-    </p:tnLst>
-  </p:timing>
 </p:sld>
 </file>
 
@@ -11627,12 +8805,12 @@
           <a:lstStyle/>
           <a:p>
             <a:r>
-              <a:rPr lang="en-ZA" dirty="0" smtClean="0"/>
-              <a:t>Exercise 2 – </a:t>
-            </a:r>
-            <a:r>
-              <a:rPr lang="en-ZA" dirty="0" err="1" smtClean="0"/>
-              <a:t>ZLand</a:t>
+              <a:rPr lang="en-ZA" dirty="0"/>
+              <a:t>Exercise 1 - </a:t>
+            </a:r>
+            <a:r>
+              <a:rPr lang="en-ZA" dirty="0" err="1"/>
+              <a:t>NUnit</a:t>
             </a:r>
             <a:endParaRPr lang="en-ZA" dirty="0"/>
           </a:p>
@@ -11650,35 +8828,33 @@
         </p:nvSpPr>
         <p:spPr/>
         <p:txBody>
-          <a:bodyPr>
-            <a:normAutofit/>
-          </a:bodyPr>
+          <a:bodyPr anchor="ctr"/>
           <a:lstStyle/>
           <a:p>
-            <a:pPr marL="0" indent="0">
+            <a:pPr marL="0" indent="0" algn="ctr">
               <a:buNone/>
             </a:pPr>
-            <a:endParaRPr lang="en-ZA" dirty="0"/>
+            <a:r>
+              <a:rPr lang="en-ZA" dirty="0" err="1"/>
+              <a:t>NUnit</a:t>
+            </a:r>
+            <a:r>
+              <a:rPr lang="en-ZA" dirty="0"/>
+              <a:t> cheat sheet demo</a:t>
+            </a:r>
           </a:p>
         </p:txBody>
       </p:sp>
     </p:spTree>
     <p:extLst>
       <p:ext uri="{BB962C8B-B14F-4D97-AF65-F5344CB8AC3E}">
-        <p14:creationId xmlns:p14="http://schemas.microsoft.com/office/powerpoint/2010/main" val="1043891441"/>
+        <p14:creationId xmlns:p14="http://schemas.microsoft.com/office/powerpoint/2010/main" val="2082712510"/>
       </p:ext>
     </p:extLst>
   </p:cSld>
   <p:clrMapOvr>
     <a:masterClrMapping/>
   </p:clrMapOvr>
-  <p:timing>
-    <p:tnLst>
-      <p:par>
-        <p:cTn id="1" dur="indefinite" restart="never" nodeType="tmRoot"/>
-      </p:par>
-    </p:tnLst>
-  </p:timing>
 </p:sld>
 </file>
 
@@ -11717,8 +8893,12 @@
           <a:lstStyle/>
           <a:p>
             <a:r>
-              <a:rPr lang="en-ZA" dirty="0" smtClean="0"/>
-              <a:t>References</a:t>
+              <a:rPr lang="en-ZA" dirty="0"/>
+              <a:t>Exercise 2 – </a:t>
+            </a:r>
+            <a:r>
+              <a:rPr lang="en-ZA" dirty="0" err="1"/>
+              <a:t>ZLand</a:t>
             </a:r>
             <a:endParaRPr lang="en-ZA" dirty="0"/>
           </a:p>
@@ -11737,65 +8917,21 @@
         <p:spPr/>
         <p:txBody>
           <a:bodyPr>
-            <a:normAutofit fontScale="92500" lnSpcReduction="20000"/>
+            <a:normAutofit/>
           </a:bodyPr>
           <a:lstStyle/>
           <a:p>
-            <a:r>
-              <a:rPr lang="en-ZA" dirty="0"/>
-              <a:t>http://blog.stevensanderson.com/2009/08/24/writing-great-unit-tests-best-and-worst-practises/</a:t>
-            </a:r>
-          </a:p>
-          <a:p>
-            <a:r>
-              <a:rPr lang="en-ZA" dirty="0"/>
-              <a:t>http://blog.stevensanderson.com/2009/06/11/integration-testing-your-aspnet-mvc-application/</a:t>
-            </a:r>
-          </a:p>
-          <a:p>
-            <a:r>
-              <a:rPr lang="en-ZA" dirty="0"/>
-              <a:t>https://lukewickstead.wordpress.com/2013/01/16/nunit-cheat-sheet/</a:t>
-            </a:r>
-          </a:p>
-          <a:p>
-            <a:r>
-              <a:rPr lang="en-ZA" dirty="0" smtClean="0"/>
-              <a:t>http</a:t>
-            </a:r>
-            <a:r>
-              <a:rPr lang="en-ZA" dirty="0"/>
-              <a:t>://martinfowler.com/bliki/UnitTest.html</a:t>
-            </a:r>
-          </a:p>
-          <a:p>
-            <a:r>
-              <a:rPr lang="en-ZA" dirty="0"/>
-              <a:t>http://artofunittesting.com/definition-of-a-unit-test/</a:t>
-            </a:r>
-          </a:p>
-          <a:p>
-            <a:r>
-              <a:rPr lang="en-ZA" dirty="0" smtClean="0"/>
-              <a:t>http</a:t>
-            </a:r>
-            <a:r>
-              <a:rPr lang="en-ZA" dirty="0"/>
-              <a:t>://stackoverflow.com/questions/4904096/whats-the-difference-between-unit-functional-acceptance-and-integration-test</a:t>
-            </a:r>
-          </a:p>
-          <a:p>
-            <a:r>
-              <a:rPr lang="en-ZA" dirty="0"/>
-              <a:t>https://github.com/lukewickstead/DOT-NET-on-Linux</a:t>
-            </a:r>
+            <a:pPr marL="0" indent="0">
+              <a:buNone/>
+            </a:pPr>
+            <a:endParaRPr lang="en-ZA" dirty="0"/>
           </a:p>
         </p:txBody>
       </p:sp>
     </p:spTree>
     <p:extLst>
       <p:ext uri="{BB962C8B-B14F-4D97-AF65-F5344CB8AC3E}">
-        <p14:creationId xmlns:p14="http://schemas.microsoft.com/office/powerpoint/2010/main" val="902750005"/>
+        <p14:creationId xmlns:p14="http://schemas.microsoft.com/office/powerpoint/2010/main" val="1043891441"/>
       </p:ext>
     </p:extLst>
   </p:cSld>
@@ -11834,14 +8970,127 @@
         </p:nvSpPr>
         <p:spPr/>
         <p:txBody>
+          <a:bodyPr>
+            <a:normAutofit/>
+          </a:bodyPr>
+          <a:lstStyle/>
+          <a:p>
+            <a:r>
+              <a:rPr lang="en-ZA" dirty="0"/>
+              <a:t>References</a:t>
+            </a:r>
+          </a:p>
+        </p:txBody>
+      </p:sp>
+      <p:sp>
+        <p:nvSpPr>
+          <p:cNvPr id="3" name="Content Placeholder 2"/>
+          <p:cNvSpPr>
+            <a:spLocks noGrp="1"/>
+          </p:cNvSpPr>
+          <p:nvPr>
+            <p:ph idx="1"/>
+          </p:nvPr>
+        </p:nvSpPr>
+        <p:spPr/>
+        <p:txBody>
+          <a:bodyPr>
+            <a:normAutofit fontScale="92500" lnSpcReduction="20000"/>
+          </a:bodyPr>
+          <a:lstStyle/>
+          <a:p>
+            <a:r>
+              <a:rPr lang="en-ZA" dirty="0"/>
+              <a:t>http://blog.stevensanderson.com/2009/08/24/writing-great-unit-tests-best-and-worst-practises/</a:t>
+            </a:r>
+          </a:p>
+          <a:p>
+            <a:r>
+              <a:rPr lang="en-ZA" dirty="0"/>
+              <a:t>http://blog.stevensanderson.com/2009/06/11/integration-testing-your-aspnet-mvc-application/</a:t>
+            </a:r>
+          </a:p>
+          <a:p>
+            <a:r>
+              <a:rPr lang="en-ZA" dirty="0"/>
+              <a:t>https://lukewickstead.wordpress.com/2013/01/16/nunit-cheat-sheet/</a:t>
+            </a:r>
+          </a:p>
+          <a:p>
+            <a:r>
+              <a:rPr lang="en-ZA" dirty="0"/>
+              <a:t>http://martinfowler.com/bliki/UnitTest.html</a:t>
+            </a:r>
+          </a:p>
+          <a:p>
+            <a:r>
+              <a:rPr lang="en-ZA" dirty="0"/>
+              <a:t>http://artofunittesting.com/definition-of-a-unit-test/</a:t>
+            </a:r>
+          </a:p>
+          <a:p>
+            <a:r>
+              <a:rPr lang="en-ZA" dirty="0"/>
+              <a:t>http://stackoverflow.com/questions/4904096/whats-the-difference-between-unit-functional-acceptance-and-integration-test</a:t>
+            </a:r>
+          </a:p>
+          <a:p>
+            <a:r>
+              <a:rPr lang="en-ZA" dirty="0"/>
+              <a:t>https://github.com/lukewickstead/DOT-NET-on-Linux</a:t>
+            </a:r>
+          </a:p>
+        </p:txBody>
+      </p:sp>
+    </p:spTree>
+    <p:extLst>
+      <p:ext uri="{BB962C8B-B14F-4D97-AF65-F5344CB8AC3E}">
+        <p14:creationId xmlns:p14="http://schemas.microsoft.com/office/powerpoint/2010/main" val="902750005"/>
+      </p:ext>
+    </p:extLst>
+  </p:cSld>
+  <p:clrMapOvr>
+    <a:masterClrMapping/>
+  </p:clrMapOvr>
+</p:sld>
+</file>
+
+<file path=ppt/slides/slide19.xml><?xml version="1.0" encoding="utf-8"?>
+<p:sld xmlns:a="http://schemas.openxmlformats.org/drawingml/2006/main" xmlns:r="http://schemas.openxmlformats.org/officeDocument/2006/relationships" xmlns:p="http://schemas.openxmlformats.org/presentationml/2006/main">
+  <p:cSld>
+    <p:spTree>
+      <p:nvGrpSpPr>
+        <p:cNvPr id="1" name=""/>
+        <p:cNvGrpSpPr/>
+        <p:nvPr/>
+      </p:nvGrpSpPr>
+      <p:grpSpPr>
+        <a:xfrm>
+          <a:off x="0" y="0"/>
+          <a:ext cx="0" cy="0"/>
+          <a:chOff x="0" y="0"/>
+          <a:chExt cx="0" cy="0"/>
+        </a:xfrm>
+      </p:grpSpPr>
+      <p:sp>
+        <p:nvSpPr>
+          <p:cNvPr id="2" name="Title 1"/>
+          <p:cNvSpPr>
+            <a:spLocks noGrp="1"/>
+          </p:cNvSpPr>
+          <p:nvPr>
+            <p:ph type="title"/>
+          </p:nvPr>
+        </p:nvSpPr>
+        <p:spPr/>
+        <p:txBody>
           <a:bodyPr/>
           <a:lstStyle/>
           <a:p>
             <a:r>
-              <a:rPr lang="en-ZA" dirty="0" smtClean="0"/>
+              <a:rPr lang="en-ZA" dirty="0"/>
               <a:t>Further Reading</a:t>
             </a:r>
-            <a:endParaRPr lang="en-ZA" dirty="0"/>
           </a:p>
         </p:txBody>
       </p:sp>
@@ -11864,45 +9113,27 @@
               <a:rPr lang="en-ZA" dirty="0">
                 <a:hlinkClick r:id="rId3"/>
               </a:rPr>
-              <a:t>http://</a:t>
-            </a:r>
-            <a:r>
-              <a:rPr lang="en-ZA" dirty="0" smtClean="0">
-                <a:hlinkClick r:id="rId3"/>
-              </a:rPr>
-              <a:t>www.amazon.com/Test-Driven-Development-By-Example/dp/0321146530</a:t>
-            </a:r>
-            <a:endParaRPr lang="en-ZA" dirty="0" smtClean="0"/>
+              <a:t>http://www.amazon.com/Test-Driven-Development-By-Example/dp/0321146530</a:t>
+            </a:r>
+            <a:endParaRPr lang="en-ZA" dirty="0"/>
           </a:p>
           <a:p>
             <a:r>
               <a:rPr lang="en-ZA" dirty="0">
                 <a:hlinkClick r:id="rId4"/>
               </a:rPr>
-              <a:t>http://</a:t>
-            </a:r>
-            <a:r>
-              <a:rPr lang="en-ZA" dirty="0" smtClean="0">
-                <a:hlinkClick r:id="rId4"/>
-              </a:rPr>
-              <a:t>www.amazon.com/The-Art-Unit-Testing-Examples/dp/1933988274</a:t>
-            </a:r>
-            <a:endParaRPr lang="en-ZA" dirty="0" smtClean="0"/>
+              <a:t>http://www.amazon.com/The-Art-Unit-Testing-Examples/dp/1933988274</a:t>
+            </a:r>
+            <a:endParaRPr lang="en-ZA" dirty="0"/>
           </a:p>
           <a:p>
             <a:r>
               <a:rPr lang="en-ZA" dirty="0">
                 <a:hlinkClick r:id="rId5"/>
               </a:rPr>
-              <a:t>https://</a:t>
-            </a:r>
-            <a:r>
-              <a:rPr lang="en-ZA" dirty="0" smtClean="0">
-                <a:hlinkClick r:id="rId5"/>
-              </a:rPr>
-              <a:t>github.com/dennisdoomen/fluentassertions/wiki</a:t>
-            </a:r>
-            <a:endParaRPr lang="en-ZA" dirty="0" smtClean="0"/>
+              <a:t>https://github.com/dennisdoomen/fluentassertions/wiki</a:t>
+            </a:r>
+            <a:endParaRPr lang="en-ZA" dirty="0"/>
           </a:p>
           <a:p>
             <a:r>
@@ -11917,7 +9148,13 @@
               <a:rPr lang="en-ZA" dirty="0"/>
               <a:t>, 2nd Edition</a:t>
             </a:r>
-            <a:endParaRPr lang="en-ZA" dirty="0" smtClean="0"/>
+          </a:p>
+          <a:p>
+            <a:r>
+              <a:rPr lang="en-ZA" dirty="0"/>
+              <a:t>https://martinfowler.com/articles/mocksArentStubs.html</a:t>
+            </a:r>
+            <a:endParaRPr lang="en-ZA" dirty="0"/>
           </a:p>
           <a:p>
             <a:endParaRPr lang="en-ZA" dirty="0"/>
@@ -11934,13 +9171,6 @@
   <p:clrMapOvr>
     <a:masterClrMapping/>
   </p:clrMapOvr>
-  <p:timing>
-    <p:tnLst>
-      <p:par>
-        <p:cTn id="1" dur="indefinite" restart="never" nodeType="tmRoot"/>
-      </p:par>
-    </p:tnLst>
-  </p:timing>
 </p:sld>
 </file>
 
@@ -12000,7 +9230,7 @@
           </a:lstStyle>
           <a:p>
             <a:r>
-              <a:rPr lang="en-ZA" sz="1800" b="0" dirty="0" smtClean="0">
+              <a:rPr lang="en-ZA" sz="1800" b="0" dirty="0">
                 <a:solidFill>
                   <a:schemeClr val="bg1">
                     <a:lumMod val="50000"/>
@@ -12014,7 +9244,7 @@
           </a:p>
           <a:p>
             <a:r>
-              <a:rPr lang="en-ZA" sz="1800" b="0" dirty="0" smtClean="0">
+              <a:rPr lang="en-ZA" sz="1800" b="0" dirty="0">
                 <a:solidFill>
                   <a:schemeClr val="bg1">
                     <a:lumMod val="50000"/>
@@ -12025,15 +9255,6 @@
               </a:rPr>
               <a:t>Code Dojo </a:t>
             </a:r>
-            <a:endParaRPr lang="en-ZA" sz="1800" b="0" dirty="0">
-              <a:solidFill>
-                <a:schemeClr val="bg1">
-                  <a:lumMod val="50000"/>
-                </a:schemeClr>
-              </a:solidFill>
-              <a:latin typeface="Arial" pitchFamily="34" charset="0"/>
-              <a:cs typeface="Arial" pitchFamily="34" charset="0"/>
-            </a:endParaRPr>
           </a:p>
         </p:txBody>
       </p:sp>
@@ -12060,7 +9281,7 @@
           <a:lstStyle/>
           <a:p>
             <a:r>
-              <a:rPr lang="en-ZA" sz="3100" dirty="0" smtClean="0"/>
+              <a:rPr lang="en-ZA" sz="3100" dirty="0"/>
               <a:t>Unit Testing</a:t>
             </a:r>
             <a:endParaRPr lang="en-ZA" dirty="0"/>
@@ -12077,13 +9298,6 @@
   <p:clrMapOvr>
     <a:masterClrMapping/>
   </p:clrMapOvr>
-  <p:timing>
-    <p:tnLst>
-      <p:par>
-        <p:cTn id="1" dur="indefinite" restart="never" nodeType="tmRoot"/>
-      </p:par>
-    </p:tnLst>
-  </p:timing>
 </p:sld>
 </file>
 
@@ -12120,10 +9334,9 @@
           <a:lstStyle/>
           <a:p>
             <a:r>
-              <a:rPr lang="en-ZA" dirty="0" smtClean="0"/>
+              <a:rPr lang="en-ZA" dirty="0"/>
               <a:t>Software</a:t>
             </a:r>
-            <a:endParaRPr lang="en-ZA" dirty="0"/>
           </a:p>
         </p:txBody>
       </p:sp>
@@ -12149,57 +9362,50 @@
               <a:rPr lang="en-ZA" b="1" dirty="0"/>
               <a:t>Prerequisites </a:t>
             </a:r>
-            <a:endParaRPr lang="en-ZA" b="1" dirty="0" smtClean="0"/>
-          </a:p>
-          <a:p>
-            <a:r>
-              <a:rPr lang="en-ZA" dirty="0" smtClean="0"/>
+          </a:p>
+          <a:p>
+            <a:r>
+              <a:rPr lang="en-ZA" dirty="0"/>
               <a:t>Visual Studio 2012+</a:t>
             </a:r>
           </a:p>
           <a:p>
             <a:r>
-              <a:rPr lang="en-ZA" dirty="0" err="1" smtClean="0"/>
+              <a:rPr lang="en-ZA" dirty="0" err="1"/>
               <a:t>Nunit</a:t>
             </a:r>
-            <a:endParaRPr lang="en-ZA" dirty="0" smtClean="0"/>
-          </a:p>
-          <a:p>
-            <a:r>
-              <a:rPr lang="en-ZA" dirty="0" smtClean="0"/>
+            <a:endParaRPr lang="en-ZA" dirty="0"/>
+          </a:p>
+          <a:p>
+            <a:r>
+              <a:rPr lang="en-ZA" dirty="0"/>
               <a:t>Git</a:t>
             </a:r>
-            <a:endParaRPr lang="en-ZA" dirty="0" smtClean="0"/>
           </a:p>
           <a:p>
             <a:pPr marL="0" indent="0">
               <a:buNone/>
             </a:pPr>
             <a:r>
-              <a:rPr lang="en-ZA" b="1" dirty="0" smtClean="0"/>
+              <a:rPr lang="en-ZA" b="1" dirty="0"/>
               <a:t>Recommended</a:t>
             </a:r>
           </a:p>
           <a:p>
             <a:r>
-              <a:rPr lang="en-ZA" dirty="0" err="1" smtClean="0"/>
+              <a:rPr lang="en-ZA" dirty="0" err="1"/>
               <a:t>Resharper</a:t>
             </a:r>
             <a:r>
-              <a:rPr lang="en-ZA" dirty="0" smtClean="0"/>
-              <a:t> - Latest version compatible with your version of Visual Studio, 30 day trial is fine for now</a:t>
-            </a:r>
-            <a:r>
-              <a:rPr lang="en-ZA" dirty="0" smtClean="0"/>
-              <a:t>.</a:t>
-            </a:r>
-          </a:p>
-          <a:p>
-            <a:r>
-              <a:rPr lang="en-ZA" dirty="0" smtClean="0"/>
+              <a:rPr lang="en-ZA" dirty="0"/>
+              <a:t> - Latest version compatible with your version of Visual Studio, 30 day trial is fine for now.</a:t>
+            </a:r>
+          </a:p>
+          <a:p>
+            <a:r>
+              <a:rPr lang="en-ZA" dirty="0"/>
               <a:t>Git Extensions</a:t>
             </a:r>
-            <a:endParaRPr lang="en-ZA" dirty="0"/>
           </a:p>
         </p:txBody>
       </p:sp>
@@ -12249,10 +9455,9 @@
           <a:lstStyle/>
           <a:p>
             <a:r>
-              <a:rPr lang="en-ZA" dirty="0" smtClean="0"/>
+              <a:rPr lang="en-ZA" dirty="0"/>
               <a:t>Testing Pyramid</a:t>
             </a:r>
-            <a:endParaRPr lang="en-ZA" dirty="0"/>
           </a:p>
         </p:txBody>
       </p:sp>
@@ -12295,13 +9500,6 @@
   <p:clrMapOvr>
     <a:masterClrMapping/>
   </p:clrMapOvr>
-  <p:timing>
-    <p:tnLst>
-      <p:par>
-        <p:cTn id="1" dur="indefinite" restart="never" nodeType="tmRoot"/>
-      </p:par>
-    </p:tnLst>
-  </p:timing>
 </p:sld>
 </file>
 
@@ -12338,10 +9536,9 @@
           <a:lstStyle/>
           <a:p>
             <a:r>
-              <a:rPr lang="en-ZA" dirty="0" smtClean="0"/>
+              <a:rPr lang="en-ZA" dirty="0"/>
               <a:t>Unit VS Integration Testing</a:t>
             </a:r>
-            <a:endParaRPr lang="en-ZA" dirty="0"/>
           </a:p>
         </p:txBody>
       </p:sp>
@@ -12417,13 +9614,6 @@
   <p:clrMapOvr>
     <a:masterClrMapping/>
   </p:clrMapOvr>
-  <p:timing>
-    <p:tnLst>
-      <p:par>
-        <p:cTn id="1" dur="indefinite" restart="never" nodeType="tmRoot"/>
-      </p:par>
-    </p:tnLst>
-  </p:timing>
 </p:sld>
 </file>
 
@@ -12460,10 +9650,9 @@
           <a:lstStyle/>
           <a:p>
             <a:r>
-              <a:rPr lang="en-ZA" dirty="0" smtClean="0"/>
+              <a:rPr lang="en-ZA" dirty="0"/>
               <a:t>Which Test To Use?</a:t>
             </a:r>
-            <a:endParaRPr lang="en-ZA" dirty="0"/>
           </a:p>
         </p:txBody>
       </p:sp>
@@ -12493,8 +9682,20 @@
                 <a:tableStyleId>{125E5076-3810-47DD-B79F-674D7AD40C01}</a:tableStyleId>
               </a:tblPr>
               <a:tblGrid>
-                <a:gridCol w="4181637"/>
-                <a:gridCol w="4181637"/>
+                <a:gridCol w="4181637">
+                  <a:extLst>
+                    <a:ext uri="{9D8B030D-6E8A-4147-A177-3AD203B41FA5}">
+                      <a16:colId xmlns:a16="http://schemas.microsoft.com/office/drawing/2014/main" val="20000"/>
+                    </a:ext>
+                  </a:extLst>
+                </a:gridCol>
+                <a:gridCol w="4181637">
+                  <a:extLst>
+                    <a:ext uri="{9D8B030D-6E8A-4147-A177-3AD203B41FA5}">
+                      <a16:colId xmlns:a16="http://schemas.microsoft.com/office/drawing/2014/main" val="20001"/>
+                    </a:ext>
+                  </a:extLst>
+                </a:gridCol>
               </a:tblGrid>
               <a:tr h="288031">
                 <a:tc>
@@ -12523,6 +9724,11 @@
                   </a:txBody>
                   <a:tcPr marL="0" marR="0" marT="0" marB="0"/>
                 </a:tc>
+                <a:extLst>
+                  <a:ext uri="{0D108BD9-81ED-4DB2-BD59-A6C34878D82A}">
+                    <a16:rowId xmlns:a16="http://schemas.microsoft.com/office/drawing/2014/main" val="10000"/>
+                  </a:ext>
+                </a:extLst>
               </a:tr>
               <a:tr h="864096">
                 <a:tc>
@@ -12551,6 +9757,11 @@
                   </a:txBody>
                   <a:tcPr marL="0" marR="0" marT="0" marB="0"/>
                 </a:tc>
+                <a:extLst>
+                  <a:ext uri="{0D108BD9-81ED-4DB2-BD59-A6C34878D82A}">
+                    <a16:rowId xmlns:a16="http://schemas.microsoft.com/office/drawing/2014/main" val="10001"/>
+                  </a:ext>
+                </a:extLst>
               </a:tr>
               <a:tr h="1152127">
                 <a:tc>
@@ -12579,6 +9790,11 @@
                   </a:txBody>
                   <a:tcPr marL="0" marR="0" marT="0" marB="0"/>
                 </a:tc>
+                <a:extLst>
+                  <a:ext uri="{0D108BD9-81ED-4DB2-BD59-A6C34878D82A}">
+                    <a16:rowId xmlns:a16="http://schemas.microsoft.com/office/drawing/2014/main" val="10002"/>
+                  </a:ext>
+                </a:extLst>
               </a:tr>
               <a:tr h="576065">
                 <a:tc>
@@ -12607,6 +9823,11 @@
                   </a:txBody>
                   <a:tcPr marL="0" marR="0" marT="0" marB="0"/>
                 </a:tc>
+                <a:extLst>
+                  <a:ext uri="{0D108BD9-81ED-4DB2-BD59-A6C34878D82A}">
+                    <a16:rowId xmlns:a16="http://schemas.microsoft.com/office/drawing/2014/main" val="10003"/>
+                  </a:ext>
+                </a:extLst>
               </a:tr>
             </a:tbl>
           </a:graphicData>
@@ -12739,13 +9960,6 @@
   <p:clrMapOvr>
     <a:masterClrMapping/>
   </p:clrMapOvr>
-  <p:timing>
-    <p:tnLst>
-      <p:par>
-        <p:cTn id="1" dur="indefinite" restart="never" nodeType="tmRoot"/>
-      </p:par>
-    </p:tnLst>
-  </p:timing>
 </p:sld>
 </file>
 
@@ -12787,10 +10001,9 @@
           <a:lstStyle/>
           <a:p>
             <a:r>
-              <a:rPr lang="en-ZA" dirty="0" smtClean="0"/>
+              <a:rPr lang="en-ZA" dirty="0"/>
               <a:t>Guidelines</a:t>
             </a:r>
-            <a:endParaRPr lang="en-ZA" dirty="0"/>
           </a:p>
         </p:txBody>
       </p:sp>
@@ -12817,83 +10030,83 @@
           <a:lstStyle/>
           <a:p>
             <a:r>
-              <a:rPr lang="en-ZA" dirty="0" smtClean="0"/>
+              <a:rPr lang="en-ZA" dirty="0"/>
               <a:t>A good test…</a:t>
             </a:r>
           </a:p>
           <a:p>
             <a:pPr lvl="1"/>
             <a:r>
-              <a:rPr lang="en-ZA" dirty="0" smtClean="0"/>
+              <a:rPr lang="en-ZA" dirty="0"/>
               <a:t>Establish initial context; Interact with system; Check the results</a:t>
             </a:r>
           </a:p>
           <a:p>
             <a:pPr lvl="2"/>
             <a:r>
-              <a:rPr lang="en-ZA" dirty="0" smtClean="0"/>
+              <a:rPr lang="en-ZA" dirty="0"/>
               <a:t>Arrange…Act…Assert…</a:t>
             </a:r>
           </a:p>
           <a:p>
             <a:pPr lvl="2"/>
             <a:r>
-              <a:rPr lang="en-ZA" dirty="0" smtClean="0"/>
+              <a:rPr lang="en-ZA" dirty="0"/>
               <a:t>Given…When…Then…</a:t>
             </a:r>
           </a:p>
           <a:p>
             <a:pPr lvl="2"/>
             <a:r>
-              <a:rPr lang="en-ZA" dirty="0" err="1" smtClean="0"/>
+              <a:rPr lang="en-ZA" dirty="0" err="1"/>
               <a:t>SetContext</a:t>
             </a:r>
             <a:r>
-              <a:rPr lang="en-ZA" dirty="0" smtClean="0"/>
+              <a:rPr lang="en-ZA" dirty="0"/>
               <a:t>…</a:t>
             </a:r>
             <a:r>
-              <a:rPr lang="en-ZA" dirty="0" err="1" smtClean="0"/>
+              <a:rPr lang="en-ZA" dirty="0" err="1"/>
               <a:t>BecauseOf</a:t>
             </a:r>
             <a:r>
-              <a:rPr lang="en-ZA" dirty="0" smtClean="0"/>
+              <a:rPr lang="en-ZA" dirty="0"/>
               <a:t>…</a:t>
             </a:r>
             <a:r>
-              <a:rPr lang="en-ZA" dirty="0" err="1" smtClean="0"/>
+              <a:rPr lang="en-ZA" dirty="0" err="1"/>
               <a:t>ItShould</a:t>
             </a:r>
             <a:r>
-              <a:rPr lang="en-ZA" dirty="0" smtClean="0"/>
+              <a:rPr lang="en-ZA" dirty="0"/>
               <a:t>…</a:t>
             </a:r>
           </a:p>
           <a:p>
             <a:pPr lvl="1"/>
             <a:r>
-              <a:rPr lang="en-ZA" dirty="0" smtClean="0"/>
+              <a:rPr lang="en-ZA" dirty="0"/>
               <a:t>KISS</a:t>
             </a:r>
           </a:p>
           <a:p>
             <a:pPr lvl="1"/>
             <a:r>
-              <a:rPr lang="en-ZA" dirty="0" smtClean="0"/>
+              <a:rPr lang="en-ZA" dirty="0"/>
               <a:t>Easy to implement</a:t>
             </a:r>
           </a:p>
           <a:p>
             <a:pPr lvl="1"/>
             <a:r>
-              <a:rPr lang="en-ZA" dirty="0" smtClean="0"/>
+              <a:rPr lang="en-ZA" dirty="0"/>
               <a:t>Easily runnable, by anyone, anytime</a:t>
             </a:r>
           </a:p>
           <a:p>
             <a:pPr lvl="1"/>
             <a:r>
-              <a:rPr lang="en-ZA" dirty="0" smtClean="0"/>
+              <a:rPr lang="en-ZA" dirty="0"/>
               <a:t>Runs quickly</a:t>
             </a:r>
           </a:p>
@@ -12929,76 +10142,64 @@
             <a:pPr lvl="1"/>
             <a:r>
               <a:rPr lang="en-ZA" dirty="0"/>
-              <a:t>	- Avoid unnecessary preconditions Initialize/setup </a:t>
-            </a:r>
-            <a:r>
-              <a:rPr lang="en-ZA" dirty="0" smtClean="0"/>
-              <a:t>for itself</a:t>
+              <a:t>	- Avoid unnecessary preconditions Initialize/setup for itself</a:t>
             </a:r>
           </a:p>
           <a:p>
             <a:pPr lvl="1"/>
             <a:r>
-              <a:rPr lang="en-ZA" dirty="0" smtClean="0"/>
+              <a:rPr lang="en-ZA" dirty="0"/>
               <a:t>Leave environment as it was when it started, </a:t>
             </a:r>
             <a:r>
-              <a:rPr lang="en-ZA" dirty="0" err="1" smtClean="0"/>
+              <a:rPr lang="en-ZA" dirty="0" err="1"/>
               <a:t>cleanup</a:t>
             </a:r>
             <a:r>
-              <a:rPr lang="en-ZA" dirty="0" smtClean="0"/>
+              <a:rPr lang="en-ZA" dirty="0"/>
               <a:t>!</a:t>
             </a:r>
           </a:p>
           <a:p>
             <a:r>
-              <a:rPr lang="en-ZA" dirty="0" smtClean="0"/>
+              <a:rPr lang="en-ZA" dirty="0"/>
               <a:t>Measure code coverage</a:t>
             </a:r>
           </a:p>
           <a:p>
             <a:r>
-              <a:rPr lang="en-ZA" dirty="0" smtClean="0"/>
+              <a:rPr lang="en-ZA" dirty="0"/>
               <a:t>Write tests to recreate bugs</a:t>
             </a:r>
           </a:p>
           <a:p>
             <a:r>
-              <a:rPr lang="en-ZA" dirty="0" smtClean="0"/>
+              <a:rPr lang="en-ZA" dirty="0"/>
               <a:t>Test edge cases, and not only positives, negatives as well</a:t>
             </a:r>
           </a:p>
           <a:p>
             <a:r>
-              <a:rPr lang="en-ZA" dirty="0" smtClean="0"/>
+              <a:rPr lang="en-ZA" dirty="0"/>
               <a:t>Treat tests as production code</a:t>
             </a:r>
           </a:p>
           <a:p>
             <a:r>
-              <a:rPr lang="en-ZA" dirty="0" smtClean="0"/>
+              <a:rPr lang="en-ZA" dirty="0"/>
               <a:t>Distinguish between different levels/types</a:t>
             </a:r>
           </a:p>
           <a:p>
             <a:r>
-              <a:rPr lang="en-ZA" dirty="0" smtClean="0"/>
+              <a:rPr lang="en-ZA" dirty="0"/>
               <a:t>Integrate in to SDLC, build &amp; deployment processes, CI etc.</a:t>
             </a:r>
           </a:p>
           <a:p>
             <a:r>
-              <a:rPr lang="en-ZA" dirty="0" smtClean="0"/>
-              <a:t>Be careful changing code to fit tests; code must be testable, but </a:t>
-            </a:r>
-            <a:r>
-              <a:rPr lang="en-ZA" dirty="0" smtClean="0"/>
-              <a:t>don’t change </a:t>
-            </a:r>
-            <a:r>
-              <a:rPr lang="en-ZA" dirty="0" smtClean="0"/>
-              <a:t>code to accommodate a test for that sole purpose</a:t>
+              <a:rPr lang="en-ZA" dirty="0"/>
+              <a:t>Be careful changing code to fit tests; code must be testable, but don’t change code to accommodate a test for that sole purpose</a:t>
             </a:r>
           </a:p>
         </p:txBody>
@@ -13049,10 +10250,9 @@
           <a:lstStyle/>
           <a:p>
             <a:r>
-              <a:rPr lang="en-ZA" dirty="0" smtClean="0"/>
+              <a:rPr lang="en-ZA" dirty="0"/>
               <a:t>Right BICEP</a:t>
             </a:r>
-            <a:endParaRPr lang="en-ZA" dirty="0"/>
           </a:p>
         </p:txBody>
       </p:sp>
@@ -13074,169 +10274,101 @@
           <a:lstStyle/>
           <a:p>
             <a:r>
-              <a:rPr lang="en-ZA" dirty="0" smtClean="0"/>
-              <a:t>Right </a:t>
-            </a:r>
-            <a:r>
               <a:rPr lang="en-ZA" dirty="0"/>
-              <a:t>— Are the results right?</a:t>
-            </a:r>
-          </a:p>
-          <a:p>
-            <a:r>
-              <a:rPr lang="en-ZA" dirty="0" smtClean="0"/>
-              <a:t>B </a:t>
-            </a:r>
+              <a:t>Right — Are the results right?</a:t>
+            </a:r>
+          </a:p>
+          <a:p>
             <a:r>
               <a:rPr lang="en-ZA" dirty="0"/>
-              <a:t>— Are all the boundary conditions CORRECT?</a:t>
+              <a:t>B — Are all the boundary conditions CORRECT?</a:t>
             </a:r>
           </a:p>
           <a:p>
             <a:pPr lvl="1"/>
             <a:r>
-              <a:rPr lang="en-ZA" dirty="0" smtClean="0"/>
-              <a:t>Conformance </a:t>
-            </a:r>
-            <a:r>
               <a:rPr lang="en-ZA" dirty="0"/>
-              <a:t>— Does the value conform to an </a:t>
-            </a:r>
-            <a:r>
-              <a:rPr lang="en-ZA" dirty="0" smtClean="0"/>
-              <a:t>expected format</a:t>
-            </a:r>
+              <a:t>Conformance — Does the value conform to an expected format?</a:t>
+            </a:r>
+          </a:p>
+          <a:p>
+            <a:pPr lvl="1"/>
             <a:r>
               <a:rPr lang="en-ZA" dirty="0"/>
-              <a:t>?</a:t>
+              <a:t>Ordering — Is the set of values ordered or unordered as appropriate?</a:t>
             </a:r>
           </a:p>
           <a:p>
             <a:pPr lvl="1"/>
             <a:r>
-              <a:rPr lang="en-ZA" dirty="0" smtClean="0"/>
-              <a:t>Ordering </a:t>
-            </a:r>
-            <a:r>
               <a:rPr lang="en-ZA" dirty="0"/>
-              <a:t>— Is the set of values ordered or unordered as appropriate?</a:t>
+              <a:t>Range — Is the value within reasonable minimum and maximum values?</a:t>
             </a:r>
           </a:p>
           <a:p>
             <a:pPr lvl="1"/>
             <a:r>
-              <a:rPr lang="en-ZA" dirty="0" smtClean="0"/>
-              <a:t>Range </a:t>
-            </a:r>
-            <a:r>
               <a:rPr lang="en-ZA" dirty="0"/>
-              <a:t>— Is the value within reasonable minimum and maximum values?</a:t>
+              <a:t>Reference — Does the code reference anything external that isn’t under direct control of the code itself?</a:t>
             </a:r>
           </a:p>
           <a:p>
             <a:pPr lvl="1"/>
             <a:r>
-              <a:rPr lang="en-ZA" dirty="0" smtClean="0"/>
-              <a:t>Reference </a:t>
-            </a:r>
-            <a:r>
               <a:rPr lang="en-ZA" dirty="0"/>
-              <a:t>— Does the code reference anything external that isn’t under direct control of the code itself?</a:t>
+              <a:t>Existence — Does the value exist (e.g., is non-null, nonzero, present in a set, etc.)?</a:t>
             </a:r>
           </a:p>
           <a:p>
             <a:pPr lvl="1"/>
             <a:r>
-              <a:rPr lang="en-ZA" dirty="0" smtClean="0"/>
-              <a:t>Existence </a:t>
-            </a:r>
-            <a:r>
               <a:rPr lang="en-ZA" dirty="0"/>
-              <a:t>— Does the value exist (e.g., is non-null, nonzero, present in a set, etc.)?</a:t>
+              <a:t>Cardinality — Are there exactly enough values?</a:t>
             </a:r>
           </a:p>
           <a:p>
             <a:pPr lvl="1"/>
             <a:r>
-              <a:rPr lang="en-ZA" dirty="0" smtClean="0"/>
-              <a:t>Cardinality </a:t>
-            </a:r>
-            <a:r>
               <a:rPr lang="en-ZA" dirty="0"/>
-              <a:t>— Are there exactly enough values?</a:t>
+              <a:t>Time (absolute and relative) — Is everything happening in order? At the right time? In time?</a:t>
+            </a:r>
+          </a:p>
+          <a:p>
+            <a:r>
+              <a:rPr lang="en-ZA" dirty="0"/>
+              <a:t>I — Can you check inverse relationships?</a:t>
             </a:r>
           </a:p>
           <a:p>
             <a:pPr lvl="1"/>
             <a:r>
-              <a:rPr lang="en-ZA" dirty="0" smtClean="0"/>
-              <a:t>Time </a:t>
-            </a:r>
-            <a:r>
               <a:rPr lang="en-ZA" dirty="0"/>
-              <a:t>(absolute and relative) — Is everything happening in order? At the right time? In time?</a:t>
-            </a:r>
-          </a:p>
-          <a:p>
-            <a:r>
-              <a:rPr lang="en-ZA" dirty="0" smtClean="0"/>
-              <a:t>I </a:t>
-            </a:r>
+              <a:t>Some methods can be checked by applying their logical inverse. For instance, you might check a method that calculates a square root by squaring the result</a:t>
+            </a:r>
+          </a:p>
+          <a:p>
             <a:r>
               <a:rPr lang="en-ZA" dirty="0"/>
-              <a:t>— Can you check inverse relationships?</a:t>
+              <a:t>C — Can you cross-check results using other means?</a:t>
             </a:r>
           </a:p>
           <a:p>
             <a:pPr lvl="1"/>
             <a:r>
-              <a:rPr lang="en-ZA" dirty="0" smtClean="0"/>
-              <a:t>Some </a:t>
-            </a:r>
-            <a:r>
               <a:rPr lang="en-ZA" dirty="0"/>
-              <a:t>methods can be checked by applying their logical inverse. For instance, you might check a method that calculates a square root by squaring the result</a:t>
-            </a:r>
-          </a:p>
-          <a:p>
-            <a:r>
-              <a:rPr lang="en-ZA" dirty="0" smtClean="0"/>
-              <a:t>C </a:t>
-            </a:r>
+              <a:t>Perhaps there is an easier, but slower algorithm that you can use to verify your new faster algorithm still gets the correct answer.</a:t>
+            </a:r>
+          </a:p>
+          <a:p>
             <a:r>
               <a:rPr lang="en-ZA" dirty="0"/>
-              <a:t>— Can you cross-check results using other means?</a:t>
-            </a:r>
-          </a:p>
-          <a:p>
-            <a:pPr lvl="1"/>
-            <a:r>
-              <a:rPr lang="en-ZA" dirty="0" smtClean="0"/>
-              <a:t>Perhaps </a:t>
-            </a:r>
+              <a:t>E — Can you force error conditions to happen?</a:t>
+            </a:r>
+          </a:p>
+          <a:p>
             <a:r>
               <a:rPr lang="en-ZA" dirty="0"/>
-              <a:t>there is an easier, but slower algorithm that you can use to verify your new faster algorithm still gets the correct answer.</a:t>
-            </a:r>
-          </a:p>
-          <a:p>
-            <a:r>
-              <a:rPr lang="en-ZA" dirty="0" smtClean="0"/>
-              <a:t>E </a:t>
-            </a:r>
-            <a:r>
-              <a:rPr lang="en-ZA" dirty="0"/>
-              <a:t>— Can you force error conditions to happen?</a:t>
-            </a:r>
-          </a:p>
-          <a:p>
-            <a:r>
-              <a:rPr lang="en-ZA" dirty="0" smtClean="0"/>
-              <a:t>P </a:t>
-            </a:r>
-            <a:r>
-              <a:rPr lang="en-ZA" dirty="0"/>
-              <a:t>— Are performance characteristics within bounds?</a:t>
+              <a:t>P — Are performance characteristics within bounds?</a:t>
             </a:r>
           </a:p>
         </p:txBody>

--- a/CodeDojo-UnitTesting.pptx
+++ b/CodeDojo-UnitTesting.pptx
@@ -244,7 +244,7 @@
             <a:fld id="{2280EABA-BA46-4977-A468-5BA52A04D625}" type="datetimeFigureOut">
               <a:rPr lang="en-US" smtClean="0"/>
               <a:pPr/>
-              <a:t>3/30/2017</a:t>
+              <a:t>4/11/2017</a:t>
             </a:fld>
             <a:endParaRPr lang="en-US"/>
           </a:p>
@@ -411,7 +411,7 @@
             <a:fld id="{D9A4A4D6-0EB0-423B-8417-AC0C87E5E672}" type="datetimeFigureOut">
               <a:rPr lang="en-ZA" smtClean="0"/>
               <a:pPr/>
-              <a:t>2017/03/30</a:t>
+              <a:t>2017/04/11</a:t>
             </a:fld>
             <a:endParaRPr lang="en-ZA"/>
           </a:p>
@@ -1839,7 +1839,7 @@
             <a:fld id="{986C9EB5-A2B4-494A-8466-BDB12800E3A8}" type="datetimeFigureOut">
               <a:rPr lang="en-ZA" smtClean="0"/>
               <a:pPr/>
-              <a:t>2017/03/30</a:t>
+              <a:t>2017/04/11</a:t>
             </a:fld>
             <a:endParaRPr lang="en-ZA"/>
           </a:p>
@@ -2035,7 +2035,7 @@
             <a:fld id="{986C9EB5-A2B4-494A-8466-BDB12800E3A8}" type="datetimeFigureOut">
               <a:rPr lang="en-ZA" smtClean="0"/>
               <a:pPr/>
-              <a:t>2017/03/30</a:t>
+              <a:t>2017/04/11</a:t>
             </a:fld>
             <a:endParaRPr lang="en-ZA"/>
           </a:p>
@@ -2241,7 +2241,7 @@
             <a:fld id="{986C9EB5-A2B4-494A-8466-BDB12800E3A8}" type="datetimeFigureOut">
               <a:rPr lang="en-ZA" smtClean="0"/>
               <a:pPr/>
-              <a:t>2017/03/30</a:t>
+              <a:t>2017/04/11</a:t>
             </a:fld>
             <a:endParaRPr lang="en-ZA"/>
           </a:p>
@@ -2676,7 +2676,7 @@
             <a:fld id="{986C9EB5-A2B4-494A-8466-BDB12800E3A8}" type="datetimeFigureOut">
               <a:rPr lang="en-ZA" smtClean="0"/>
               <a:pPr/>
-              <a:t>2017/03/30</a:t>
+              <a:t>2017/04/11</a:t>
             </a:fld>
             <a:endParaRPr lang="en-ZA" dirty="0"/>
           </a:p>
@@ -2962,7 +2962,7 @@
             <a:fld id="{986C9EB5-A2B4-494A-8466-BDB12800E3A8}" type="datetimeFigureOut">
               <a:rPr lang="en-ZA" smtClean="0"/>
               <a:pPr/>
-              <a:t>2017/03/30</a:t>
+              <a:t>2017/04/11</a:t>
             </a:fld>
             <a:endParaRPr lang="en-ZA"/>
           </a:p>
@@ -3276,7 +3276,7 @@
             <a:fld id="{986C9EB5-A2B4-494A-8466-BDB12800E3A8}" type="datetimeFigureOut">
               <a:rPr lang="en-ZA" smtClean="0"/>
               <a:pPr/>
-              <a:t>2017/03/30</a:t>
+              <a:t>2017/04/11</a:t>
             </a:fld>
             <a:endParaRPr lang="en-ZA"/>
           </a:p>
@@ -3724,7 +3724,7 @@
             <a:fld id="{986C9EB5-A2B4-494A-8466-BDB12800E3A8}" type="datetimeFigureOut">
               <a:rPr lang="en-ZA" smtClean="0"/>
               <a:pPr/>
-              <a:t>2017/03/30</a:t>
+              <a:t>2017/04/11</a:t>
             </a:fld>
             <a:endParaRPr lang="en-ZA"/>
           </a:p>
@@ -3868,7 +3868,7 @@
             <a:fld id="{986C9EB5-A2B4-494A-8466-BDB12800E3A8}" type="datetimeFigureOut">
               <a:rPr lang="en-ZA" smtClean="0"/>
               <a:pPr/>
-              <a:t>2017/03/30</a:t>
+              <a:t>2017/04/11</a:t>
             </a:fld>
             <a:endParaRPr lang="en-ZA"/>
           </a:p>
@@ -3989,7 +3989,7 @@
             <a:fld id="{986C9EB5-A2B4-494A-8466-BDB12800E3A8}" type="datetimeFigureOut">
               <a:rPr lang="en-ZA" smtClean="0"/>
               <a:pPr/>
-              <a:t>2017/03/30</a:t>
+              <a:t>2017/04/11</a:t>
             </a:fld>
             <a:endParaRPr lang="en-ZA"/>
           </a:p>
@@ -4292,7 +4292,7 @@
             <a:fld id="{986C9EB5-A2B4-494A-8466-BDB12800E3A8}" type="datetimeFigureOut">
               <a:rPr lang="en-ZA" smtClean="0"/>
               <a:pPr/>
-              <a:t>2017/03/30</a:t>
+              <a:t>2017/04/11</a:t>
             </a:fld>
             <a:endParaRPr lang="en-ZA"/>
           </a:p>
@@ -4571,7 +4571,7 @@
             <a:fld id="{986C9EB5-A2B4-494A-8466-BDB12800E3A8}" type="datetimeFigureOut">
               <a:rPr lang="en-ZA" smtClean="0"/>
               <a:pPr/>
-              <a:t>2017/03/30</a:t>
+              <a:t>2017/04/11</a:t>
             </a:fld>
             <a:endParaRPr lang="en-ZA"/>
           </a:p>
@@ -8840,7 +8840,7 @@
             </a:r>
             <a:r>
               <a:rPr lang="en-ZA" dirty="0"/>
-              <a:t> cheat sheet demo</a:t>
+              <a:t> cheat sheet practical</a:t>
             </a:r>
           </a:p>
         </p:txBody>
@@ -8916,14 +8916,26 @@
         </p:nvSpPr>
         <p:spPr/>
         <p:txBody>
-          <a:bodyPr>
+          <a:bodyPr anchor="ctr">
             <a:normAutofit/>
           </a:bodyPr>
           <a:lstStyle/>
           <a:p>
-            <a:pPr marL="0" indent="0">
+            <a:pPr marL="0" indent="0" algn="ctr">
               <a:buNone/>
             </a:pPr>
+            <a:r>
+              <a:rPr lang="en-ZA" dirty="0" err="1"/>
+              <a:t>Zland</a:t>
+            </a:r>
+            <a:r>
+              <a:rPr lang="en-ZA" dirty="0"/>
+              <a:t> practical </a:t>
+            </a:r>
+            <a:r>
+              <a:rPr lang="en-ZA" dirty="0" err="1"/>
+              <a:t>excercises</a:t>
+            </a:r>
             <a:endParaRPr lang="en-ZA" dirty="0"/>
           </a:p>
         </p:txBody>
@@ -9154,7 +9166,6 @@
               <a:rPr lang="en-ZA" dirty="0"/>
               <a:t>https://martinfowler.com/articles/mocksArentStubs.html</a:t>
             </a:r>
-            <a:endParaRPr lang="en-ZA" dirty="0"/>
           </a:p>
           <a:p>
             <a:endParaRPr lang="en-ZA" dirty="0"/>
@@ -9253,7 +9264,7 @@
                 <a:latin typeface="Arial" pitchFamily="34" charset="0"/>
                 <a:cs typeface="Arial" pitchFamily="34" charset="0"/>
               </a:rPr>
-              <a:t>Code Dojo </a:t>
+              <a:t>Unit Testing Dojo </a:t>
             </a:r>
           </a:p>
         </p:txBody>
